--- a/Final_Presentation.pptx
+++ b/Final_Presentation.pptx
@@ -8,7 +8,12 @@
     <p:sldId id="256" r:id="rId2"/>
     <p:sldId id="257" r:id="rId3"/>
     <p:sldId id="258" r:id="rId4"/>
-    <p:sldId id="259" r:id="rId5"/>
+    <p:sldId id="263" r:id="rId5"/>
+    <p:sldId id="260" r:id="rId6"/>
+    <p:sldId id="264" r:id="rId7"/>
+    <p:sldId id="261" r:id="rId8"/>
+    <p:sldId id="262" r:id="rId9"/>
+    <p:sldId id="259" r:id="rId10"/>
   </p:sldIdLst>
   <p:sldSz cx="12192000" cy="6858000"/>
   <p:notesSz cx="6858000" cy="9144000"/>
@@ -107,6 +112,11 @@
       </a:defRPr>
     </a:lvl9pPr>
   </p:defaultTextStyle>
+  <p:extLst>
+    <p:ext uri="{EFAFB233-063F-42B5-8137-9DF3F51BA10A}">
+      <p15:sldGuideLst xmlns:p15="http://schemas.microsoft.com/office/powerpoint/2012/main"/>
+    </p:ext>
+  </p:extLst>
 </p:presentation>
 </file>
 
@@ -273,7 +283,7 @@
           <a:p>
             <a:fld id="{D4A213A3-10E9-421F-81BE-56E0786AB515}" type="datetime2">
               <a:rPr lang="en-US" smtClean="0"/>
-              <a:t>Wednesday, July 22, 2020</a:t>
+              <a:t>Thursday, July 23, 2020</a:t>
             </a:fld>
             <a:endParaRPr lang="en-US"/>
           </a:p>
@@ -471,7 +481,7 @@
           <a:p>
             <a:fld id="{3D5DABC0-2199-478F-BA77-33A651B6CB89}" type="datetime2">
               <a:rPr lang="en-US" smtClean="0"/>
-              <a:t>Wednesday, July 22, 2020</a:t>
+              <a:t>Thursday, July 23, 2020</a:t>
             </a:fld>
             <a:endParaRPr lang="en-US"/>
           </a:p>
@@ -680,7 +690,7 @@
           <a:p>
             <a:fld id="{D72230C6-DF61-47F4-B8C5-1B70E884BF06}" type="datetime2">
               <a:rPr lang="en-US" smtClean="0"/>
-              <a:t>Wednesday, July 22, 2020</a:t>
+              <a:t>Thursday, July 23, 2020</a:t>
             </a:fld>
             <a:endParaRPr lang="en-US"/>
           </a:p>
@@ -890,7 +900,7 @@
           <a:p>
             <a:fld id="{6B12B50C-7EEE-46CD-BAF7-BBC4026D959A}" type="datetime2">
               <a:rPr lang="en-US" smtClean="0"/>
-              <a:t>Wednesday, July 22, 2020</a:t>
+              <a:t>Thursday, July 23, 2020</a:t>
             </a:fld>
             <a:endParaRPr lang="en-US"/>
           </a:p>
@@ -1170,7 +1180,7 @@
           <a:p>
             <a:fld id="{8D4211C4-AE09-4254-A5E3-6DA9B099C971}" type="datetime2">
               <a:rPr lang="en-US" smtClean="0"/>
-              <a:t>Wednesday, July 22, 2020</a:t>
+              <a:t>Thursday, July 23, 2020</a:t>
             </a:fld>
             <a:endParaRPr lang="en-US"/>
           </a:p>
@@ -1449,7 +1459,7 @@
           <a:p>
             <a:fld id="{681742C3-E082-4760-93B2-E209268DD00C}" type="datetime2">
               <a:rPr lang="en-US" smtClean="0"/>
-              <a:t>Wednesday, July 22, 2020</a:t>
+              <a:t>Thursday, July 23, 2020</a:t>
             </a:fld>
             <a:endParaRPr lang="en-US"/>
           </a:p>
@@ -1870,7 +1880,7 @@
           <a:p>
             <a:fld id="{3B6FC950-F824-48B9-B984-CAEE265865E5}" type="datetime2">
               <a:rPr lang="en-US" smtClean="0"/>
-              <a:t>Wednesday, July 22, 2020</a:t>
+              <a:t>Thursday, July 23, 2020</a:t>
             </a:fld>
             <a:endParaRPr lang="en-US"/>
           </a:p>
@@ -2023,7 +2033,7 @@
           <a:p>
             <a:fld id="{BC8E3A0F-68E7-4D17-BB84-ED1BA4F6AC6B}" type="datetime2">
               <a:rPr lang="en-US" smtClean="0"/>
-              <a:t>Wednesday, July 22, 2020</a:t>
+              <a:t>Thursday, July 23, 2020</a:t>
             </a:fld>
             <a:endParaRPr lang="en-US"/>
           </a:p>
@@ -2136,7 +2146,7 @@
           <a:p>
             <a:fld id="{EDB7BC4F-EDA1-4BA2-BFF3-FE5B31CCB58B}" type="datetime2">
               <a:rPr lang="en-US" smtClean="0"/>
-              <a:t>Wednesday, July 22, 2020</a:t>
+              <a:t>Thursday, July 23, 2020</a:t>
             </a:fld>
             <a:endParaRPr lang="en-US"/>
           </a:p>
@@ -2450,7 +2460,7 @@
           <a:p>
             <a:fld id="{3AAE694C-1394-4838-A564-7380835C2E77}" type="datetime2">
               <a:rPr lang="en-US" smtClean="0"/>
-              <a:t>Wednesday, July 22, 2020</a:t>
+              <a:t>Thursday, July 23, 2020</a:t>
             </a:fld>
             <a:endParaRPr lang="en-US"/>
           </a:p>
@@ -2743,7 +2753,7 @@
           <a:p>
             <a:fld id="{CAB84B19-1A00-4EDB-8425-E1827A377364}" type="datetime2">
               <a:rPr lang="en-US" smtClean="0"/>
-              <a:t>Wednesday, July 22, 2020</a:t>
+              <a:t>Thursday, July 23, 2020</a:t>
             </a:fld>
             <a:endParaRPr lang="en-US"/>
           </a:p>
@@ -3112,7 +3122,7 @@
           <a:p>
             <a:fld id="{10076A27-8146-4F75-9851-A83577C6FD8A}" type="datetime2">
               <a:rPr lang="en-US" smtClean="0"/>
-              <a:t>Wednesday, July 22, 2020</a:t>
+              <a:t>Thursday, July 23, 2020</a:t>
             </a:fld>
             <a:endParaRPr lang="en-US"/>
           </a:p>
@@ -4631,7 +4641,7 @@
             </a:pPr>
             <a:r>
               <a:rPr lang="en-US" sz="1800" dirty="0"/>
-              <a:t>20 attributes (both numerical and qualitative)</a:t>
+              <a:t>20 attributes (numerical and qualitative)</a:t>
             </a:r>
           </a:p>
           <a:p>
@@ -5289,6 +5299,14 @@
 <file path=ppt/slides/slide4.xml><?xml version="1.0" encoding="utf-8"?>
 <p:sld xmlns:a="http://schemas.openxmlformats.org/drawingml/2006/main" xmlns:r="http://schemas.openxmlformats.org/officeDocument/2006/relationships" xmlns:p="http://schemas.openxmlformats.org/presentationml/2006/main">
   <p:cSld>
+    <p:bg>
+      <p:bgPr>
+        <a:solidFill>
+          <a:schemeClr val="bg1"/>
+        </a:solidFill>
+        <a:effectLst/>
+      </p:bgPr>
+    </p:bg>
     <p:spTree>
       <p:nvGrpSpPr>
         <p:cNvPr id="1" name=""/>
@@ -5303,6 +5321,2390 @@
           <a:chExt cx="0" cy="0"/>
         </a:xfrm>
       </p:grpSpPr>
+      <p:sp useBgFill="1">
+        <p:nvSpPr>
+          <p:cNvPr id="18" name="Rectangle 9">
+            <a:extLst>
+              <a:ext uri="{FF2B5EF4-FFF2-40B4-BE49-F238E27FC236}">
+                <a16:creationId xmlns:a16="http://schemas.microsoft.com/office/drawing/2014/main" id="{4643CFF5-3073-44B6-9A56-4CAF096FFF17}"/>
+              </a:ext>
+              <a:ext uri="{C183D7F6-B498-43B3-948B-1728B52AA6E4}">
+                <adec:decorative xmlns:adec="http://schemas.microsoft.com/office/drawing/2017/decorative" val="1"/>
+              </a:ext>
+            </a:extLst>
+          </p:cNvPr>
+          <p:cNvSpPr>
+            <a:spLocks noGrp="1" noRot="1" noChangeAspect="1" noMove="1" noResize="1" noEditPoints="1" noAdjustHandles="1" noChangeArrowheads="1" noChangeShapeType="1" noTextEdit="1"/>
+          </p:cNvSpPr>
+          <p:nvPr>
+            <p:extLst>
+              <p:ext uri="{386F3935-93C4-4BCD-93E2-E3B085C9AB24}">
+                <p16:designElem xmlns:p16="http://schemas.microsoft.com/office/powerpoint/2015/main" val="1"/>
+              </p:ext>
+            </p:extLst>
+          </p:nvPr>
+        </p:nvSpPr>
+        <p:spPr>
+          <a:xfrm>
+            <a:off x="0" y="0"/>
+            <a:ext cx="12192000" cy="6858000"/>
+          </a:xfrm>
+          <a:prstGeom prst="rect">
+            <a:avLst/>
+          </a:prstGeom>
+          <a:ln w="12700" cap="flat" cmpd="sng" algn="ctr">
+            <a:noFill/>
+            <a:prstDash val="solid"/>
+            <a:miter lim="800000"/>
+          </a:ln>
+          <a:effectLst/>
+          <a:extLst>
+            <a:ext uri="{91240B29-F687-4F45-9708-019B960494DF}">
+              <a14:hiddenLine xmlns:a14="http://schemas.microsoft.com/office/drawing/2010/main" w="12700" cap="flat" cmpd="sng" algn="ctr">
+                <a:solidFill>
+                  <a:schemeClr val="accent1">
+                    <a:shade val="50000"/>
+                  </a:schemeClr>
+                </a:solidFill>
+                <a:prstDash val="solid"/>
+                <a:miter lim="800000"/>
+              </a14:hiddenLine>
+            </a:ext>
+          </a:extLst>
+        </p:spPr>
+        <p:style>
+          <a:lnRef idx="2">
+            <a:schemeClr val="accent1">
+              <a:shade val="50000"/>
+            </a:schemeClr>
+          </a:lnRef>
+          <a:fillRef idx="1">
+            <a:schemeClr val="accent1"/>
+          </a:fillRef>
+          <a:effectRef idx="0">
+            <a:schemeClr val="accent1"/>
+          </a:effectRef>
+          <a:fontRef idx="minor">
+            <a:schemeClr val="lt1"/>
+          </a:fontRef>
+        </p:style>
+        <p:txBody>
+          <a:bodyPr rtlCol="0" anchor="ctr"/>
+          <a:lstStyle/>
+          <a:p>
+            <a:pPr algn="ctr"/>
+            <a:endParaRPr lang="en-US"/>
+          </a:p>
+        </p:txBody>
+      </p:sp>
+      <p:sp>
+        <p:nvSpPr>
+          <p:cNvPr id="2" name="Title 1">
+            <a:extLst>
+              <a:ext uri="{FF2B5EF4-FFF2-40B4-BE49-F238E27FC236}">
+                <a16:creationId xmlns:a16="http://schemas.microsoft.com/office/drawing/2014/main" id="{84B59EC0-8C1F-49CF-989C-23B0EA71EBD4}"/>
+              </a:ext>
+            </a:extLst>
+          </p:cNvPr>
+          <p:cNvSpPr>
+            <a:spLocks noGrp="1"/>
+          </p:cNvSpPr>
+          <p:nvPr>
+            <p:ph type="title"/>
+          </p:nvPr>
+        </p:nvSpPr>
+        <p:spPr>
+          <a:xfrm>
+            <a:off x="1371600" y="457200"/>
+            <a:ext cx="5868785" cy="1556724"/>
+          </a:xfrm>
+        </p:spPr>
+        <p:txBody>
+          <a:bodyPr anchor="b">
+            <a:normAutofit/>
+          </a:bodyPr>
+          <a:lstStyle/>
+          <a:p>
+            <a:r>
+              <a:rPr lang="en-US" dirty="0"/>
+              <a:t>sampling</a:t>
+            </a:r>
+          </a:p>
+        </p:txBody>
+      </p:sp>
+      <p:pic>
+        <p:nvPicPr>
+          <p:cNvPr id="19" name="Graphic 6" descr="Group">
+            <a:extLst>
+              <a:ext uri="{FF2B5EF4-FFF2-40B4-BE49-F238E27FC236}">
+                <a16:creationId xmlns:a16="http://schemas.microsoft.com/office/drawing/2014/main" id="{7634B987-A9F1-4489-989B-04B1922A800C}"/>
+              </a:ext>
+            </a:extLst>
+          </p:cNvPr>
+          <p:cNvPicPr>
+            <a:picLocks noChangeAspect="1"/>
+          </p:cNvPicPr>
+          <p:nvPr/>
+        </p:nvPicPr>
+        <p:blipFill>
+          <a:blip r:embed="rId2">
+            <a:extLst>
+              <a:ext uri="{28A0092B-C50C-407E-A947-70E740481C1C}">
+                <a14:useLocalDpi xmlns:a14="http://schemas.microsoft.com/office/drawing/2010/main" val="0"/>
+              </a:ext>
+              <a:ext uri="{96DAC541-7B7A-43D3-8B79-37D633B846F1}">
+                <asvg:svgBlip xmlns:asvg="http://schemas.microsoft.com/office/drawing/2016/SVG/main" r:embed="rId3"/>
+              </a:ext>
+            </a:extLst>
+          </a:blip>
+          <a:stretch>
+            <a:fillRect/>
+          </a:stretch>
+        </p:blipFill>
+        <p:spPr>
+          <a:xfrm>
+            <a:off x="7697585" y="1028700"/>
+            <a:ext cx="4037215" cy="4037215"/>
+          </a:xfrm>
+          <a:prstGeom prst="rect">
+            <a:avLst/>
+          </a:prstGeom>
+        </p:spPr>
+      </p:pic>
+      <p:sp>
+        <p:nvSpPr>
+          <p:cNvPr id="20" name="Rectangle 11">
+            <a:extLst>
+              <a:ext uri="{FF2B5EF4-FFF2-40B4-BE49-F238E27FC236}">
+                <a16:creationId xmlns:a16="http://schemas.microsoft.com/office/drawing/2014/main" id="{955DEFE8-24AF-47F7-B020-D4D76ABA1830}"/>
+              </a:ext>
+              <a:ext uri="{C183D7F6-B498-43B3-948B-1728B52AA6E4}">
+                <adec:decorative xmlns:adec="http://schemas.microsoft.com/office/drawing/2017/decorative" val="1"/>
+              </a:ext>
+            </a:extLst>
+          </p:cNvPr>
+          <p:cNvSpPr>
+            <a:spLocks noGrp="1" noRot="1" noChangeAspect="1" noMove="1" noResize="1" noEditPoints="1" noAdjustHandles="1" noChangeArrowheads="1" noChangeShapeType="1" noTextEdit="1"/>
+          </p:cNvSpPr>
+          <p:nvPr>
+            <p:extLst>
+              <p:ext uri="{386F3935-93C4-4BCD-93E2-E3B085C9AB24}">
+                <p16:designElem xmlns:p16="http://schemas.microsoft.com/office/powerpoint/2015/main" val="1"/>
+              </p:ext>
+            </p:extLst>
+          </p:nvPr>
+        </p:nvSpPr>
+        <p:spPr>
+          <a:xfrm rot="10800000" flipH="1">
+            <a:off x="0" y="6391868"/>
+            <a:ext cx="12192000" cy="456773"/>
+          </a:xfrm>
+          <a:prstGeom prst="rect">
+            <a:avLst/>
+          </a:prstGeom>
+          <a:gradFill>
+            <a:gsLst>
+              <a:gs pos="14000">
+                <a:schemeClr val="accent4">
+                  <a:alpha val="28000"/>
+                </a:schemeClr>
+              </a:gs>
+              <a:gs pos="100000">
+                <a:schemeClr val="accent5">
+                  <a:alpha val="85000"/>
+                </a:schemeClr>
+              </a:gs>
+            </a:gsLst>
+            <a:lin ang="6000000" scaled="0"/>
+          </a:gradFill>
+          <a:ln>
+            <a:noFill/>
+          </a:ln>
+        </p:spPr>
+        <p:style>
+          <a:lnRef idx="2">
+            <a:schemeClr val="accent1">
+              <a:shade val="50000"/>
+            </a:schemeClr>
+          </a:lnRef>
+          <a:fillRef idx="1">
+            <a:schemeClr val="accent1"/>
+          </a:fillRef>
+          <a:effectRef idx="0">
+            <a:schemeClr val="accent1"/>
+          </a:effectRef>
+          <a:fontRef idx="minor">
+            <a:schemeClr val="lt1"/>
+          </a:fontRef>
+        </p:style>
+        <p:txBody>
+          <a:bodyPr rtlCol="0" anchor="ctr"/>
+          <a:lstStyle>
+            <a:defPPr>
+              <a:defRPr lang="en-US"/>
+            </a:defPPr>
+            <a:lvl1pPr marL="0" algn="l" defTabSz="914400" rtl="0" eaLnBrk="1" latinLnBrk="0" hangingPunct="1">
+              <a:defRPr sz="1800" kern="1200">
+                <a:solidFill>
+                  <a:schemeClr val="lt1"/>
+                </a:solidFill>
+                <a:latin typeface="+mn-lt"/>
+                <a:ea typeface="+mn-ea"/>
+                <a:cs typeface="+mn-cs"/>
+              </a:defRPr>
+            </a:lvl1pPr>
+            <a:lvl2pPr marL="457200" algn="l" defTabSz="914400" rtl="0" eaLnBrk="1" latinLnBrk="0" hangingPunct="1">
+              <a:defRPr sz="1800" kern="1200">
+                <a:solidFill>
+                  <a:schemeClr val="lt1"/>
+                </a:solidFill>
+                <a:latin typeface="+mn-lt"/>
+                <a:ea typeface="+mn-ea"/>
+                <a:cs typeface="+mn-cs"/>
+              </a:defRPr>
+            </a:lvl2pPr>
+            <a:lvl3pPr marL="914400" algn="l" defTabSz="914400" rtl="0" eaLnBrk="1" latinLnBrk="0" hangingPunct="1">
+              <a:defRPr sz="1800" kern="1200">
+                <a:solidFill>
+                  <a:schemeClr val="lt1"/>
+                </a:solidFill>
+                <a:latin typeface="+mn-lt"/>
+                <a:ea typeface="+mn-ea"/>
+                <a:cs typeface="+mn-cs"/>
+              </a:defRPr>
+            </a:lvl3pPr>
+            <a:lvl4pPr marL="1371600" algn="l" defTabSz="914400" rtl="0" eaLnBrk="1" latinLnBrk="0" hangingPunct="1">
+              <a:defRPr sz="1800" kern="1200">
+                <a:solidFill>
+                  <a:schemeClr val="lt1"/>
+                </a:solidFill>
+                <a:latin typeface="+mn-lt"/>
+                <a:ea typeface="+mn-ea"/>
+                <a:cs typeface="+mn-cs"/>
+              </a:defRPr>
+            </a:lvl4pPr>
+            <a:lvl5pPr marL="1828800" algn="l" defTabSz="914400" rtl="0" eaLnBrk="1" latinLnBrk="0" hangingPunct="1">
+              <a:defRPr sz="1800" kern="1200">
+                <a:solidFill>
+                  <a:schemeClr val="lt1"/>
+                </a:solidFill>
+                <a:latin typeface="+mn-lt"/>
+                <a:ea typeface="+mn-ea"/>
+                <a:cs typeface="+mn-cs"/>
+              </a:defRPr>
+            </a:lvl5pPr>
+            <a:lvl6pPr marL="2286000" algn="l" defTabSz="914400" rtl="0" eaLnBrk="1" latinLnBrk="0" hangingPunct="1">
+              <a:defRPr sz="1800" kern="1200">
+                <a:solidFill>
+                  <a:schemeClr val="lt1"/>
+                </a:solidFill>
+                <a:latin typeface="+mn-lt"/>
+                <a:ea typeface="+mn-ea"/>
+                <a:cs typeface="+mn-cs"/>
+              </a:defRPr>
+            </a:lvl6pPr>
+            <a:lvl7pPr marL="2743200" algn="l" defTabSz="914400" rtl="0" eaLnBrk="1" latinLnBrk="0" hangingPunct="1">
+              <a:defRPr sz="1800" kern="1200">
+                <a:solidFill>
+                  <a:schemeClr val="lt1"/>
+                </a:solidFill>
+                <a:latin typeface="+mn-lt"/>
+                <a:ea typeface="+mn-ea"/>
+                <a:cs typeface="+mn-cs"/>
+              </a:defRPr>
+            </a:lvl7pPr>
+            <a:lvl8pPr marL="3200400" algn="l" defTabSz="914400" rtl="0" eaLnBrk="1" latinLnBrk="0" hangingPunct="1">
+              <a:defRPr sz="1800" kern="1200">
+                <a:solidFill>
+                  <a:schemeClr val="lt1"/>
+                </a:solidFill>
+                <a:latin typeface="+mn-lt"/>
+                <a:ea typeface="+mn-ea"/>
+                <a:cs typeface="+mn-cs"/>
+              </a:defRPr>
+            </a:lvl8pPr>
+            <a:lvl9pPr marL="3657600" algn="l" defTabSz="914400" rtl="0" eaLnBrk="1" latinLnBrk="0" hangingPunct="1">
+              <a:defRPr sz="1800" kern="1200">
+                <a:solidFill>
+                  <a:schemeClr val="lt1"/>
+                </a:solidFill>
+                <a:latin typeface="+mn-lt"/>
+                <a:ea typeface="+mn-ea"/>
+                <a:cs typeface="+mn-cs"/>
+              </a:defRPr>
+            </a:lvl9pPr>
+          </a:lstStyle>
+          <a:p>
+            <a:pPr algn="ctr"/>
+            <a:endParaRPr lang="en-US"/>
+          </a:p>
+        </p:txBody>
+      </p:sp>
+      <p:sp>
+        <p:nvSpPr>
+          <p:cNvPr id="21" name="Rectangle 13">
+            <a:extLst>
+              <a:ext uri="{FF2B5EF4-FFF2-40B4-BE49-F238E27FC236}">
+                <a16:creationId xmlns:a16="http://schemas.microsoft.com/office/drawing/2014/main" id="{6EAE3873-25FC-4346-B1D5-82E5F9D953ED}"/>
+              </a:ext>
+              <a:ext uri="{C183D7F6-B498-43B3-948B-1728B52AA6E4}">
+                <adec:decorative xmlns:adec="http://schemas.microsoft.com/office/drawing/2017/decorative" val="1"/>
+              </a:ext>
+            </a:extLst>
+          </p:cNvPr>
+          <p:cNvSpPr>
+            <a:spLocks noGrp="1" noRot="1" noChangeAspect="1" noMove="1" noResize="1" noEditPoints="1" noAdjustHandles="1" noChangeArrowheads="1" noChangeShapeType="1" noTextEdit="1"/>
+          </p:cNvSpPr>
+          <p:nvPr>
+            <p:extLst>
+              <p:ext uri="{386F3935-93C4-4BCD-93E2-E3B085C9AB24}">
+                <p16:designElem xmlns:p16="http://schemas.microsoft.com/office/powerpoint/2015/main" val="1"/>
+              </p:ext>
+            </p:extLst>
+          </p:nvPr>
+        </p:nvSpPr>
+        <p:spPr>
+          <a:xfrm flipH="1">
+            <a:off x="4038600" y="6391868"/>
+            <a:ext cx="8153398" cy="456772"/>
+          </a:xfrm>
+          <a:prstGeom prst="rect">
+            <a:avLst/>
+          </a:prstGeom>
+          <a:gradFill>
+            <a:gsLst>
+              <a:gs pos="9000">
+                <a:schemeClr val="accent2">
+                  <a:lumMod val="60000"/>
+                  <a:lumOff val="40000"/>
+                  <a:alpha val="67000"/>
+                </a:schemeClr>
+              </a:gs>
+              <a:gs pos="99000">
+                <a:schemeClr val="accent2"/>
+              </a:gs>
+            </a:gsLst>
+            <a:lin ang="14400000" scaled="0"/>
+          </a:gradFill>
+          <a:ln>
+            <a:noFill/>
+          </a:ln>
+        </p:spPr>
+        <p:style>
+          <a:lnRef idx="2">
+            <a:schemeClr val="accent1">
+              <a:shade val="50000"/>
+            </a:schemeClr>
+          </a:lnRef>
+          <a:fillRef idx="1">
+            <a:schemeClr val="accent1"/>
+          </a:fillRef>
+          <a:effectRef idx="0">
+            <a:schemeClr val="accent1"/>
+          </a:effectRef>
+          <a:fontRef idx="minor">
+            <a:schemeClr val="lt1"/>
+          </a:fontRef>
+        </p:style>
+        <p:txBody>
+          <a:bodyPr rtlCol="0" anchor="ctr"/>
+          <a:lstStyle>
+            <a:defPPr>
+              <a:defRPr lang="en-US"/>
+            </a:defPPr>
+            <a:lvl1pPr marL="0" algn="l" defTabSz="914400" rtl="0" eaLnBrk="1" latinLnBrk="0" hangingPunct="1">
+              <a:defRPr sz="1800" kern="1200">
+                <a:solidFill>
+                  <a:schemeClr val="lt1"/>
+                </a:solidFill>
+                <a:latin typeface="+mn-lt"/>
+                <a:ea typeface="+mn-ea"/>
+                <a:cs typeface="+mn-cs"/>
+              </a:defRPr>
+            </a:lvl1pPr>
+            <a:lvl2pPr marL="457200" algn="l" defTabSz="914400" rtl="0" eaLnBrk="1" latinLnBrk="0" hangingPunct="1">
+              <a:defRPr sz="1800" kern="1200">
+                <a:solidFill>
+                  <a:schemeClr val="lt1"/>
+                </a:solidFill>
+                <a:latin typeface="+mn-lt"/>
+                <a:ea typeface="+mn-ea"/>
+                <a:cs typeface="+mn-cs"/>
+              </a:defRPr>
+            </a:lvl2pPr>
+            <a:lvl3pPr marL="914400" algn="l" defTabSz="914400" rtl="0" eaLnBrk="1" latinLnBrk="0" hangingPunct="1">
+              <a:defRPr sz="1800" kern="1200">
+                <a:solidFill>
+                  <a:schemeClr val="lt1"/>
+                </a:solidFill>
+                <a:latin typeface="+mn-lt"/>
+                <a:ea typeface="+mn-ea"/>
+                <a:cs typeface="+mn-cs"/>
+              </a:defRPr>
+            </a:lvl3pPr>
+            <a:lvl4pPr marL="1371600" algn="l" defTabSz="914400" rtl="0" eaLnBrk="1" latinLnBrk="0" hangingPunct="1">
+              <a:defRPr sz="1800" kern="1200">
+                <a:solidFill>
+                  <a:schemeClr val="lt1"/>
+                </a:solidFill>
+                <a:latin typeface="+mn-lt"/>
+                <a:ea typeface="+mn-ea"/>
+                <a:cs typeface="+mn-cs"/>
+              </a:defRPr>
+            </a:lvl4pPr>
+            <a:lvl5pPr marL="1828800" algn="l" defTabSz="914400" rtl="0" eaLnBrk="1" latinLnBrk="0" hangingPunct="1">
+              <a:defRPr sz="1800" kern="1200">
+                <a:solidFill>
+                  <a:schemeClr val="lt1"/>
+                </a:solidFill>
+                <a:latin typeface="+mn-lt"/>
+                <a:ea typeface="+mn-ea"/>
+                <a:cs typeface="+mn-cs"/>
+              </a:defRPr>
+            </a:lvl5pPr>
+            <a:lvl6pPr marL="2286000" algn="l" defTabSz="914400" rtl="0" eaLnBrk="1" latinLnBrk="0" hangingPunct="1">
+              <a:defRPr sz="1800" kern="1200">
+                <a:solidFill>
+                  <a:schemeClr val="lt1"/>
+                </a:solidFill>
+                <a:latin typeface="+mn-lt"/>
+                <a:ea typeface="+mn-ea"/>
+                <a:cs typeface="+mn-cs"/>
+              </a:defRPr>
+            </a:lvl6pPr>
+            <a:lvl7pPr marL="2743200" algn="l" defTabSz="914400" rtl="0" eaLnBrk="1" latinLnBrk="0" hangingPunct="1">
+              <a:defRPr sz="1800" kern="1200">
+                <a:solidFill>
+                  <a:schemeClr val="lt1"/>
+                </a:solidFill>
+                <a:latin typeface="+mn-lt"/>
+                <a:ea typeface="+mn-ea"/>
+                <a:cs typeface="+mn-cs"/>
+              </a:defRPr>
+            </a:lvl7pPr>
+            <a:lvl8pPr marL="3200400" algn="l" defTabSz="914400" rtl="0" eaLnBrk="1" latinLnBrk="0" hangingPunct="1">
+              <a:defRPr sz="1800" kern="1200">
+                <a:solidFill>
+                  <a:schemeClr val="lt1"/>
+                </a:solidFill>
+                <a:latin typeface="+mn-lt"/>
+                <a:ea typeface="+mn-ea"/>
+                <a:cs typeface="+mn-cs"/>
+              </a:defRPr>
+            </a:lvl8pPr>
+            <a:lvl9pPr marL="3657600" algn="l" defTabSz="914400" rtl="0" eaLnBrk="1" latinLnBrk="0" hangingPunct="1">
+              <a:defRPr sz="1800" kern="1200">
+                <a:solidFill>
+                  <a:schemeClr val="lt1"/>
+                </a:solidFill>
+                <a:latin typeface="+mn-lt"/>
+                <a:ea typeface="+mn-ea"/>
+                <a:cs typeface="+mn-cs"/>
+              </a:defRPr>
+            </a:lvl9pPr>
+          </a:lstStyle>
+          <a:p>
+            <a:pPr algn="ctr"/>
+            <a:endParaRPr lang="en-US"/>
+          </a:p>
+        </p:txBody>
+      </p:sp>
+      <p:graphicFrame>
+        <p:nvGraphicFramePr>
+          <p:cNvPr id="4" name="Table 4">
+            <a:extLst>
+              <a:ext uri="{FF2B5EF4-FFF2-40B4-BE49-F238E27FC236}">
+                <a16:creationId xmlns:a16="http://schemas.microsoft.com/office/drawing/2014/main" id="{5C048303-FE87-4DC0-B81F-13D0CE79E76C}"/>
+              </a:ext>
+            </a:extLst>
+          </p:cNvPr>
+          <p:cNvGraphicFramePr>
+            <a:graphicFrameLocks noGrp="1"/>
+          </p:cNvGraphicFramePr>
+          <p:nvPr>
+            <p:extLst>
+              <p:ext uri="{D42A27DB-BD31-4B8C-83A1-F6EECF244321}">
+                <p14:modId xmlns:p14="http://schemas.microsoft.com/office/powerpoint/2010/main" val="2997298458"/>
+              </p:ext>
+            </p:extLst>
+          </p:nvPr>
+        </p:nvGraphicFramePr>
+        <p:xfrm>
+          <a:off x="1371600" y="2965421"/>
+          <a:ext cx="8647836" cy="1986520"/>
+        </p:xfrm>
+        <a:graphic>
+          <a:graphicData uri="http://schemas.openxmlformats.org/drawingml/2006/table">
+            <a:tbl>
+              <a:tblPr firstRow="1" bandRow="1">
+                <a:tableStyleId>{5C22544A-7EE6-4342-B048-85BDC9FD1C3A}</a:tableStyleId>
+              </a:tblPr>
+              <a:tblGrid>
+                <a:gridCol w="2882612">
+                  <a:extLst>
+                    <a:ext uri="{9D8B030D-6E8A-4147-A177-3AD203B41FA5}">
+                      <a16:colId xmlns:a16="http://schemas.microsoft.com/office/drawing/2014/main" val="3936090327"/>
+                    </a:ext>
+                  </a:extLst>
+                </a:gridCol>
+                <a:gridCol w="2882612">
+                  <a:extLst>
+                    <a:ext uri="{9D8B030D-6E8A-4147-A177-3AD203B41FA5}">
+                      <a16:colId xmlns:a16="http://schemas.microsoft.com/office/drawing/2014/main" val="3057817450"/>
+                    </a:ext>
+                  </a:extLst>
+                </a:gridCol>
+                <a:gridCol w="2882612">
+                  <a:extLst>
+                    <a:ext uri="{9D8B030D-6E8A-4147-A177-3AD203B41FA5}">
+                      <a16:colId xmlns:a16="http://schemas.microsoft.com/office/drawing/2014/main" val="1141435056"/>
+                    </a:ext>
+                  </a:extLst>
+                </a:gridCol>
+              </a:tblGrid>
+              <a:tr h="887594">
+                <a:tc>
+                  <a:txBody>
+                    <a:bodyPr/>
+                    <a:lstStyle/>
+                    <a:p>
+                      <a:endParaRPr lang="en-US" dirty="0"/>
+                    </a:p>
+                  </a:txBody>
+                  <a:tcPr/>
+                </a:tc>
+                <a:tc>
+                  <a:txBody>
+                    <a:bodyPr/>
+                    <a:lstStyle/>
+                    <a:p>
+                      <a:pPr algn="ctr"/>
+                      <a:r>
+                        <a:rPr lang="en-US" dirty="0"/>
+                        <a:t>Original Dataset</a:t>
+                      </a:r>
+                    </a:p>
+                  </a:txBody>
+                  <a:tcPr anchor="ctr"/>
+                </a:tc>
+                <a:tc>
+                  <a:txBody>
+                    <a:bodyPr/>
+                    <a:lstStyle/>
+                    <a:p>
+                      <a:pPr algn="ctr"/>
+                      <a:r>
+                        <a:rPr lang="en-US" dirty="0"/>
+                        <a:t>Training Dataset </a:t>
+                      </a:r>
+                    </a:p>
+                    <a:p>
+                      <a:pPr algn="ctr"/>
+                      <a:r>
+                        <a:rPr lang="en-US" dirty="0"/>
+                        <a:t>(imblearn.over_sampling)</a:t>
+                      </a:r>
+                    </a:p>
+                  </a:txBody>
+                  <a:tcPr anchor="ctr"/>
+                </a:tc>
+                <a:extLst>
+                  <a:ext uri="{0D108BD9-81ED-4DB2-BD59-A6C34878D82A}">
+                    <a16:rowId xmlns:a16="http://schemas.microsoft.com/office/drawing/2014/main" val="3204913181"/>
+                  </a:ext>
+                </a:extLst>
+              </a:tr>
+              <a:tr h="549463">
+                <a:tc>
+                  <a:txBody>
+                    <a:bodyPr/>
+                    <a:lstStyle/>
+                    <a:p>
+                      <a:r>
+                        <a:rPr lang="en-US" sz="2000" b="1" dirty="0"/>
+                        <a:t>Bad customers </a:t>
+                      </a:r>
+                      <a:r>
+                        <a:rPr lang="en-US" sz="2000" dirty="0"/>
+                        <a:t>(0)</a:t>
+                      </a:r>
+                    </a:p>
+                  </a:txBody>
+                  <a:tcPr anchor="ctr"/>
+                </a:tc>
+                <a:tc>
+                  <a:txBody>
+                    <a:bodyPr/>
+                    <a:lstStyle/>
+                    <a:p>
+                      <a:pPr algn="ctr"/>
+                      <a:r>
+                        <a:rPr lang="en-US" sz="2000" dirty="0"/>
+                        <a:t>300</a:t>
+                      </a:r>
+                    </a:p>
+                  </a:txBody>
+                  <a:tcPr anchor="ctr"/>
+                </a:tc>
+                <a:tc>
+                  <a:txBody>
+                    <a:bodyPr/>
+                    <a:lstStyle/>
+                    <a:p>
+                      <a:pPr algn="ctr"/>
+                      <a:r>
+                        <a:rPr lang="en-US" sz="2000" dirty="0"/>
+                        <a:t>527</a:t>
+                      </a:r>
+                    </a:p>
+                  </a:txBody>
+                  <a:tcPr anchor="ctr"/>
+                </a:tc>
+                <a:extLst>
+                  <a:ext uri="{0D108BD9-81ED-4DB2-BD59-A6C34878D82A}">
+                    <a16:rowId xmlns:a16="http://schemas.microsoft.com/office/drawing/2014/main" val="1725896782"/>
+                  </a:ext>
+                </a:extLst>
+              </a:tr>
+              <a:tr h="549463">
+                <a:tc>
+                  <a:txBody>
+                    <a:bodyPr/>
+                    <a:lstStyle/>
+                    <a:p>
+                      <a:r>
+                        <a:rPr lang="en-US" sz="2000" b="1" dirty="0"/>
+                        <a:t>Good customers </a:t>
+                      </a:r>
+                      <a:r>
+                        <a:rPr lang="en-US" sz="2000" dirty="0"/>
+                        <a:t>(1)</a:t>
+                      </a:r>
+                    </a:p>
+                  </a:txBody>
+                  <a:tcPr anchor="ctr"/>
+                </a:tc>
+                <a:tc>
+                  <a:txBody>
+                    <a:bodyPr/>
+                    <a:lstStyle/>
+                    <a:p>
+                      <a:pPr algn="ctr"/>
+                      <a:r>
+                        <a:rPr lang="en-US" sz="2000" dirty="0"/>
+                        <a:t>700</a:t>
+                      </a:r>
+                    </a:p>
+                  </a:txBody>
+                  <a:tcPr anchor="ctr"/>
+                </a:tc>
+                <a:tc>
+                  <a:txBody>
+                    <a:bodyPr/>
+                    <a:lstStyle/>
+                    <a:p>
+                      <a:pPr algn="ctr"/>
+                      <a:r>
+                        <a:rPr lang="en-US" sz="2000" dirty="0"/>
+                        <a:t>523</a:t>
+                      </a:r>
+                    </a:p>
+                  </a:txBody>
+                  <a:tcPr anchor="ctr"/>
+                </a:tc>
+                <a:extLst>
+                  <a:ext uri="{0D108BD9-81ED-4DB2-BD59-A6C34878D82A}">
+                    <a16:rowId xmlns:a16="http://schemas.microsoft.com/office/drawing/2014/main" val="3480402118"/>
+                  </a:ext>
+                </a:extLst>
+              </a:tr>
+            </a:tbl>
+          </a:graphicData>
+        </a:graphic>
+      </p:graphicFrame>
+    </p:spTree>
+    <p:extLst>
+      <p:ext uri="{BB962C8B-B14F-4D97-AF65-F5344CB8AC3E}">
+        <p14:creationId xmlns:p14="http://schemas.microsoft.com/office/powerpoint/2010/main" val="1530847264"/>
+      </p:ext>
+    </p:extLst>
+  </p:cSld>
+  <p:clrMapOvr>
+    <a:masterClrMapping/>
+  </p:clrMapOvr>
+</p:sld>
+</file>
+
+<file path=ppt/slides/slide5.xml><?xml version="1.0" encoding="utf-8"?>
+<p:sld xmlns:a="http://schemas.openxmlformats.org/drawingml/2006/main" xmlns:r="http://schemas.openxmlformats.org/officeDocument/2006/relationships" xmlns:p="http://schemas.openxmlformats.org/presentationml/2006/main">
+  <p:cSld>
+    <p:spTree>
+      <p:nvGrpSpPr>
+        <p:cNvPr id="1" name=""/>
+        <p:cNvGrpSpPr/>
+        <p:nvPr/>
+      </p:nvGrpSpPr>
+      <p:grpSpPr>
+        <a:xfrm>
+          <a:off x="0" y="0"/>
+          <a:ext cx="0" cy="0"/>
+          <a:chOff x="0" y="0"/>
+          <a:chExt cx="0" cy="0"/>
+        </a:xfrm>
+      </p:grpSpPr>
+      <p:sp>
+        <p:nvSpPr>
+          <p:cNvPr id="2" name="Title 1">
+            <a:extLst>
+              <a:ext uri="{FF2B5EF4-FFF2-40B4-BE49-F238E27FC236}">
+                <a16:creationId xmlns:a16="http://schemas.microsoft.com/office/drawing/2014/main" id="{B03A312F-DD31-412D-BCE6-A111C822C3AB}"/>
+              </a:ext>
+            </a:extLst>
+          </p:cNvPr>
+          <p:cNvSpPr>
+            <a:spLocks noGrp="1"/>
+          </p:cNvSpPr>
+          <p:nvPr>
+            <p:ph type="title"/>
+          </p:nvPr>
+        </p:nvSpPr>
+        <p:spPr>
+          <a:xfrm>
+            <a:off x="792104" y="793080"/>
+            <a:ext cx="10240903" cy="1233488"/>
+          </a:xfrm>
+        </p:spPr>
+        <p:txBody>
+          <a:bodyPr/>
+          <a:lstStyle/>
+          <a:p>
+            <a:r>
+              <a:rPr lang="en-US" dirty="0"/>
+              <a:t>Support vector model</a:t>
+            </a:r>
+          </a:p>
+        </p:txBody>
+      </p:sp>
+      <p:graphicFrame>
+        <p:nvGraphicFramePr>
+          <p:cNvPr id="4" name="Table 4">
+            <a:extLst>
+              <a:ext uri="{FF2B5EF4-FFF2-40B4-BE49-F238E27FC236}">
+                <a16:creationId xmlns:a16="http://schemas.microsoft.com/office/drawing/2014/main" id="{67E67376-3FDC-4E6C-A839-BD13A448B181}"/>
+              </a:ext>
+            </a:extLst>
+          </p:cNvPr>
+          <p:cNvGraphicFramePr>
+            <a:graphicFrameLocks noGrp="1"/>
+          </p:cNvGraphicFramePr>
+          <p:nvPr>
+            <p:extLst>
+              <p:ext uri="{D42A27DB-BD31-4B8C-83A1-F6EECF244321}">
+                <p14:modId xmlns:p14="http://schemas.microsoft.com/office/powerpoint/2010/main" val="2817741530"/>
+              </p:ext>
+            </p:extLst>
+          </p:nvPr>
+        </p:nvGraphicFramePr>
+        <p:xfrm>
+          <a:off x="792104" y="3185278"/>
+          <a:ext cx="4931228" cy="2225040"/>
+        </p:xfrm>
+        <a:graphic>
+          <a:graphicData uri="http://schemas.openxmlformats.org/drawingml/2006/table">
+            <a:tbl>
+              <a:tblPr firstRow="1" bandRow="1">
+                <a:tableStyleId>{5C22544A-7EE6-4342-B048-85BDC9FD1C3A}</a:tableStyleId>
+              </a:tblPr>
+              <a:tblGrid>
+                <a:gridCol w="1232807">
+                  <a:extLst>
+                    <a:ext uri="{9D8B030D-6E8A-4147-A177-3AD203B41FA5}">
+                      <a16:colId xmlns:a16="http://schemas.microsoft.com/office/drawing/2014/main" val="4042388792"/>
+                    </a:ext>
+                  </a:extLst>
+                </a:gridCol>
+                <a:gridCol w="1232807">
+                  <a:extLst>
+                    <a:ext uri="{9D8B030D-6E8A-4147-A177-3AD203B41FA5}">
+                      <a16:colId xmlns:a16="http://schemas.microsoft.com/office/drawing/2014/main" val="3642929604"/>
+                    </a:ext>
+                  </a:extLst>
+                </a:gridCol>
+                <a:gridCol w="1232807">
+                  <a:extLst>
+                    <a:ext uri="{9D8B030D-6E8A-4147-A177-3AD203B41FA5}">
+                      <a16:colId xmlns:a16="http://schemas.microsoft.com/office/drawing/2014/main" val="2767694495"/>
+                    </a:ext>
+                  </a:extLst>
+                </a:gridCol>
+                <a:gridCol w="1232807">
+                  <a:extLst>
+                    <a:ext uri="{9D8B030D-6E8A-4147-A177-3AD203B41FA5}">
+                      <a16:colId xmlns:a16="http://schemas.microsoft.com/office/drawing/2014/main" val="71419933"/>
+                    </a:ext>
+                  </a:extLst>
+                </a:gridCol>
+              </a:tblGrid>
+              <a:tr h="370840">
+                <a:tc>
+                  <a:txBody>
+                    <a:bodyPr/>
+                    <a:lstStyle/>
+                    <a:p>
+                      <a:endParaRPr lang="en-US" dirty="0"/>
+                    </a:p>
+                  </a:txBody>
+                  <a:tcPr/>
+                </a:tc>
+                <a:tc>
+                  <a:txBody>
+                    <a:bodyPr/>
+                    <a:lstStyle/>
+                    <a:p>
+                      <a:pPr algn="ctr"/>
+                      <a:r>
+                        <a:rPr lang="en-US" dirty="0"/>
+                        <a:t>Precision</a:t>
+                      </a:r>
+                    </a:p>
+                  </a:txBody>
+                  <a:tcPr/>
+                </a:tc>
+                <a:tc>
+                  <a:txBody>
+                    <a:bodyPr/>
+                    <a:lstStyle/>
+                    <a:p>
+                      <a:pPr algn="ctr"/>
+                      <a:r>
+                        <a:rPr lang="en-US" dirty="0"/>
+                        <a:t>Recall</a:t>
+                      </a:r>
+                    </a:p>
+                  </a:txBody>
+                  <a:tcPr/>
+                </a:tc>
+                <a:tc>
+                  <a:txBody>
+                    <a:bodyPr/>
+                    <a:lstStyle/>
+                    <a:p>
+                      <a:pPr algn="ctr"/>
+                      <a:r>
+                        <a:rPr lang="en-US" dirty="0"/>
+                        <a:t>F1-Score</a:t>
+                      </a:r>
+                    </a:p>
+                  </a:txBody>
+                  <a:tcPr/>
+                </a:tc>
+                <a:extLst>
+                  <a:ext uri="{0D108BD9-81ED-4DB2-BD59-A6C34878D82A}">
+                    <a16:rowId xmlns:a16="http://schemas.microsoft.com/office/drawing/2014/main" val="3615963859"/>
+                  </a:ext>
+                </a:extLst>
+              </a:tr>
+              <a:tr h="370840">
+                <a:tc>
+                  <a:txBody>
+                    <a:bodyPr/>
+                    <a:lstStyle/>
+                    <a:p>
+                      <a:r>
+                        <a:rPr lang="en-US" dirty="0"/>
+                        <a:t>Bad </a:t>
+                      </a:r>
+                    </a:p>
+                  </a:txBody>
+                  <a:tcPr/>
+                </a:tc>
+                <a:tc>
+                  <a:txBody>
+                    <a:bodyPr/>
+                    <a:lstStyle/>
+                    <a:p>
+                      <a:pPr algn="ctr"/>
+                      <a:r>
+                        <a:rPr lang="en-US" dirty="0"/>
+                        <a:t>69%</a:t>
+                      </a:r>
+                    </a:p>
+                  </a:txBody>
+                  <a:tcPr/>
+                </a:tc>
+                <a:tc>
+                  <a:txBody>
+                    <a:bodyPr/>
+                    <a:lstStyle/>
+                    <a:p>
+                      <a:pPr algn="ctr"/>
+                      <a:r>
+                        <a:rPr lang="en-US" dirty="0"/>
+                        <a:t>76%</a:t>
+                      </a:r>
+                    </a:p>
+                  </a:txBody>
+                  <a:tcPr/>
+                </a:tc>
+                <a:tc>
+                  <a:txBody>
+                    <a:bodyPr/>
+                    <a:lstStyle/>
+                    <a:p>
+                      <a:pPr algn="ctr"/>
+                      <a:r>
+                        <a:rPr lang="en-US" dirty="0"/>
+                        <a:t>72%</a:t>
+                      </a:r>
+                    </a:p>
+                  </a:txBody>
+                  <a:tcPr/>
+                </a:tc>
+                <a:extLst>
+                  <a:ext uri="{0D108BD9-81ED-4DB2-BD59-A6C34878D82A}">
+                    <a16:rowId xmlns:a16="http://schemas.microsoft.com/office/drawing/2014/main" val="1962313957"/>
+                  </a:ext>
+                </a:extLst>
+              </a:tr>
+              <a:tr h="370840">
+                <a:tc>
+                  <a:txBody>
+                    <a:bodyPr/>
+                    <a:lstStyle/>
+                    <a:p>
+                      <a:r>
+                        <a:rPr lang="en-US" dirty="0"/>
+                        <a:t>Good</a:t>
+                      </a:r>
+                    </a:p>
+                  </a:txBody>
+                  <a:tcPr/>
+                </a:tc>
+                <a:tc>
+                  <a:txBody>
+                    <a:bodyPr/>
+                    <a:lstStyle/>
+                    <a:p>
+                      <a:pPr algn="ctr"/>
+                      <a:r>
+                        <a:rPr lang="en-US" dirty="0"/>
+                        <a:t>74%</a:t>
+                      </a:r>
+                    </a:p>
+                  </a:txBody>
+                  <a:tcPr/>
+                </a:tc>
+                <a:tc>
+                  <a:txBody>
+                    <a:bodyPr/>
+                    <a:lstStyle/>
+                    <a:p>
+                      <a:pPr algn="ctr"/>
+                      <a:r>
+                        <a:rPr lang="en-US" dirty="0"/>
+                        <a:t>67%</a:t>
+                      </a:r>
+                    </a:p>
+                  </a:txBody>
+                  <a:tcPr/>
+                </a:tc>
+                <a:tc>
+                  <a:txBody>
+                    <a:bodyPr/>
+                    <a:lstStyle/>
+                    <a:p>
+                      <a:pPr algn="ctr"/>
+                      <a:r>
+                        <a:rPr lang="en-US" dirty="0"/>
+                        <a:t>70%</a:t>
+                      </a:r>
+                    </a:p>
+                  </a:txBody>
+                  <a:tcPr/>
+                </a:tc>
+                <a:extLst>
+                  <a:ext uri="{0D108BD9-81ED-4DB2-BD59-A6C34878D82A}">
+                    <a16:rowId xmlns:a16="http://schemas.microsoft.com/office/drawing/2014/main" val="3804307038"/>
+                  </a:ext>
+                </a:extLst>
+              </a:tr>
+              <a:tr h="370840">
+                <a:tc>
+                  <a:txBody>
+                    <a:bodyPr/>
+                    <a:lstStyle/>
+                    <a:p>
+                      <a:endParaRPr lang="en-US" dirty="0"/>
+                    </a:p>
+                  </a:txBody>
+                  <a:tcPr/>
+                </a:tc>
+                <a:tc>
+                  <a:txBody>
+                    <a:bodyPr/>
+                    <a:lstStyle/>
+                    <a:p>
+                      <a:pPr algn="ctr"/>
+                      <a:endParaRPr lang="en-US"/>
+                    </a:p>
+                  </a:txBody>
+                  <a:tcPr/>
+                </a:tc>
+                <a:tc>
+                  <a:txBody>
+                    <a:bodyPr/>
+                    <a:lstStyle/>
+                    <a:p>
+                      <a:pPr algn="ctr"/>
+                      <a:endParaRPr lang="en-US" dirty="0"/>
+                    </a:p>
+                  </a:txBody>
+                  <a:tcPr/>
+                </a:tc>
+                <a:tc>
+                  <a:txBody>
+                    <a:bodyPr/>
+                    <a:lstStyle/>
+                    <a:p>
+                      <a:pPr algn="ctr"/>
+                      <a:endParaRPr lang="en-US"/>
+                    </a:p>
+                  </a:txBody>
+                  <a:tcPr/>
+                </a:tc>
+                <a:extLst>
+                  <a:ext uri="{0D108BD9-81ED-4DB2-BD59-A6C34878D82A}">
+                    <a16:rowId xmlns:a16="http://schemas.microsoft.com/office/drawing/2014/main" val="2800348485"/>
+                  </a:ext>
+                </a:extLst>
+              </a:tr>
+              <a:tr h="370840">
+                <a:tc>
+                  <a:txBody>
+                    <a:bodyPr/>
+                    <a:lstStyle/>
+                    <a:p>
+                      <a:r>
+                        <a:rPr lang="en-US" dirty="0"/>
+                        <a:t>Accuracy</a:t>
+                      </a:r>
+                    </a:p>
+                  </a:txBody>
+                  <a:tcPr/>
+                </a:tc>
+                <a:tc>
+                  <a:txBody>
+                    <a:bodyPr/>
+                    <a:lstStyle/>
+                    <a:p>
+                      <a:pPr algn="ctr"/>
+                      <a:endParaRPr lang="en-US" dirty="0"/>
+                    </a:p>
+                  </a:txBody>
+                  <a:tcPr/>
+                </a:tc>
+                <a:tc>
+                  <a:txBody>
+                    <a:bodyPr/>
+                    <a:lstStyle/>
+                    <a:p>
+                      <a:pPr algn="ctr"/>
+                      <a:endParaRPr lang="en-US" dirty="0"/>
+                    </a:p>
+                  </a:txBody>
+                  <a:tcPr/>
+                </a:tc>
+                <a:tc>
+                  <a:txBody>
+                    <a:bodyPr/>
+                    <a:lstStyle/>
+                    <a:p>
+                      <a:pPr algn="ctr"/>
+                      <a:r>
+                        <a:rPr lang="en-US" b="1" dirty="0"/>
+                        <a:t>71%</a:t>
+                      </a:r>
+                    </a:p>
+                  </a:txBody>
+                  <a:tcPr/>
+                </a:tc>
+                <a:extLst>
+                  <a:ext uri="{0D108BD9-81ED-4DB2-BD59-A6C34878D82A}">
+                    <a16:rowId xmlns:a16="http://schemas.microsoft.com/office/drawing/2014/main" val="3789691621"/>
+                  </a:ext>
+                </a:extLst>
+              </a:tr>
+              <a:tr h="370840">
+                <a:tc>
+                  <a:txBody>
+                    <a:bodyPr/>
+                    <a:lstStyle/>
+                    <a:p>
+                      <a:r>
+                        <a:rPr lang="en-US" dirty="0"/>
+                        <a:t>Average</a:t>
+                      </a:r>
+                    </a:p>
+                  </a:txBody>
+                  <a:tcPr/>
+                </a:tc>
+                <a:tc>
+                  <a:txBody>
+                    <a:bodyPr/>
+                    <a:lstStyle/>
+                    <a:p>
+                      <a:pPr algn="ctr"/>
+                      <a:r>
+                        <a:rPr lang="en-US" dirty="0"/>
+                        <a:t>72%</a:t>
+                      </a:r>
+                    </a:p>
+                  </a:txBody>
+                  <a:tcPr/>
+                </a:tc>
+                <a:tc>
+                  <a:txBody>
+                    <a:bodyPr/>
+                    <a:lstStyle/>
+                    <a:p>
+                      <a:pPr algn="ctr"/>
+                      <a:r>
+                        <a:rPr lang="en-US" dirty="0"/>
+                        <a:t>71%</a:t>
+                      </a:r>
+                    </a:p>
+                  </a:txBody>
+                  <a:tcPr/>
+                </a:tc>
+                <a:tc>
+                  <a:txBody>
+                    <a:bodyPr/>
+                    <a:lstStyle/>
+                    <a:p>
+                      <a:pPr algn="ctr"/>
+                      <a:r>
+                        <a:rPr lang="en-US" dirty="0"/>
+                        <a:t>71%</a:t>
+                      </a:r>
+                    </a:p>
+                  </a:txBody>
+                  <a:tcPr/>
+                </a:tc>
+                <a:extLst>
+                  <a:ext uri="{0D108BD9-81ED-4DB2-BD59-A6C34878D82A}">
+                    <a16:rowId xmlns:a16="http://schemas.microsoft.com/office/drawing/2014/main" val="275266713"/>
+                  </a:ext>
+                </a:extLst>
+              </a:tr>
+            </a:tbl>
+          </a:graphicData>
+        </a:graphic>
+      </p:graphicFrame>
+      <p:sp>
+        <p:nvSpPr>
+          <p:cNvPr id="5" name="TextBox 4">
+            <a:extLst>
+              <a:ext uri="{FF2B5EF4-FFF2-40B4-BE49-F238E27FC236}">
+                <a16:creationId xmlns:a16="http://schemas.microsoft.com/office/drawing/2014/main" id="{8CFF3603-6CA2-41C3-AF24-5F55251F8FC1}"/>
+              </a:ext>
+            </a:extLst>
+          </p:cNvPr>
+          <p:cNvSpPr txBox="1"/>
+          <p:nvPr/>
+        </p:nvSpPr>
+        <p:spPr>
+          <a:xfrm>
+            <a:off x="792104" y="2717972"/>
+            <a:ext cx="3086100" cy="369332"/>
+          </a:xfrm>
+          <a:prstGeom prst="rect">
+            <a:avLst/>
+          </a:prstGeom>
+          <a:noFill/>
+        </p:spPr>
+        <p:txBody>
+          <a:bodyPr wrap="square" rtlCol="0">
+            <a:spAutoFit/>
+          </a:bodyPr>
+          <a:lstStyle/>
+          <a:p>
+            <a:r>
+              <a:rPr lang="en-US" b="1" dirty="0"/>
+              <a:t>Classification Report</a:t>
+            </a:r>
+          </a:p>
+        </p:txBody>
+      </p:sp>
+      <p:sp>
+        <p:nvSpPr>
+          <p:cNvPr id="6" name="Arrow: Right 5">
+            <a:extLst>
+              <a:ext uri="{FF2B5EF4-FFF2-40B4-BE49-F238E27FC236}">
+                <a16:creationId xmlns:a16="http://schemas.microsoft.com/office/drawing/2014/main" id="{73F4CB72-C8C3-4478-824B-A934BCBFAC3E}"/>
+              </a:ext>
+            </a:extLst>
+          </p:cNvPr>
+          <p:cNvSpPr/>
+          <p:nvPr/>
+        </p:nvSpPr>
+        <p:spPr>
+          <a:xfrm>
+            <a:off x="5853961" y="3954898"/>
+            <a:ext cx="1094014" cy="685800"/>
+          </a:xfrm>
+          <a:prstGeom prst="rightArrow">
+            <a:avLst/>
+          </a:prstGeom>
+        </p:spPr>
+        <p:style>
+          <a:lnRef idx="2">
+            <a:schemeClr val="accent1">
+              <a:shade val="50000"/>
+            </a:schemeClr>
+          </a:lnRef>
+          <a:fillRef idx="1">
+            <a:schemeClr val="accent1"/>
+          </a:fillRef>
+          <a:effectRef idx="0">
+            <a:schemeClr val="accent1"/>
+          </a:effectRef>
+          <a:fontRef idx="minor">
+            <a:schemeClr val="lt1"/>
+          </a:fontRef>
+        </p:style>
+        <p:txBody>
+          <a:bodyPr rtlCol="0" anchor="ctr"/>
+          <a:lstStyle/>
+          <a:p>
+            <a:pPr algn="ctr"/>
+            <a:endParaRPr lang="en-US"/>
+          </a:p>
+        </p:txBody>
+      </p:sp>
+      <p:sp>
+        <p:nvSpPr>
+          <p:cNvPr id="7" name="TextBox 6">
+            <a:extLst>
+              <a:ext uri="{FF2B5EF4-FFF2-40B4-BE49-F238E27FC236}">
+                <a16:creationId xmlns:a16="http://schemas.microsoft.com/office/drawing/2014/main" id="{4AC101C4-46C4-4236-9527-99E6281074FE}"/>
+              </a:ext>
+            </a:extLst>
+          </p:cNvPr>
+          <p:cNvSpPr txBox="1"/>
+          <p:nvPr/>
+        </p:nvSpPr>
+        <p:spPr>
+          <a:xfrm>
+            <a:off x="7100375" y="2717972"/>
+            <a:ext cx="5227697" cy="2308324"/>
+          </a:xfrm>
+          <a:prstGeom prst="rect">
+            <a:avLst/>
+          </a:prstGeom>
+          <a:noFill/>
+        </p:spPr>
+        <p:txBody>
+          <a:bodyPr wrap="square" rtlCol="0">
+            <a:spAutoFit/>
+          </a:bodyPr>
+          <a:lstStyle/>
+          <a:p>
+            <a:r>
+              <a:rPr lang="en-US" b="1" dirty="0" err="1"/>
+              <a:t>GridSearch</a:t>
+            </a:r>
+            <a:endParaRPr lang="en-US" b="1" dirty="0"/>
+          </a:p>
+          <a:p>
+            <a:endParaRPr lang="en-US" dirty="0"/>
+          </a:p>
+          <a:p>
+            <a:endParaRPr lang="en-US" dirty="0"/>
+          </a:p>
+          <a:p>
+            <a:r>
+              <a:rPr lang="en-US" dirty="0" err="1"/>
+              <a:t>param_grid</a:t>
+            </a:r>
+            <a:r>
+              <a:rPr lang="en-US" dirty="0"/>
+              <a:t> = {'C': [1, 5, 10, 50],</a:t>
+            </a:r>
+          </a:p>
+          <a:p>
+            <a:r>
+              <a:rPr lang="en-US" dirty="0"/>
+              <a:t>             'gamma': [0.0001, 0.005, 0.001, 0.005]}</a:t>
+            </a:r>
+          </a:p>
+          <a:p>
+            <a:endParaRPr lang="en-US" dirty="0"/>
+          </a:p>
+          <a:p>
+            <a:r>
+              <a:rPr lang="en-US" dirty="0"/>
+              <a:t>Best parameters: C:1, gamma: 0.0001</a:t>
+            </a:r>
+          </a:p>
+          <a:p>
+            <a:r>
+              <a:rPr lang="en-US" dirty="0"/>
+              <a:t>Improved accuracy score to </a:t>
+            </a:r>
+            <a:r>
+              <a:rPr lang="en-US" b="1" dirty="0"/>
+              <a:t>73.5%</a:t>
+            </a:r>
+          </a:p>
+        </p:txBody>
+      </p:sp>
+    </p:spTree>
+    <p:extLst>
+      <p:ext uri="{BB962C8B-B14F-4D97-AF65-F5344CB8AC3E}">
+        <p14:creationId xmlns:p14="http://schemas.microsoft.com/office/powerpoint/2010/main" val="1714981970"/>
+      </p:ext>
+    </p:extLst>
+  </p:cSld>
+  <p:clrMapOvr>
+    <a:masterClrMapping/>
+  </p:clrMapOvr>
+</p:sld>
+</file>
+
+<file path=ppt/slides/slide6.xml><?xml version="1.0" encoding="utf-8"?>
+<p:sld xmlns:a="http://schemas.openxmlformats.org/drawingml/2006/main" xmlns:r="http://schemas.openxmlformats.org/officeDocument/2006/relationships" xmlns:p="http://schemas.openxmlformats.org/presentationml/2006/main">
+  <p:cSld>
+    <p:bg>
+      <p:bgPr>
+        <a:solidFill>
+          <a:schemeClr val="bg1"/>
+        </a:solidFill>
+        <a:effectLst/>
+      </p:bgPr>
+    </p:bg>
+    <p:spTree>
+      <p:nvGrpSpPr>
+        <p:cNvPr id="1" name=""/>
+        <p:cNvGrpSpPr/>
+        <p:nvPr/>
+      </p:nvGrpSpPr>
+      <p:grpSpPr>
+        <a:xfrm>
+          <a:off x="0" y="0"/>
+          <a:ext cx="0" cy="0"/>
+          <a:chOff x="0" y="0"/>
+          <a:chExt cx="0" cy="0"/>
+        </a:xfrm>
+      </p:grpSpPr>
+      <p:sp>
+        <p:nvSpPr>
+          <p:cNvPr id="71" name="Rectangle 70">
+            <a:extLst>
+              <a:ext uri="{FF2B5EF4-FFF2-40B4-BE49-F238E27FC236}">
+                <a16:creationId xmlns:a16="http://schemas.microsoft.com/office/drawing/2014/main" id="{BD4C0BBB-0042-4603-A226-6117F3FD5B3C}"/>
+              </a:ext>
+              <a:ext uri="{C183D7F6-B498-43B3-948B-1728B52AA6E4}">
+                <adec:decorative xmlns:adec="http://schemas.microsoft.com/office/drawing/2017/decorative" val="1"/>
+              </a:ext>
+            </a:extLst>
+          </p:cNvPr>
+          <p:cNvSpPr>
+            <a:spLocks noGrp="1" noRot="1" noChangeAspect="1" noMove="1" noResize="1" noEditPoints="1" noAdjustHandles="1" noChangeArrowheads="1" noChangeShapeType="1" noTextEdit="1"/>
+          </p:cNvSpPr>
+          <p:nvPr>
+            <p:extLst>
+              <p:ext uri="{386F3935-93C4-4BCD-93E2-E3B085C9AB24}">
+                <p16:designElem xmlns:p16="http://schemas.microsoft.com/office/powerpoint/2015/main" val="1"/>
+              </p:ext>
+            </p:extLst>
+          </p:nvPr>
+        </p:nvSpPr>
+        <p:spPr>
+          <a:xfrm rot="10800000" flipH="1">
+            <a:off x="0" y="6400799"/>
+            <a:ext cx="12192000" cy="456773"/>
+          </a:xfrm>
+          <a:prstGeom prst="rect">
+            <a:avLst/>
+          </a:prstGeom>
+          <a:gradFill>
+            <a:gsLst>
+              <a:gs pos="14000">
+                <a:schemeClr val="accent4">
+                  <a:alpha val="28000"/>
+                </a:schemeClr>
+              </a:gs>
+              <a:gs pos="100000">
+                <a:schemeClr val="accent5">
+                  <a:alpha val="85000"/>
+                </a:schemeClr>
+              </a:gs>
+            </a:gsLst>
+            <a:lin ang="6000000" scaled="0"/>
+          </a:gradFill>
+          <a:ln>
+            <a:noFill/>
+          </a:ln>
+        </p:spPr>
+        <p:style>
+          <a:lnRef idx="2">
+            <a:schemeClr val="accent1">
+              <a:shade val="50000"/>
+            </a:schemeClr>
+          </a:lnRef>
+          <a:fillRef idx="1">
+            <a:schemeClr val="accent1"/>
+          </a:fillRef>
+          <a:effectRef idx="0">
+            <a:schemeClr val="accent1"/>
+          </a:effectRef>
+          <a:fontRef idx="minor">
+            <a:schemeClr val="lt1"/>
+          </a:fontRef>
+        </p:style>
+        <p:txBody>
+          <a:bodyPr rtlCol="0" anchor="ctr"/>
+          <a:lstStyle/>
+          <a:p>
+            <a:pPr algn="ctr"/>
+            <a:endParaRPr lang="en-US"/>
+          </a:p>
+        </p:txBody>
+      </p:sp>
+      <p:sp>
+        <p:nvSpPr>
+          <p:cNvPr id="73" name="Rectangle 72">
+            <a:extLst>
+              <a:ext uri="{FF2B5EF4-FFF2-40B4-BE49-F238E27FC236}">
+                <a16:creationId xmlns:a16="http://schemas.microsoft.com/office/drawing/2014/main" id="{EC44F520-2598-460E-9F91-B02F60830CA2}"/>
+              </a:ext>
+              <a:ext uri="{C183D7F6-B498-43B3-948B-1728B52AA6E4}">
+                <adec:decorative xmlns:adec="http://schemas.microsoft.com/office/drawing/2017/decorative" val="1"/>
+              </a:ext>
+            </a:extLst>
+          </p:cNvPr>
+          <p:cNvSpPr>
+            <a:spLocks noGrp="1" noRot="1" noChangeAspect="1" noMove="1" noResize="1" noEditPoints="1" noAdjustHandles="1" noChangeArrowheads="1" noChangeShapeType="1" noTextEdit="1"/>
+          </p:cNvSpPr>
+          <p:nvPr>
+            <p:extLst>
+              <p:ext uri="{386F3935-93C4-4BCD-93E2-E3B085C9AB24}">
+                <p16:designElem xmlns:p16="http://schemas.microsoft.com/office/powerpoint/2015/main" val="1"/>
+              </p:ext>
+            </p:extLst>
+          </p:nvPr>
+        </p:nvSpPr>
+        <p:spPr>
+          <a:xfrm flipH="1">
+            <a:off x="4038600" y="6400799"/>
+            <a:ext cx="8153398" cy="456772"/>
+          </a:xfrm>
+          <a:prstGeom prst="rect">
+            <a:avLst/>
+          </a:prstGeom>
+          <a:gradFill>
+            <a:gsLst>
+              <a:gs pos="9000">
+                <a:schemeClr val="accent2">
+                  <a:lumMod val="60000"/>
+                  <a:lumOff val="40000"/>
+                  <a:alpha val="55000"/>
+                </a:schemeClr>
+              </a:gs>
+              <a:gs pos="99000">
+                <a:schemeClr val="accent2"/>
+              </a:gs>
+            </a:gsLst>
+            <a:lin ang="14400000" scaled="0"/>
+          </a:gradFill>
+          <a:ln>
+            <a:noFill/>
+          </a:ln>
+        </p:spPr>
+        <p:style>
+          <a:lnRef idx="2">
+            <a:schemeClr val="accent1">
+              <a:shade val="50000"/>
+            </a:schemeClr>
+          </a:lnRef>
+          <a:fillRef idx="1">
+            <a:schemeClr val="accent1"/>
+          </a:fillRef>
+          <a:effectRef idx="0">
+            <a:schemeClr val="accent1"/>
+          </a:effectRef>
+          <a:fontRef idx="minor">
+            <a:schemeClr val="lt1"/>
+          </a:fontRef>
+        </p:style>
+        <p:txBody>
+          <a:bodyPr rtlCol="0" anchor="ctr"/>
+          <a:lstStyle/>
+          <a:p>
+            <a:pPr algn="ctr"/>
+            <a:endParaRPr lang="en-US"/>
+          </a:p>
+        </p:txBody>
+      </p:sp>
+      <p:sp useBgFill="1">
+        <p:nvSpPr>
+          <p:cNvPr id="75" name="Rectangle 74">
+            <a:extLst>
+              <a:ext uri="{FF2B5EF4-FFF2-40B4-BE49-F238E27FC236}">
+                <a16:creationId xmlns:a16="http://schemas.microsoft.com/office/drawing/2014/main" id="{1DBC8414-BE7E-4B6C-A114-B2C3795C883F}"/>
+              </a:ext>
+              <a:ext uri="{C183D7F6-B498-43B3-948B-1728B52AA6E4}">
+                <adec:decorative xmlns:adec="http://schemas.microsoft.com/office/drawing/2017/decorative" val="1"/>
+              </a:ext>
+            </a:extLst>
+          </p:cNvPr>
+          <p:cNvSpPr>
+            <a:spLocks noGrp="1" noRot="1" noChangeAspect="1" noMove="1" noResize="1" noEditPoints="1" noAdjustHandles="1" noChangeArrowheads="1" noChangeShapeType="1" noTextEdit="1"/>
+          </p:cNvSpPr>
+          <p:nvPr>
+            <p:extLst>
+              <p:ext uri="{386F3935-93C4-4BCD-93E2-E3B085C9AB24}">
+                <p16:designElem xmlns:p16="http://schemas.microsoft.com/office/powerpoint/2015/main" val="1"/>
+              </p:ext>
+            </p:extLst>
+          </p:nvPr>
+        </p:nvSpPr>
+        <p:spPr>
+          <a:xfrm>
+            <a:off x="0" y="0"/>
+            <a:ext cx="12192000" cy="6858000"/>
+          </a:xfrm>
+          <a:prstGeom prst="rect">
+            <a:avLst/>
+          </a:prstGeom>
+          <a:ln w="12700" cap="flat" cmpd="sng" algn="ctr">
+            <a:noFill/>
+            <a:prstDash val="solid"/>
+            <a:miter lim="800000"/>
+          </a:ln>
+          <a:effectLst/>
+          <a:extLst>
+            <a:ext uri="{91240B29-F687-4F45-9708-019B960494DF}">
+              <a14:hiddenLine xmlns:a14="http://schemas.microsoft.com/office/drawing/2010/main" w="12700" cap="flat" cmpd="sng" algn="ctr">
+                <a:solidFill>
+                  <a:schemeClr val="accent1">
+                    <a:shade val="50000"/>
+                  </a:schemeClr>
+                </a:solidFill>
+                <a:prstDash val="solid"/>
+                <a:miter lim="800000"/>
+              </a14:hiddenLine>
+            </a:ext>
+          </a:extLst>
+        </p:spPr>
+        <p:style>
+          <a:lnRef idx="2">
+            <a:schemeClr val="accent1">
+              <a:shade val="50000"/>
+            </a:schemeClr>
+          </a:lnRef>
+          <a:fillRef idx="1">
+            <a:schemeClr val="accent1"/>
+          </a:fillRef>
+          <a:effectRef idx="0">
+            <a:schemeClr val="accent1"/>
+          </a:effectRef>
+          <a:fontRef idx="minor">
+            <a:schemeClr val="lt1"/>
+          </a:fontRef>
+        </p:style>
+        <p:txBody>
+          <a:bodyPr rtlCol="0" anchor="ctr"/>
+          <a:lstStyle/>
+          <a:p>
+            <a:pPr algn="ctr"/>
+            <a:endParaRPr lang="en-US"/>
+          </a:p>
+        </p:txBody>
+      </p:sp>
+      <p:sp>
+        <p:nvSpPr>
+          <p:cNvPr id="77" name="Rectangle 76">
+            <a:extLst>
+              <a:ext uri="{FF2B5EF4-FFF2-40B4-BE49-F238E27FC236}">
+                <a16:creationId xmlns:a16="http://schemas.microsoft.com/office/drawing/2014/main" id="{0EC398C5-5C2E-4038-9DB3-DE2B5A9BEFFB}"/>
+              </a:ext>
+              <a:ext uri="{C183D7F6-B498-43B3-948B-1728B52AA6E4}">
+                <adec:decorative xmlns:adec="http://schemas.microsoft.com/office/drawing/2017/decorative" val="1"/>
+              </a:ext>
+            </a:extLst>
+          </p:cNvPr>
+          <p:cNvSpPr>
+            <a:spLocks noGrp="1" noRot="1" noChangeAspect="1" noMove="1" noResize="1" noEditPoints="1" noAdjustHandles="1" noChangeArrowheads="1" noChangeShapeType="1" noTextEdit="1"/>
+          </p:cNvSpPr>
+          <p:nvPr>
+            <p:extLst>
+              <p:ext uri="{386F3935-93C4-4BCD-93E2-E3B085C9AB24}">
+                <p16:designElem xmlns:p16="http://schemas.microsoft.com/office/powerpoint/2015/main" val="1"/>
+              </p:ext>
+            </p:extLst>
+          </p:nvPr>
+        </p:nvSpPr>
+        <p:spPr>
+          <a:xfrm rot="5400000" flipH="1">
+            <a:off x="-1409318" y="1410082"/>
+            <a:ext cx="6858000" cy="4037835"/>
+          </a:xfrm>
+          <a:prstGeom prst="rect">
+            <a:avLst/>
+          </a:prstGeom>
+          <a:gradFill>
+            <a:gsLst>
+              <a:gs pos="8000">
+                <a:schemeClr val="accent6"/>
+              </a:gs>
+              <a:gs pos="100000">
+                <a:schemeClr val="accent5">
+                  <a:alpha val="89000"/>
+                </a:schemeClr>
+              </a:gs>
+            </a:gsLst>
+            <a:lin ang="3000000" scaled="0"/>
+          </a:gradFill>
+          <a:ln>
+            <a:noFill/>
+          </a:ln>
+        </p:spPr>
+        <p:style>
+          <a:lnRef idx="2">
+            <a:schemeClr val="accent1">
+              <a:shade val="50000"/>
+            </a:schemeClr>
+          </a:lnRef>
+          <a:fillRef idx="1">
+            <a:schemeClr val="accent1"/>
+          </a:fillRef>
+          <a:effectRef idx="0">
+            <a:schemeClr val="accent1"/>
+          </a:effectRef>
+          <a:fontRef idx="minor">
+            <a:schemeClr val="lt1"/>
+          </a:fontRef>
+        </p:style>
+        <p:txBody>
+          <a:bodyPr rtlCol="0" anchor="ctr"/>
+          <a:lstStyle/>
+          <a:p>
+            <a:pPr algn="ctr"/>
+            <a:endParaRPr lang="en-US"/>
+          </a:p>
+        </p:txBody>
+      </p:sp>
+      <p:sp>
+        <p:nvSpPr>
+          <p:cNvPr id="79" name="Rectangle 78">
+            <a:extLst>
+              <a:ext uri="{FF2B5EF4-FFF2-40B4-BE49-F238E27FC236}">
+                <a16:creationId xmlns:a16="http://schemas.microsoft.com/office/drawing/2014/main" id="{A2F10B26-073B-4B10-8AAA-161242DD82B0}"/>
+              </a:ext>
+              <a:ext uri="{C183D7F6-B498-43B3-948B-1728B52AA6E4}">
+                <adec:decorative xmlns:adec="http://schemas.microsoft.com/office/drawing/2017/decorative" val="1"/>
+              </a:ext>
+            </a:extLst>
+          </p:cNvPr>
+          <p:cNvSpPr>
+            <a:spLocks noGrp="1" noRot="1" noChangeAspect="1" noMove="1" noResize="1" noEditPoints="1" noAdjustHandles="1" noChangeArrowheads="1" noChangeShapeType="1" noTextEdit="1"/>
+          </p:cNvSpPr>
+          <p:nvPr>
+            <p:extLst>
+              <p:ext uri="{386F3935-93C4-4BCD-93E2-E3B085C9AB24}">
+                <p16:designElem xmlns:p16="http://schemas.microsoft.com/office/powerpoint/2015/main" val="1"/>
+              </p:ext>
+            </p:extLst>
+          </p:nvPr>
+        </p:nvSpPr>
+        <p:spPr>
+          <a:xfrm rot="5400000" flipH="1">
+            <a:off x="-1153806" y="1153804"/>
+            <a:ext cx="6346209" cy="4038601"/>
+          </a:xfrm>
+          <a:prstGeom prst="rect">
+            <a:avLst/>
+          </a:prstGeom>
+          <a:gradFill>
+            <a:gsLst>
+              <a:gs pos="0">
+                <a:schemeClr val="accent5">
+                  <a:lumMod val="60000"/>
+                  <a:lumOff val="40000"/>
+                  <a:alpha val="0"/>
+                </a:schemeClr>
+              </a:gs>
+              <a:gs pos="99000">
+                <a:schemeClr val="accent2">
+                  <a:alpha val="92000"/>
+                </a:schemeClr>
+              </a:gs>
+            </a:gsLst>
+            <a:lin ang="1800000" scaled="0"/>
+          </a:gradFill>
+          <a:ln>
+            <a:noFill/>
+          </a:ln>
+        </p:spPr>
+        <p:style>
+          <a:lnRef idx="2">
+            <a:schemeClr val="accent1">
+              <a:shade val="50000"/>
+            </a:schemeClr>
+          </a:lnRef>
+          <a:fillRef idx="1">
+            <a:schemeClr val="accent1"/>
+          </a:fillRef>
+          <a:effectRef idx="0">
+            <a:schemeClr val="accent1"/>
+          </a:effectRef>
+          <a:fontRef idx="minor">
+            <a:schemeClr val="lt1"/>
+          </a:fontRef>
+        </p:style>
+        <p:txBody>
+          <a:bodyPr rtlCol="0" anchor="ctr"/>
+          <a:lstStyle/>
+          <a:p>
+            <a:pPr algn="ctr"/>
+            <a:endParaRPr lang="en-US"/>
+          </a:p>
+        </p:txBody>
+      </p:sp>
+      <p:sp>
+        <p:nvSpPr>
+          <p:cNvPr id="81" name="Rectangle 80">
+            <a:extLst>
+              <a:ext uri="{FF2B5EF4-FFF2-40B4-BE49-F238E27FC236}">
+                <a16:creationId xmlns:a16="http://schemas.microsoft.com/office/drawing/2014/main" id="{610DBBC7-698F-4A54-B1CB-A99F9CC356DF}"/>
+              </a:ext>
+              <a:ext uri="{C183D7F6-B498-43B3-948B-1728B52AA6E4}">
+                <adec:decorative xmlns:adec="http://schemas.microsoft.com/office/drawing/2017/decorative" val="1"/>
+              </a:ext>
+            </a:extLst>
+          </p:cNvPr>
+          <p:cNvSpPr>
+            <a:spLocks noGrp="1" noRot="1" noChangeAspect="1" noMove="1" noResize="1" noEditPoints="1" noAdjustHandles="1" noChangeArrowheads="1" noChangeShapeType="1" noTextEdit="1"/>
+          </p:cNvSpPr>
+          <p:nvPr>
+            <p:extLst>
+              <p:ext uri="{386F3935-93C4-4BCD-93E2-E3B085C9AB24}">
+                <p16:designElem xmlns:p16="http://schemas.microsoft.com/office/powerpoint/2015/main" val="1"/>
+              </p:ext>
+            </p:extLst>
+          </p:nvPr>
+        </p:nvSpPr>
+        <p:spPr>
+          <a:xfrm rot="5400000" flipH="1">
+            <a:off x="759574" y="3578975"/>
+            <a:ext cx="2502407" cy="4055644"/>
+          </a:xfrm>
+          <a:prstGeom prst="rect">
+            <a:avLst/>
+          </a:prstGeom>
+          <a:gradFill>
+            <a:gsLst>
+              <a:gs pos="2000">
+                <a:schemeClr val="accent5">
+                  <a:alpha val="28000"/>
+                </a:schemeClr>
+              </a:gs>
+              <a:gs pos="100000">
+                <a:schemeClr val="accent4">
+                  <a:alpha val="0"/>
+                </a:schemeClr>
+              </a:gs>
+            </a:gsLst>
+            <a:lin ang="7800000" scaled="0"/>
+          </a:gradFill>
+          <a:ln>
+            <a:noFill/>
+          </a:ln>
+        </p:spPr>
+        <p:style>
+          <a:lnRef idx="2">
+            <a:schemeClr val="accent1">
+              <a:shade val="50000"/>
+            </a:schemeClr>
+          </a:lnRef>
+          <a:fillRef idx="1">
+            <a:schemeClr val="accent1"/>
+          </a:fillRef>
+          <a:effectRef idx="0">
+            <a:schemeClr val="accent1"/>
+          </a:effectRef>
+          <a:fontRef idx="minor">
+            <a:schemeClr val="lt1"/>
+          </a:fontRef>
+        </p:style>
+        <p:txBody>
+          <a:bodyPr rtlCol="0" anchor="ctr"/>
+          <a:lstStyle/>
+          <a:p>
+            <a:pPr algn="ctr"/>
+            <a:endParaRPr lang="en-US"/>
+          </a:p>
+        </p:txBody>
+      </p:sp>
+      <p:sp>
+        <p:nvSpPr>
+          <p:cNvPr id="83" name="Freeform: Shape 82">
+            <a:extLst>
+              <a:ext uri="{FF2B5EF4-FFF2-40B4-BE49-F238E27FC236}">
+                <a16:creationId xmlns:a16="http://schemas.microsoft.com/office/drawing/2014/main" id="{DE6E822A-8BCF-432C-83E6-BBE821476CD4}"/>
+              </a:ext>
+              <a:ext uri="{C183D7F6-B498-43B3-948B-1728B52AA6E4}">
+                <adec:decorative xmlns:adec="http://schemas.microsoft.com/office/drawing/2017/decorative" val="1"/>
+              </a:ext>
+            </a:extLst>
+          </p:cNvPr>
+          <p:cNvSpPr>
+            <a:spLocks noGrp="1" noRot="1" noChangeAspect="1" noMove="1" noResize="1" noEditPoints="1" noAdjustHandles="1" noChangeArrowheads="1" noChangeShapeType="1" noTextEdit="1"/>
+          </p:cNvSpPr>
+          <p:nvPr>
+            <p:extLst>
+              <p:ext uri="{386F3935-93C4-4BCD-93E2-E3B085C9AB24}">
+                <p16:designElem xmlns:p16="http://schemas.microsoft.com/office/powerpoint/2015/main" val="1"/>
+              </p:ext>
+            </p:extLst>
+          </p:nvPr>
+        </p:nvSpPr>
+        <p:spPr>
+          <a:xfrm rot="6097846">
+            <a:off x="-747355" y="1201312"/>
+            <a:ext cx="4808302" cy="4088666"/>
+          </a:xfrm>
+          <a:custGeom>
+            <a:avLst/>
+            <a:gdLst>
+              <a:gd name="connsiteX0" fmla="*/ 48844 w 4808302"/>
+              <a:gd name="connsiteY0" fmla="*/ 2888671 h 4088666"/>
+              <a:gd name="connsiteX1" fmla="*/ 0 w 4808302"/>
+              <a:gd name="connsiteY1" fmla="*/ 2404151 h 4088666"/>
+              <a:gd name="connsiteX2" fmla="*/ 2404151 w 4808302"/>
+              <a:gd name="connsiteY2" fmla="*/ 0 h 4088666"/>
+              <a:gd name="connsiteX3" fmla="*/ 4808302 w 4808302"/>
+              <a:gd name="connsiteY3" fmla="*/ 2404151 h 4088666"/>
+              <a:gd name="connsiteX4" fmla="*/ 4700216 w 4808302"/>
+              <a:gd name="connsiteY4" fmla="*/ 3119072 h 4088666"/>
+              <a:gd name="connsiteX5" fmla="*/ 4643143 w 4808302"/>
+              <a:gd name="connsiteY5" fmla="*/ 3275009 h 4088666"/>
+              <a:gd name="connsiteX6" fmla="*/ 690093 w 4808302"/>
+              <a:gd name="connsiteY6" fmla="*/ 4088666 h 4088666"/>
+              <a:gd name="connsiteX7" fmla="*/ 548991 w 4808302"/>
+              <a:gd name="connsiteY7" fmla="*/ 3933414 h 4088666"/>
+              <a:gd name="connsiteX8" fmla="*/ 48844 w 4808302"/>
+              <a:gd name="connsiteY8" fmla="*/ 2888671 h 4088666"/>
+            </a:gdLst>
+            <a:ahLst/>
+            <a:cxnLst>
+              <a:cxn ang="0">
+                <a:pos x="connsiteX0" y="connsiteY0"/>
+              </a:cxn>
+              <a:cxn ang="0">
+                <a:pos x="connsiteX1" y="connsiteY1"/>
+              </a:cxn>
+              <a:cxn ang="0">
+                <a:pos x="connsiteX2" y="connsiteY2"/>
+              </a:cxn>
+              <a:cxn ang="0">
+                <a:pos x="connsiteX3" y="connsiteY3"/>
+              </a:cxn>
+              <a:cxn ang="0">
+                <a:pos x="connsiteX4" y="connsiteY4"/>
+              </a:cxn>
+              <a:cxn ang="0">
+                <a:pos x="connsiteX5" y="connsiteY5"/>
+              </a:cxn>
+              <a:cxn ang="0">
+                <a:pos x="connsiteX6" y="connsiteY6"/>
+              </a:cxn>
+              <a:cxn ang="0">
+                <a:pos x="connsiteX7" y="connsiteY7"/>
+              </a:cxn>
+              <a:cxn ang="0">
+                <a:pos x="connsiteX8" y="connsiteY8"/>
+              </a:cxn>
+            </a:cxnLst>
+            <a:rect l="l" t="t" r="r" b="b"/>
+            <a:pathLst>
+              <a:path w="4808302" h="4088666">
+                <a:moveTo>
+                  <a:pt x="48844" y="2888671"/>
+                </a:moveTo>
+                <a:cubicBezTo>
+                  <a:pt x="16818" y="2732167"/>
+                  <a:pt x="0" y="2570123"/>
+                  <a:pt x="0" y="2404151"/>
+                </a:cubicBezTo>
+                <a:cubicBezTo>
+                  <a:pt x="0" y="1076375"/>
+                  <a:pt x="1076375" y="0"/>
+                  <a:pt x="2404151" y="0"/>
+                </a:cubicBezTo>
+                <a:cubicBezTo>
+                  <a:pt x="3731927" y="0"/>
+                  <a:pt x="4808302" y="1076375"/>
+                  <a:pt x="4808302" y="2404151"/>
+                </a:cubicBezTo>
+                <a:cubicBezTo>
+                  <a:pt x="4808302" y="2653109"/>
+                  <a:pt x="4770461" y="2893229"/>
+                  <a:pt x="4700216" y="3119072"/>
+                </a:cubicBezTo>
+                <a:lnTo>
+                  <a:pt x="4643143" y="3275009"/>
+                </a:lnTo>
+                <a:lnTo>
+                  <a:pt x="690093" y="4088666"/>
+                </a:lnTo>
+                <a:lnTo>
+                  <a:pt x="548991" y="3933414"/>
+                </a:lnTo>
+                <a:cubicBezTo>
+                  <a:pt x="304015" y="3636572"/>
+                  <a:pt x="128908" y="3279932"/>
+                  <a:pt x="48844" y="2888671"/>
+                </a:cubicBezTo>
+                <a:close/>
+              </a:path>
+            </a:pathLst>
+          </a:custGeom>
+          <a:gradFill>
+            <a:gsLst>
+              <a:gs pos="13000">
+                <a:schemeClr val="accent4">
+                  <a:lumMod val="20000"/>
+                  <a:lumOff val="80000"/>
+                  <a:alpha val="2000"/>
+                </a:schemeClr>
+              </a:gs>
+              <a:gs pos="100000">
+                <a:schemeClr val="accent6">
+                  <a:alpha val="29000"/>
+                </a:schemeClr>
+              </a:gs>
+            </a:gsLst>
+            <a:lin ang="16800000" scaled="0"/>
+          </a:gradFill>
+          <a:ln>
+            <a:noFill/>
+          </a:ln>
+        </p:spPr>
+        <p:style>
+          <a:lnRef idx="2">
+            <a:schemeClr val="accent1">
+              <a:shade val="50000"/>
+            </a:schemeClr>
+          </a:lnRef>
+          <a:fillRef idx="1">
+            <a:schemeClr val="accent1"/>
+          </a:fillRef>
+          <a:effectRef idx="0">
+            <a:schemeClr val="accent1"/>
+          </a:effectRef>
+          <a:fontRef idx="minor">
+            <a:schemeClr val="lt1"/>
+          </a:fontRef>
+        </p:style>
+        <p:txBody>
+          <a:bodyPr wrap="square" rtlCol="0" anchor="ctr">
+            <a:noAutofit/>
+          </a:bodyPr>
+          <a:lstStyle/>
+          <a:p>
+            <a:pPr algn="ctr"/>
+            <a:endParaRPr lang="en-US" dirty="0"/>
+          </a:p>
+        </p:txBody>
+      </p:sp>
+      <p:sp>
+        <p:nvSpPr>
+          <p:cNvPr id="2" name="Title 1">
+            <a:extLst>
+              <a:ext uri="{FF2B5EF4-FFF2-40B4-BE49-F238E27FC236}">
+                <a16:creationId xmlns:a16="http://schemas.microsoft.com/office/drawing/2014/main" id="{B03A312F-DD31-412D-BCE6-A111C822C3AB}"/>
+              </a:ext>
+            </a:extLst>
+          </p:cNvPr>
+          <p:cNvSpPr>
+            <a:spLocks noGrp="1"/>
+          </p:cNvSpPr>
+          <p:nvPr>
+            <p:ph type="title"/>
+          </p:nvPr>
+        </p:nvSpPr>
+        <p:spPr>
+          <a:xfrm>
+            <a:off x="186431" y="681317"/>
+            <a:ext cx="3524425" cy="3406187"/>
+          </a:xfrm>
+        </p:spPr>
+        <p:txBody>
+          <a:bodyPr vert="horz" lIns="0" tIns="0" rIns="0" bIns="0" rtlCol="0" anchor="b">
+            <a:normAutofit/>
+          </a:bodyPr>
+          <a:lstStyle/>
+          <a:p>
+            <a:pPr algn="r"/>
+            <a:r>
+              <a:rPr lang="en-US" sz="3200" spc="750" dirty="0">
+                <a:solidFill>
+                  <a:schemeClr val="bg1"/>
+                </a:solidFill>
+              </a:rPr>
+              <a:t>Svm confusion matrix</a:t>
+            </a:r>
+          </a:p>
+        </p:txBody>
+      </p:sp>
+      <p:pic>
+        <p:nvPicPr>
+          <p:cNvPr id="1026" name="Picture 2">
+            <a:extLst>
+              <a:ext uri="{FF2B5EF4-FFF2-40B4-BE49-F238E27FC236}">
+                <a16:creationId xmlns:a16="http://schemas.microsoft.com/office/drawing/2014/main" id="{05A1D33E-C096-4B2C-A9C0-B28FB32855D7}"/>
+              </a:ext>
+            </a:extLst>
+          </p:cNvPr>
+          <p:cNvPicPr>
+            <a:picLocks noChangeAspect="1" noChangeArrowheads="1"/>
+          </p:cNvPicPr>
+          <p:nvPr/>
+        </p:nvPicPr>
+        <p:blipFill>
+          <a:blip r:embed="rId2">
+            <a:extLst>
+              <a:ext uri="{28A0092B-C50C-407E-A947-70E740481C1C}">
+                <a14:useLocalDpi xmlns:a14="http://schemas.microsoft.com/office/drawing/2010/main" val="0"/>
+              </a:ext>
+            </a:extLst>
+          </a:blip>
+          <a:stretch>
+            <a:fillRect/>
+          </a:stretch>
+        </p:blipFill>
+        <p:spPr bwMode="auto">
+          <a:xfrm>
+            <a:off x="4567276" y="457200"/>
+            <a:ext cx="7086823" cy="5951114"/>
+          </a:xfrm>
+          <a:prstGeom prst="rect">
+            <a:avLst/>
+          </a:prstGeom>
+          <a:noFill/>
+          <a:extLst>
+            <a:ext uri="{909E8E84-426E-40DD-AFC4-6F175D3DCCD1}">
+              <a14:hiddenFill xmlns:a14="http://schemas.microsoft.com/office/drawing/2010/main">
+                <a:solidFill>
+                  <a:srgbClr val="FFFFFF"/>
+                </a:solidFill>
+              </a14:hiddenFill>
+            </a:ext>
+          </a:extLst>
+        </p:spPr>
+      </p:pic>
+      <p:sp>
+        <p:nvSpPr>
+          <p:cNvPr id="8" name="Oval 7">
+            <a:extLst>
+              <a:ext uri="{FF2B5EF4-FFF2-40B4-BE49-F238E27FC236}">
+                <a16:creationId xmlns:a16="http://schemas.microsoft.com/office/drawing/2014/main" id="{84CB2F51-71FE-404C-B6D5-678A7AC6FEE7}"/>
+              </a:ext>
+            </a:extLst>
+          </p:cNvPr>
+          <p:cNvSpPr/>
+          <p:nvPr/>
+        </p:nvSpPr>
+        <p:spPr>
+          <a:xfrm>
+            <a:off x="6010181" y="3728620"/>
+            <a:ext cx="1145220" cy="1145220"/>
+          </a:xfrm>
+          <a:prstGeom prst="ellipse">
+            <a:avLst/>
+          </a:prstGeom>
+          <a:noFill/>
+          <a:ln w="12700">
+            <a:solidFill>
+              <a:srgbClr val="C00000"/>
+            </a:solidFill>
+          </a:ln>
+        </p:spPr>
+        <p:style>
+          <a:lnRef idx="2">
+            <a:schemeClr val="accent1">
+              <a:shade val="50000"/>
+            </a:schemeClr>
+          </a:lnRef>
+          <a:fillRef idx="1">
+            <a:schemeClr val="accent1"/>
+          </a:fillRef>
+          <a:effectRef idx="0">
+            <a:schemeClr val="accent1"/>
+          </a:effectRef>
+          <a:fontRef idx="minor">
+            <a:schemeClr val="lt1"/>
+          </a:fontRef>
+        </p:style>
+        <p:txBody>
+          <a:bodyPr rtlCol="0" anchor="ctr"/>
+          <a:lstStyle/>
+          <a:p>
+            <a:pPr algn="ctr"/>
+            <a:endParaRPr lang="en-US"/>
+          </a:p>
+        </p:txBody>
+      </p:sp>
+      <p:sp>
+        <p:nvSpPr>
+          <p:cNvPr id="17" name="Oval 16">
+            <a:extLst>
+              <a:ext uri="{FF2B5EF4-FFF2-40B4-BE49-F238E27FC236}">
+                <a16:creationId xmlns:a16="http://schemas.microsoft.com/office/drawing/2014/main" id="{A04B37CF-4299-4C8E-856E-94B6937A65DF}"/>
+              </a:ext>
+            </a:extLst>
+          </p:cNvPr>
+          <p:cNvSpPr/>
+          <p:nvPr/>
+        </p:nvSpPr>
+        <p:spPr>
+          <a:xfrm>
+            <a:off x="8497403" y="1306491"/>
+            <a:ext cx="1145220" cy="1145220"/>
+          </a:xfrm>
+          <a:prstGeom prst="ellipse">
+            <a:avLst/>
+          </a:prstGeom>
+          <a:noFill/>
+          <a:ln w="76200">
+            <a:solidFill>
+              <a:srgbClr val="C00000"/>
+            </a:solidFill>
+          </a:ln>
+        </p:spPr>
+        <p:style>
+          <a:lnRef idx="2">
+            <a:schemeClr val="accent1">
+              <a:shade val="50000"/>
+            </a:schemeClr>
+          </a:lnRef>
+          <a:fillRef idx="1">
+            <a:schemeClr val="accent1"/>
+          </a:fillRef>
+          <a:effectRef idx="0">
+            <a:schemeClr val="accent1"/>
+          </a:effectRef>
+          <a:fontRef idx="minor">
+            <a:schemeClr val="lt1"/>
+          </a:fontRef>
+        </p:style>
+        <p:txBody>
+          <a:bodyPr rtlCol="0" anchor="ctr"/>
+          <a:lstStyle/>
+          <a:p>
+            <a:pPr algn="ctr"/>
+            <a:endParaRPr lang="en-US"/>
+          </a:p>
+        </p:txBody>
+      </p:sp>
+    </p:spTree>
+    <p:extLst>
+      <p:ext uri="{BB962C8B-B14F-4D97-AF65-F5344CB8AC3E}">
+        <p14:creationId xmlns:p14="http://schemas.microsoft.com/office/powerpoint/2010/main" val="2394437481"/>
+      </p:ext>
+    </p:extLst>
+  </p:cSld>
+  <p:clrMapOvr>
+    <a:masterClrMapping/>
+  </p:clrMapOvr>
+</p:sld>
+</file>
+
+<file path=ppt/slides/slide7.xml><?xml version="1.0" encoding="utf-8"?>
+<p:sld xmlns:a="http://schemas.openxmlformats.org/drawingml/2006/main" xmlns:r="http://schemas.openxmlformats.org/officeDocument/2006/relationships" xmlns:p="http://schemas.openxmlformats.org/presentationml/2006/main">
+  <p:cSld>
+    <p:spTree>
+      <p:nvGrpSpPr>
+        <p:cNvPr id="1" name=""/>
+        <p:cNvGrpSpPr/>
+        <p:nvPr/>
+      </p:nvGrpSpPr>
+      <p:grpSpPr>
+        <a:xfrm>
+          <a:off x="0" y="0"/>
+          <a:ext cx="0" cy="0"/>
+          <a:chOff x="0" y="0"/>
+          <a:chExt cx="0" cy="0"/>
+        </a:xfrm>
+      </p:grpSpPr>
+      <p:sp>
+        <p:nvSpPr>
+          <p:cNvPr id="2" name="Title 1">
+            <a:extLst>
+              <a:ext uri="{FF2B5EF4-FFF2-40B4-BE49-F238E27FC236}">
+                <a16:creationId xmlns:a16="http://schemas.microsoft.com/office/drawing/2014/main" id="{638843F3-4373-40D3-82C4-1E8C806ED313}"/>
+              </a:ext>
+            </a:extLst>
+          </p:cNvPr>
+          <p:cNvSpPr>
+            <a:spLocks noGrp="1"/>
+          </p:cNvSpPr>
+          <p:nvPr>
+            <p:ph type="title"/>
+          </p:nvPr>
+        </p:nvSpPr>
+        <p:spPr/>
+        <p:txBody>
+          <a:bodyPr/>
+          <a:lstStyle/>
+          <a:p>
+            <a:r>
+              <a:rPr lang="en-US" dirty="0"/>
+              <a:t>Logistic regression</a:t>
+            </a:r>
+          </a:p>
+        </p:txBody>
+      </p:sp>
+      <p:sp>
+        <p:nvSpPr>
+          <p:cNvPr id="3" name="Content Placeholder 2">
+            <a:extLst>
+              <a:ext uri="{FF2B5EF4-FFF2-40B4-BE49-F238E27FC236}">
+                <a16:creationId xmlns:a16="http://schemas.microsoft.com/office/drawing/2014/main" id="{9CC0777F-DC49-40D3-8458-36C6C6124132}"/>
+              </a:ext>
+            </a:extLst>
+          </p:cNvPr>
+          <p:cNvSpPr>
+            <a:spLocks noGrp="1"/>
+          </p:cNvSpPr>
+          <p:nvPr>
+            <p:ph idx="1"/>
+          </p:nvPr>
+        </p:nvSpPr>
+        <p:spPr/>
+        <p:txBody>
+          <a:bodyPr/>
+          <a:lstStyle/>
+          <a:p>
+            <a:endParaRPr lang="en-US"/>
+          </a:p>
+        </p:txBody>
+      </p:sp>
+    </p:spTree>
+    <p:extLst>
+      <p:ext uri="{BB962C8B-B14F-4D97-AF65-F5344CB8AC3E}">
+        <p14:creationId xmlns:p14="http://schemas.microsoft.com/office/powerpoint/2010/main" val="1703374287"/>
+      </p:ext>
+    </p:extLst>
+  </p:cSld>
+  <p:clrMapOvr>
+    <a:masterClrMapping/>
+  </p:clrMapOvr>
+</p:sld>
+</file>
+
+<file path=ppt/slides/slide8.xml><?xml version="1.0" encoding="utf-8"?>
+<p:sld xmlns:a="http://schemas.openxmlformats.org/drawingml/2006/main" xmlns:r="http://schemas.openxmlformats.org/officeDocument/2006/relationships" xmlns:p="http://schemas.openxmlformats.org/presentationml/2006/main">
+  <p:cSld>
+    <p:spTree>
+      <p:nvGrpSpPr>
+        <p:cNvPr id="1" name=""/>
+        <p:cNvGrpSpPr/>
+        <p:nvPr/>
+      </p:nvGrpSpPr>
+      <p:grpSpPr>
+        <a:xfrm>
+          <a:off x="0" y="0"/>
+          <a:ext cx="0" cy="0"/>
+          <a:chOff x="0" y="0"/>
+          <a:chExt cx="0" cy="0"/>
+        </a:xfrm>
+      </p:grpSpPr>
+      <p:sp>
+        <p:nvSpPr>
+          <p:cNvPr id="2" name="Title 1">
+            <a:extLst>
+              <a:ext uri="{FF2B5EF4-FFF2-40B4-BE49-F238E27FC236}">
+                <a16:creationId xmlns:a16="http://schemas.microsoft.com/office/drawing/2014/main" id="{CD009E83-6A5B-4C24-AE1C-D65004124E83}"/>
+              </a:ext>
+            </a:extLst>
+          </p:cNvPr>
+          <p:cNvSpPr>
+            <a:spLocks noGrp="1"/>
+          </p:cNvSpPr>
+          <p:nvPr>
+            <p:ph type="title"/>
+          </p:nvPr>
+        </p:nvSpPr>
+        <p:spPr/>
+        <p:txBody>
+          <a:bodyPr/>
+          <a:lstStyle/>
+          <a:p>
+            <a:r>
+              <a:rPr lang="en-US" dirty="0"/>
+              <a:t>Random forests</a:t>
+            </a:r>
+          </a:p>
+        </p:txBody>
+      </p:sp>
+      <p:sp>
+        <p:nvSpPr>
+          <p:cNvPr id="3" name="Content Placeholder 2">
+            <a:extLst>
+              <a:ext uri="{FF2B5EF4-FFF2-40B4-BE49-F238E27FC236}">
+                <a16:creationId xmlns:a16="http://schemas.microsoft.com/office/drawing/2014/main" id="{047836B4-1AE7-4030-906C-79C02BA5EFCF}"/>
+              </a:ext>
+            </a:extLst>
+          </p:cNvPr>
+          <p:cNvSpPr>
+            <a:spLocks noGrp="1"/>
+          </p:cNvSpPr>
+          <p:nvPr>
+            <p:ph idx="1"/>
+          </p:nvPr>
+        </p:nvSpPr>
+        <p:spPr/>
+        <p:txBody>
+          <a:bodyPr/>
+          <a:lstStyle/>
+          <a:p>
+            <a:endParaRPr lang="en-US"/>
+          </a:p>
+        </p:txBody>
+      </p:sp>
+    </p:spTree>
+    <p:extLst>
+      <p:ext uri="{BB962C8B-B14F-4D97-AF65-F5344CB8AC3E}">
+        <p14:creationId xmlns:p14="http://schemas.microsoft.com/office/powerpoint/2010/main" val="178338394"/>
+      </p:ext>
+    </p:extLst>
+  </p:cSld>
+  <p:clrMapOvr>
+    <a:masterClrMapping/>
+  </p:clrMapOvr>
+</p:sld>
+</file>
+
+<file path=ppt/slides/slide9.xml><?xml version="1.0" encoding="utf-8"?>
+<p:sld xmlns:a="http://schemas.openxmlformats.org/drawingml/2006/main" xmlns:r="http://schemas.openxmlformats.org/officeDocument/2006/relationships" xmlns:p="http://schemas.openxmlformats.org/presentationml/2006/main">
+  <p:cSld>
+    <p:spTree>
+      <p:nvGrpSpPr>
+        <p:cNvPr id="1" name=""/>
+        <p:cNvGrpSpPr/>
+        <p:nvPr/>
+      </p:nvGrpSpPr>
+      <p:grpSpPr>
+        <a:xfrm>
+          <a:off x="0" y="0"/>
+          <a:ext cx="0" cy="0"/>
+          <a:chOff x="0" y="0"/>
+          <a:chExt cx="0" cy="0"/>
+        </a:xfrm>
+      </p:grpSpPr>
       <p:sp>
         <p:nvSpPr>
           <p:cNvPr id="2" name="Title 1">
@@ -5352,7 +7754,7 @@
             <p:ph idx="1"/>
             <p:extLst>
               <p:ext uri="{D42A27DB-BD31-4B8C-83A1-F6EECF244321}">
-                <p14:modId xmlns:p14="http://schemas.microsoft.com/office/powerpoint/2010/main" val="1781771849"/>
+                <p14:modId xmlns:p14="http://schemas.microsoft.com/office/powerpoint/2010/main" val="3362092825"/>
               </p:ext>
             </p:extLst>
           </p:nvPr>
@@ -5472,7 +7874,18 @@
                       <a:pPr algn="ctr"/>
                       <a:r>
                         <a:rPr lang="en-US" dirty="0"/>
-                        <a:t>Scores here? </a:t>
+                        <a:t>Accuracy: 71%</a:t>
+                      </a:r>
+                    </a:p>
+                    <a:p>
+                      <a:pPr algn="ctr"/>
+                      <a:endParaRPr lang="en-US" dirty="0"/>
+                    </a:p>
+                    <a:p>
+                      <a:pPr algn="ctr"/>
+                      <a:r>
+                        <a:rPr lang="en-US" dirty="0"/>
+                        <a:t>Accuracy after testing different regularizing and parameters: 73.5% </a:t>
                       </a:r>
                     </a:p>
                   </a:txBody>

--- a/Final_Presentation.pptx
+++ b/Final_Presentation.pptx
@@ -9,11 +9,11 @@
     <p:sldId id="257" r:id="rId3"/>
     <p:sldId id="258" r:id="rId4"/>
     <p:sldId id="263" r:id="rId5"/>
-    <p:sldId id="260" r:id="rId6"/>
-    <p:sldId id="264" r:id="rId7"/>
-    <p:sldId id="261" r:id="rId8"/>
-    <p:sldId id="262" r:id="rId9"/>
-    <p:sldId id="259" r:id="rId10"/>
+    <p:sldId id="259" r:id="rId6"/>
+    <p:sldId id="260" r:id="rId7"/>
+    <p:sldId id="264" r:id="rId8"/>
+    <p:sldId id="261" r:id="rId9"/>
+    <p:sldId id="262" r:id="rId10"/>
   </p:sldIdLst>
   <p:sldSz cx="12192000" cy="6858000"/>
   <p:notesSz cx="6858000" cy="9144000"/>
@@ -283,7 +283,7 @@
           <a:p>
             <a:fld id="{D4A213A3-10E9-421F-81BE-56E0786AB515}" type="datetime2">
               <a:rPr lang="en-US" smtClean="0"/>
-              <a:t>Thursday, July 23, 2020</a:t>
+              <a:t>Friday, July 24, 2020</a:t>
             </a:fld>
             <a:endParaRPr lang="en-US"/>
           </a:p>
@@ -481,7 +481,7 @@
           <a:p>
             <a:fld id="{3D5DABC0-2199-478F-BA77-33A651B6CB89}" type="datetime2">
               <a:rPr lang="en-US" smtClean="0"/>
-              <a:t>Thursday, July 23, 2020</a:t>
+              <a:t>Friday, July 24, 2020</a:t>
             </a:fld>
             <a:endParaRPr lang="en-US"/>
           </a:p>
@@ -690,7 +690,7 @@
           <a:p>
             <a:fld id="{D72230C6-DF61-47F4-B8C5-1B70E884BF06}" type="datetime2">
               <a:rPr lang="en-US" smtClean="0"/>
-              <a:t>Thursday, July 23, 2020</a:t>
+              <a:t>Friday, July 24, 2020</a:t>
             </a:fld>
             <a:endParaRPr lang="en-US"/>
           </a:p>
@@ -900,7 +900,7 @@
           <a:p>
             <a:fld id="{6B12B50C-7EEE-46CD-BAF7-BBC4026D959A}" type="datetime2">
               <a:rPr lang="en-US" smtClean="0"/>
-              <a:t>Thursday, July 23, 2020</a:t>
+              <a:t>Friday, July 24, 2020</a:t>
             </a:fld>
             <a:endParaRPr lang="en-US"/>
           </a:p>
@@ -1180,7 +1180,7 @@
           <a:p>
             <a:fld id="{8D4211C4-AE09-4254-A5E3-6DA9B099C971}" type="datetime2">
               <a:rPr lang="en-US" smtClean="0"/>
-              <a:t>Thursday, July 23, 2020</a:t>
+              <a:t>Friday, July 24, 2020</a:t>
             </a:fld>
             <a:endParaRPr lang="en-US"/>
           </a:p>
@@ -1459,7 +1459,7 @@
           <a:p>
             <a:fld id="{681742C3-E082-4760-93B2-E209268DD00C}" type="datetime2">
               <a:rPr lang="en-US" smtClean="0"/>
-              <a:t>Thursday, July 23, 2020</a:t>
+              <a:t>Friday, July 24, 2020</a:t>
             </a:fld>
             <a:endParaRPr lang="en-US"/>
           </a:p>
@@ -1880,7 +1880,7 @@
           <a:p>
             <a:fld id="{3B6FC950-F824-48B9-B984-CAEE265865E5}" type="datetime2">
               <a:rPr lang="en-US" smtClean="0"/>
-              <a:t>Thursday, July 23, 2020</a:t>
+              <a:t>Friday, July 24, 2020</a:t>
             </a:fld>
             <a:endParaRPr lang="en-US"/>
           </a:p>
@@ -2033,7 +2033,7 @@
           <a:p>
             <a:fld id="{BC8E3A0F-68E7-4D17-BB84-ED1BA4F6AC6B}" type="datetime2">
               <a:rPr lang="en-US" smtClean="0"/>
-              <a:t>Thursday, July 23, 2020</a:t>
+              <a:t>Friday, July 24, 2020</a:t>
             </a:fld>
             <a:endParaRPr lang="en-US"/>
           </a:p>
@@ -2146,7 +2146,7 @@
           <a:p>
             <a:fld id="{EDB7BC4F-EDA1-4BA2-BFF3-FE5B31CCB58B}" type="datetime2">
               <a:rPr lang="en-US" smtClean="0"/>
-              <a:t>Thursday, July 23, 2020</a:t>
+              <a:t>Friday, July 24, 2020</a:t>
             </a:fld>
             <a:endParaRPr lang="en-US"/>
           </a:p>
@@ -2460,7 +2460,7 @@
           <a:p>
             <a:fld id="{3AAE694C-1394-4838-A564-7380835C2E77}" type="datetime2">
               <a:rPr lang="en-US" smtClean="0"/>
-              <a:t>Thursday, July 23, 2020</a:t>
+              <a:t>Friday, July 24, 2020</a:t>
             </a:fld>
             <a:endParaRPr lang="en-US"/>
           </a:p>
@@ -2753,7 +2753,7 @@
           <a:p>
             <a:fld id="{CAB84B19-1A00-4EDB-8425-E1827A377364}" type="datetime2">
               <a:rPr lang="en-US" smtClean="0"/>
-              <a:t>Thursday, July 23, 2020</a:t>
+              <a:t>Friday, July 24, 2020</a:t>
             </a:fld>
             <a:endParaRPr lang="en-US"/>
           </a:p>
@@ -3122,7 +3122,7 @@
           <a:p>
             <a:fld id="{10076A27-8146-4F75-9851-A83577C6FD8A}" type="datetime2">
               <a:rPr lang="en-US" smtClean="0"/>
-              <a:t>Thursday, July 23, 2020</a:t>
+              <a:t>Friday, July 24, 2020</a:t>
             </a:fld>
             <a:endParaRPr lang="en-US"/>
           </a:p>
@@ -6036,6 +6036,415 @@
 </file>
 
 <file path=ppt/slides/slide5.xml><?xml version="1.0" encoding="utf-8"?>
+<p:sld xmlns:a="http://schemas.openxmlformats.org/drawingml/2006/main" xmlns:r="http://schemas.openxmlformats.org/officeDocument/2006/relationships" xmlns:p="http://schemas.openxmlformats.org/presentationml/2006/main">
+  <p:cSld>
+    <p:spTree>
+      <p:nvGrpSpPr>
+        <p:cNvPr id="1" name=""/>
+        <p:cNvGrpSpPr/>
+        <p:nvPr/>
+      </p:nvGrpSpPr>
+      <p:grpSpPr>
+        <a:xfrm>
+          <a:off x="0" y="0"/>
+          <a:ext cx="0" cy="0"/>
+          <a:chOff x="0" y="0"/>
+          <a:chExt cx="0" cy="0"/>
+        </a:xfrm>
+      </p:grpSpPr>
+      <p:sp>
+        <p:nvSpPr>
+          <p:cNvPr id="2" name="Title 1">
+            <a:extLst>
+              <a:ext uri="{FF2B5EF4-FFF2-40B4-BE49-F238E27FC236}">
+                <a16:creationId xmlns:a16="http://schemas.microsoft.com/office/drawing/2014/main" id="{972C22CC-6AB2-4016-9341-5464BB790668}"/>
+              </a:ext>
+            </a:extLst>
+          </p:cNvPr>
+          <p:cNvSpPr>
+            <a:spLocks noGrp="1"/>
+          </p:cNvSpPr>
+          <p:nvPr>
+            <p:ph type="title"/>
+          </p:nvPr>
+        </p:nvSpPr>
+        <p:spPr>
+          <a:xfrm>
+            <a:off x="1371600" y="793080"/>
+            <a:ext cx="10240903" cy="652262"/>
+          </a:xfrm>
+        </p:spPr>
+        <p:txBody>
+          <a:bodyPr/>
+          <a:lstStyle/>
+          <a:p>
+            <a:r>
+              <a:rPr lang="en-US" dirty="0"/>
+              <a:t>Model performance</a:t>
+            </a:r>
+          </a:p>
+        </p:txBody>
+      </p:sp>
+      <p:graphicFrame>
+        <p:nvGraphicFramePr>
+          <p:cNvPr id="4" name="Table 4">
+            <a:extLst>
+              <a:ext uri="{FF2B5EF4-FFF2-40B4-BE49-F238E27FC236}">
+                <a16:creationId xmlns:a16="http://schemas.microsoft.com/office/drawing/2014/main" id="{603ECF49-6F8A-47AE-A085-40B94BD7D5CE}"/>
+              </a:ext>
+            </a:extLst>
+          </p:cNvPr>
+          <p:cNvGraphicFramePr>
+            <a:graphicFrameLocks noGrp="1"/>
+          </p:cNvGraphicFramePr>
+          <p:nvPr>
+            <p:ph idx="1"/>
+            <p:extLst>
+              <p:ext uri="{D42A27DB-BD31-4B8C-83A1-F6EECF244321}">
+                <p14:modId xmlns:p14="http://schemas.microsoft.com/office/powerpoint/2010/main" val="3362092825"/>
+              </p:ext>
+            </p:extLst>
+          </p:nvPr>
+        </p:nvGraphicFramePr>
+        <p:xfrm>
+          <a:off x="1371599" y="2813426"/>
+          <a:ext cx="10240902" cy="1939771"/>
+        </p:xfrm>
+        <a:graphic>
+          <a:graphicData uri="http://schemas.openxmlformats.org/drawingml/2006/table">
+            <a:tbl>
+              <a:tblPr firstRow="1" bandRow="1">
+                <a:tableStyleId>{5C22544A-7EE6-4342-B048-85BDC9FD1C3A}</a:tableStyleId>
+              </a:tblPr>
+              <a:tblGrid>
+                <a:gridCol w="3413634">
+                  <a:extLst>
+                    <a:ext uri="{9D8B030D-6E8A-4147-A177-3AD203B41FA5}">
+                      <a16:colId xmlns:a16="http://schemas.microsoft.com/office/drawing/2014/main" val="4118802158"/>
+                    </a:ext>
+                  </a:extLst>
+                </a:gridCol>
+                <a:gridCol w="3413634">
+                  <a:extLst>
+                    <a:ext uri="{9D8B030D-6E8A-4147-A177-3AD203B41FA5}">
+                      <a16:colId xmlns:a16="http://schemas.microsoft.com/office/drawing/2014/main" val="2110544152"/>
+                    </a:ext>
+                  </a:extLst>
+                </a:gridCol>
+                <a:gridCol w="3413634">
+                  <a:extLst>
+                    <a:ext uri="{9D8B030D-6E8A-4147-A177-3AD203B41FA5}">
+                      <a16:colId xmlns:a16="http://schemas.microsoft.com/office/drawing/2014/main" val="445697095"/>
+                    </a:ext>
+                  </a:extLst>
+                </a:gridCol>
+              </a:tblGrid>
+              <a:tr h="421387">
+                <a:tc>
+                  <a:txBody>
+                    <a:bodyPr/>
+                    <a:lstStyle/>
+                    <a:p>
+                      <a:pPr algn="ctr"/>
+                      <a:r>
+                        <a:rPr lang="en-US" dirty="0">
+                          <a:solidFill>
+                            <a:schemeClr val="tx1"/>
+                          </a:solidFill>
+                          <a:latin typeface="Calibri" panose="020F0502020204030204" pitchFamily="34" charset="0"/>
+                          <a:cs typeface="Calibri" panose="020F0502020204030204" pitchFamily="34" charset="0"/>
+                        </a:rPr>
+                        <a:t>Support Vector Model</a:t>
+                      </a:r>
+                    </a:p>
+                  </a:txBody>
+                  <a:tcPr>
+                    <a:noFill/>
+                  </a:tcPr>
+                </a:tc>
+                <a:tc>
+                  <a:txBody>
+                    <a:bodyPr/>
+                    <a:lstStyle/>
+                    <a:p>
+                      <a:pPr algn="ctr"/>
+                      <a:r>
+                        <a:rPr lang="en-US" dirty="0">
+                          <a:solidFill>
+                            <a:schemeClr val="tx1"/>
+                          </a:solidFill>
+                          <a:latin typeface="Calibri" panose="020F0502020204030204" pitchFamily="34" charset="0"/>
+                          <a:cs typeface="Calibri" panose="020F0502020204030204" pitchFamily="34" charset="0"/>
+                        </a:rPr>
+                        <a:t>Logistic Regression</a:t>
+                      </a:r>
+                    </a:p>
+                  </a:txBody>
+                  <a:tcPr>
+                    <a:noFill/>
+                  </a:tcPr>
+                </a:tc>
+                <a:tc>
+                  <a:txBody>
+                    <a:bodyPr/>
+                    <a:lstStyle/>
+                    <a:p>
+                      <a:pPr algn="ctr"/>
+                      <a:r>
+                        <a:rPr lang="en-US" dirty="0">
+                          <a:solidFill>
+                            <a:schemeClr val="tx1"/>
+                          </a:solidFill>
+                          <a:latin typeface="Calibri" panose="020F0502020204030204" pitchFamily="34" charset="0"/>
+                          <a:cs typeface="Calibri" panose="020F0502020204030204" pitchFamily="34" charset="0"/>
+                        </a:rPr>
+                        <a:t>Random Forest</a:t>
+                      </a:r>
+                    </a:p>
+                  </a:txBody>
+                  <a:tcPr>
+                    <a:noFill/>
+                  </a:tcPr>
+                </a:tc>
+                <a:extLst>
+                  <a:ext uri="{0D108BD9-81ED-4DB2-BD59-A6C34878D82A}">
+                    <a16:rowId xmlns:a16="http://schemas.microsoft.com/office/drawing/2014/main" val="2740388139"/>
+                  </a:ext>
+                </a:extLst>
+              </a:tr>
+              <a:tr h="1518384">
+                <a:tc>
+                  <a:txBody>
+                    <a:bodyPr/>
+                    <a:lstStyle/>
+                    <a:p>
+                      <a:pPr algn="ctr"/>
+                      <a:r>
+                        <a:rPr lang="en-US" dirty="0"/>
+                        <a:t>Accuracy: 71%</a:t>
+                      </a:r>
+                    </a:p>
+                    <a:p>
+                      <a:pPr algn="ctr"/>
+                      <a:endParaRPr lang="en-US" dirty="0"/>
+                    </a:p>
+                    <a:p>
+                      <a:pPr algn="ctr"/>
+                      <a:r>
+                        <a:rPr lang="en-US" dirty="0"/>
+                        <a:t>Accuracy after testing different regularizing and parameters: 73.5% </a:t>
+                      </a:r>
+                    </a:p>
+                  </a:txBody>
+                  <a:tcPr>
+                    <a:solidFill>
+                      <a:schemeClr val="bg1">
+                        <a:lumMod val="95000"/>
+                      </a:schemeClr>
+                    </a:solidFill>
+                  </a:tcPr>
+                </a:tc>
+                <a:tc>
+                  <a:txBody>
+                    <a:bodyPr/>
+                    <a:lstStyle/>
+                    <a:p>
+                      <a:pPr algn="ctr"/>
+                      <a:r>
+                        <a:rPr lang="en-US" dirty="0"/>
+                        <a:t>Scores here? </a:t>
+                      </a:r>
+                    </a:p>
+                  </a:txBody>
+                  <a:tcPr>
+                    <a:solidFill>
+                      <a:schemeClr val="bg1">
+                        <a:lumMod val="95000"/>
+                      </a:schemeClr>
+                    </a:solidFill>
+                  </a:tcPr>
+                </a:tc>
+                <a:tc>
+                  <a:txBody>
+                    <a:bodyPr/>
+                    <a:lstStyle/>
+                    <a:p>
+                      <a:pPr algn="ctr"/>
+                      <a:r>
+                        <a:rPr lang="en-US" dirty="0"/>
+                        <a:t>Scores here? </a:t>
+                      </a:r>
+                    </a:p>
+                  </a:txBody>
+                  <a:tcPr>
+                    <a:solidFill>
+                      <a:schemeClr val="bg1">
+                        <a:lumMod val="95000"/>
+                      </a:schemeClr>
+                    </a:solidFill>
+                  </a:tcPr>
+                </a:tc>
+                <a:extLst>
+                  <a:ext uri="{0D108BD9-81ED-4DB2-BD59-A6C34878D82A}">
+                    <a16:rowId xmlns:a16="http://schemas.microsoft.com/office/drawing/2014/main" val="1767792167"/>
+                  </a:ext>
+                </a:extLst>
+              </a:tr>
+            </a:tbl>
+          </a:graphicData>
+        </a:graphic>
+      </p:graphicFrame>
+      <p:sp>
+        <p:nvSpPr>
+          <p:cNvPr id="5" name="Arrow: Left-Right 4">
+            <a:extLst>
+              <a:ext uri="{FF2B5EF4-FFF2-40B4-BE49-F238E27FC236}">
+                <a16:creationId xmlns:a16="http://schemas.microsoft.com/office/drawing/2014/main" id="{1258FA2B-B667-4D0D-974E-9F6CD8E64E6A}"/>
+              </a:ext>
+            </a:extLst>
+          </p:cNvPr>
+          <p:cNvSpPr/>
+          <p:nvPr/>
+        </p:nvSpPr>
+        <p:spPr>
+          <a:xfrm>
+            <a:off x="1371600" y="2370049"/>
+            <a:ext cx="10240904" cy="369331"/>
+          </a:xfrm>
+          <a:prstGeom prst="leftRightArrow">
+            <a:avLst/>
+          </a:prstGeom>
+          <a:gradFill flip="none" rotWithShape="1">
+            <a:gsLst>
+              <a:gs pos="0">
+                <a:srgbClr val="5AC1C8"/>
+              </a:gs>
+              <a:gs pos="50000">
+                <a:schemeClr val="accent1">
+                  <a:tint val="44500"/>
+                  <a:satMod val="160000"/>
+                </a:schemeClr>
+              </a:gs>
+              <a:gs pos="100000">
+                <a:srgbClr val="4CBB38"/>
+              </a:gs>
+            </a:gsLst>
+            <a:lin ang="0" scaled="1"/>
+            <a:tileRect/>
+          </a:gradFill>
+          <a:ln>
+            <a:noFill/>
+          </a:ln>
+        </p:spPr>
+        <p:style>
+          <a:lnRef idx="2">
+            <a:schemeClr val="accent1">
+              <a:shade val="50000"/>
+            </a:schemeClr>
+          </a:lnRef>
+          <a:fillRef idx="1">
+            <a:schemeClr val="accent1"/>
+          </a:fillRef>
+          <a:effectRef idx="0">
+            <a:schemeClr val="accent1"/>
+          </a:effectRef>
+          <a:fontRef idx="minor">
+            <a:schemeClr val="lt1"/>
+          </a:fontRef>
+        </p:style>
+        <p:txBody>
+          <a:bodyPr rtlCol="0" anchor="ctr"/>
+          <a:lstStyle/>
+          <a:p>
+            <a:pPr algn="ctr"/>
+            <a:endParaRPr lang="en-US" dirty="0"/>
+          </a:p>
+        </p:txBody>
+      </p:sp>
+      <p:sp>
+        <p:nvSpPr>
+          <p:cNvPr id="6" name="TextBox 5">
+            <a:extLst>
+              <a:ext uri="{FF2B5EF4-FFF2-40B4-BE49-F238E27FC236}">
+                <a16:creationId xmlns:a16="http://schemas.microsoft.com/office/drawing/2014/main" id="{215DE2FE-2991-4C98-A514-42E03222CEE6}"/>
+              </a:ext>
+            </a:extLst>
+          </p:cNvPr>
+          <p:cNvSpPr txBox="1"/>
+          <p:nvPr/>
+        </p:nvSpPr>
+        <p:spPr>
+          <a:xfrm>
+            <a:off x="1371597" y="1987553"/>
+            <a:ext cx="2021150" cy="369332"/>
+          </a:xfrm>
+          <a:prstGeom prst="rect">
+            <a:avLst/>
+          </a:prstGeom>
+          <a:noFill/>
+        </p:spPr>
+        <p:txBody>
+          <a:bodyPr wrap="square" rtlCol="0">
+            <a:spAutoFit/>
+          </a:bodyPr>
+          <a:lstStyle/>
+          <a:p>
+            <a:r>
+              <a:rPr lang="en-US" dirty="0"/>
+              <a:t>Weaker</a:t>
+            </a:r>
+          </a:p>
+        </p:txBody>
+      </p:sp>
+      <p:sp>
+        <p:nvSpPr>
+          <p:cNvPr id="7" name="TextBox 6">
+            <a:extLst>
+              <a:ext uri="{FF2B5EF4-FFF2-40B4-BE49-F238E27FC236}">
+                <a16:creationId xmlns:a16="http://schemas.microsoft.com/office/drawing/2014/main" id="{3DDE2555-DD52-457B-86AC-1F2F4FE7A21E}"/>
+              </a:ext>
+            </a:extLst>
+          </p:cNvPr>
+          <p:cNvSpPr txBox="1"/>
+          <p:nvPr/>
+        </p:nvSpPr>
+        <p:spPr>
+          <a:xfrm>
+            <a:off x="10634535" y="2026568"/>
+            <a:ext cx="1194276" cy="369332"/>
+          </a:xfrm>
+          <a:prstGeom prst="rect">
+            <a:avLst/>
+          </a:prstGeom>
+          <a:noFill/>
+        </p:spPr>
+        <p:txBody>
+          <a:bodyPr wrap="square" rtlCol="0">
+            <a:spAutoFit/>
+          </a:bodyPr>
+          <a:lstStyle/>
+          <a:p>
+            <a:r>
+              <a:rPr lang="en-US" dirty="0"/>
+              <a:t>Stronger</a:t>
+            </a:r>
+          </a:p>
+        </p:txBody>
+      </p:sp>
+    </p:spTree>
+    <p:extLst>
+      <p:ext uri="{BB962C8B-B14F-4D97-AF65-F5344CB8AC3E}">
+        <p14:creationId xmlns:p14="http://schemas.microsoft.com/office/powerpoint/2010/main" val="3595713878"/>
+      </p:ext>
+    </p:extLst>
+  </p:cSld>
+  <p:clrMapOvr>
+    <a:masterClrMapping/>
+  </p:clrMapOvr>
+</p:sld>
+</file>
+
+<file path=ppt/slides/slide6.xml><?xml version="1.0" encoding="utf-8"?>
 <p:sld xmlns:a="http://schemas.openxmlformats.org/drawingml/2006/main" xmlns:r="http://schemas.openxmlformats.org/officeDocument/2006/relationships" xmlns:p="http://schemas.openxmlformats.org/presentationml/2006/main">
   <p:cSld>
     <p:spTree>
@@ -6671,7 +7080,7 @@
 </p:sld>
 </file>
 
-<file path=ppt/slides/slide6.xml><?xml version="1.0" encoding="utf-8"?>
+<file path=ppt/slides/slide7.xml><?xml version="1.0" encoding="utf-8"?>
 <p:sld xmlns:a="http://schemas.openxmlformats.org/drawingml/2006/main" xmlns:r="http://schemas.openxmlformats.org/officeDocument/2006/relationships" xmlns:p="http://schemas.openxmlformats.org/presentationml/2006/main">
   <p:cSld>
     <p:bg>
@@ -7471,7 +7880,7 @@
         </p:nvSpPr>
         <p:spPr>
           <a:xfrm>
-            <a:off x="8497403" y="1306491"/>
+            <a:off x="8497403" y="1288735"/>
             <a:ext cx="1145220" cy="1145220"/>
           </a:xfrm>
           <a:prstGeom prst="ellipse">
@@ -7522,89 +7931,6 @@
 </p:sld>
 </file>
 
-<file path=ppt/slides/slide7.xml><?xml version="1.0" encoding="utf-8"?>
-<p:sld xmlns:a="http://schemas.openxmlformats.org/drawingml/2006/main" xmlns:r="http://schemas.openxmlformats.org/officeDocument/2006/relationships" xmlns:p="http://schemas.openxmlformats.org/presentationml/2006/main">
-  <p:cSld>
-    <p:spTree>
-      <p:nvGrpSpPr>
-        <p:cNvPr id="1" name=""/>
-        <p:cNvGrpSpPr/>
-        <p:nvPr/>
-      </p:nvGrpSpPr>
-      <p:grpSpPr>
-        <a:xfrm>
-          <a:off x="0" y="0"/>
-          <a:ext cx="0" cy="0"/>
-          <a:chOff x="0" y="0"/>
-          <a:chExt cx="0" cy="0"/>
-        </a:xfrm>
-      </p:grpSpPr>
-      <p:sp>
-        <p:nvSpPr>
-          <p:cNvPr id="2" name="Title 1">
-            <a:extLst>
-              <a:ext uri="{FF2B5EF4-FFF2-40B4-BE49-F238E27FC236}">
-                <a16:creationId xmlns:a16="http://schemas.microsoft.com/office/drawing/2014/main" id="{638843F3-4373-40D3-82C4-1E8C806ED313}"/>
-              </a:ext>
-            </a:extLst>
-          </p:cNvPr>
-          <p:cNvSpPr>
-            <a:spLocks noGrp="1"/>
-          </p:cNvSpPr>
-          <p:nvPr>
-            <p:ph type="title"/>
-          </p:nvPr>
-        </p:nvSpPr>
-        <p:spPr/>
-        <p:txBody>
-          <a:bodyPr/>
-          <a:lstStyle/>
-          <a:p>
-            <a:r>
-              <a:rPr lang="en-US" dirty="0"/>
-              <a:t>Logistic regression</a:t>
-            </a:r>
-          </a:p>
-        </p:txBody>
-      </p:sp>
-      <p:sp>
-        <p:nvSpPr>
-          <p:cNvPr id="3" name="Content Placeholder 2">
-            <a:extLst>
-              <a:ext uri="{FF2B5EF4-FFF2-40B4-BE49-F238E27FC236}">
-                <a16:creationId xmlns:a16="http://schemas.microsoft.com/office/drawing/2014/main" id="{9CC0777F-DC49-40D3-8458-36C6C6124132}"/>
-              </a:ext>
-            </a:extLst>
-          </p:cNvPr>
-          <p:cNvSpPr>
-            <a:spLocks noGrp="1"/>
-          </p:cNvSpPr>
-          <p:nvPr>
-            <p:ph idx="1"/>
-          </p:nvPr>
-        </p:nvSpPr>
-        <p:spPr/>
-        <p:txBody>
-          <a:bodyPr/>
-          <a:lstStyle/>
-          <a:p>
-            <a:endParaRPr lang="en-US"/>
-          </a:p>
-        </p:txBody>
-      </p:sp>
-    </p:spTree>
-    <p:extLst>
-      <p:ext uri="{BB962C8B-B14F-4D97-AF65-F5344CB8AC3E}">
-        <p14:creationId xmlns:p14="http://schemas.microsoft.com/office/powerpoint/2010/main" val="1703374287"/>
-      </p:ext>
-    </p:extLst>
-  </p:cSld>
-  <p:clrMapOvr>
-    <a:masterClrMapping/>
-  </p:clrMapOvr>
-</p:sld>
-</file>
-
 <file path=ppt/slides/slide8.xml><?xml version="1.0" encoding="utf-8"?>
 <p:sld xmlns:a="http://schemas.openxmlformats.org/drawingml/2006/main" xmlns:r="http://schemas.openxmlformats.org/officeDocument/2006/relationships" xmlns:p="http://schemas.openxmlformats.org/presentationml/2006/main">
   <p:cSld>
@@ -7627,7 +7953,7 @@
           <p:cNvPr id="2" name="Title 1">
             <a:extLst>
               <a:ext uri="{FF2B5EF4-FFF2-40B4-BE49-F238E27FC236}">
-                <a16:creationId xmlns:a16="http://schemas.microsoft.com/office/drawing/2014/main" id="{CD009E83-6A5B-4C24-AE1C-D65004124E83}"/>
+                <a16:creationId xmlns:a16="http://schemas.microsoft.com/office/drawing/2014/main" id="{638843F3-4373-40D3-82C4-1E8C806ED313}"/>
               </a:ext>
             </a:extLst>
           </p:cNvPr>
@@ -7645,7 +7971,7 @@
           <a:p>
             <a:r>
               <a:rPr lang="en-US" dirty="0"/>
-              <a:t>Random forests</a:t>
+              <a:t>Logistic regression</a:t>
             </a:r>
           </a:p>
         </p:txBody>
@@ -7655,7 +7981,7 @@
           <p:cNvPr id="3" name="Content Placeholder 2">
             <a:extLst>
               <a:ext uri="{FF2B5EF4-FFF2-40B4-BE49-F238E27FC236}">
-                <a16:creationId xmlns:a16="http://schemas.microsoft.com/office/drawing/2014/main" id="{047836B4-1AE7-4030-906C-79C02BA5EFCF}"/>
+                <a16:creationId xmlns:a16="http://schemas.microsoft.com/office/drawing/2014/main" id="{9CC0777F-DC49-40D3-8458-36C6C6124132}"/>
               </a:ext>
             </a:extLst>
           </p:cNvPr>
@@ -7678,7 +8004,7 @@
     </p:spTree>
     <p:extLst>
       <p:ext uri="{BB962C8B-B14F-4D97-AF65-F5344CB8AC3E}">
-        <p14:creationId xmlns:p14="http://schemas.microsoft.com/office/powerpoint/2010/main" val="178338394"/>
+        <p14:creationId xmlns:p14="http://schemas.microsoft.com/office/powerpoint/2010/main" val="1703374287"/>
       </p:ext>
     </p:extLst>
   </p:cSld>
@@ -7710,7 +8036,7 @@
           <p:cNvPr id="2" name="Title 1">
             <a:extLst>
               <a:ext uri="{FF2B5EF4-FFF2-40B4-BE49-F238E27FC236}">
-                <a16:creationId xmlns:a16="http://schemas.microsoft.com/office/drawing/2014/main" id="{972C22CC-6AB2-4016-9341-5464BB790668}"/>
+                <a16:creationId xmlns:a16="http://schemas.microsoft.com/office/drawing/2014/main" id="{CD009E83-6A5B-4C24-AE1C-D65004124E83}"/>
               </a:ext>
             </a:extLst>
           </p:cNvPr>
@@ -7721,373 +8047,47 @@
             <p:ph type="title"/>
           </p:nvPr>
         </p:nvSpPr>
-        <p:spPr>
-          <a:xfrm>
-            <a:off x="1371600" y="793080"/>
-            <a:ext cx="10240903" cy="652262"/>
-          </a:xfrm>
-        </p:spPr>
+        <p:spPr/>
         <p:txBody>
           <a:bodyPr/>
           <a:lstStyle/>
           <a:p>
             <a:r>
               <a:rPr lang="en-US" dirty="0"/>
-              <a:t>Model performance</a:t>
-            </a:r>
-          </a:p>
-        </p:txBody>
-      </p:sp>
-      <p:graphicFrame>
-        <p:nvGraphicFramePr>
-          <p:cNvPr id="4" name="Table 4">
-            <a:extLst>
-              <a:ext uri="{FF2B5EF4-FFF2-40B4-BE49-F238E27FC236}">
-                <a16:creationId xmlns:a16="http://schemas.microsoft.com/office/drawing/2014/main" id="{603ECF49-6F8A-47AE-A085-40B94BD7D5CE}"/>
-              </a:ext>
-            </a:extLst>
-          </p:cNvPr>
-          <p:cNvGraphicFramePr>
-            <a:graphicFrameLocks noGrp="1"/>
-          </p:cNvGraphicFramePr>
+              <a:t>Random forests</a:t>
+            </a:r>
+          </a:p>
+        </p:txBody>
+      </p:sp>
+      <p:sp>
+        <p:nvSpPr>
+          <p:cNvPr id="3" name="Content Placeholder 2">
+            <a:extLst>
+              <a:ext uri="{FF2B5EF4-FFF2-40B4-BE49-F238E27FC236}">
+                <a16:creationId xmlns:a16="http://schemas.microsoft.com/office/drawing/2014/main" id="{047836B4-1AE7-4030-906C-79C02BA5EFCF}"/>
+              </a:ext>
+            </a:extLst>
+          </p:cNvPr>
+          <p:cNvSpPr>
+            <a:spLocks noGrp="1"/>
+          </p:cNvSpPr>
           <p:nvPr>
             <p:ph idx="1"/>
-            <p:extLst>
-              <p:ext uri="{D42A27DB-BD31-4B8C-83A1-F6EECF244321}">
-                <p14:modId xmlns:p14="http://schemas.microsoft.com/office/powerpoint/2010/main" val="3362092825"/>
-              </p:ext>
-            </p:extLst>
-          </p:nvPr>
-        </p:nvGraphicFramePr>
-        <p:xfrm>
-          <a:off x="1371599" y="2813426"/>
-          <a:ext cx="10240902" cy="1939771"/>
-        </p:xfrm>
-        <a:graphic>
-          <a:graphicData uri="http://schemas.openxmlformats.org/drawingml/2006/table">
-            <a:tbl>
-              <a:tblPr firstRow="1" bandRow="1">
-                <a:tableStyleId>{5C22544A-7EE6-4342-B048-85BDC9FD1C3A}</a:tableStyleId>
-              </a:tblPr>
-              <a:tblGrid>
-                <a:gridCol w="3413634">
-                  <a:extLst>
-                    <a:ext uri="{9D8B030D-6E8A-4147-A177-3AD203B41FA5}">
-                      <a16:colId xmlns:a16="http://schemas.microsoft.com/office/drawing/2014/main" val="4118802158"/>
-                    </a:ext>
-                  </a:extLst>
-                </a:gridCol>
-                <a:gridCol w="3413634">
-                  <a:extLst>
-                    <a:ext uri="{9D8B030D-6E8A-4147-A177-3AD203B41FA5}">
-                      <a16:colId xmlns:a16="http://schemas.microsoft.com/office/drawing/2014/main" val="2110544152"/>
-                    </a:ext>
-                  </a:extLst>
-                </a:gridCol>
-                <a:gridCol w="3413634">
-                  <a:extLst>
-                    <a:ext uri="{9D8B030D-6E8A-4147-A177-3AD203B41FA5}">
-                      <a16:colId xmlns:a16="http://schemas.microsoft.com/office/drawing/2014/main" val="445697095"/>
-                    </a:ext>
-                  </a:extLst>
-                </a:gridCol>
-              </a:tblGrid>
-              <a:tr h="421387">
-                <a:tc>
-                  <a:txBody>
-                    <a:bodyPr/>
-                    <a:lstStyle/>
-                    <a:p>
-                      <a:pPr algn="ctr"/>
-                      <a:r>
-                        <a:rPr lang="en-US" dirty="0">
-                          <a:solidFill>
-                            <a:schemeClr val="tx1"/>
-                          </a:solidFill>
-                          <a:latin typeface="Calibri" panose="020F0502020204030204" pitchFamily="34" charset="0"/>
-                          <a:cs typeface="Calibri" panose="020F0502020204030204" pitchFamily="34" charset="0"/>
-                        </a:rPr>
-                        <a:t>Support Vector Model</a:t>
-                      </a:r>
-                    </a:p>
-                  </a:txBody>
-                  <a:tcPr>
-                    <a:noFill/>
-                  </a:tcPr>
-                </a:tc>
-                <a:tc>
-                  <a:txBody>
-                    <a:bodyPr/>
-                    <a:lstStyle/>
-                    <a:p>
-                      <a:pPr algn="ctr"/>
-                      <a:r>
-                        <a:rPr lang="en-US" dirty="0">
-                          <a:solidFill>
-                            <a:schemeClr val="tx1"/>
-                          </a:solidFill>
-                          <a:latin typeface="Calibri" panose="020F0502020204030204" pitchFamily="34" charset="0"/>
-                          <a:cs typeface="Calibri" panose="020F0502020204030204" pitchFamily="34" charset="0"/>
-                        </a:rPr>
-                        <a:t>Logistic Regression</a:t>
-                      </a:r>
-                    </a:p>
-                  </a:txBody>
-                  <a:tcPr>
-                    <a:noFill/>
-                  </a:tcPr>
-                </a:tc>
-                <a:tc>
-                  <a:txBody>
-                    <a:bodyPr/>
-                    <a:lstStyle/>
-                    <a:p>
-                      <a:pPr algn="ctr"/>
-                      <a:r>
-                        <a:rPr lang="en-US" dirty="0">
-                          <a:solidFill>
-                            <a:schemeClr val="tx1"/>
-                          </a:solidFill>
-                          <a:latin typeface="Calibri" panose="020F0502020204030204" pitchFamily="34" charset="0"/>
-                          <a:cs typeface="Calibri" panose="020F0502020204030204" pitchFamily="34" charset="0"/>
-                        </a:rPr>
-                        <a:t>Random Forest</a:t>
-                      </a:r>
-                    </a:p>
-                  </a:txBody>
-                  <a:tcPr>
-                    <a:noFill/>
-                  </a:tcPr>
-                </a:tc>
-                <a:extLst>
-                  <a:ext uri="{0D108BD9-81ED-4DB2-BD59-A6C34878D82A}">
-                    <a16:rowId xmlns:a16="http://schemas.microsoft.com/office/drawing/2014/main" val="2740388139"/>
-                  </a:ext>
-                </a:extLst>
-              </a:tr>
-              <a:tr h="1518384">
-                <a:tc>
-                  <a:txBody>
-                    <a:bodyPr/>
-                    <a:lstStyle/>
-                    <a:p>
-                      <a:pPr algn="ctr"/>
-                      <a:r>
-                        <a:rPr lang="en-US" dirty="0"/>
-                        <a:t>Accuracy: 71%</a:t>
-                      </a:r>
-                    </a:p>
-                    <a:p>
-                      <a:pPr algn="ctr"/>
-                      <a:endParaRPr lang="en-US" dirty="0"/>
-                    </a:p>
-                    <a:p>
-                      <a:pPr algn="ctr"/>
-                      <a:r>
-                        <a:rPr lang="en-US" dirty="0"/>
-                        <a:t>Accuracy after testing different regularizing and parameters: 73.5% </a:t>
-                      </a:r>
-                    </a:p>
-                  </a:txBody>
-                  <a:tcPr>
-                    <a:solidFill>
-                      <a:schemeClr val="bg1">
-                        <a:lumMod val="95000"/>
-                      </a:schemeClr>
-                    </a:solidFill>
-                  </a:tcPr>
-                </a:tc>
-                <a:tc>
-                  <a:txBody>
-                    <a:bodyPr/>
-                    <a:lstStyle/>
-                    <a:p>
-                      <a:pPr algn="ctr"/>
-                      <a:r>
-                        <a:rPr lang="en-US" dirty="0"/>
-                        <a:t>Scores here? </a:t>
-                      </a:r>
-                    </a:p>
-                  </a:txBody>
-                  <a:tcPr>
-                    <a:solidFill>
-                      <a:schemeClr val="bg1">
-                        <a:lumMod val="95000"/>
-                      </a:schemeClr>
-                    </a:solidFill>
-                  </a:tcPr>
-                </a:tc>
-                <a:tc>
-                  <a:txBody>
-                    <a:bodyPr/>
-                    <a:lstStyle/>
-                    <a:p>
-                      <a:pPr algn="ctr"/>
-                      <a:r>
-                        <a:rPr lang="en-US" dirty="0"/>
-                        <a:t>Scores here? </a:t>
-                      </a:r>
-                    </a:p>
-                  </a:txBody>
-                  <a:tcPr>
-                    <a:solidFill>
-                      <a:schemeClr val="bg1">
-                        <a:lumMod val="95000"/>
-                      </a:schemeClr>
-                    </a:solidFill>
-                  </a:tcPr>
-                </a:tc>
-                <a:extLst>
-                  <a:ext uri="{0D108BD9-81ED-4DB2-BD59-A6C34878D82A}">
-                    <a16:rowId xmlns:a16="http://schemas.microsoft.com/office/drawing/2014/main" val="1767792167"/>
-                  </a:ext>
-                </a:extLst>
-              </a:tr>
-            </a:tbl>
-          </a:graphicData>
-        </a:graphic>
-      </p:graphicFrame>
-      <p:sp>
-        <p:nvSpPr>
-          <p:cNvPr id="5" name="Arrow: Left-Right 4">
-            <a:extLst>
-              <a:ext uri="{FF2B5EF4-FFF2-40B4-BE49-F238E27FC236}">
-                <a16:creationId xmlns:a16="http://schemas.microsoft.com/office/drawing/2014/main" id="{1258FA2B-B667-4D0D-974E-9F6CD8E64E6A}"/>
-              </a:ext>
-            </a:extLst>
-          </p:cNvPr>
-          <p:cNvSpPr/>
-          <p:nvPr/>
-        </p:nvSpPr>
-        <p:spPr>
-          <a:xfrm>
-            <a:off x="1371600" y="2370049"/>
-            <a:ext cx="10240904" cy="369331"/>
-          </a:xfrm>
-          <a:prstGeom prst="leftRightArrow">
-            <a:avLst/>
-          </a:prstGeom>
-          <a:gradFill flip="none" rotWithShape="1">
-            <a:gsLst>
-              <a:gs pos="0">
-                <a:srgbClr val="5AC1C8"/>
-              </a:gs>
-              <a:gs pos="50000">
-                <a:schemeClr val="accent1">
-                  <a:tint val="44500"/>
-                  <a:satMod val="160000"/>
-                </a:schemeClr>
-              </a:gs>
-              <a:gs pos="100000">
-                <a:srgbClr val="4CBB38"/>
-              </a:gs>
-            </a:gsLst>
-            <a:lin ang="0" scaled="1"/>
-            <a:tileRect/>
-          </a:gradFill>
-          <a:ln>
-            <a:noFill/>
-          </a:ln>
-        </p:spPr>
-        <p:style>
-          <a:lnRef idx="2">
-            <a:schemeClr val="accent1">
-              <a:shade val="50000"/>
-            </a:schemeClr>
-          </a:lnRef>
-          <a:fillRef idx="1">
-            <a:schemeClr val="accent1"/>
-          </a:fillRef>
-          <a:effectRef idx="0">
-            <a:schemeClr val="accent1"/>
-          </a:effectRef>
-          <a:fontRef idx="minor">
-            <a:schemeClr val="lt1"/>
-          </a:fontRef>
-        </p:style>
-        <p:txBody>
-          <a:bodyPr rtlCol="0" anchor="ctr"/>
-          <a:lstStyle/>
-          <a:p>
-            <a:pPr algn="ctr"/>
-            <a:endParaRPr lang="en-US" dirty="0"/>
-          </a:p>
-        </p:txBody>
-      </p:sp>
-      <p:sp>
-        <p:nvSpPr>
-          <p:cNvPr id="6" name="TextBox 5">
-            <a:extLst>
-              <a:ext uri="{FF2B5EF4-FFF2-40B4-BE49-F238E27FC236}">
-                <a16:creationId xmlns:a16="http://schemas.microsoft.com/office/drawing/2014/main" id="{215DE2FE-2991-4C98-A514-42E03222CEE6}"/>
-              </a:ext>
-            </a:extLst>
-          </p:cNvPr>
-          <p:cNvSpPr txBox="1"/>
-          <p:nvPr/>
-        </p:nvSpPr>
-        <p:spPr>
-          <a:xfrm>
-            <a:off x="1371597" y="1987553"/>
-            <a:ext cx="2021150" cy="369332"/>
-          </a:xfrm>
-          <a:prstGeom prst="rect">
-            <a:avLst/>
-          </a:prstGeom>
-          <a:noFill/>
-        </p:spPr>
-        <p:txBody>
-          <a:bodyPr wrap="square" rtlCol="0">
-            <a:spAutoFit/>
-          </a:bodyPr>
-          <a:lstStyle/>
-          <a:p>
-            <a:r>
-              <a:rPr lang="en-US" dirty="0"/>
-              <a:t>Weaker</a:t>
-            </a:r>
-          </a:p>
-        </p:txBody>
-      </p:sp>
-      <p:sp>
-        <p:nvSpPr>
-          <p:cNvPr id="7" name="TextBox 6">
-            <a:extLst>
-              <a:ext uri="{FF2B5EF4-FFF2-40B4-BE49-F238E27FC236}">
-                <a16:creationId xmlns:a16="http://schemas.microsoft.com/office/drawing/2014/main" id="{3DDE2555-DD52-457B-86AC-1F2F4FE7A21E}"/>
-              </a:ext>
-            </a:extLst>
-          </p:cNvPr>
-          <p:cNvSpPr txBox="1"/>
-          <p:nvPr/>
-        </p:nvSpPr>
-        <p:spPr>
-          <a:xfrm>
-            <a:off x="10634535" y="2026568"/>
-            <a:ext cx="1194276" cy="369332"/>
-          </a:xfrm>
-          <a:prstGeom prst="rect">
-            <a:avLst/>
-          </a:prstGeom>
-          <a:noFill/>
-        </p:spPr>
-        <p:txBody>
-          <a:bodyPr wrap="square" rtlCol="0">
-            <a:spAutoFit/>
-          </a:bodyPr>
-          <a:lstStyle/>
-          <a:p>
-            <a:r>
-              <a:rPr lang="en-US" dirty="0"/>
-              <a:t>Stronger</a:t>
-            </a:r>
+          </p:nvPr>
+        </p:nvSpPr>
+        <p:spPr/>
+        <p:txBody>
+          <a:bodyPr/>
+          <a:lstStyle/>
+          <a:p>
+            <a:endParaRPr lang="en-US"/>
           </a:p>
         </p:txBody>
       </p:sp>
     </p:spTree>
     <p:extLst>
       <p:ext uri="{BB962C8B-B14F-4D97-AF65-F5344CB8AC3E}">
-        <p14:creationId xmlns:p14="http://schemas.microsoft.com/office/powerpoint/2010/main" val="3595713878"/>
+        <p14:creationId xmlns:p14="http://schemas.microsoft.com/office/powerpoint/2010/main" val="178338394"/>
       </p:ext>
     </p:extLst>
   </p:cSld>

--- a/Final_Presentation.pptx
+++ b/Final_Presentation.pptx
@@ -9,11 +9,14 @@
     <p:sldId id="257" r:id="rId3"/>
     <p:sldId id="258" r:id="rId4"/>
     <p:sldId id="263" r:id="rId5"/>
-    <p:sldId id="259" r:id="rId6"/>
-    <p:sldId id="260" r:id="rId7"/>
-    <p:sldId id="264" r:id="rId8"/>
-    <p:sldId id="261" r:id="rId9"/>
-    <p:sldId id="262" r:id="rId10"/>
+    <p:sldId id="260" r:id="rId6"/>
+    <p:sldId id="264" r:id="rId7"/>
+    <p:sldId id="267" r:id="rId8"/>
+    <p:sldId id="271" r:id="rId9"/>
+    <p:sldId id="269" r:id="rId10"/>
+    <p:sldId id="270" r:id="rId11"/>
+    <p:sldId id="265" r:id="rId12"/>
+    <p:sldId id="266" r:id="rId13"/>
   </p:sldIdLst>
   <p:sldSz cx="12192000" cy="6858000"/>
   <p:notesSz cx="6858000" cy="9144000"/>
@@ -283,7 +286,7 @@
           <a:p>
             <a:fld id="{D4A213A3-10E9-421F-81BE-56E0786AB515}" type="datetime2">
               <a:rPr lang="en-US" smtClean="0"/>
-              <a:t>Friday, July 24, 2020</a:t>
+              <a:t>Saturday, July 25, 2020</a:t>
             </a:fld>
             <a:endParaRPr lang="en-US"/>
           </a:p>
@@ -481,7 +484,7 @@
           <a:p>
             <a:fld id="{3D5DABC0-2199-478F-BA77-33A651B6CB89}" type="datetime2">
               <a:rPr lang="en-US" smtClean="0"/>
-              <a:t>Friday, July 24, 2020</a:t>
+              <a:t>Saturday, July 25, 2020</a:t>
             </a:fld>
             <a:endParaRPr lang="en-US"/>
           </a:p>
@@ -690,7 +693,7 @@
           <a:p>
             <a:fld id="{D72230C6-DF61-47F4-B8C5-1B70E884BF06}" type="datetime2">
               <a:rPr lang="en-US" smtClean="0"/>
-              <a:t>Friday, July 24, 2020</a:t>
+              <a:t>Saturday, July 25, 2020</a:t>
             </a:fld>
             <a:endParaRPr lang="en-US"/>
           </a:p>
@@ -900,7 +903,7 @@
           <a:p>
             <a:fld id="{6B12B50C-7EEE-46CD-BAF7-BBC4026D959A}" type="datetime2">
               <a:rPr lang="en-US" smtClean="0"/>
-              <a:t>Friday, July 24, 2020</a:t>
+              <a:t>Saturday, July 25, 2020</a:t>
             </a:fld>
             <a:endParaRPr lang="en-US"/>
           </a:p>
@@ -1180,7 +1183,7 @@
           <a:p>
             <a:fld id="{8D4211C4-AE09-4254-A5E3-6DA9B099C971}" type="datetime2">
               <a:rPr lang="en-US" smtClean="0"/>
-              <a:t>Friday, July 24, 2020</a:t>
+              <a:t>Saturday, July 25, 2020</a:t>
             </a:fld>
             <a:endParaRPr lang="en-US"/>
           </a:p>
@@ -1459,7 +1462,7 @@
           <a:p>
             <a:fld id="{681742C3-E082-4760-93B2-E209268DD00C}" type="datetime2">
               <a:rPr lang="en-US" smtClean="0"/>
-              <a:t>Friday, July 24, 2020</a:t>
+              <a:t>Saturday, July 25, 2020</a:t>
             </a:fld>
             <a:endParaRPr lang="en-US"/>
           </a:p>
@@ -1880,7 +1883,7 @@
           <a:p>
             <a:fld id="{3B6FC950-F824-48B9-B984-CAEE265865E5}" type="datetime2">
               <a:rPr lang="en-US" smtClean="0"/>
-              <a:t>Friday, July 24, 2020</a:t>
+              <a:t>Saturday, July 25, 2020</a:t>
             </a:fld>
             <a:endParaRPr lang="en-US"/>
           </a:p>
@@ -2033,7 +2036,7 @@
           <a:p>
             <a:fld id="{BC8E3A0F-68E7-4D17-BB84-ED1BA4F6AC6B}" type="datetime2">
               <a:rPr lang="en-US" smtClean="0"/>
-              <a:t>Friday, July 24, 2020</a:t>
+              <a:t>Saturday, July 25, 2020</a:t>
             </a:fld>
             <a:endParaRPr lang="en-US"/>
           </a:p>
@@ -2146,7 +2149,7 @@
           <a:p>
             <a:fld id="{EDB7BC4F-EDA1-4BA2-BFF3-FE5B31CCB58B}" type="datetime2">
               <a:rPr lang="en-US" smtClean="0"/>
-              <a:t>Friday, July 24, 2020</a:t>
+              <a:t>Saturday, July 25, 2020</a:t>
             </a:fld>
             <a:endParaRPr lang="en-US"/>
           </a:p>
@@ -2460,7 +2463,7 @@
           <a:p>
             <a:fld id="{3AAE694C-1394-4838-A564-7380835C2E77}" type="datetime2">
               <a:rPr lang="en-US" smtClean="0"/>
-              <a:t>Friday, July 24, 2020</a:t>
+              <a:t>Saturday, July 25, 2020</a:t>
             </a:fld>
             <a:endParaRPr lang="en-US"/>
           </a:p>
@@ -2753,7 +2756,7 @@
           <a:p>
             <a:fld id="{CAB84B19-1A00-4EDB-8425-E1827A377364}" type="datetime2">
               <a:rPr lang="en-US" smtClean="0"/>
-              <a:t>Friday, July 24, 2020</a:t>
+              <a:t>Saturday, July 25, 2020</a:t>
             </a:fld>
             <a:endParaRPr lang="en-US"/>
           </a:p>
@@ -3122,7 +3125,7 @@
           <a:p>
             <a:fld id="{10076A27-8146-4F75-9851-A83577C6FD8A}" type="datetime2">
               <a:rPr lang="en-US" smtClean="0"/>
-              <a:t>Friday, July 24, 2020</a:t>
+              <a:t>Saturday, July 25, 2020</a:t>
             </a:fld>
             <a:endParaRPr lang="en-US"/>
           </a:p>
@@ -4050,6 +4053,746 @@
 </p:sld>
 </file>
 
+<file path=ppt/slides/slide10.xml><?xml version="1.0" encoding="utf-8"?>
+<p:sld xmlns:a="http://schemas.openxmlformats.org/drawingml/2006/main" xmlns:r="http://schemas.openxmlformats.org/officeDocument/2006/relationships" xmlns:p="http://schemas.openxmlformats.org/presentationml/2006/main">
+  <p:cSld>
+    <p:bg>
+      <p:bgPr>
+        <a:solidFill>
+          <a:schemeClr val="bg1"/>
+        </a:solidFill>
+        <a:effectLst/>
+      </p:bgPr>
+    </p:bg>
+    <p:spTree>
+      <p:nvGrpSpPr>
+        <p:cNvPr id="1" name=""/>
+        <p:cNvGrpSpPr/>
+        <p:nvPr/>
+      </p:nvGrpSpPr>
+      <p:grpSpPr>
+        <a:xfrm>
+          <a:off x="0" y="0"/>
+          <a:ext cx="0" cy="0"/>
+          <a:chOff x="0" y="0"/>
+          <a:chExt cx="0" cy="0"/>
+        </a:xfrm>
+      </p:grpSpPr>
+      <p:sp useBgFill="1">
+        <p:nvSpPr>
+          <p:cNvPr id="8" name="Rectangle 7">
+            <a:extLst>
+              <a:ext uri="{FF2B5EF4-FFF2-40B4-BE49-F238E27FC236}">
+                <a16:creationId xmlns:a16="http://schemas.microsoft.com/office/drawing/2014/main" id="{5DE4BB64-552E-4E54-BEE1-DF9E7E4807E5}"/>
+              </a:ext>
+              <a:ext uri="{C183D7F6-B498-43B3-948B-1728B52AA6E4}">
+                <adec:decorative xmlns:adec="http://schemas.microsoft.com/office/drawing/2017/decorative" val="1"/>
+              </a:ext>
+            </a:extLst>
+          </p:cNvPr>
+          <p:cNvSpPr>
+            <a:spLocks noGrp="1" noRot="1" noChangeAspect="1" noMove="1" noResize="1" noEditPoints="1" noAdjustHandles="1" noChangeArrowheads="1" noChangeShapeType="1" noTextEdit="1"/>
+          </p:cNvSpPr>
+          <p:nvPr>
+            <p:extLst>
+              <p:ext uri="{386F3935-93C4-4BCD-93E2-E3B085C9AB24}">
+                <p16:designElem xmlns:p16="http://schemas.microsoft.com/office/powerpoint/2015/main" val="1"/>
+              </p:ext>
+            </p:extLst>
+          </p:nvPr>
+        </p:nvSpPr>
+        <p:spPr>
+          <a:xfrm>
+            <a:off x="0" y="0"/>
+            <a:ext cx="12192000" cy="6858000"/>
+          </a:xfrm>
+          <a:prstGeom prst="rect">
+            <a:avLst/>
+          </a:prstGeom>
+          <a:ln w="12700" cap="flat" cmpd="sng" algn="ctr">
+            <a:noFill/>
+            <a:prstDash val="solid"/>
+            <a:miter lim="800000"/>
+          </a:ln>
+          <a:effectLst/>
+          <a:extLst>
+            <a:ext uri="{91240B29-F687-4F45-9708-019B960494DF}">
+              <a14:hiddenLine xmlns:a14="http://schemas.microsoft.com/office/drawing/2010/main" w="12700" cap="flat" cmpd="sng" algn="ctr">
+                <a:solidFill>
+                  <a:schemeClr val="accent1">
+                    <a:shade val="50000"/>
+                  </a:schemeClr>
+                </a:solidFill>
+                <a:prstDash val="solid"/>
+                <a:miter lim="800000"/>
+              </a14:hiddenLine>
+            </a:ext>
+          </a:extLst>
+        </p:spPr>
+        <p:style>
+          <a:lnRef idx="2">
+            <a:schemeClr val="accent1">
+              <a:shade val="50000"/>
+            </a:schemeClr>
+          </a:lnRef>
+          <a:fillRef idx="1">
+            <a:schemeClr val="accent1"/>
+          </a:fillRef>
+          <a:effectRef idx="0">
+            <a:schemeClr val="accent1"/>
+          </a:effectRef>
+          <a:fontRef idx="minor">
+            <a:schemeClr val="lt1"/>
+          </a:fontRef>
+        </p:style>
+        <p:txBody>
+          <a:bodyPr rtlCol="0" anchor="ctr"/>
+          <a:lstStyle/>
+          <a:p>
+            <a:pPr algn="ctr"/>
+            <a:endParaRPr lang="en-US"/>
+          </a:p>
+        </p:txBody>
+      </p:sp>
+      <p:sp>
+        <p:nvSpPr>
+          <p:cNvPr id="2" name="Title 1">
+            <a:extLst>
+              <a:ext uri="{FF2B5EF4-FFF2-40B4-BE49-F238E27FC236}">
+                <a16:creationId xmlns:a16="http://schemas.microsoft.com/office/drawing/2014/main" id="{D1D05DB9-051A-6442-89DC-D686BE6B8A2E}"/>
+              </a:ext>
+            </a:extLst>
+          </p:cNvPr>
+          <p:cNvSpPr>
+            <a:spLocks noGrp="1"/>
+          </p:cNvSpPr>
+          <p:nvPr>
+            <p:ph type="title"/>
+          </p:nvPr>
+        </p:nvSpPr>
+        <p:spPr>
+          <a:xfrm>
+            <a:off x="1371600" y="1028700"/>
+            <a:ext cx="4432151" cy="4843464"/>
+          </a:xfrm>
+        </p:spPr>
+        <p:txBody>
+          <a:bodyPr>
+            <a:normAutofit/>
+          </a:bodyPr>
+          <a:lstStyle/>
+          <a:p>
+            <a:r>
+              <a:rPr lang="en-US" sz="3700"/>
+              <a:t>Bias </a:t>
+            </a:r>
+            <a:br>
+              <a:rPr lang="en-US" sz="3700"/>
+            </a:br>
+            <a:r>
+              <a:rPr lang="en-US" sz="3700"/>
+              <a:t>in</a:t>
+            </a:r>
+            <a:br>
+              <a:rPr lang="en-US" sz="3700"/>
+            </a:br>
+            <a:r>
+              <a:rPr lang="en-US" sz="3700"/>
+              <a:t>artificial</a:t>
+            </a:r>
+            <a:br>
+              <a:rPr lang="en-US" sz="3700"/>
+            </a:br>
+            <a:r>
+              <a:rPr lang="en-US" sz="3700"/>
+              <a:t>intelligence</a:t>
+            </a:r>
+          </a:p>
+        </p:txBody>
+      </p:sp>
+      <p:sp>
+        <p:nvSpPr>
+          <p:cNvPr id="3" name="Content Placeholder 2">
+            <a:extLst>
+              <a:ext uri="{FF2B5EF4-FFF2-40B4-BE49-F238E27FC236}">
+                <a16:creationId xmlns:a16="http://schemas.microsoft.com/office/drawing/2014/main" id="{79862EC9-E89C-304C-84F4-B3918B532463}"/>
+              </a:ext>
+            </a:extLst>
+          </p:cNvPr>
+          <p:cNvSpPr>
+            <a:spLocks noGrp="1"/>
+          </p:cNvSpPr>
+          <p:nvPr>
+            <p:ph idx="1"/>
+          </p:nvPr>
+        </p:nvSpPr>
+        <p:spPr>
+          <a:xfrm>
+            <a:off x="6388249" y="1028700"/>
+            <a:ext cx="4432151" cy="4786314"/>
+          </a:xfrm>
+        </p:spPr>
+        <p:txBody>
+          <a:bodyPr>
+            <a:normAutofit/>
+          </a:bodyPr>
+          <a:lstStyle/>
+          <a:p>
+            <a:r>
+              <a:rPr lang="en-US" sz="1700"/>
+              <a:t>While it may be a significant improvement on making decisions through pure human subjectivity, banks still need to be concerned with the prevention of bias on the part of the programmer that may be intentional or unintentional </a:t>
+            </a:r>
+          </a:p>
+          <a:p>
+            <a:r>
+              <a:rPr lang="en-US" sz="1700"/>
+              <a:t>Steps like omitting unnecessary attributes like sex and foreign worker status can possibly prevent the algorithm from making a biased decision</a:t>
+            </a:r>
+          </a:p>
+          <a:p>
+            <a:r>
+              <a:rPr lang="en-US" sz="1700"/>
+              <a:t>A human review should be conducted of the predictions made by the machine learning algorithm to ensure fairness and protection against bias decisions.</a:t>
+            </a:r>
+          </a:p>
+        </p:txBody>
+      </p:sp>
+      <p:sp>
+        <p:nvSpPr>
+          <p:cNvPr id="10" name="Rectangle 9">
+            <a:extLst>
+              <a:ext uri="{FF2B5EF4-FFF2-40B4-BE49-F238E27FC236}">
+                <a16:creationId xmlns:a16="http://schemas.microsoft.com/office/drawing/2014/main" id="{0AC71E46-E2E1-4E45-A872-06D90B5F30F3}"/>
+              </a:ext>
+              <a:ext uri="{C183D7F6-B498-43B3-948B-1728B52AA6E4}">
+                <adec:decorative xmlns:adec="http://schemas.microsoft.com/office/drawing/2017/decorative" val="1"/>
+              </a:ext>
+            </a:extLst>
+          </p:cNvPr>
+          <p:cNvSpPr>
+            <a:spLocks noGrp="1" noRot="1" noChangeAspect="1" noMove="1" noResize="1" noEditPoints="1" noAdjustHandles="1" noChangeArrowheads="1" noChangeShapeType="1" noTextEdit="1"/>
+          </p:cNvSpPr>
+          <p:nvPr>
+            <p:extLst>
+              <p:ext uri="{386F3935-93C4-4BCD-93E2-E3B085C9AB24}">
+                <p16:designElem xmlns:p16="http://schemas.microsoft.com/office/powerpoint/2015/main" val="1"/>
+              </p:ext>
+            </p:extLst>
+          </p:nvPr>
+        </p:nvSpPr>
+        <p:spPr>
+          <a:xfrm rot="10800000" flipH="1">
+            <a:off x="0" y="6400373"/>
+            <a:ext cx="12191999" cy="457198"/>
+          </a:xfrm>
+          <a:prstGeom prst="rect">
+            <a:avLst/>
+          </a:prstGeom>
+          <a:gradFill>
+            <a:gsLst>
+              <a:gs pos="0">
+                <a:schemeClr val="accent6">
+                  <a:lumMod val="75000"/>
+                  <a:alpha val="61000"/>
+                </a:schemeClr>
+              </a:gs>
+              <a:gs pos="50000">
+                <a:schemeClr val="accent5">
+                  <a:alpha val="85000"/>
+                </a:schemeClr>
+              </a:gs>
+            </a:gsLst>
+            <a:lin ang="21000000" scaled="0"/>
+          </a:gradFill>
+          <a:ln>
+            <a:noFill/>
+          </a:ln>
+        </p:spPr>
+        <p:style>
+          <a:lnRef idx="2">
+            <a:schemeClr val="accent1">
+              <a:shade val="50000"/>
+            </a:schemeClr>
+          </a:lnRef>
+          <a:fillRef idx="1">
+            <a:schemeClr val="accent1"/>
+          </a:fillRef>
+          <a:effectRef idx="0">
+            <a:schemeClr val="accent1"/>
+          </a:effectRef>
+          <a:fontRef idx="minor">
+            <a:schemeClr val="lt1"/>
+          </a:fontRef>
+        </p:style>
+        <p:txBody>
+          <a:bodyPr rtlCol="0" anchor="ctr"/>
+          <a:lstStyle/>
+          <a:p>
+            <a:pPr algn="ctr"/>
+            <a:endParaRPr lang="en-US"/>
+          </a:p>
+        </p:txBody>
+      </p:sp>
+      <p:sp>
+        <p:nvSpPr>
+          <p:cNvPr id="12" name="Rectangle 11">
+            <a:extLst>
+              <a:ext uri="{FF2B5EF4-FFF2-40B4-BE49-F238E27FC236}">
+                <a16:creationId xmlns:a16="http://schemas.microsoft.com/office/drawing/2014/main" id="{029A2FC3-465C-4FF6-865B-E7357D277F55}"/>
+              </a:ext>
+              <a:ext uri="{C183D7F6-B498-43B3-948B-1728B52AA6E4}">
+                <adec:decorative xmlns:adec="http://schemas.microsoft.com/office/drawing/2017/decorative" val="1"/>
+              </a:ext>
+            </a:extLst>
+          </p:cNvPr>
+          <p:cNvSpPr>
+            <a:spLocks noGrp="1" noRot="1" noChangeAspect="1" noMove="1" noResize="1" noEditPoints="1" noAdjustHandles="1" noChangeArrowheads="1" noChangeShapeType="1" noTextEdit="1"/>
+          </p:cNvSpPr>
+          <p:nvPr>
+            <p:extLst>
+              <p:ext uri="{386F3935-93C4-4BCD-93E2-E3B085C9AB24}">
+                <p16:designElem xmlns:p16="http://schemas.microsoft.com/office/powerpoint/2015/main" val="1"/>
+              </p:ext>
+            </p:extLst>
+          </p:nvPr>
+        </p:nvSpPr>
+        <p:spPr>
+          <a:xfrm flipH="1">
+            <a:off x="4038600" y="6400373"/>
+            <a:ext cx="8153398" cy="457199"/>
+          </a:xfrm>
+          <a:prstGeom prst="rect">
+            <a:avLst/>
+          </a:prstGeom>
+          <a:gradFill>
+            <a:gsLst>
+              <a:gs pos="0">
+                <a:schemeClr val="accent5">
+                  <a:alpha val="0"/>
+                </a:schemeClr>
+              </a:gs>
+              <a:gs pos="74000">
+                <a:schemeClr val="accent2">
+                  <a:alpha val="48000"/>
+                </a:schemeClr>
+              </a:gs>
+            </a:gsLst>
+            <a:lin ang="0" scaled="0"/>
+          </a:gradFill>
+          <a:ln>
+            <a:noFill/>
+          </a:ln>
+        </p:spPr>
+        <p:style>
+          <a:lnRef idx="2">
+            <a:schemeClr val="accent1">
+              <a:shade val="50000"/>
+            </a:schemeClr>
+          </a:lnRef>
+          <a:fillRef idx="1">
+            <a:schemeClr val="accent1"/>
+          </a:fillRef>
+          <a:effectRef idx="0">
+            <a:schemeClr val="accent1"/>
+          </a:effectRef>
+          <a:fontRef idx="minor">
+            <a:schemeClr val="lt1"/>
+          </a:fontRef>
+        </p:style>
+        <p:txBody>
+          <a:bodyPr rtlCol="0" anchor="ctr"/>
+          <a:lstStyle/>
+          <a:p>
+            <a:pPr algn="ctr"/>
+            <a:endParaRPr lang="en-US"/>
+          </a:p>
+        </p:txBody>
+      </p:sp>
+    </p:spTree>
+    <p:extLst>
+      <p:ext uri="{BB962C8B-B14F-4D97-AF65-F5344CB8AC3E}">
+        <p14:creationId xmlns:p14="http://schemas.microsoft.com/office/powerpoint/2010/main" val="2992775924"/>
+      </p:ext>
+    </p:extLst>
+  </p:cSld>
+  <p:clrMapOvr>
+    <a:masterClrMapping/>
+  </p:clrMapOvr>
+</p:sld>
+</file>
+
+<file path=ppt/slides/slide11.xml><?xml version="1.0" encoding="utf-8"?>
+<p:sld xmlns:a="http://schemas.openxmlformats.org/drawingml/2006/main" xmlns:r="http://schemas.openxmlformats.org/officeDocument/2006/relationships" xmlns:p="http://schemas.openxmlformats.org/presentationml/2006/main">
+  <p:cSld>
+    <p:spTree>
+      <p:nvGrpSpPr>
+        <p:cNvPr id="1" name=""/>
+        <p:cNvGrpSpPr/>
+        <p:nvPr/>
+      </p:nvGrpSpPr>
+      <p:grpSpPr>
+        <a:xfrm>
+          <a:off x="0" y="0"/>
+          <a:ext cx="0" cy="0"/>
+          <a:chOff x="0" y="0"/>
+          <a:chExt cx="0" cy="0"/>
+        </a:xfrm>
+      </p:grpSpPr>
+      <p:sp>
+        <p:nvSpPr>
+          <p:cNvPr id="2" name="Title 1">
+            <a:extLst>
+              <a:ext uri="{FF2B5EF4-FFF2-40B4-BE49-F238E27FC236}">
+                <a16:creationId xmlns:a16="http://schemas.microsoft.com/office/drawing/2014/main" id="{7626E4FF-7C33-4BA7-AF0A-7B82B1A7B82D}"/>
+              </a:ext>
+            </a:extLst>
+          </p:cNvPr>
+          <p:cNvSpPr>
+            <a:spLocks noGrp="1"/>
+          </p:cNvSpPr>
+          <p:nvPr>
+            <p:ph type="title"/>
+          </p:nvPr>
+        </p:nvSpPr>
+        <p:spPr>
+          <a:xfrm>
+            <a:off x="419483" y="-328719"/>
+            <a:ext cx="11023834" cy="1556725"/>
+          </a:xfrm>
+        </p:spPr>
+        <p:txBody>
+          <a:bodyPr vert="horz" lIns="0" tIns="0" rIns="0" bIns="0" rtlCol="0" anchor="b">
+            <a:normAutofit/>
+          </a:bodyPr>
+          <a:lstStyle/>
+          <a:p>
+            <a:r>
+              <a:rPr lang="en-US" sz="3600" dirty="0"/>
+              <a:t>Random Forest classification</a:t>
+            </a:r>
+          </a:p>
+        </p:txBody>
+      </p:sp>
+      <p:sp>
+        <p:nvSpPr>
+          <p:cNvPr id="4" name="TextBox 3">
+            <a:extLst>
+              <a:ext uri="{FF2B5EF4-FFF2-40B4-BE49-F238E27FC236}">
+                <a16:creationId xmlns:a16="http://schemas.microsoft.com/office/drawing/2014/main" id="{711E739A-AAF6-4112-BEEE-2C3B3C5B63F8}"/>
+              </a:ext>
+            </a:extLst>
+          </p:cNvPr>
+          <p:cNvSpPr txBox="1"/>
+          <p:nvPr/>
+        </p:nvSpPr>
+        <p:spPr>
+          <a:xfrm>
+            <a:off x="731318" y="1629387"/>
+            <a:ext cx="4906002" cy="3599226"/>
+          </a:xfrm>
+          <a:prstGeom prst="rect">
+            <a:avLst/>
+          </a:prstGeom>
+        </p:spPr>
+        <p:txBody>
+          <a:bodyPr vert="horz" lIns="0" tIns="0" rIns="0" bIns="0" rtlCol="0">
+            <a:normAutofit/>
+          </a:bodyPr>
+          <a:lstStyle/>
+          <a:p>
+            <a:pPr indent="-228600">
+              <a:lnSpc>
+                <a:spcPct val="120000"/>
+              </a:lnSpc>
+              <a:spcAft>
+                <a:spcPts val="600"/>
+              </a:spcAft>
+              <a:buFont typeface="Arial" panose="020B0604020202020204" pitchFamily="34" charset="0"/>
+              <a:buChar char="•"/>
+            </a:pPr>
+            <a:r>
+              <a:rPr lang="en-US" dirty="0"/>
+              <a:t>The first model was trained using 1,000 decision trees on scaled, but imbalanced data. It reached an accuracy score of 76%.</a:t>
+            </a:r>
+          </a:p>
+        </p:txBody>
+      </p:sp>
+      <p:pic>
+        <p:nvPicPr>
+          <p:cNvPr id="8" name="Picture 7" descr="A screenshot of a cell phone&#10;&#10;Description automatically generated">
+            <a:extLst>
+              <a:ext uri="{FF2B5EF4-FFF2-40B4-BE49-F238E27FC236}">
+                <a16:creationId xmlns:a16="http://schemas.microsoft.com/office/drawing/2014/main" id="{99CB41B2-54BF-4A4B-9E14-C38AD6505D5F}"/>
+              </a:ext>
+            </a:extLst>
+          </p:cNvPr>
+          <p:cNvPicPr>
+            <a:picLocks noChangeAspect="1"/>
+          </p:cNvPicPr>
+          <p:nvPr/>
+        </p:nvPicPr>
+        <p:blipFill>
+          <a:blip r:embed="rId2"/>
+          <a:stretch>
+            <a:fillRect/>
+          </a:stretch>
+        </p:blipFill>
+        <p:spPr>
+          <a:xfrm>
+            <a:off x="6096000" y="2990855"/>
+            <a:ext cx="5390458" cy="2872287"/>
+          </a:xfrm>
+          <a:prstGeom prst="rect">
+            <a:avLst/>
+          </a:prstGeom>
+        </p:spPr>
+      </p:pic>
+      <p:pic>
+        <p:nvPicPr>
+          <p:cNvPr id="20" name="Picture 19">
+            <a:extLst>
+              <a:ext uri="{FF2B5EF4-FFF2-40B4-BE49-F238E27FC236}">
+                <a16:creationId xmlns:a16="http://schemas.microsoft.com/office/drawing/2014/main" id="{7C72B2CD-7228-47EA-9E5A-2CE9CE8F0128}"/>
+              </a:ext>
+            </a:extLst>
+          </p:cNvPr>
+          <p:cNvPicPr>
+            <a:picLocks noChangeAspect="1"/>
+          </p:cNvPicPr>
+          <p:nvPr/>
+        </p:nvPicPr>
+        <p:blipFill>
+          <a:blip r:embed="rId3"/>
+          <a:stretch>
+            <a:fillRect/>
+          </a:stretch>
+        </p:blipFill>
+        <p:spPr>
+          <a:xfrm>
+            <a:off x="665098" y="3550330"/>
+            <a:ext cx="4708851" cy="1487006"/>
+          </a:xfrm>
+          <a:prstGeom prst="rect">
+            <a:avLst/>
+          </a:prstGeom>
+        </p:spPr>
+      </p:pic>
+      <p:sp>
+        <p:nvSpPr>
+          <p:cNvPr id="3" name="Rectangle 2">
+            <a:extLst>
+              <a:ext uri="{FF2B5EF4-FFF2-40B4-BE49-F238E27FC236}">
+                <a16:creationId xmlns:a16="http://schemas.microsoft.com/office/drawing/2014/main" id="{4C39F812-8EA8-4187-BCC4-F270381FE69E}"/>
+              </a:ext>
+            </a:extLst>
+          </p:cNvPr>
+          <p:cNvSpPr/>
+          <p:nvPr/>
+        </p:nvSpPr>
+        <p:spPr>
+          <a:xfrm>
+            <a:off x="6260602" y="1629387"/>
+            <a:ext cx="5225856" cy="1063561"/>
+          </a:xfrm>
+          <a:prstGeom prst="rect">
+            <a:avLst/>
+          </a:prstGeom>
+        </p:spPr>
+        <p:txBody>
+          <a:bodyPr wrap="square">
+            <a:spAutoFit/>
+          </a:bodyPr>
+          <a:lstStyle/>
+          <a:p>
+            <a:pPr indent="-228600">
+              <a:lnSpc>
+                <a:spcPct val="120000"/>
+              </a:lnSpc>
+              <a:spcAft>
+                <a:spcPts val="600"/>
+              </a:spcAft>
+              <a:buFont typeface="Arial" panose="020B0604020202020204" pitchFamily="34" charset="0"/>
+              <a:buChar char="•"/>
+            </a:pPr>
+            <a:r>
+              <a:rPr lang="en-US" dirty="0"/>
+              <a:t>To improve the model, we compared the importance of the features to find out which ones could be dropped.</a:t>
+            </a:r>
+          </a:p>
+        </p:txBody>
+      </p:sp>
+    </p:spTree>
+    <p:extLst>
+      <p:ext uri="{BB962C8B-B14F-4D97-AF65-F5344CB8AC3E}">
+        <p14:creationId xmlns:p14="http://schemas.microsoft.com/office/powerpoint/2010/main" val="2205324478"/>
+      </p:ext>
+    </p:extLst>
+  </p:cSld>
+  <p:clrMapOvr>
+    <a:masterClrMapping/>
+  </p:clrMapOvr>
+</p:sld>
+</file>
+
+<file path=ppt/slides/slide12.xml><?xml version="1.0" encoding="utf-8"?>
+<p:sld xmlns:a="http://schemas.openxmlformats.org/drawingml/2006/main" xmlns:r="http://schemas.openxmlformats.org/officeDocument/2006/relationships" xmlns:p="http://schemas.openxmlformats.org/presentationml/2006/main">
+  <p:cSld>
+    <p:spTree>
+      <p:nvGrpSpPr>
+        <p:cNvPr id="1" name=""/>
+        <p:cNvGrpSpPr/>
+        <p:nvPr/>
+      </p:nvGrpSpPr>
+      <p:grpSpPr>
+        <a:xfrm>
+          <a:off x="0" y="0"/>
+          <a:ext cx="0" cy="0"/>
+          <a:chOff x="0" y="0"/>
+          <a:chExt cx="0" cy="0"/>
+        </a:xfrm>
+      </p:grpSpPr>
+      <p:sp>
+        <p:nvSpPr>
+          <p:cNvPr id="2" name="TextBox 1">
+            <a:extLst>
+              <a:ext uri="{FF2B5EF4-FFF2-40B4-BE49-F238E27FC236}">
+                <a16:creationId xmlns:a16="http://schemas.microsoft.com/office/drawing/2014/main" id="{B72CC41D-AC39-4F58-B8F1-CCFA8CF00050}"/>
+              </a:ext>
+            </a:extLst>
+          </p:cNvPr>
+          <p:cNvSpPr txBox="1"/>
+          <p:nvPr/>
+        </p:nvSpPr>
+        <p:spPr>
+          <a:xfrm>
+            <a:off x="990600" y="904876"/>
+            <a:ext cx="4680235" cy="2470100"/>
+          </a:xfrm>
+          <a:prstGeom prst="rect">
+            <a:avLst/>
+          </a:prstGeom>
+          <a:noFill/>
+        </p:spPr>
+        <p:txBody>
+          <a:bodyPr wrap="square" rtlCol="0">
+            <a:spAutoFit/>
+          </a:bodyPr>
+          <a:lstStyle/>
+          <a:p>
+            <a:pPr indent="-228600">
+              <a:lnSpc>
+                <a:spcPct val="120000"/>
+              </a:lnSpc>
+              <a:spcAft>
+                <a:spcPts val="600"/>
+              </a:spcAft>
+              <a:buFont typeface="Arial" panose="020B0604020202020204" pitchFamily="34" charset="0"/>
+              <a:buChar char="•"/>
+            </a:pPr>
+            <a:r>
+              <a:rPr lang="en-US" dirty="0"/>
+              <a:t>The least significant columns were dropped and by using the </a:t>
+            </a:r>
+            <a:r>
+              <a:rPr lang="en-US" dirty="0" err="1"/>
+              <a:t>RandomOverSampler</a:t>
+            </a:r>
+            <a:r>
+              <a:rPr lang="en-US" dirty="0"/>
+              <a:t> method, the data was balanced.</a:t>
+            </a:r>
+          </a:p>
+          <a:p>
+            <a:pPr indent="-228600">
+              <a:lnSpc>
+                <a:spcPct val="120000"/>
+              </a:lnSpc>
+              <a:spcAft>
+                <a:spcPts val="600"/>
+              </a:spcAft>
+              <a:buFont typeface="Arial" panose="020B0604020202020204" pitchFamily="34" charset="0"/>
+              <a:buChar char="•"/>
+            </a:pPr>
+            <a:r>
+              <a:rPr lang="en-US" dirty="0"/>
+              <a:t>The second model trained with 3,000 decision trees, balanced data, and less features reached an accuracy score of 87%.</a:t>
+            </a:r>
+          </a:p>
+        </p:txBody>
+      </p:sp>
+      <p:pic>
+        <p:nvPicPr>
+          <p:cNvPr id="4" name="Picture 3">
+            <a:extLst>
+              <a:ext uri="{FF2B5EF4-FFF2-40B4-BE49-F238E27FC236}">
+                <a16:creationId xmlns:a16="http://schemas.microsoft.com/office/drawing/2014/main" id="{5A142BCC-5867-47AE-AD49-B6C3B97D3B65}"/>
+              </a:ext>
+            </a:extLst>
+          </p:cNvPr>
+          <p:cNvPicPr>
+            <a:picLocks noChangeAspect="1"/>
+          </p:cNvPicPr>
+          <p:nvPr/>
+        </p:nvPicPr>
+        <p:blipFill>
+          <a:blip r:embed="rId2"/>
+          <a:stretch>
+            <a:fillRect/>
+          </a:stretch>
+        </p:blipFill>
+        <p:spPr>
+          <a:xfrm>
+            <a:off x="6096000" y="767179"/>
+            <a:ext cx="4680235" cy="1487749"/>
+          </a:xfrm>
+          <a:prstGeom prst="rect">
+            <a:avLst/>
+          </a:prstGeom>
+        </p:spPr>
+      </p:pic>
+      <p:pic>
+        <p:nvPicPr>
+          <p:cNvPr id="6" name="Picture 5">
+            <a:extLst>
+              <a:ext uri="{FF2B5EF4-FFF2-40B4-BE49-F238E27FC236}">
+                <a16:creationId xmlns:a16="http://schemas.microsoft.com/office/drawing/2014/main" id="{D4110231-D85A-4199-B30E-7522AEB75B9B}"/>
+              </a:ext>
+            </a:extLst>
+          </p:cNvPr>
+          <p:cNvPicPr>
+            <a:picLocks noChangeAspect="1"/>
+          </p:cNvPicPr>
+          <p:nvPr/>
+        </p:nvPicPr>
+        <p:blipFill>
+          <a:blip r:embed="rId3"/>
+          <a:stretch>
+            <a:fillRect/>
+          </a:stretch>
+        </p:blipFill>
+        <p:spPr>
+          <a:xfrm>
+            <a:off x="6500594" y="2707127"/>
+            <a:ext cx="4399029" cy="3201313"/>
+          </a:xfrm>
+          <a:prstGeom prst="rect">
+            <a:avLst/>
+          </a:prstGeom>
+        </p:spPr>
+      </p:pic>
+    </p:spTree>
+    <p:extLst>
+      <p:ext uri="{BB962C8B-B14F-4D97-AF65-F5344CB8AC3E}">
+        <p14:creationId xmlns:p14="http://schemas.microsoft.com/office/powerpoint/2010/main" val="2047011490"/>
+      </p:ext>
+    </p:extLst>
+  </p:cSld>
+  <p:clrMapOvr>
+    <a:masterClrMapping/>
+  </p:clrMapOvr>
+</p:sld>
+</file>
+
 <file path=ppt/slides/slide2.xml><?xml version="1.0" encoding="utf-8"?>
 <p:sld xmlns:a="http://schemas.openxmlformats.org/drawingml/2006/main" xmlns:r="http://schemas.openxmlformats.org/officeDocument/2006/relationships" xmlns:p="http://schemas.openxmlformats.org/presentationml/2006/main">
   <p:cSld>
@@ -5415,7 +6158,7 @@
         </p:nvSpPr>
         <p:spPr>
           <a:xfrm>
-            <a:off x="1371600" y="457200"/>
+            <a:off x="1371600" y="3022410"/>
             <a:ext cx="5868785" cy="1556724"/>
           </a:xfrm>
         </p:spPr>
@@ -5463,8 +6206,8 @@
         </p:blipFill>
         <p:spPr>
           <a:xfrm>
-            <a:off x="7697585" y="1028700"/>
-            <a:ext cx="4037215" cy="4037215"/>
+            <a:off x="8228737" y="3321758"/>
+            <a:ext cx="3581400" cy="3581400"/>
           </a:xfrm>
           <a:prstGeom prst="rect">
             <a:avLst/>
@@ -5824,20 +6567,20 @@
           <p:nvPr>
             <p:extLst>
               <p:ext uri="{D42A27DB-BD31-4B8C-83A1-F6EECF244321}">
-                <p14:modId xmlns:p14="http://schemas.microsoft.com/office/powerpoint/2010/main" val="2997298458"/>
+                <p14:modId xmlns:p14="http://schemas.microsoft.com/office/powerpoint/2010/main" val="3218864077"/>
               </p:ext>
             </p:extLst>
           </p:nvPr>
         </p:nvGraphicFramePr>
         <p:xfrm>
-          <a:off x="1371600" y="2965421"/>
-          <a:ext cx="8647836" cy="1986520"/>
+          <a:off x="1371600" y="4694155"/>
+          <a:ext cx="8647836" cy="1371600"/>
         </p:xfrm>
         <a:graphic>
           <a:graphicData uri="http://schemas.openxmlformats.org/drawingml/2006/table">
             <a:tbl>
               <a:tblPr firstRow="1" bandRow="1">
-                <a:tableStyleId>{5C22544A-7EE6-4342-B048-85BDC9FD1C3A}</a:tableStyleId>
+                <a:tableStyleId>{EB9631B5-78F2-41C9-869B-9F39066F8104}</a:tableStyleId>
               </a:tblPr>
               <a:tblGrid>
                 <a:gridCol w="2882612">
@@ -5862,51 +6605,84 @@
                   </a:extLst>
                 </a:gridCol>
               </a:tblGrid>
-              <a:tr h="887594">
-                <a:tc>
-                  <a:txBody>
-                    <a:bodyPr/>
-                    <a:lstStyle/>
-                    <a:p>
-                      <a:endParaRPr lang="en-US" dirty="0"/>
-                    </a:p>
-                  </a:txBody>
-                  <a:tcPr/>
-                </a:tc>
-                <a:tc>
-                  <a:txBody>
-                    <a:bodyPr/>
-                    <a:lstStyle/>
-                    <a:p>
-                      <a:pPr algn="ctr"/>
-                      <a:r>
-                        <a:rPr lang="en-US" dirty="0"/>
+              <a:tr h="291436">
+                <a:tc>
+                  <a:txBody>
+                    <a:bodyPr/>
+                    <a:lstStyle/>
+                    <a:p>
+                      <a:endParaRPr lang="en-US" sz="1800" dirty="0"/>
+                    </a:p>
+                  </a:txBody>
+                  <a:tcPr>
+                    <a:solidFill>
+                      <a:schemeClr val="accent1">
+                        <a:lumMod val="60000"/>
+                        <a:lumOff val="40000"/>
+                      </a:schemeClr>
+                    </a:solidFill>
+                  </a:tcPr>
+                </a:tc>
+                <a:tc>
+                  <a:txBody>
+                    <a:bodyPr/>
+                    <a:lstStyle/>
+                    <a:p>
+                      <a:pPr algn="ctr"/>
+                      <a:r>
+                        <a:rPr lang="en-US" sz="1800" dirty="0">
+                          <a:solidFill>
+                            <a:schemeClr val="tx1"/>
+                          </a:solidFill>
+                        </a:rPr>
                         <a:t>Original Dataset</a:t>
                       </a:r>
                     </a:p>
                   </a:txBody>
-                  <a:tcPr anchor="ctr"/>
-                </a:tc>
-                <a:tc>
-                  <a:txBody>
-                    <a:bodyPr/>
-                    <a:lstStyle/>
-                    <a:p>
-                      <a:pPr algn="ctr"/>
-                      <a:r>
-                        <a:rPr lang="en-US" dirty="0"/>
+                  <a:tcPr anchor="ctr">
+                    <a:solidFill>
+                      <a:schemeClr val="accent1">
+                        <a:lumMod val="60000"/>
+                        <a:lumOff val="40000"/>
+                      </a:schemeClr>
+                    </a:solidFill>
+                  </a:tcPr>
+                </a:tc>
+                <a:tc>
+                  <a:txBody>
+                    <a:bodyPr/>
+                    <a:lstStyle/>
+                    <a:p>
+                      <a:pPr algn="ctr"/>
+                      <a:r>
+                        <a:rPr lang="en-US" sz="1800" dirty="0">
+                          <a:solidFill>
+                            <a:schemeClr val="tx1"/>
+                          </a:solidFill>
+                        </a:rPr>
                         <a:t>Training Dataset </a:t>
                       </a:r>
                     </a:p>
                     <a:p>
                       <a:pPr algn="ctr"/>
                       <a:r>
-                        <a:rPr lang="en-US" dirty="0"/>
+                        <a:rPr lang="en-US" sz="1800" dirty="0">
+                          <a:solidFill>
+                            <a:schemeClr val="tx1"/>
+                          </a:solidFill>
+                        </a:rPr>
                         <a:t>(imblearn.over_sampling)</a:t>
                       </a:r>
                     </a:p>
                   </a:txBody>
-                  <a:tcPr anchor="ctr"/>
+                  <a:tcPr anchor="ctr">
+                    <a:solidFill>
+                      <a:schemeClr val="accent1">
+                        <a:lumMod val="60000"/>
+                        <a:lumOff val="40000"/>
+                      </a:schemeClr>
+                    </a:solidFill>
+                  </a:tcPr>
                 </a:tc>
                 <a:extLst>
                   <a:ext uri="{0D108BD9-81ED-4DB2-BD59-A6C34878D82A}">
@@ -5914,18 +6690,18 @@
                   </a:ext>
                 </a:extLst>
               </a:tr>
-              <a:tr h="549463">
-                <a:tc>
-                  <a:txBody>
-                    <a:bodyPr/>
-                    <a:lstStyle/>
-                    <a:p>
-                      <a:r>
-                        <a:rPr lang="en-US" sz="2000" b="1" dirty="0"/>
+              <a:tr h="180413">
+                <a:tc>
+                  <a:txBody>
+                    <a:bodyPr/>
+                    <a:lstStyle/>
+                    <a:p>
+                      <a:r>
+                        <a:rPr lang="en-US" sz="1800" b="1" dirty="0"/>
                         <a:t>Bad customers </a:t>
                       </a:r>
                       <a:r>
-                        <a:rPr lang="en-US" sz="2000" dirty="0"/>
+                        <a:rPr lang="en-US" sz="1800" dirty="0"/>
                         <a:t>(0)</a:t>
                       </a:r>
                     </a:p>
@@ -5939,7 +6715,7 @@
                     <a:p>
                       <a:pPr algn="ctr"/>
                       <a:r>
-                        <a:rPr lang="en-US" sz="2000" dirty="0"/>
+                        <a:rPr lang="en-US" sz="1800" dirty="0"/>
                         <a:t>300</a:t>
                       </a:r>
                     </a:p>
@@ -5953,7 +6729,7 @@
                     <a:p>
                       <a:pPr algn="ctr"/>
                       <a:r>
-                        <a:rPr lang="en-US" sz="2000" dirty="0"/>
+                        <a:rPr lang="en-US" sz="1800" dirty="0"/>
                         <a:t>527</a:t>
                       </a:r>
                     </a:p>
@@ -5966,18 +6742,18 @@
                   </a:ext>
                 </a:extLst>
               </a:tr>
-              <a:tr h="549463">
-                <a:tc>
-                  <a:txBody>
-                    <a:bodyPr/>
-                    <a:lstStyle/>
-                    <a:p>
-                      <a:r>
-                        <a:rPr lang="en-US" sz="2000" b="1" dirty="0"/>
+              <a:tr h="180413">
+                <a:tc>
+                  <a:txBody>
+                    <a:bodyPr/>
+                    <a:lstStyle/>
+                    <a:p>
+                      <a:r>
+                        <a:rPr lang="en-US" sz="1800" b="1" dirty="0"/>
                         <a:t>Good customers </a:t>
                       </a:r>
                       <a:r>
-                        <a:rPr lang="en-US" sz="2000" dirty="0"/>
+                        <a:rPr lang="en-US" sz="1800" dirty="0"/>
                         <a:t>(1)</a:t>
                       </a:r>
                     </a:p>
@@ -5991,7 +6767,7 @@
                     <a:p>
                       <a:pPr algn="ctr"/>
                       <a:r>
-                        <a:rPr lang="en-US" sz="2000" dirty="0"/>
+                        <a:rPr lang="en-US" sz="1800" dirty="0"/>
                         <a:t>700</a:t>
                       </a:r>
                     </a:p>
@@ -6005,7 +6781,7 @@
                     <a:p>
                       <a:pPr algn="ctr"/>
                       <a:r>
-                        <a:rPr lang="en-US" sz="2000" dirty="0"/>
+                        <a:rPr lang="en-US" sz="1800" dirty="0"/>
                         <a:t>523</a:t>
                       </a:r>
                     </a:p>
@@ -6022,61 +6798,52 @@
           </a:graphicData>
         </a:graphic>
       </p:graphicFrame>
-    </p:spTree>
-    <p:extLst>
-      <p:ext uri="{BB962C8B-B14F-4D97-AF65-F5344CB8AC3E}">
-        <p14:creationId xmlns:p14="http://schemas.microsoft.com/office/powerpoint/2010/main" val="1530847264"/>
-      </p:ext>
-    </p:extLst>
-  </p:cSld>
-  <p:clrMapOvr>
-    <a:masterClrMapping/>
-  </p:clrMapOvr>
-</p:sld>
-</file>
-
-<file path=ppt/slides/slide5.xml><?xml version="1.0" encoding="utf-8"?>
-<p:sld xmlns:a="http://schemas.openxmlformats.org/drawingml/2006/main" xmlns:r="http://schemas.openxmlformats.org/officeDocument/2006/relationships" xmlns:p="http://schemas.openxmlformats.org/presentationml/2006/main">
-  <p:cSld>
-    <p:spTree>
-      <p:nvGrpSpPr>
-        <p:cNvPr id="1" name=""/>
-        <p:cNvGrpSpPr/>
-        <p:nvPr/>
-      </p:nvGrpSpPr>
-      <p:grpSpPr>
-        <a:xfrm>
-          <a:off x="0" y="0"/>
-          <a:ext cx="0" cy="0"/>
-          <a:chOff x="0" y="0"/>
-          <a:chExt cx="0" cy="0"/>
-        </a:xfrm>
-      </p:grpSpPr>
       <p:sp>
         <p:nvSpPr>
-          <p:cNvPr id="2" name="Title 1">
-            <a:extLst>
-              <a:ext uri="{FF2B5EF4-FFF2-40B4-BE49-F238E27FC236}">
-                <a16:creationId xmlns:a16="http://schemas.microsoft.com/office/drawing/2014/main" id="{972C22CC-6AB2-4016-9341-5464BB790668}"/>
-              </a:ext>
-            </a:extLst>
-          </p:cNvPr>
-          <p:cNvSpPr>
-            <a:spLocks noGrp="1"/>
+          <p:cNvPr id="8" name="Title 1">
+            <a:extLst>
+              <a:ext uri="{FF2B5EF4-FFF2-40B4-BE49-F238E27FC236}">
+                <a16:creationId xmlns:a16="http://schemas.microsoft.com/office/drawing/2014/main" id="{43D2D92A-89AE-4A60-9581-065F6A19E5C9}"/>
+              </a:ext>
+            </a:extLst>
+          </p:cNvPr>
+          <p:cNvSpPr txBox="1">
+            <a:spLocks/>
           </p:cNvSpPr>
-          <p:nvPr>
-            <p:ph type="title"/>
-          </p:nvPr>
+          <p:nvPr/>
         </p:nvSpPr>
         <p:spPr>
           <a:xfrm>
-            <a:off x="1371600" y="793080"/>
+            <a:off x="1371600" y="619005"/>
             <a:ext cx="10240903" cy="652262"/>
           </a:xfrm>
+          <a:prstGeom prst="rect">
+            <a:avLst/>
+          </a:prstGeom>
         </p:spPr>
         <p:txBody>
-          <a:bodyPr/>
-          <a:lstStyle/>
+          <a:bodyPr vert="horz" lIns="0" tIns="0" rIns="0" bIns="0" rtlCol="0" anchor="b">
+            <a:normAutofit/>
+          </a:bodyPr>
+          <a:lstStyle>
+            <a:lvl1pPr algn="l" defTabSz="914400" rtl="0" eaLnBrk="1" latinLnBrk="0" hangingPunct="1">
+              <a:lnSpc>
+                <a:spcPct val="100000"/>
+              </a:lnSpc>
+              <a:spcBef>
+                <a:spcPct val="0"/>
+              </a:spcBef>
+              <a:buNone/>
+              <a:defRPr sz="3600" b="1" i="0" kern="1200" cap="all" spc="700" baseline="0">
+                <a:solidFill>
+                  <a:schemeClr val="tx1"/>
+                </a:solidFill>
+                <a:latin typeface="+mj-lt"/>
+                <a:ea typeface="+mj-ea"/>
+                <a:cs typeface="+mj-cs"/>
+              </a:defRPr>
+            </a:lvl1pPr>
+          </a:lstStyle>
           <a:p>
             <a:r>
               <a:rPr lang="en-US" dirty="0"/>
@@ -6087,10 +6854,10 @@
       </p:sp>
       <p:graphicFrame>
         <p:nvGraphicFramePr>
-          <p:cNvPr id="4" name="Table 4">
-            <a:extLst>
-              <a:ext uri="{FF2B5EF4-FFF2-40B4-BE49-F238E27FC236}">
-                <a16:creationId xmlns:a16="http://schemas.microsoft.com/office/drawing/2014/main" id="{603ECF49-6F8A-47AE-A085-40B94BD7D5CE}"/>
+          <p:cNvPr id="9" name="Table 4">
+            <a:extLst>
+              <a:ext uri="{FF2B5EF4-FFF2-40B4-BE49-F238E27FC236}">
+                <a16:creationId xmlns:a16="http://schemas.microsoft.com/office/drawing/2014/main" id="{83EEB234-6EE3-4E8E-943F-4DB2F6787143}"/>
               </a:ext>
             </a:extLst>
           </p:cNvPr>
@@ -6101,14 +6868,14 @@
             <p:ph idx="1"/>
             <p:extLst>
               <p:ext uri="{D42A27DB-BD31-4B8C-83A1-F6EECF244321}">
-                <p14:modId xmlns:p14="http://schemas.microsoft.com/office/powerpoint/2010/main" val="3362092825"/>
+                <p14:modId xmlns:p14="http://schemas.microsoft.com/office/powerpoint/2010/main" val="2253909796"/>
               </p:ext>
             </p:extLst>
           </p:nvPr>
         </p:nvGraphicFramePr>
         <p:xfrm>
-          <a:off x="1371599" y="2813426"/>
-          <a:ext cx="10240902" cy="1939771"/>
+          <a:off x="1371599" y="2298765"/>
+          <a:ext cx="10240902" cy="421387"/>
         </p:xfrm>
         <a:graphic>
           <a:graphicData uri="http://schemas.openxmlformats.org/drawingml/2006/table">
@@ -6212,94 +6979,16 @@
                   </a:ext>
                 </a:extLst>
               </a:tr>
-              <a:tr h="1518384">
-                <a:tc>
-                  <a:txBody>
-                    <a:bodyPr/>
-                    <a:lstStyle/>
-                    <a:p>
-                      <a:pPr algn="ctr"/>
-                      <a:r>
-                        <a:rPr lang="en-US" dirty="0"/>
-                        <a:t>Accuracy: 71%</a:t>
-                      </a:r>
-                    </a:p>
-                    <a:p>
-                      <a:pPr algn="ctr"/>
-                      <a:endParaRPr lang="en-US" dirty="0"/>
-                    </a:p>
-                    <a:p>
-                      <a:pPr algn="ctr"/>
-                      <a:r>
-                        <a:rPr lang="en-US" dirty="0"/>
-                        <a:t>Accuracy after testing different regularizing and parameters: 73.5% </a:t>
-                      </a:r>
-                    </a:p>
-                  </a:txBody>
-                  <a:tcPr>
-                    <a:solidFill>
-                      <a:schemeClr val="bg1">
-                        <a:lumMod val="95000"/>
-                      </a:schemeClr>
-                    </a:solidFill>
-                  </a:tcPr>
-                </a:tc>
-                <a:tc>
-                  <a:txBody>
-                    <a:bodyPr/>
-                    <a:lstStyle/>
-                    <a:p>
-                      <a:pPr algn="ctr"/>
-                      <a:r>
-                        <a:rPr lang="en-US" dirty="0"/>
-                        <a:t>Scores here? </a:t>
-                      </a:r>
-                    </a:p>
-                  </a:txBody>
-                  <a:tcPr>
-                    <a:solidFill>
-                      <a:schemeClr val="bg1">
-                        <a:lumMod val="95000"/>
-                      </a:schemeClr>
-                    </a:solidFill>
-                  </a:tcPr>
-                </a:tc>
-                <a:tc>
-                  <a:txBody>
-                    <a:bodyPr/>
-                    <a:lstStyle/>
-                    <a:p>
-                      <a:pPr algn="ctr"/>
-                      <a:r>
-                        <a:rPr lang="en-US" dirty="0"/>
-                        <a:t>Scores here? </a:t>
-                      </a:r>
-                    </a:p>
-                  </a:txBody>
-                  <a:tcPr>
-                    <a:solidFill>
-                      <a:schemeClr val="bg1">
-                        <a:lumMod val="95000"/>
-                      </a:schemeClr>
-                    </a:solidFill>
-                  </a:tcPr>
-                </a:tc>
-                <a:extLst>
-                  <a:ext uri="{0D108BD9-81ED-4DB2-BD59-A6C34878D82A}">
-                    <a16:rowId xmlns:a16="http://schemas.microsoft.com/office/drawing/2014/main" val="1767792167"/>
-                  </a:ext>
-                </a:extLst>
-              </a:tr>
             </a:tbl>
           </a:graphicData>
         </a:graphic>
       </p:graphicFrame>
       <p:sp>
         <p:nvSpPr>
-          <p:cNvPr id="5" name="Arrow: Left-Right 4">
-            <a:extLst>
-              <a:ext uri="{FF2B5EF4-FFF2-40B4-BE49-F238E27FC236}">
-                <a16:creationId xmlns:a16="http://schemas.microsoft.com/office/drawing/2014/main" id="{1258FA2B-B667-4D0D-974E-9F6CD8E64E6A}"/>
+          <p:cNvPr id="10" name="Arrow: Left-Right 9">
+            <a:extLst>
+              <a:ext uri="{FF2B5EF4-FFF2-40B4-BE49-F238E27FC236}">
+                <a16:creationId xmlns:a16="http://schemas.microsoft.com/office/drawing/2014/main" id="{6FEBB20B-7C35-4A9C-B2F9-4255B11B5C67}"/>
               </a:ext>
             </a:extLst>
           </p:cNvPr>
@@ -6308,7 +6997,7 @@
         </p:nvSpPr>
         <p:spPr>
           <a:xfrm>
-            <a:off x="1371600" y="2370049"/>
+            <a:off x="1371600" y="1855388"/>
             <a:ext cx="10240904" cy="369331"/>
           </a:xfrm>
           <a:prstGeom prst="leftRightArrow">
@@ -6363,10 +7052,10 @@
       </p:sp>
       <p:sp>
         <p:nvSpPr>
-          <p:cNvPr id="6" name="TextBox 5">
-            <a:extLst>
-              <a:ext uri="{FF2B5EF4-FFF2-40B4-BE49-F238E27FC236}">
-                <a16:creationId xmlns:a16="http://schemas.microsoft.com/office/drawing/2014/main" id="{215DE2FE-2991-4C98-A514-42E03222CEE6}"/>
+          <p:cNvPr id="11" name="TextBox 10">
+            <a:extLst>
+              <a:ext uri="{FF2B5EF4-FFF2-40B4-BE49-F238E27FC236}">
+                <a16:creationId xmlns:a16="http://schemas.microsoft.com/office/drawing/2014/main" id="{46C635EE-CD56-4DCB-A7CA-31DD32DC96D3}"/>
               </a:ext>
             </a:extLst>
           </p:cNvPr>
@@ -6375,7 +7064,7 @@
         </p:nvSpPr>
         <p:spPr>
           <a:xfrm>
-            <a:off x="1371597" y="1987553"/>
+            <a:off x="1371597" y="1472892"/>
             <a:ext cx="2021150" cy="369332"/>
           </a:xfrm>
           <a:prstGeom prst="rect">
@@ -6398,10 +7087,10 @@
       </p:sp>
       <p:sp>
         <p:nvSpPr>
-          <p:cNvPr id="7" name="TextBox 6">
-            <a:extLst>
-              <a:ext uri="{FF2B5EF4-FFF2-40B4-BE49-F238E27FC236}">
-                <a16:creationId xmlns:a16="http://schemas.microsoft.com/office/drawing/2014/main" id="{3DDE2555-DD52-457B-86AC-1F2F4FE7A21E}"/>
+          <p:cNvPr id="13" name="TextBox 12">
+            <a:extLst>
+              <a:ext uri="{FF2B5EF4-FFF2-40B4-BE49-F238E27FC236}">
+                <a16:creationId xmlns:a16="http://schemas.microsoft.com/office/drawing/2014/main" id="{ED644B71-B453-4A13-AADD-792E80AD8255}"/>
               </a:ext>
             </a:extLst>
           </p:cNvPr>
@@ -6410,8 +7099,8 @@
         </p:nvSpPr>
         <p:spPr>
           <a:xfrm>
-            <a:off x="10634535" y="2026568"/>
-            <a:ext cx="1194276" cy="369332"/>
+            <a:off x="10340619" y="1472892"/>
+            <a:ext cx="2021150" cy="369332"/>
           </a:xfrm>
           <a:prstGeom prst="rect">
             <a:avLst/>
@@ -6434,7 +7123,7 @@
     </p:spTree>
     <p:extLst>
       <p:ext uri="{BB962C8B-B14F-4D97-AF65-F5344CB8AC3E}">
-        <p14:creationId xmlns:p14="http://schemas.microsoft.com/office/powerpoint/2010/main" val="3595713878"/>
+        <p14:creationId xmlns:p14="http://schemas.microsoft.com/office/powerpoint/2010/main" val="1530847264"/>
       </p:ext>
     </p:extLst>
   </p:cSld>
@@ -6444,7 +7133,7 @@
 </p:sld>
 </file>
 
-<file path=ppt/slides/slide6.xml><?xml version="1.0" encoding="utf-8"?>
+<file path=ppt/slides/slide5.xml><?xml version="1.0" encoding="utf-8"?>
 <p:sld xmlns:a="http://schemas.openxmlformats.org/drawingml/2006/main" xmlns:r="http://schemas.openxmlformats.org/officeDocument/2006/relationships" xmlns:p="http://schemas.openxmlformats.org/presentationml/2006/main">
   <p:cSld>
     <p:spTree>
@@ -6494,421 +7183,6 @@
           </a:p>
         </p:txBody>
       </p:sp>
-      <p:graphicFrame>
-        <p:nvGraphicFramePr>
-          <p:cNvPr id="4" name="Table 4">
-            <a:extLst>
-              <a:ext uri="{FF2B5EF4-FFF2-40B4-BE49-F238E27FC236}">
-                <a16:creationId xmlns:a16="http://schemas.microsoft.com/office/drawing/2014/main" id="{67E67376-3FDC-4E6C-A839-BD13A448B181}"/>
-              </a:ext>
-            </a:extLst>
-          </p:cNvPr>
-          <p:cNvGraphicFramePr>
-            <a:graphicFrameLocks noGrp="1"/>
-          </p:cNvGraphicFramePr>
-          <p:nvPr>
-            <p:extLst>
-              <p:ext uri="{D42A27DB-BD31-4B8C-83A1-F6EECF244321}">
-                <p14:modId xmlns:p14="http://schemas.microsoft.com/office/powerpoint/2010/main" val="2817741530"/>
-              </p:ext>
-            </p:extLst>
-          </p:nvPr>
-        </p:nvGraphicFramePr>
-        <p:xfrm>
-          <a:off x="792104" y="3185278"/>
-          <a:ext cx="4931228" cy="2225040"/>
-        </p:xfrm>
-        <a:graphic>
-          <a:graphicData uri="http://schemas.openxmlformats.org/drawingml/2006/table">
-            <a:tbl>
-              <a:tblPr firstRow="1" bandRow="1">
-                <a:tableStyleId>{5C22544A-7EE6-4342-B048-85BDC9FD1C3A}</a:tableStyleId>
-              </a:tblPr>
-              <a:tblGrid>
-                <a:gridCol w="1232807">
-                  <a:extLst>
-                    <a:ext uri="{9D8B030D-6E8A-4147-A177-3AD203B41FA5}">
-                      <a16:colId xmlns:a16="http://schemas.microsoft.com/office/drawing/2014/main" val="4042388792"/>
-                    </a:ext>
-                  </a:extLst>
-                </a:gridCol>
-                <a:gridCol w="1232807">
-                  <a:extLst>
-                    <a:ext uri="{9D8B030D-6E8A-4147-A177-3AD203B41FA5}">
-                      <a16:colId xmlns:a16="http://schemas.microsoft.com/office/drawing/2014/main" val="3642929604"/>
-                    </a:ext>
-                  </a:extLst>
-                </a:gridCol>
-                <a:gridCol w="1232807">
-                  <a:extLst>
-                    <a:ext uri="{9D8B030D-6E8A-4147-A177-3AD203B41FA5}">
-                      <a16:colId xmlns:a16="http://schemas.microsoft.com/office/drawing/2014/main" val="2767694495"/>
-                    </a:ext>
-                  </a:extLst>
-                </a:gridCol>
-                <a:gridCol w="1232807">
-                  <a:extLst>
-                    <a:ext uri="{9D8B030D-6E8A-4147-A177-3AD203B41FA5}">
-                      <a16:colId xmlns:a16="http://schemas.microsoft.com/office/drawing/2014/main" val="71419933"/>
-                    </a:ext>
-                  </a:extLst>
-                </a:gridCol>
-              </a:tblGrid>
-              <a:tr h="370840">
-                <a:tc>
-                  <a:txBody>
-                    <a:bodyPr/>
-                    <a:lstStyle/>
-                    <a:p>
-                      <a:endParaRPr lang="en-US" dirty="0"/>
-                    </a:p>
-                  </a:txBody>
-                  <a:tcPr/>
-                </a:tc>
-                <a:tc>
-                  <a:txBody>
-                    <a:bodyPr/>
-                    <a:lstStyle/>
-                    <a:p>
-                      <a:pPr algn="ctr"/>
-                      <a:r>
-                        <a:rPr lang="en-US" dirty="0"/>
-                        <a:t>Precision</a:t>
-                      </a:r>
-                    </a:p>
-                  </a:txBody>
-                  <a:tcPr/>
-                </a:tc>
-                <a:tc>
-                  <a:txBody>
-                    <a:bodyPr/>
-                    <a:lstStyle/>
-                    <a:p>
-                      <a:pPr algn="ctr"/>
-                      <a:r>
-                        <a:rPr lang="en-US" dirty="0"/>
-                        <a:t>Recall</a:t>
-                      </a:r>
-                    </a:p>
-                  </a:txBody>
-                  <a:tcPr/>
-                </a:tc>
-                <a:tc>
-                  <a:txBody>
-                    <a:bodyPr/>
-                    <a:lstStyle/>
-                    <a:p>
-                      <a:pPr algn="ctr"/>
-                      <a:r>
-                        <a:rPr lang="en-US" dirty="0"/>
-                        <a:t>F1-Score</a:t>
-                      </a:r>
-                    </a:p>
-                  </a:txBody>
-                  <a:tcPr/>
-                </a:tc>
-                <a:extLst>
-                  <a:ext uri="{0D108BD9-81ED-4DB2-BD59-A6C34878D82A}">
-                    <a16:rowId xmlns:a16="http://schemas.microsoft.com/office/drawing/2014/main" val="3615963859"/>
-                  </a:ext>
-                </a:extLst>
-              </a:tr>
-              <a:tr h="370840">
-                <a:tc>
-                  <a:txBody>
-                    <a:bodyPr/>
-                    <a:lstStyle/>
-                    <a:p>
-                      <a:r>
-                        <a:rPr lang="en-US" dirty="0"/>
-                        <a:t>Bad </a:t>
-                      </a:r>
-                    </a:p>
-                  </a:txBody>
-                  <a:tcPr/>
-                </a:tc>
-                <a:tc>
-                  <a:txBody>
-                    <a:bodyPr/>
-                    <a:lstStyle/>
-                    <a:p>
-                      <a:pPr algn="ctr"/>
-                      <a:r>
-                        <a:rPr lang="en-US" dirty="0"/>
-                        <a:t>69%</a:t>
-                      </a:r>
-                    </a:p>
-                  </a:txBody>
-                  <a:tcPr/>
-                </a:tc>
-                <a:tc>
-                  <a:txBody>
-                    <a:bodyPr/>
-                    <a:lstStyle/>
-                    <a:p>
-                      <a:pPr algn="ctr"/>
-                      <a:r>
-                        <a:rPr lang="en-US" dirty="0"/>
-                        <a:t>76%</a:t>
-                      </a:r>
-                    </a:p>
-                  </a:txBody>
-                  <a:tcPr/>
-                </a:tc>
-                <a:tc>
-                  <a:txBody>
-                    <a:bodyPr/>
-                    <a:lstStyle/>
-                    <a:p>
-                      <a:pPr algn="ctr"/>
-                      <a:r>
-                        <a:rPr lang="en-US" dirty="0"/>
-                        <a:t>72%</a:t>
-                      </a:r>
-                    </a:p>
-                  </a:txBody>
-                  <a:tcPr/>
-                </a:tc>
-                <a:extLst>
-                  <a:ext uri="{0D108BD9-81ED-4DB2-BD59-A6C34878D82A}">
-                    <a16:rowId xmlns:a16="http://schemas.microsoft.com/office/drawing/2014/main" val="1962313957"/>
-                  </a:ext>
-                </a:extLst>
-              </a:tr>
-              <a:tr h="370840">
-                <a:tc>
-                  <a:txBody>
-                    <a:bodyPr/>
-                    <a:lstStyle/>
-                    <a:p>
-                      <a:r>
-                        <a:rPr lang="en-US" dirty="0"/>
-                        <a:t>Good</a:t>
-                      </a:r>
-                    </a:p>
-                  </a:txBody>
-                  <a:tcPr/>
-                </a:tc>
-                <a:tc>
-                  <a:txBody>
-                    <a:bodyPr/>
-                    <a:lstStyle/>
-                    <a:p>
-                      <a:pPr algn="ctr"/>
-                      <a:r>
-                        <a:rPr lang="en-US" dirty="0"/>
-                        <a:t>74%</a:t>
-                      </a:r>
-                    </a:p>
-                  </a:txBody>
-                  <a:tcPr/>
-                </a:tc>
-                <a:tc>
-                  <a:txBody>
-                    <a:bodyPr/>
-                    <a:lstStyle/>
-                    <a:p>
-                      <a:pPr algn="ctr"/>
-                      <a:r>
-                        <a:rPr lang="en-US" dirty="0"/>
-                        <a:t>67%</a:t>
-                      </a:r>
-                    </a:p>
-                  </a:txBody>
-                  <a:tcPr/>
-                </a:tc>
-                <a:tc>
-                  <a:txBody>
-                    <a:bodyPr/>
-                    <a:lstStyle/>
-                    <a:p>
-                      <a:pPr algn="ctr"/>
-                      <a:r>
-                        <a:rPr lang="en-US" dirty="0"/>
-                        <a:t>70%</a:t>
-                      </a:r>
-                    </a:p>
-                  </a:txBody>
-                  <a:tcPr/>
-                </a:tc>
-                <a:extLst>
-                  <a:ext uri="{0D108BD9-81ED-4DB2-BD59-A6C34878D82A}">
-                    <a16:rowId xmlns:a16="http://schemas.microsoft.com/office/drawing/2014/main" val="3804307038"/>
-                  </a:ext>
-                </a:extLst>
-              </a:tr>
-              <a:tr h="370840">
-                <a:tc>
-                  <a:txBody>
-                    <a:bodyPr/>
-                    <a:lstStyle/>
-                    <a:p>
-                      <a:endParaRPr lang="en-US" dirty="0"/>
-                    </a:p>
-                  </a:txBody>
-                  <a:tcPr/>
-                </a:tc>
-                <a:tc>
-                  <a:txBody>
-                    <a:bodyPr/>
-                    <a:lstStyle/>
-                    <a:p>
-                      <a:pPr algn="ctr"/>
-                      <a:endParaRPr lang="en-US"/>
-                    </a:p>
-                  </a:txBody>
-                  <a:tcPr/>
-                </a:tc>
-                <a:tc>
-                  <a:txBody>
-                    <a:bodyPr/>
-                    <a:lstStyle/>
-                    <a:p>
-                      <a:pPr algn="ctr"/>
-                      <a:endParaRPr lang="en-US" dirty="0"/>
-                    </a:p>
-                  </a:txBody>
-                  <a:tcPr/>
-                </a:tc>
-                <a:tc>
-                  <a:txBody>
-                    <a:bodyPr/>
-                    <a:lstStyle/>
-                    <a:p>
-                      <a:pPr algn="ctr"/>
-                      <a:endParaRPr lang="en-US"/>
-                    </a:p>
-                  </a:txBody>
-                  <a:tcPr/>
-                </a:tc>
-                <a:extLst>
-                  <a:ext uri="{0D108BD9-81ED-4DB2-BD59-A6C34878D82A}">
-                    <a16:rowId xmlns:a16="http://schemas.microsoft.com/office/drawing/2014/main" val="2800348485"/>
-                  </a:ext>
-                </a:extLst>
-              </a:tr>
-              <a:tr h="370840">
-                <a:tc>
-                  <a:txBody>
-                    <a:bodyPr/>
-                    <a:lstStyle/>
-                    <a:p>
-                      <a:r>
-                        <a:rPr lang="en-US" dirty="0"/>
-                        <a:t>Accuracy</a:t>
-                      </a:r>
-                    </a:p>
-                  </a:txBody>
-                  <a:tcPr/>
-                </a:tc>
-                <a:tc>
-                  <a:txBody>
-                    <a:bodyPr/>
-                    <a:lstStyle/>
-                    <a:p>
-                      <a:pPr algn="ctr"/>
-                      <a:endParaRPr lang="en-US" dirty="0"/>
-                    </a:p>
-                  </a:txBody>
-                  <a:tcPr/>
-                </a:tc>
-                <a:tc>
-                  <a:txBody>
-                    <a:bodyPr/>
-                    <a:lstStyle/>
-                    <a:p>
-                      <a:pPr algn="ctr"/>
-                      <a:endParaRPr lang="en-US" dirty="0"/>
-                    </a:p>
-                  </a:txBody>
-                  <a:tcPr/>
-                </a:tc>
-                <a:tc>
-                  <a:txBody>
-                    <a:bodyPr/>
-                    <a:lstStyle/>
-                    <a:p>
-                      <a:pPr algn="ctr"/>
-                      <a:r>
-                        <a:rPr lang="en-US" b="1" dirty="0"/>
-                        <a:t>71%</a:t>
-                      </a:r>
-                    </a:p>
-                  </a:txBody>
-                  <a:tcPr/>
-                </a:tc>
-                <a:extLst>
-                  <a:ext uri="{0D108BD9-81ED-4DB2-BD59-A6C34878D82A}">
-                    <a16:rowId xmlns:a16="http://schemas.microsoft.com/office/drawing/2014/main" val="3789691621"/>
-                  </a:ext>
-                </a:extLst>
-              </a:tr>
-              <a:tr h="370840">
-                <a:tc>
-                  <a:txBody>
-                    <a:bodyPr/>
-                    <a:lstStyle/>
-                    <a:p>
-                      <a:r>
-                        <a:rPr lang="en-US" dirty="0"/>
-                        <a:t>Average</a:t>
-                      </a:r>
-                    </a:p>
-                  </a:txBody>
-                  <a:tcPr/>
-                </a:tc>
-                <a:tc>
-                  <a:txBody>
-                    <a:bodyPr/>
-                    <a:lstStyle/>
-                    <a:p>
-                      <a:pPr algn="ctr"/>
-                      <a:r>
-                        <a:rPr lang="en-US" dirty="0"/>
-                        <a:t>72%</a:t>
-                      </a:r>
-                    </a:p>
-                  </a:txBody>
-                  <a:tcPr/>
-                </a:tc>
-                <a:tc>
-                  <a:txBody>
-                    <a:bodyPr/>
-                    <a:lstStyle/>
-                    <a:p>
-                      <a:pPr algn="ctr"/>
-                      <a:r>
-                        <a:rPr lang="en-US" dirty="0"/>
-                        <a:t>71%</a:t>
-                      </a:r>
-                    </a:p>
-                  </a:txBody>
-                  <a:tcPr/>
-                </a:tc>
-                <a:tc>
-                  <a:txBody>
-                    <a:bodyPr/>
-                    <a:lstStyle/>
-                    <a:p>
-                      <a:pPr algn="ctr"/>
-                      <a:r>
-                        <a:rPr lang="en-US" dirty="0"/>
-                        <a:t>71%</a:t>
-                      </a:r>
-                    </a:p>
-                  </a:txBody>
-                  <a:tcPr/>
-                </a:tc>
-                <a:extLst>
-                  <a:ext uri="{0D108BD9-81ED-4DB2-BD59-A6C34878D82A}">
-                    <a16:rowId xmlns:a16="http://schemas.microsoft.com/office/drawing/2014/main" val="275266713"/>
-                  </a:ext>
-                </a:extLst>
-              </a:tr>
-            </a:tbl>
-          </a:graphicData>
-        </a:graphic>
-      </p:graphicFrame>
       <p:sp>
         <p:nvSpPr>
           <p:cNvPr id="5" name="TextBox 4">
@@ -6923,7 +7197,7 @@
         </p:nvSpPr>
         <p:spPr>
           <a:xfrm>
-            <a:off x="792104" y="2717972"/>
+            <a:off x="792104" y="2310341"/>
             <a:ext cx="3086100" cy="369332"/>
           </a:xfrm>
           <a:prstGeom prst="rect">
@@ -6958,12 +7232,23 @@
         </p:nvSpPr>
         <p:spPr>
           <a:xfrm>
-            <a:off x="5853961" y="3954898"/>
-            <a:ext cx="1094014" cy="685800"/>
+            <a:off x="6325297" y="3984401"/>
+            <a:ext cx="721877" cy="452520"/>
           </a:xfrm>
           <a:prstGeom prst="rightArrow">
             <a:avLst/>
           </a:prstGeom>
+          <a:solidFill>
+            <a:schemeClr val="accent1">
+              <a:lumMod val="60000"/>
+              <a:lumOff val="40000"/>
+            </a:schemeClr>
+          </a:solidFill>
+          <a:ln>
+            <a:solidFill>
+              <a:schemeClr val="accent1"/>
+            </a:solidFill>
+          </a:ln>
         </p:spPr>
         <p:style>
           <a:lnRef idx="2">
@@ -7004,8 +7289,8 @@
         </p:nvSpPr>
         <p:spPr>
           <a:xfrm>
-            <a:off x="7100375" y="2717972"/>
-            <a:ext cx="5227697" cy="2308324"/>
+            <a:off x="7100375" y="2310341"/>
+            <a:ext cx="5227697" cy="369332"/>
           </a:xfrm>
           <a:prstGeom prst="rect">
             <a:avLst/>
@@ -7022,51 +7307,1169 @@
               <a:rPr lang="en-US" b="1" dirty="0" err="1"/>
               <a:t>GridSearch</a:t>
             </a:r>
-            <a:endParaRPr lang="en-US" b="1" dirty="0"/>
-          </a:p>
-          <a:p>
-            <a:endParaRPr lang="en-US" dirty="0"/>
-          </a:p>
-          <a:p>
-            <a:endParaRPr lang="en-US" dirty="0"/>
-          </a:p>
-          <a:p>
-            <a:r>
-              <a:rPr lang="en-US" dirty="0" err="1"/>
-              <a:t>param_grid</a:t>
-            </a:r>
-            <a:r>
-              <a:rPr lang="en-US" dirty="0"/>
-              <a:t> = {'C': [1, 5, 10, 50],</a:t>
-            </a:r>
-          </a:p>
-          <a:p>
-            <a:r>
-              <a:rPr lang="en-US" dirty="0"/>
-              <a:t>             'gamma': [0.0001, 0.005, 0.001, 0.005]}</a:t>
-            </a:r>
-          </a:p>
-          <a:p>
-            <a:endParaRPr lang="en-US" dirty="0"/>
-          </a:p>
-          <a:p>
-            <a:r>
-              <a:rPr lang="en-US" dirty="0"/>
-              <a:t>Best parameters: C:1, gamma: 0.0001</a:t>
-            </a:r>
-          </a:p>
-          <a:p>
-            <a:r>
-              <a:rPr lang="en-US" dirty="0"/>
-              <a:t>Improved accuracy score to </a:t>
-            </a:r>
             <a:r>
               <a:rPr lang="en-US" b="1" dirty="0"/>
-              <a:t>73.5%</a:t>
+              <a:t> Optimization</a:t>
             </a:r>
           </a:p>
         </p:txBody>
       </p:sp>
+      <p:graphicFrame>
+        <p:nvGraphicFramePr>
+          <p:cNvPr id="8" name="Table 7">
+            <a:extLst>
+              <a:ext uri="{FF2B5EF4-FFF2-40B4-BE49-F238E27FC236}">
+                <a16:creationId xmlns:a16="http://schemas.microsoft.com/office/drawing/2014/main" id="{D9600F87-D711-4CBE-9CEC-B5D33B331418}"/>
+              </a:ext>
+            </a:extLst>
+          </p:cNvPr>
+          <p:cNvGraphicFramePr>
+            <a:graphicFrameLocks noGrp="1"/>
+          </p:cNvGraphicFramePr>
+          <p:nvPr>
+            <p:extLst>
+              <p:ext uri="{D42A27DB-BD31-4B8C-83A1-F6EECF244321}">
+                <p14:modId xmlns:p14="http://schemas.microsoft.com/office/powerpoint/2010/main" val="975362587"/>
+              </p:ext>
+            </p:extLst>
+          </p:nvPr>
+        </p:nvGraphicFramePr>
+        <p:xfrm>
+          <a:off x="792104" y="3098016"/>
+          <a:ext cx="5394960" cy="2422069"/>
+        </p:xfrm>
+        <a:graphic>
+          <a:graphicData uri="http://schemas.openxmlformats.org/drawingml/2006/table">
+            <a:tbl>
+              <a:tblPr firstRow="1" bandRow="1">
+                <a:tableStyleId>{74C1A8A3-306A-4EB7-A6B1-4F7E0EB9C5D6}</a:tableStyleId>
+              </a:tblPr>
+              <a:tblGrid>
+                <a:gridCol w="1371600">
+                  <a:extLst>
+                    <a:ext uri="{9D8B030D-6E8A-4147-A177-3AD203B41FA5}">
+                      <a16:colId xmlns:a16="http://schemas.microsoft.com/office/drawing/2014/main" val="3561920289"/>
+                    </a:ext>
+                  </a:extLst>
+                </a:gridCol>
+                <a:gridCol w="1005840">
+                  <a:extLst>
+                    <a:ext uri="{9D8B030D-6E8A-4147-A177-3AD203B41FA5}">
+                      <a16:colId xmlns:a16="http://schemas.microsoft.com/office/drawing/2014/main" val="3075658774"/>
+                    </a:ext>
+                  </a:extLst>
+                </a:gridCol>
+                <a:gridCol w="1005840">
+                  <a:extLst>
+                    <a:ext uri="{9D8B030D-6E8A-4147-A177-3AD203B41FA5}">
+                      <a16:colId xmlns:a16="http://schemas.microsoft.com/office/drawing/2014/main" val="402872021"/>
+                    </a:ext>
+                  </a:extLst>
+                </a:gridCol>
+                <a:gridCol w="1005840">
+                  <a:extLst>
+                    <a:ext uri="{9D8B030D-6E8A-4147-A177-3AD203B41FA5}">
+                      <a16:colId xmlns:a16="http://schemas.microsoft.com/office/drawing/2014/main" val="1336959234"/>
+                    </a:ext>
+                  </a:extLst>
+                </a:gridCol>
+                <a:gridCol w="1005840">
+                  <a:extLst>
+                    <a:ext uri="{9D8B030D-6E8A-4147-A177-3AD203B41FA5}">
+                      <a16:colId xmlns:a16="http://schemas.microsoft.com/office/drawing/2014/main" val="181199538"/>
+                    </a:ext>
+                  </a:extLst>
+                </a:gridCol>
+              </a:tblGrid>
+              <a:tr h="360104">
+                <a:tc>
+                  <a:txBody>
+                    <a:bodyPr/>
+                    <a:lstStyle/>
+                    <a:p>
+                      <a:endParaRPr lang="en-US" sz="1400" dirty="0"/>
+                    </a:p>
+                  </a:txBody>
+                  <a:tcPr>
+                    <a:solidFill>
+                      <a:srgbClr val="DCEBFB"/>
+                    </a:solidFill>
+                  </a:tcPr>
+                </a:tc>
+                <a:tc>
+                  <a:txBody>
+                    <a:bodyPr/>
+                    <a:lstStyle/>
+                    <a:p>
+                      <a:pPr algn="ctr"/>
+                      <a:r>
+                        <a:rPr lang="en-US" sz="1400" dirty="0">
+                          <a:solidFill>
+                            <a:schemeClr val="tx1"/>
+                          </a:solidFill>
+                        </a:rPr>
+                        <a:t>Precision</a:t>
+                      </a:r>
+                    </a:p>
+                  </a:txBody>
+                  <a:tcPr anchor="ctr">
+                    <a:solidFill>
+                      <a:srgbClr val="DCEBFB"/>
+                    </a:solidFill>
+                  </a:tcPr>
+                </a:tc>
+                <a:tc>
+                  <a:txBody>
+                    <a:bodyPr/>
+                    <a:lstStyle/>
+                    <a:p>
+                      <a:pPr algn="ctr"/>
+                      <a:r>
+                        <a:rPr lang="en-US" sz="1400" dirty="0">
+                          <a:solidFill>
+                            <a:schemeClr val="tx1"/>
+                          </a:solidFill>
+                        </a:rPr>
+                        <a:t>Recall</a:t>
+                      </a:r>
+                    </a:p>
+                  </a:txBody>
+                  <a:tcPr anchor="ctr">
+                    <a:solidFill>
+                      <a:srgbClr val="DCEBFB"/>
+                    </a:solidFill>
+                  </a:tcPr>
+                </a:tc>
+                <a:tc>
+                  <a:txBody>
+                    <a:bodyPr/>
+                    <a:lstStyle/>
+                    <a:p>
+                      <a:pPr algn="ctr"/>
+                      <a:r>
+                        <a:rPr lang="en-US" sz="1400" dirty="0">
+                          <a:solidFill>
+                            <a:schemeClr val="tx1"/>
+                          </a:solidFill>
+                        </a:rPr>
+                        <a:t>F1-score</a:t>
+                      </a:r>
+                    </a:p>
+                  </a:txBody>
+                  <a:tcPr anchor="ctr">
+                    <a:solidFill>
+                      <a:srgbClr val="DCEBFB"/>
+                    </a:solidFill>
+                  </a:tcPr>
+                </a:tc>
+                <a:tc>
+                  <a:txBody>
+                    <a:bodyPr/>
+                    <a:lstStyle/>
+                    <a:p>
+                      <a:pPr algn="ctr"/>
+                      <a:r>
+                        <a:rPr lang="en-US" sz="1400" dirty="0">
+                          <a:solidFill>
+                            <a:schemeClr val="tx1"/>
+                          </a:solidFill>
+                        </a:rPr>
+                        <a:t>Support</a:t>
+                      </a:r>
+                    </a:p>
+                  </a:txBody>
+                  <a:tcPr anchor="ctr">
+                    <a:solidFill>
+                      <a:srgbClr val="DCEBFB"/>
+                    </a:solidFill>
+                  </a:tcPr>
+                </a:tc>
+                <a:extLst>
+                  <a:ext uri="{0D108BD9-81ED-4DB2-BD59-A6C34878D82A}">
+                    <a16:rowId xmlns:a16="http://schemas.microsoft.com/office/drawing/2014/main" val="3980599088"/>
+                  </a:ext>
+                </a:extLst>
+              </a:tr>
+              <a:tr h="360104">
+                <a:tc>
+                  <a:txBody>
+                    <a:bodyPr/>
+                    <a:lstStyle/>
+                    <a:p>
+                      <a:r>
+                        <a:rPr lang="en-US" sz="1400" dirty="0"/>
+                        <a:t>Bad</a:t>
+                      </a:r>
+                    </a:p>
+                  </a:txBody>
+                  <a:tcPr anchor="ctr"/>
+                </a:tc>
+                <a:tc>
+                  <a:txBody>
+                    <a:bodyPr/>
+                    <a:lstStyle/>
+                    <a:p>
+                      <a:pPr algn="ctr"/>
+                      <a:r>
+                        <a:rPr lang="en-US" sz="1400" dirty="0"/>
+                        <a:t>0.69</a:t>
+                      </a:r>
+                    </a:p>
+                  </a:txBody>
+                  <a:tcPr anchor="ctr"/>
+                </a:tc>
+                <a:tc>
+                  <a:txBody>
+                    <a:bodyPr/>
+                    <a:lstStyle/>
+                    <a:p>
+                      <a:pPr algn="ctr"/>
+                      <a:r>
+                        <a:rPr lang="en-US" sz="1400" dirty="0"/>
+                        <a:t>0.76</a:t>
+                      </a:r>
+                    </a:p>
+                  </a:txBody>
+                  <a:tcPr anchor="ctr"/>
+                </a:tc>
+                <a:tc>
+                  <a:txBody>
+                    <a:bodyPr/>
+                    <a:lstStyle/>
+                    <a:p>
+                      <a:pPr algn="ctr"/>
+                      <a:r>
+                        <a:rPr lang="en-US" sz="1400" dirty="0"/>
+                        <a:t>0.72</a:t>
+                      </a:r>
+                    </a:p>
+                  </a:txBody>
+                  <a:tcPr anchor="ctr"/>
+                </a:tc>
+                <a:tc>
+                  <a:txBody>
+                    <a:bodyPr/>
+                    <a:lstStyle/>
+                    <a:p>
+                      <a:pPr algn="ctr"/>
+                      <a:r>
+                        <a:rPr lang="en-US" sz="1400" dirty="0"/>
+                        <a:t>173</a:t>
+                      </a:r>
+                    </a:p>
+                  </a:txBody>
+                  <a:tcPr anchor="ctr"/>
+                </a:tc>
+                <a:extLst>
+                  <a:ext uri="{0D108BD9-81ED-4DB2-BD59-A6C34878D82A}">
+                    <a16:rowId xmlns:a16="http://schemas.microsoft.com/office/drawing/2014/main" val="2320730729"/>
+                  </a:ext>
+                </a:extLst>
+              </a:tr>
+              <a:tr h="360104">
+                <a:tc>
+                  <a:txBody>
+                    <a:bodyPr/>
+                    <a:lstStyle/>
+                    <a:p>
+                      <a:r>
+                        <a:rPr lang="en-US" sz="1400" dirty="0"/>
+                        <a:t>Good</a:t>
+                      </a:r>
+                    </a:p>
+                  </a:txBody>
+                  <a:tcPr anchor="ctr"/>
+                </a:tc>
+                <a:tc>
+                  <a:txBody>
+                    <a:bodyPr/>
+                    <a:lstStyle/>
+                    <a:p>
+                      <a:pPr algn="ctr"/>
+                      <a:r>
+                        <a:rPr lang="en-US" sz="1400" dirty="0"/>
+                        <a:t>0.74</a:t>
+                      </a:r>
+                    </a:p>
+                  </a:txBody>
+                  <a:tcPr anchor="ctr"/>
+                </a:tc>
+                <a:tc>
+                  <a:txBody>
+                    <a:bodyPr/>
+                    <a:lstStyle/>
+                    <a:p>
+                      <a:pPr algn="ctr"/>
+                      <a:r>
+                        <a:rPr lang="en-US" sz="1400" dirty="0"/>
+                        <a:t>0.67</a:t>
+                      </a:r>
+                    </a:p>
+                  </a:txBody>
+                  <a:tcPr anchor="ctr"/>
+                </a:tc>
+                <a:tc>
+                  <a:txBody>
+                    <a:bodyPr/>
+                    <a:lstStyle/>
+                    <a:p>
+                      <a:pPr algn="ctr"/>
+                      <a:r>
+                        <a:rPr lang="en-US" sz="1400" dirty="0"/>
+                        <a:t>0.70</a:t>
+                      </a:r>
+                    </a:p>
+                  </a:txBody>
+                  <a:tcPr anchor="ctr"/>
+                </a:tc>
+                <a:tc>
+                  <a:txBody>
+                    <a:bodyPr/>
+                    <a:lstStyle/>
+                    <a:p>
+                      <a:pPr algn="ctr"/>
+                      <a:r>
+                        <a:rPr lang="en-US" sz="1400" dirty="0"/>
+                        <a:t>177</a:t>
+                      </a:r>
+                    </a:p>
+                  </a:txBody>
+                  <a:tcPr anchor="ctr"/>
+                </a:tc>
+                <a:extLst>
+                  <a:ext uri="{0D108BD9-81ED-4DB2-BD59-A6C34878D82A}">
+                    <a16:rowId xmlns:a16="http://schemas.microsoft.com/office/drawing/2014/main" val="657445043"/>
+                  </a:ext>
+                </a:extLst>
+              </a:tr>
+              <a:tr h="360104">
+                <a:tc>
+                  <a:txBody>
+                    <a:bodyPr/>
+                    <a:lstStyle/>
+                    <a:p>
+                      <a:r>
+                        <a:rPr lang="en-US" sz="1400" dirty="0"/>
+                        <a:t>Accuracy</a:t>
+                      </a:r>
+                    </a:p>
+                  </a:txBody>
+                  <a:tcPr anchor="ctr"/>
+                </a:tc>
+                <a:tc>
+                  <a:txBody>
+                    <a:bodyPr/>
+                    <a:lstStyle/>
+                    <a:p>
+                      <a:pPr algn="ctr"/>
+                      <a:endParaRPr lang="en-US" sz="1400" dirty="0"/>
+                    </a:p>
+                  </a:txBody>
+                  <a:tcPr anchor="ctr"/>
+                </a:tc>
+                <a:tc>
+                  <a:txBody>
+                    <a:bodyPr/>
+                    <a:lstStyle/>
+                    <a:p>
+                      <a:pPr algn="ctr"/>
+                      <a:endParaRPr lang="en-US" sz="1400" dirty="0"/>
+                    </a:p>
+                  </a:txBody>
+                  <a:tcPr anchor="ctr"/>
+                </a:tc>
+                <a:tc>
+                  <a:txBody>
+                    <a:bodyPr/>
+                    <a:lstStyle/>
+                    <a:p>
+                      <a:pPr algn="ctr"/>
+                      <a:r>
+                        <a:rPr lang="en-US" sz="1400" dirty="0"/>
+                        <a:t>0.71</a:t>
+                      </a:r>
+                    </a:p>
+                  </a:txBody>
+                  <a:tcPr anchor="ctr"/>
+                </a:tc>
+                <a:tc>
+                  <a:txBody>
+                    <a:bodyPr/>
+                    <a:lstStyle/>
+                    <a:p>
+                      <a:pPr algn="ctr"/>
+                      <a:r>
+                        <a:rPr lang="en-US" sz="1400" dirty="0"/>
+                        <a:t>350</a:t>
+                      </a:r>
+                    </a:p>
+                  </a:txBody>
+                  <a:tcPr anchor="ctr"/>
+                </a:tc>
+                <a:extLst>
+                  <a:ext uri="{0D108BD9-81ED-4DB2-BD59-A6C34878D82A}">
+                    <a16:rowId xmlns:a16="http://schemas.microsoft.com/office/drawing/2014/main" val="886449001"/>
+                  </a:ext>
+                </a:extLst>
+              </a:tr>
+              <a:tr h="360104">
+                <a:tc>
+                  <a:txBody>
+                    <a:bodyPr/>
+                    <a:lstStyle/>
+                    <a:p>
+                      <a:r>
+                        <a:rPr lang="en-US" sz="1400" dirty="0"/>
+                        <a:t>Macro Avg</a:t>
+                      </a:r>
+                    </a:p>
+                  </a:txBody>
+                  <a:tcPr anchor="ctr"/>
+                </a:tc>
+                <a:tc>
+                  <a:txBody>
+                    <a:bodyPr/>
+                    <a:lstStyle/>
+                    <a:p>
+                      <a:pPr algn="ctr"/>
+                      <a:r>
+                        <a:rPr lang="en-US" sz="1400" dirty="0"/>
+                        <a:t>0.72</a:t>
+                      </a:r>
+                    </a:p>
+                  </a:txBody>
+                  <a:tcPr anchor="ctr"/>
+                </a:tc>
+                <a:tc>
+                  <a:txBody>
+                    <a:bodyPr/>
+                    <a:lstStyle/>
+                    <a:p>
+                      <a:pPr algn="ctr"/>
+                      <a:r>
+                        <a:rPr lang="en-US" sz="1400" dirty="0"/>
+                        <a:t>0.71</a:t>
+                      </a:r>
+                    </a:p>
+                  </a:txBody>
+                  <a:tcPr anchor="ctr"/>
+                </a:tc>
+                <a:tc>
+                  <a:txBody>
+                    <a:bodyPr/>
+                    <a:lstStyle/>
+                    <a:p>
+                      <a:pPr algn="ctr"/>
+                      <a:r>
+                        <a:rPr lang="en-US" sz="1400" dirty="0"/>
+                        <a:t>0.71</a:t>
+                      </a:r>
+                    </a:p>
+                  </a:txBody>
+                  <a:tcPr anchor="ctr"/>
+                </a:tc>
+                <a:tc>
+                  <a:txBody>
+                    <a:bodyPr/>
+                    <a:lstStyle/>
+                    <a:p>
+                      <a:pPr algn="ctr"/>
+                      <a:r>
+                        <a:rPr lang="en-US" sz="1400" dirty="0"/>
+                        <a:t>350</a:t>
+                      </a:r>
+                    </a:p>
+                  </a:txBody>
+                  <a:tcPr anchor="ctr"/>
+                </a:tc>
+                <a:extLst>
+                  <a:ext uri="{0D108BD9-81ED-4DB2-BD59-A6C34878D82A}">
+                    <a16:rowId xmlns:a16="http://schemas.microsoft.com/office/drawing/2014/main" val="2977773619"/>
+                  </a:ext>
+                </a:extLst>
+              </a:tr>
+              <a:tr h="621549">
+                <a:tc>
+                  <a:txBody>
+                    <a:bodyPr/>
+                    <a:lstStyle/>
+                    <a:p>
+                      <a:r>
+                        <a:rPr lang="en-US" sz="1400" dirty="0"/>
+                        <a:t>Weighted Avg</a:t>
+                      </a:r>
+                    </a:p>
+                  </a:txBody>
+                  <a:tcPr anchor="ctr"/>
+                </a:tc>
+                <a:tc>
+                  <a:txBody>
+                    <a:bodyPr/>
+                    <a:lstStyle/>
+                    <a:p>
+                      <a:pPr algn="ctr"/>
+                      <a:r>
+                        <a:rPr lang="en-US" sz="1400" dirty="0"/>
+                        <a:t>0.72</a:t>
+                      </a:r>
+                    </a:p>
+                  </a:txBody>
+                  <a:tcPr anchor="ctr"/>
+                </a:tc>
+                <a:tc>
+                  <a:txBody>
+                    <a:bodyPr/>
+                    <a:lstStyle/>
+                    <a:p>
+                      <a:pPr algn="ctr"/>
+                      <a:r>
+                        <a:rPr lang="en-US" sz="1400" dirty="0"/>
+                        <a:t>0.71</a:t>
+                      </a:r>
+                    </a:p>
+                  </a:txBody>
+                  <a:tcPr anchor="ctr"/>
+                </a:tc>
+                <a:tc>
+                  <a:txBody>
+                    <a:bodyPr/>
+                    <a:lstStyle/>
+                    <a:p>
+                      <a:pPr algn="ctr"/>
+                      <a:r>
+                        <a:rPr lang="en-US" sz="1400" dirty="0"/>
+                        <a:t>0.71</a:t>
+                      </a:r>
+                    </a:p>
+                  </a:txBody>
+                  <a:tcPr anchor="ctr"/>
+                </a:tc>
+                <a:tc>
+                  <a:txBody>
+                    <a:bodyPr/>
+                    <a:lstStyle/>
+                    <a:p>
+                      <a:pPr algn="ctr"/>
+                      <a:r>
+                        <a:rPr lang="en-US" sz="1400" dirty="0"/>
+                        <a:t>350</a:t>
+                      </a:r>
+                    </a:p>
+                  </a:txBody>
+                  <a:tcPr anchor="ctr"/>
+                </a:tc>
+                <a:extLst>
+                  <a:ext uri="{0D108BD9-81ED-4DB2-BD59-A6C34878D82A}">
+                    <a16:rowId xmlns:a16="http://schemas.microsoft.com/office/drawing/2014/main" val="1671609784"/>
+                  </a:ext>
+                </a:extLst>
+              </a:tr>
+            </a:tbl>
+          </a:graphicData>
+        </a:graphic>
+      </p:graphicFrame>
+      <p:graphicFrame>
+        <p:nvGraphicFramePr>
+          <p:cNvPr id="9" name="Table 8">
+            <a:extLst>
+              <a:ext uri="{FF2B5EF4-FFF2-40B4-BE49-F238E27FC236}">
+                <a16:creationId xmlns:a16="http://schemas.microsoft.com/office/drawing/2014/main" id="{778CD386-D762-4864-8344-A8442347E313}"/>
+              </a:ext>
+            </a:extLst>
+          </p:cNvPr>
+          <p:cNvGraphicFramePr>
+            <a:graphicFrameLocks noGrp="1"/>
+          </p:cNvGraphicFramePr>
+          <p:nvPr>
+            <p:extLst>
+              <p:ext uri="{D42A27DB-BD31-4B8C-83A1-F6EECF244321}">
+                <p14:modId xmlns:p14="http://schemas.microsoft.com/office/powerpoint/2010/main" val="2578207362"/>
+              </p:ext>
+            </p:extLst>
+          </p:nvPr>
+        </p:nvGraphicFramePr>
+        <p:xfrm>
+          <a:off x="7186170" y="3098016"/>
+          <a:ext cx="4213726" cy="1080312"/>
+        </p:xfrm>
+        <a:graphic>
+          <a:graphicData uri="http://schemas.openxmlformats.org/drawingml/2006/table">
+            <a:tbl>
+              <a:tblPr firstRow="1" bandRow="1">
+                <a:tableStyleId>{74C1A8A3-306A-4EB7-A6B1-4F7E0EB9C5D6}</a:tableStyleId>
+              </a:tblPr>
+              <a:tblGrid>
+                <a:gridCol w="1071286">
+                  <a:extLst>
+                    <a:ext uri="{9D8B030D-6E8A-4147-A177-3AD203B41FA5}">
+                      <a16:colId xmlns:a16="http://schemas.microsoft.com/office/drawing/2014/main" val="3561920289"/>
+                    </a:ext>
+                  </a:extLst>
+                </a:gridCol>
+                <a:gridCol w="785610">
+                  <a:extLst>
+                    <a:ext uri="{9D8B030D-6E8A-4147-A177-3AD203B41FA5}">
+                      <a16:colId xmlns:a16="http://schemas.microsoft.com/office/drawing/2014/main" val="3075658774"/>
+                    </a:ext>
+                  </a:extLst>
+                </a:gridCol>
+                <a:gridCol w="785610">
+                  <a:extLst>
+                    <a:ext uri="{9D8B030D-6E8A-4147-A177-3AD203B41FA5}">
+                      <a16:colId xmlns:a16="http://schemas.microsoft.com/office/drawing/2014/main" val="402872021"/>
+                    </a:ext>
+                  </a:extLst>
+                </a:gridCol>
+                <a:gridCol w="785610">
+                  <a:extLst>
+                    <a:ext uri="{9D8B030D-6E8A-4147-A177-3AD203B41FA5}">
+                      <a16:colId xmlns:a16="http://schemas.microsoft.com/office/drawing/2014/main" val="1336959234"/>
+                    </a:ext>
+                  </a:extLst>
+                </a:gridCol>
+                <a:gridCol w="785610">
+                  <a:extLst>
+                    <a:ext uri="{9D8B030D-6E8A-4147-A177-3AD203B41FA5}">
+                      <a16:colId xmlns:a16="http://schemas.microsoft.com/office/drawing/2014/main" val="181199538"/>
+                    </a:ext>
+                  </a:extLst>
+                </a:gridCol>
+              </a:tblGrid>
+              <a:tr h="360104">
+                <a:tc gridSpan="2">
+                  <a:txBody>
+                    <a:bodyPr/>
+                    <a:lstStyle/>
+                    <a:p>
+                      <a:r>
+                        <a:rPr lang="en-US" sz="1400" dirty="0">
+                          <a:solidFill>
+                            <a:schemeClr val="tx1"/>
+                          </a:solidFill>
+                        </a:rPr>
+                        <a:t>Tested Parameters</a:t>
+                      </a:r>
+                    </a:p>
+                  </a:txBody>
+                  <a:tcPr>
+                    <a:solidFill>
+                      <a:schemeClr val="accent2">
+                        <a:lumMod val="20000"/>
+                        <a:lumOff val="80000"/>
+                      </a:schemeClr>
+                    </a:solidFill>
+                  </a:tcPr>
+                </a:tc>
+                <a:tc hMerge="1">
+                  <a:txBody>
+                    <a:bodyPr/>
+                    <a:lstStyle/>
+                    <a:p>
+                      <a:pPr algn="ctr"/>
+                      <a:endParaRPr lang="en-US" sz="1400" dirty="0">
+                        <a:solidFill>
+                          <a:schemeClr val="tx1"/>
+                        </a:solidFill>
+                      </a:endParaRPr>
+                    </a:p>
+                  </a:txBody>
+                  <a:tcPr anchor="ctr">
+                    <a:solidFill>
+                      <a:srgbClr val="DCEBFB"/>
+                    </a:solidFill>
+                  </a:tcPr>
+                </a:tc>
+                <a:tc>
+                  <a:txBody>
+                    <a:bodyPr/>
+                    <a:lstStyle/>
+                    <a:p>
+                      <a:pPr algn="ctr"/>
+                      <a:endParaRPr lang="en-US" sz="1400" dirty="0">
+                        <a:solidFill>
+                          <a:schemeClr val="tx1"/>
+                        </a:solidFill>
+                      </a:endParaRPr>
+                    </a:p>
+                  </a:txBody>
+                  <a:tcPr anchor="ctr">
+                    <a:solidFill>
+                      <a:schemeClr val="accent2">
+                        <a:lumMod val="20000"/>
+                        <a:lumOff val="80000"/>
+                      </a:schemeClr>
+                    </a:solidFill>
+                  </a:tcPr>
+                </a:tc>
+                <a:tc>
+                  <a:txBody>
+                    <a:bodyPr/>
+                    <a:lstStyle/>
+                    <a:p>
+                      <a:pPr algn="ctr"/>
+                      <a:endParaRPr lang="en-US" sz="1400" dirty="0">
+                        <a:solidFill>
+                          <a:schemeClr val="tx1"/>
+                        </a:solidFill>
+                      </a:endParaRPr>
+                    </a:p>
+                  </a:txBody>
+                  <a:tcPr anchor="ctr">
+                    <a:solidFill>
+                      <a:schemeClr val="accent2">
+                        <a:lumMod val="20000"/>
+                        <a:lumOff val="80000"/>
+                      </a:schemeClr>
+                    </a:solidFill>
+                  </a:tcPr>
+                </a:tc>
+                <a:tc>
+                  <a:txBody>
+                    <a:bodyPr/>
+                    <a:lstStyle/>
+                    <a:p>
+                      <a:pPr algn="ctr"/>
+                      <a:endParaRPr lang="en-US" sz="1400" dirty="0">
+                        <a:solidFill>
+                          <a:schemeClr val="tx1"/>
+                        </a:solidFill>
+                      </a:endParaRPr>
+                    </a:p>
+                  </a:txBody>
+                  <a:tcPr anchor="ctr">
+                    <a:solidFill>
+                      <a:schemeClr val="accent2">
+                        <a:lumMod val="20000"/>
+                        <a:lumOff val="80000"/>
+                      </a:schemeClr>
+                    </a:solidFill>
+                  </a:tcPr>
+                </a:tc>
+                <a:extLst>
+                  <a:ext uri="{0D108BD9-81ED-4DB2-BD59-A6C34878D82A}">
+                    <a16:rowId xmlns:a16="http://schemas.microsoft.com/office/drawing/2014/main" val="3980599088"/>
+                  </a:ext>
+                </a:extLst>
+              </a:tr>
+              <a:tr h="360104">
+                <a:tc>
+                  <a:txBody>
+                    <a:bodyPr/>
+                    <a:lstStyle/>
+                    <a:p>
+                      <a:r>
+                        <a:rPr lang="en-US" sz="1400" dirty="0"/>
+                        <a:t>C</a:t>
+                      </a:r>
+                    </a:p>
+                  </a:txBody>
+                  <a:tcPr anchor="ctr"/>
+                </a:tc>
+                <a:tc>
+                  <a:txBody>
+                    <a:bodyPr/>
+                    <a:lstStyle/>
+                    <a:p>
+                      <a:pPr algn="ctr"/>
+                      <a:r>
+                        <a:rPr lang="en-US" sz="1400" dirty="0"/>
+                        <a:t>1</a:t>
+                      </a:r>
+                    </a:p>
+                  </a:txBody>
+                  <a:tcPr anchor="ctr"/>
+                </a:tc>
+                <a:tc>
+                  <a:txBody>
+                    <a:bodyPr/>
+                    <a:lstStyle/>
+                    <a:p>
+                      <a:pPr algn="ctr"/>
+                      <a:r>
+                        <a:rPr lang="en-US" sz="1400" dirty="0"/>
+                        <a:t>5</a:t>
+                      </a:r>
+                    </a:p>
+                  </a:txBody>
+                  <a:tcPr anchor="ctr"/>
+                </a:tc>
+                <a:tc>
+                  <a:txBody>
+                    <a:bodyPr/>
+                    <a:lstStyle/>
+                    <a:p>
+                      <a:pPr algn="ctr"/>
+                      <a:r>
+                        <a:rPr lang="en-US" sz="1400" dirty="0"/>
+                        <a:t>10</a:t>
+                      </a:r>
+                    </a:p>
+                  </a:txBody>
+                  <a:tcPr anchor="ctr"/>
+                </a:tc>
+                <a:tc>
+                  <a:txBody>
+                    <a:bodyPr/>
+                    <a:lstStyle/>
+                    <a:p>
+                      <a:pPr algn="ctr"/>
+                      <a:r>
+                        <a:rPr lang="en-US" sz="1400" dirty="0"/>
+                        <a:t>50</a:t>
+                      </a:r>
+                    </a:p>
+                  </a:txBody>
+                  <a:tcPr anchor="ctr"/>
+                </a:tc>
+                <a:extLst>
+                  <a:ext uri="{0D108BD9-81ED-4DB2-BD59-A6C34878D82A}">
+                    <a16:rowId xmlns:a16="http://schemas.microsoft.com/office/drawing/2014/main" val="2320730729"/>
+                  </a:ext>
+                </a:extLst>
+              </a:tr>
+              <a:tr h="360104">
+                <a:tc>
+                  <a:txBody>
+                    <a:bodyPr/>
+                    <a:lstStyle/>
+                    <a:p>
+                      <a:r>
+                        <a:rPr lang="en-US" sz="1400" dirty="0"/>
+                        <a:t>gamma</a:t>
+                      </a:r>
+                    </a:p>
+                  </a:txBody>
+                  <a:tcPr anchor="ctr"/>
+                </a:tc>
+                <a:tc>
+                  <a:txBody>
+                    <a:bodyPr/>
+                    <a:lstStyle/>
+                    <a:p>
+                      <a:pPr algn="ctr"/>
+                      <a:r>
+                        <a:rPr lang="en-US" sz="1400" dirty="0"/>
+                        <a:t>0.0001</a:t>
+                      </a:r>
+                    </a:p>
+                  </a:txBody>
+                  <a:tcPr anchor="ctr"/>
+                </a:tc>
+                <a:tc>
+                  <a:txBody>
+                    <a:bodyPr/>
+                    <a:lstStyle/>
+                    <a:p>
+                      <a:pPr algn="ctr"/>
+                      <a:r>
+                        <a:rPr lang="en-US" sz="1400" dirty="0"/>
+                        <a:t>0.005</a:t>
+                      </a:r>
+                    </a:p>
+                  </a:txBody>
+                  <a:tcPr anchor="ctr"/>
+                </a:tc>
+                <a:tc>
+                  <a:txBody>
+                    <a:bodyPr/>
+                    <a:lstStyle/>
+                    <a:p>
+                      <a:pPr algn="ctr"/>
+                      <a:r>
+                        <a:rPr lang="en-US" sz="1400" dirty="0"/>
+                        <a:t>0.001</a:t>
+                      </a:r>
+                    </a:p>
+                  </a:txBody>
+                  <a:tcPr anchor="ctr"/>
+                </a:tc>
+                <a:tc>
+                  <a:txBody>
+                    <a:bodyPr/>
+                    <a:lstStyle/>
+                    <a:p>
+                      <a:pPr algn="ctr"/>
+                      <a:r>
+                        <a:rPr lang="en-US" sz="1400" dirty="0"/>
+                        <a:t>0.005</a:t>
+                      </a:r>
+                    </a:p>
+                  </a:txBody>
+                  <a:tcPr anchor="ctr"/>
+                </a:tc>
+                <a:extLst>
+                  <a:ext uri="{0D108BD9-81ED-4DB2-BD59-A6C34878D82A}">
+                    <a16:rowId xmlns:a16="http://schemas.microsoft.com/office/drawing/2014/main" val="657445043"/>
+                  </a:ext>
+                </a:extLst>
+              </a:tr>
+            </a:tbl>
+          </a:graphicData>
+        </a:graphic>
+      </p:graphicFrame>
+      <p:graphicFrame>
+        <p:nvGraphicFramePr>
+          <p:cNvPr id="10" name="Table 9">
+            <a:extLst>
+              <a:ext uri="{FF2B5EF4-FFF2-40B4-BE49-F238E27FC236}">
+                <a16:creationId xmlns:a16="http://schemas.microsoft.com/office/drawing/2014/main" id="{3CC6A05F-8871-467D-9027-3D2D984509E0}"/>
+              </a:ext>
+            </a:extLst>
+          </p:cNvPr>
+          <p:cNvGraphicFramePr>
+            <a:graphicFrameLocks noGrp="1"/>
+          </p:cNvGraphicFramePr>
+          <p:nvPr>
+            <p:extLst>
+              <p:ext uri="{D42A27DB-BD31-4B8C-83A1-F6EECF244321}">
+                <p14:modId xmlns:p14="http://schemas.microsoft.com/office/powerpoint/2010/main" val="3801194862"/>
+              </p:ext>
+            </p:extLst>
+          </p:nvPr>
+        </p:nvGraphicFramePr>
+        <p:xfrm>
+          <a:off x="7186170" y="4436921"/>
+          <a:ext cx="1856896" cy="1080312"/>
+        </p:xfrm>
+        <a:graphic>
+          <a:graphicData uri="http://schemas.openxmlformats.org/drawingml/2006/table">
+            <a:tbl>
+              <a:tblPr firstRow="1" bandRow="1">
+                <a:tableStyleId>{74C1A8A3-306A-4EB7-A6B1-4F7E0EB9C5D6}</a:tableStyleId>
+              </a:tblPr>
+              <a:tblGrid>
+                <a:gridCol w="1071286">
+                  <a:extLst>
+                    <a:ext uri="{9D8B030D-6E8A-4147-A177-3AD203B41FA5}">
+                      <a16:colId xmlns:a16="http://schemas.microsoft.com/office/drawing/2014/main" val="3561920289"/>
+                    </a:ext>
+                  </a:extLst>
+                </a:gridCol>
+                <a:gridCol w="785610">
+                  <a:extLst>
+                    <a:ext uri="{9D8B030D-6E8A-4147-A177-3AD203B41FA5}">
+                      <a16:colId xmlns:a16="http://schemas.microsoft.com/office/drawing/2014/main" val="3075658774"/>
+                    </a:ext>
+                  </a:extLst>
+                </a:gridCol>
+              </a:tblGrid>
+              <a:tr h="360104">
+                <a:tc gridSpan="2">
+                  <a:txBody>
+                    <a:bodyPr/>
+                    <a:lstStyle/>
+                    <a:p>
+                      <a:r>
+                        <a:rPr lang="en-US" sz="1400" dirty="0">
+                          <a:solidFill>
+                            <a:schemeClr val="tx1"/>
+                          </a:solidFill>
+                        </a:rPr>
+                        <a:t>Best Parameters</a:t>
+                      </a:r>
+                    </a:p>
+                  </a:txBody>
+                  <a:tcPr>
+                    <a:solidFill>
+                      <a:schemeClr val="accent2">
+                        <a:lumMod val="20000"/>
+                        <a:lumOff val="80000"/>
+                      </a:schemeClr>
+                    </a:solidFill>
+                  </a:tcPr>
+                </a:tc>
+                <a:tc hMerge="1">
+                  <a:txBody>
+                    <a:bodyPr/>
+                    <a:lstStyle/>
+                    <a:p>
+                      <a:pPr algn="ctr"/>
+                      <a:endParaRPr lang="en-US" sz="1400" dirty="0">
+                        <a:solidFill>
+                          <a:schemeClr val="tx1"/>
+                        </a:solidFill>
+                      </a:endParaRPr>
+                    </a:p>
+                  </a:txBody>
+                  <a:tcPr anchor="ctr">
+                    <a:solidFill>
+                      <a:srgbClr val="DCEBFB"/>
+                    </a:solidFill>
+                  </a:tcPr>
+                </a:tc>
+                <a:extLst>
+                  <a:ext uri="{0D108BD9-81ED-4DB2-BD59-A6C34878D82A}">
+                    <a16:rowId xmlns:a16="http://schemas.microsoft.com/office/drawing/2014/main" val="3980599088"/>
+                  </a:ext>
+                </a:extLst>
+              </a:tr>
+              <a:tr h="360104">
+                <a:tc>
+                  <a:txBody>
+                    <a:bodyPr/>
+                    <a:lstStyle/>
+                    <a:p>
+                      <a:r>
+                        <a:rPr lang="en-US" sz="1400" dirty="0"/>
+                        <a:t>C</a:t>
+                      </a:r>
+                    </a:p>
+                  </a:txBody>
+                  <a:tcPr anchor="ctr"/>
+                </a:tc>
+                <a:tc>
+                  <a:txBody>
+                    <a:bodyPr/>
+                    <a:lstStyle/>
+                    <a:p>
+                      <a:pPr algn="ctr"/>
+                      <a:r>
+                        <a:rPr lang="en-US" sz="1400" dirty="0"/>
+                        <a:t>1</a:t>
+                      </a:r>
+                    </a:p>
+                  </a:txBody>
+                  <a:tcPr anchor="ctr"/>
+                </a:tc>
+                <a:extLst>
+                  <a:ext uri="{0D108BD9-81ED-4DB2-BD59-A6C34878D82A}">
+                    <a16:rowId xmlns:a16="http://schemas.microsoft.com/office/drawing/2014/main" val="2320730729"/>
+                  </a:ext>
+                </a:extLst>
+              </a:tr>
+              <a:tr h="360104">
+                <a:tc>
+                  <a:txBody>
+                    <a:bodyPr/>
+                    <a:lstStyle/>
+                    <a:p>
+                      <a:r>
+                        <a:rPr lang="en-US" sz="1400" dirty="0"/>
+                        <a:t>gamma</a:t>
+                      </a:r>
+                    </a:p>
+                  </a:txBody>
+                  <a:tcPr anchor="ctr"/>
+                </a:tc>
+                <a:tc>
+                  <a:txBody>
+                    <a:bodyPr/>
+                    <a:lstStyle/>
+                    <a:p>
+                      <a:pPr algn="ctr"/>
+                      <a:r>
+                        <a:rPr lang="en-US" sz="1400" dirty="0"/>
+                        <a:t>0.0001</a:t>
+                      </a:r>
+                    </a:p>
+                  </a:txBody>
+                  <a:tcPr anchor="ctr"/>
+                </a:tc>
+                <a:extLst>
+                  <a:ext uri="{0D108BD9-81ED-4DB2-BD59-A6C34878D82A}">
+                    <a16:rowId xmlns:a16="http://schemas.microsoft.com/office/drawing/2014/main" val="657445043"/>
+                  </a:ext>
+                </a:extLst>
+              </a:tr>
+            </a:tbl>
+          </a:graphicData>
+        </a:graphic>
+      </p:graphicFrame>
+      <p:graphicFrame>
+        <p:nvGraphicFramePr>
+          <p:cNvPr id="11" name="Table 10">
+            <a:extLst>
+              <a:ext uri="{FF2B5EF4-FFF2-40B4-BE49-F238E27FC236}">
+                <a16:creationId xmlns:a16="http://schemas.microsoft.com/office/drawing/2014/main" id="{C44D7AC4-EDEA-4477-9C80-1C14138E2895}"/>
+              </a:ext>
+            </a:extLst>
+          </p:cNvPr>
+          <p:cNvGraphicFramePr>
+            <a:graphicFrameLocks noGrp="1"/>
+          </p:cNvGraphicFramePr>
+          <p:nvPr>
+            <p:extLst>
+              <p:ext uri="{D42A27DB-BD31-4B8C-83A1-F6EECF244321}">
+                <p14:modId xmlns:p14="http://schemas.microsoft.com/office/powerpoint/2010/main" val="3496491062"/>
+              </p:ext>
+            </p:extLst>
+          </p:nvPr>
+        </p:nvGraphicFramePr>
+        <p:xfrm>
+          <a:off x="9543000" y="4436921"/>
+          <a:ext cx="1856896" cy="720208"/>
+        </p:xfrm>
+        <a:graphic>
+          <a:graphicData uri="http://schemas.openxmlformats.org/drawingml/2006/table">
+            <a:tbl>
+              <a:tblPr firstRow="1" bandRow="1">
+                <a:tableStyleId>{74C1A8A3-306A-4EB7-A6B1-4F7E0EB9C5D6}</a:tableStyleId>
+              </a:tblPr>
+              <a:tblGrid>
+                <a:gridCol w="1856896">
+                  <a:extLst>
+                    <a:ext uri="{9D8B030D-6E8A-4147-A177-3AD203B41FA5}">
+                      <a16:colId xmlns:a16="http://schemas.microsoft.com/office/drawing/2014/main" val="3561920289"/>
+                    </a:ext>
+                  </a:extLst>
+                </a:gridCol>
+              </a:tblGrid>
+              <a:tr h="360104">
+                <a:tc>
+                  <a:txBody>
+                    <a:bodyPr/>
+                    <a:lstStyle/>
+                    <a:p>
+                      <a:r>
+                        <a:rPr lang="en-US" sz="1400" dirty="0">
+                          <a:solidFill>
+                            <a:schemeClr val="tx1"/>
+                          </a:solidFill>
+                        </a:rPr>
+                        <a:t>Improved Accuracy</a:t>
+                      </a:r>
+                    </a:p>
+                  </a:txBody>
+                  <a:tcPr>
+                    <a:solidFill>
+                      <a:schemeClr val="accent2">
+                        <a:lumMod val="20000"/>
+                        <a:lumOff val="80000"/>
+                      </a:schemeClr>
+                    </a:solidFill>
+                  </a:tcPr>
+                </a:tc>
+                <a:extLst>
+                  <a:ext uri="{0D108BD9-81ED-4DB2-BD59-A6C34878D82A}">
+                    <a16:rowId xmlns:a16="http://schemas.microsoft.com/office/drawing/2014/main" val="3980599088"/>
+                  </a:ext>
+                </a:extLst>
+              </a:tr>
+              <a:tr h="360104">
+                <a:tc>
+                  <a:txBody>
+                    <a:bodyPr/>
+                    <a:lstStyle/>
+                    <a:p>
+                      <a:pPr algn="ctr"/>
+                      <a:r>
+                        <a:rPr lang="en-US" sz="1400" dirty="0"/>
+                        <a:t>73.5%</a:t>
+                      </a:r>
+                    </a:p>
+                  </a:txBody>
+                  <a:tcPr anchor="ctr"/>
+                </a:tc>
+                <a:extLst>
+                  <a:ext uri="{0D108BD9-81ED-4DB2-BD59-A6C34878D82A}">
+                    <a16:rowId xmlns:a16="http://schemas.microsoft.com/office/drawing/2014/main" val="2320730729"/>
+                  </a:ext>
+                </a:extLst>
+              </a:tr>
+            </a:tbl>
+          </a:graphicData>
+        </a:graphic>
+      </p:graphicFrame>
     </p:spTree>
     <p:extLst>
       <p:ext uri="{BB962C8B-B14F-4D97-AF65-F5344CB8AC3E}">
@@ -7080,7 +8483,7 @@
 </p:sld>
 </file>
 
-<file path=ppt/slides/slide7.xml><?xml version="1.0" encoding="utf-8"?>
+<file path=ppt/slides/slide6.xml><?xml version="1.0" encoding="utf-8"?>
 <p:sld xmlns:a="http://schemas.openxmlformats.org/drawingml/2006/main" xmlns:r="http://schemas.openxmlformats.org/officeDocument/2006/relationships" xmlns:p="http://schemas.openxmlformats.org/presentationml/2006/main">
   <p:cSld>
     <p:bg>
@@ -7931,6 +9334,1345 @@
 </p:sld>
 </file>
 
+<file path=ppt/slides/slide7.xml><?xml version="1.0" encoding="utf-8"?>
+<p:sld xmlns:a="http://schemas.openxmlformats.org/drawingml/2006/main" xmlns:r="http://schemas.openxmlformats.org/officeDocument/2006/relationships" xmlns:p="http://schemas.openxmlformats.org/presentationml/2006/main">
+  <p:cSld>
+    <p:spTree>
+      <p:nvGrpSpPr>
+        <p:cNvPr id="1" name=""/>
+        <p:cNvGrpSpPr/>
+        <p:nvPr/>
+      </p:nvGrpSpPr>
+      <p:grpSpPr>
+        <a:xfrm>
+          <a:off x="0" y="0"/>
+          <a:ext cx="0" cy="0"/>
+          <a:chOff x="0" y="0"/>
+          <a:chExt cx="0" cy="0"/>
+        </a:xfrm>
+      </p:grpSpPr>
+      <p:sp>
+        <p:nvSpPr>
+          <p:cNvPr id="14" name="Title 1">
+            <a:extLst>
+              <a:ext uri="{FF2B5EF4-FFF2-40B4-BE49-F238E27FC236}">
+                <a16:creationId xmlns:a16="http://schemas.microsoft.com/office/drawing/2014/main" id="{3330EBB9-E65C-C044-BA0D-EFCC10C141FF}"/>
+              </a:ext>
+            </a:extLst>
+          </p:cNvPr>
+          <p:cNvSpPr txBox="1">
+            <a:spLocks/>
+          </p:cNvSpPr>
+          <p:nvPr/>
+        </p:nvSpPr>
+        <p:spPr bwMode="black">
+          <a:xfrm>
+            <a:off x="7350954" y="1159930"/>
+            <a:ext cx="3698803" cy="1440394"/>
+          </a:xfrm>
+          <a:prstGeom prst="rect">
+            <a:avLst/>
+          </a:prstGeom>
+          <a:solidFill>
+            <a:schemeClr val="accent2">
+              <a:lumMod val="20000"/>
+              <a:lumOff val="80000"/>
+            </a:schemeClr>
+          </a:solidFill>
+          <a:ln w="31750" cap="sq">
+            <a:solidFill>
+              <a:schemeClr val="tx1"/>
+            </a:solidFill>
+            <a:miter lim="800000"/>
+          </a:ln>
+        </p:spPr>
+        <p:txBody>
+          <a:bodyPr vert="horz" lIns="182880" tIns="182880" rIns="182880" bIns="182880" rtlCol="0" anchor="ctr">
+            <a:normAutofit/>
+          </a:bodyPr>
+          <a:lstStyle>
+            <a:lvl1pPr algn="ctr" defTabSz="914400" rtl="0" eaLnBrk="1" latinLnBrk="0" hangingPunct="1">
+              <a:lnSpc>
+                <a:spcPct val="90000"/>
+              </a:lnSpc>
+              <a:spcBef>
+                <a:spcPct val="0"/>
+              </a:spcBef>
+              <a:buNone/>
+              <a:defRPr sz="2800" kern="1200" cap="all" spc="200" baseline="0">
+                <a:solidFill>
+                  <a:srgbClr val="262626"/>
+                </a:solidFill>
+                <a:latin typeface="+mj-lt"/>
+                <a:ea typeface="+mj-ea"/>
+                <a:cs typeface="+mj-cs"/>
+              </a:defRPr>
+            </a:lvl1pPr>
+          </a:lstStyle>
+          <a:p>
+            <a:r>
+              <a:rPr lang="en-US" sz="2400" dirty="0">
+                <a:solidFill>
+                  <a:schemeClr val="tx1"/>
+                </a:solidFill>
+              </a:rPr>
+              <a:t>Grid search</a:t>
+            </a:r>
+          </a:p>
+          <a:p>
+            <a:r>
+              <a:rPr lang="en-US" sz="2400" dirty="0">
+                <a:solidFill>
+                  <a:schemeClr val="tx1"/>
+                </a:solidFill>
+              </a:rPr>
+              <a:t>optimization</a:t>
+            </a:r>
+          </a:p>
+        </p:txBody>
+      </p:sp>
+      <p:sp>
+        <p:nvSpPr>
+          <p:cNvPr id="19" name="TextBox 18">
+            <a:extLst>
+              <a:ext uri="{FF2B5EF4-FFF2-40B4-BE49-F238E27FC236}">
+                <a16:creationId xmlns:a16="http://schemas.microsoft.com/office/drawing/2014/main" id="{D7447A4C-3A3C-564C-80B4-EFA73ADAB4F4}"/>
+              </a:ext>
+            </a:extLst>
+          </p:cNvPr>
+          <p:cNvSpPr txBox="1"/>
+          <p:nvPr/>
+        </p:nvSpPr>
+        <p:spPr>
+          <a:xfrm>
+            <a:off x="2543175" y="436975"/>
+            <a:ext cx="7215188" cy="461665"/>
+          </a:xfrm>
+          <a:prstGeom prst="rect">
+            <a:avLst/>
+          </a:prstGeom>
+          <a:noFill/>
+        </p:spPr>
+        <p:txBody>
+          <a:bodyPr wrap="square" rtlCol="0">
+            <a:spAutoFit/>
+          </a:bodyPr>
+          <a:lstStyle/>
+          <a:p>
+            <a:pPr algn="ctr"/>
+            <a:r>
+              <a:rPr lang="en-US" sz="2400" dirty="0"/>
+              <a:t>CLASSIFICATION REPORTS </a:t>
+            </a:r>
+          </a:p>
+        </p:txBody>
+      </p:sp>
+      <p:sp>
+        <p:nvSpPr>
+          <p:cNvPr id="9" name="Title 1">
+            <a:extLst>
+              <a:ext uri="{FF2B5EF4-FFF2-40B4-BE49-F238E27FC236}">
+                <a16:creationId xmlns:a16="http://schemas.microsoft.com/office/drawing/2014/main" id="{AA79AD32-F0F9-43D4-A712-12EC72EFAE8E}"/>
+              </a:ext>
+            </a:extLst>
+          </p:cNvPr>
+          <p:cNvSpPr txBox="1">
+            <a:spLocks/>
+          </p:cNvSpPr>
+          <p:nvPr/>
+        </p:nvSpPr>
+        <p:spPr bwMode="black">
+          <a:xfrm>
+            <a:off x="1142245" y="1159930"/>
+            <a:ext cx="3698803" cy="1440394"/>
+          </a:xfrm>
+          <a:prstGeom prst="rect">
+            <a:avLst/>
+          </a:prstGeom>
+          <a:solidFill>
+            <a:schemeClr val="accent6">
+              <a:lumMod val="20000"/>
+              <a:lumOff val="80000"/>
+            </a:schemeClr>
+          </a:solidFill>
+          <a:ln w="31750" cap="sq">
+            <a:solidFill>
+              <a:schemeClr val="tx1"/>
+            </a:solidFill>
+            <a:miter lim="800000"/>
+          </a:ln>
+        </p:spPr>
+        <p:txBody>
+          <a:bodyPr vert="horz" lIns="182880" tIns="182880" rIns="182880" bIns="182880" rtlCol="0" anchor="ctr">
+            <a:normAutofit/>
+          </a:bodyPr>
+          <a:lstStyle>
+            <a:lvl1pPr algn="ctr" defTabSz="914400" rtl="0" eaLnBrk="1" latinLnBrk="0" hangingPunct="1">
+              <a:lnSpc>
+                <a:spcPct val="90000"/>
+              </a:lnSpc>
+              <a:spcBef>
+                <a:spcPct val="0"/>
+              </a:spcBef>
+              <a:buNone/>
+              <a:defRPr sz="2800" kern="1200" cap="all" spc="200" baseline="0">
+                <a:solidFill>
+                  <a:srgbClr val="262626"/>
+                </a:solidFill>
+                <a:latin typeface="+mj-lt"/>
+                <a:ea typeface="+mj-ea"/>
+                <a:cs typeface="+mj-cs"/>
+              </a:defRPr>
+            </a:lvl1pPr>
+          </a:lstStyle>
+          <a:p>
+            <a:r>
+              <a:rPr lang="en-US" sz="2400" dirty="0">
+                <a:solidFill>
+                  <a:schemeClr val="tx1"/>
+                </a:solidFill>
+              </a:rPr>
+              <a:t>Logistic regression</a:t>
+            </a:r>
+          </a:p>
+        </p:txBody>
+      </p:sp>
+      <p:graphicFrame>
+        <p:nvGraphicFramePr>
+          <p:cNvPr id="7" name="Table 7">
+            <a:extLst>
+              <a:ext uri="{FF2B5EF4-FFF2-40B4-BE49-F238E27FC236}">
+                <a16:creationId xmlns:a16="http://schemas.microsoft.com/office/drawing/2014/main" id="{63094297-C904-4AA9-B5B0-4636DD64BB47}"/>
+              </a:ext>
+            </a:extLst>
+          </p:cNvPr>
+          <p:cNvGraphicFramePr>
+            <a:graphicFrameLocks noGrp="1"/>
+          </p:cNvGraphicFramePr>
+          <p:nvPr>
+            <p:extLst>
+              <p:ext uri="{D42A27DB-BD31-4B8C-83A1-F6EECF244321}">
+                <p14:modId xmlns:p14="http://schemas.microsoft.com/office/powerpoint/2010/main" val="1020046805"/>
+              </p:ext>
+            </p:extLst>
+          </p:nvPr>
+        </p:nvGraphicFramePr>
+        <p:xfrm>
+          <a:off x="294166" y="3046642"/>
+          <a:ext cx="5394960" cy="2422069"/>
+        </p:xfrm>
+        <a:graphic>
+          <a:graphicData uri="http://schemas.openxmlformats.org/drawingml/2006/table">
+            <a:tbl>
+              <a:tblPr firstRow="1" bandRow="1">
+                <a:tableStyleId>{74C1A8A3-306A-4EB7-A6B1-4F7E0EB9C5D6}</a:tableStyleId>
+              </a:tblPr>
+              <a:tblGrid>
+                <a:gridCol w="1371600">
+                  <a:extLst>
+                    <a:ext uri="{9D8B030D-6E8A-4147-A177-3AD203B41FA5}">
+                      <a16:colId xmlns:a16="http://schemas.microsoft.com/office/drawing/2014/main" val="3561920289"/>
+                    </a:ext>
+                  </a:extLst>
+                </a:gridCol>
+                <a:gridCol w="1005840">
+                  <a:extLst>
+                    <a:ext uri="{9D8B030D-6E8A-4147-A177-3AD203B41FA5}">
+                      <a16:colId xmlns:a16="http://schemas.microsoft.com/office/drawing/2014/main" val="3075658774"/>
+                    </a:ext>
+                  </a:extLst>
+                </a:gridCol>
+                <a:gridCol w="1005840">
+                  <a:extLst>
+                    <a:ext uri="{9D8B030D-6E8A-4147-A177-3AD203B41FA5}">
+                      <a16:colId xmlns:a16="http://schemas.microsoft.com/office/drawing/2014/main" val="402872021"/>
+                    </a:ext>
+                  </a:extLst>
+                </a:gridCol>
+                <a:gridCol w="1005840">
+                  <a:extLst>
+                    <a:ext uri="{9D8B030D-6E8A-4147-A177-3AD203B41FA5}">
+                      <a16:colId xmlns:a16="http://schemas.microsoft.com/office/drawing/2014/main" val="1336959234"/>
+                    </a:ext>
+                  </a:extLst>
+                </a:gridCol>
+                <a:gridCol w="1005840">
+                  <a:extLst>
+                    <a:ext uri="{9D8B030D-6E8A-4147-A177-3AD203B41FA5}">
+                      <a16:colId xmlns:a16="http://schemas.microsoft.com/office/drawing/2014/main" val="181199538"/>
+                    </a:ext>
+                  </a:extLst>
+                </a:gridCol>
+              </a:tblGrid>
+              <a:tr h="360104">
+                <a:tc>
+                  <a:txBody>
+                    <a:bodyPr/>
+                    <a:lstStyle/>
+                    <a:p>
+                      <a:endParaRPr lang="en-US" sz="1400" dirty="0"/>
+                    </a:p>
+                  </a:txBody>
+                  <a:tcPr>
+                    <a:solidFill>
+                      <a:srgbClr val="DCEBFB"/>
+                    </a:solidFill>
+                  </a:tcPr>
+                </a:tc>
+                <a:tc>
+                  <a:txBody>
+                    <a:bodyPr/>
+                    <a:lstStyle/>
+                    <a:p>
+                      <a:pPr algn="ctr"/>
+                      <a:r>
+                        <a:rPr lang="en-US" sz="1400" dirty="0">
+                          <a:solidFill>
+                            <a:schemeClr val="tx1"/>
+                          </a:solidFill>
+                        </a:rPr>
+                        <a:t>Precision</a:t>
+                      </a:r>
+                    </a:p>
+                  </a:txBody>
+                  <a:tcPr anchor="ctr">
+                    <a:solidFill>
+                      <a:srgbClr val="DCEBFB"/>
+                    </a:solidFill>
+                  </a:tcPr>
+                </a:tc>
+                <a:tc>
+                  <a:txBody>
+                    <a:bodyPr/>
+                    <a:lstStyle/>
+                    <a:p>
+                      <a:pPr algn="ctr"/>
+                      <a:r>
+                        <a:rPr lang="en-US" sz="1400" dirty="0">
+                          <a:solidFill>
+                            <a:schemeClr val="tx1"/>
+                          </a:solidFill>
+                        </a:rPr>
+                        <a:t>Recall</a:t>
+                      </a:r>
+                    </a:p>
+                  </a:txBody>
+                  <a:tcPr anchor="ctr">
+                    <a:solidFill>
+                      <a:srgbClr val="DCEBFB"/>
+                    </a:solidFill>
+                  </a:tcPr>
+                </a:tc>
+                <a:tc>
+                  <a:txBody>
+                    <a:bodyPr/>
+                    <a:lstStyle/>
+                    <a:p>
+                      <a:pPr algn="ctr"/>
+                      <a:r>
+                        <a:rPr lang="en-US" sz="1400" dirty="0">
+                          <a:solidFill>
+                            <a:schemeClr val="tx1"/>
+                          </a:solidFill>
+                        </a:rPr>
+                        <a:t>F1-score</a:t>
+                      </a:r>
+                    </a:p>
+                  </a:txBody>
+                  <a:tcPr anchor="ctr">
+                    <a:solidFill>
+                      <a:srgbClr val="DCEBFB"/>
+                    </a:solidFill>
+                  </a:tcPr>
+                </a:tc>
+                <a:tc>
+                  <a:txBody>
+                    <a:bodyPr/>
+                    <a:lstStyle/>
+                    <a:p>
+                      <a:pPr algn="ctr"/>
+                      <a:r>
+                        <a:rPr lang="en-US" sz="1400" dirty="0">
+                          <a:solidFill>
+                            <a:schemeClr val="tx1"/>
+                          </a:solidFill>
+                        </a:rPr>
+                        <a:t>Support</a:t>
+                      </a:r>
+                    </a:p>
+                  </a:txBody>
+                  <a:tcPr anchor="ctr">
+                    <a:solidFill>
+                      <a:srgbClr val="DCEBFB"/>
+                    </a:solidFill>
+                  </a:tcPr>
+                </a:tc>
+                <a:extLst>
+                  <a:ext uri="{0D108BD9-81ED-4DB2-BD59-A6C34878D82A}">
+                    <a16:rowId xmlns:a16="http://schemas.microsoft.com/office/drawing/2014/main" val="3980599088"/>
+                  </a:ext>
+                </a:extLst>
+              </a:tr>
+              <a:tr h="360104">
+                <a:tc>
+                  <a:txBody>
+                    <a:bodyPr/>
+                    <a:lstStyle/>
+                    <a:p>
+                      <a:r>
+                        <a:rPr lang="en-US" sz="1400" dirty="0"/>
+                        <a:t>Bad</a:t>
+                      </a:r>
+                    </a:p>
+                  </a:txBody>
+                  <a:tcPr anchor="ctr"/>
+                </a:tc>
+                <a:tc>
+                  <a:txBody>
+                    <a:bodyPr/>
+                    <a:lstStyle/>
+                    <a:p>
+                      <a:pPr algn="ctr"/>
+                      <a:r>
+                        <a:rPr lang="en-US" sz="1400" dirty="0"/>
+                        <a:t>0.71</a:t>
+                      </a:r>
+                    </a:p>
+                  </a:txBody>
+                  <a:tcPr anchor="ctr"/>
+                </a:tc>
+                <a:tc>
+                  <a:txBody>
+                    <a:bodyPr/>
+                    <a:lstStyle/>
+                    <a:p>
+                      <a:pPr algn="ctr"/>
+                      <a:r>
+                        <a:rPr lang="en-US" sz="1400" dirty="0"/>
+                        <a:t>0.74</a:t>
+                      </a:r>
+                    </a:p>
+                  </a:txBody>
+                  <a:tcPr anchor="ctr"/>
+                </a:tc>
+                <a:tc>
+                  <a:txBody>
+                    <a:bodyPr/>
+                    <a:lstStyle/>
+                    <a:p>
+                      <a:pPr algn="ctr"/>
+                      <a:r>
+                        <a:rPr lang="en-US" sz="1400" dirty="0"/>
+                        <a:t>0.72</a:t>
+                      </a:r>
+                    </a:p>
+                  </a:txBody>
+                  <a:tcPr anchor="ctr"/>
+                </a:tc>
+                <a:tc>
+                  <a:txBody>
+                    <a:bodyPr/>
+                    <a:lstStyle/>
+                    <a:p>
+                      <a:pPr algn="ctr"/>
+                      <a:r>
+                        <a:rPr lang="en-US" sz="1400" dirty="0"/>
+                        <a:t>173</a:t>
+                      </a:r>
+                    </a:p>
+                  </a:txBody>
+                  <a:tcPr anchor="ctr"/>
+                </a:tc>
+                <a:extLst>
+                  <a:ext uri="{0D108BD9-81ED-4DB2-BD59-A6C34878D82A}">
+                    <a16:rowId xmlns:a16="http://schemas.microsoft.com/office/drawing/2014/main" val="2320730729"/>
+                  </a:ext>
+                </a:extLst>
+              </a:tr>
+              <a:tr h="360104">
+                <a:tc>
+                  <a:txBody>
+                    <a:bodyPr/>
+                    <a:lstStyle/>
+                    <a:p>
+                      <a:r>
+                        <a:rPr lang="en-US" sz="1400" dirty="0"/>
+                        <a:t>Good</a:t>
+                      </a:r>
+                    </a:p>
+                  </a:txBody>
+                  <a:tcPr anchor="ctr"/>
+                </a:tc>
+                <a:tc>
+                  <a:txBody>
+                    <a:bodyPr/>
+                    <a:lstStyle/>
+                    <a:p>
+                      <a:pPr algn="ctr"/>
+                      <a:r>
+                        <a:rPr lang="en-US" sz="1400" dirty="0"/>
+                        <a:t>0.73</a:t>
+                      </a:r>
+                    </a:p>
+                  </a:txBody>
+                  <a:tcPr anchor="ctr"/>
+                </a:tc>
+                <a:tc>
+                  <a:txBody>
+                    <a:bodyPr/>
+                    <a:lstStyle/>
+                    <a:p>
+                      <a:pPr algn="ctr"/>
+                      <a:r>
+                        <a:rPr lang="en-US" sz="1400" dirty="0"/>
+                        <a:t>0.70</a:t>
+                      </a:r>
+                    </a:p>
+                  </a:txBody>
+                  <a:tcPr anchor="ctr"/>
+                </a:tc>
+                <a:tc>
+                  <a:txBody>
+                    <a:bodyPr/>
+                    <a:lstStyle/>
+                    <a:p>
+                      <a:pPr algn="ctr"/>
+                      <a:r>
+                        <a:rPr lang="en-US" sz="1400" dirty="0"/>
+                        <a:t>0.72</a:t>
+                      </a:r>
+                    </a:p>
+                  </a:txBody>
+                  <a:tcPr anchor="ctr"/>
+                </a:tc>
+                <a:tc>
+                  <a:txBody>
+                    <a:bodyPr/>
+                    <a:lstStyle/>
+                    <a:p>
+                      <a:pPr algn="ctr"/>
+                      <a:r>
+                        <a:rPr lang="en-US" sz="1400" dirty="0"/>
+                        <a:t>177</a:t>
+                      </a:r>
+                    </a:p>
+                  </a:txBody>
+                  <a:tcPr anchor="ctr"/>
+                </a:tc>
+                <a:extLst>
+                  <a:ext uri="{0D108BD9-81ED-4DB2-BD59-A6C34878D82A}">
+                    <a16:rowId xmlns:a16="http://schemas.microsoft.com/office/drawing/2014/main" val="657445043"/>
+                  </a:ext>
+                </a:extLst>
+              </a:tr>
+              <a:tr h="360104">
+                <a:tc>
+                  <a:txBody>
+                    <a:bodyPr/>
+                    <a:lstStyle/>
+                    <a:p>
+                      <a:r>
+                        <a:rPr lang="en-US" sz="1400" dirty="0"/>
+                        <a:t>Accuracy</a:t>
+                      </a:r>
+                    </a:p>
+                  </a:txBody>
+                  <a:tcPr anchor="ctr"/>
+                </a:tc>
+                <a:tc>
+                  <a:txBody>
+                    <a:bodyPr/>
+                    <a:lstStyle/>
+                    <a:p>
+                      <a:pPr algn="ctr"/>
+                      <a:endParaRPr lang="en-US" sz="1400" dirty="0"/>
+                    </a:p>
+                  </a:txBody>
+                  <a:tcPr anchor="ctr"/>
+                </a:tc>
+                <a:tc>
+                  <a:txBody>
+                    <a:bodyPr/>
+                    <a:lstStyle/>
+                    <a:p>
+                      <a:pPr algn="ctr"/>
+                      <a:endParaRPr lang="en-US" sz="1400" dirty="0"/>
+                    </a:p>
+                  </a:txBody>
+                  <a:tcPr anchor="ctr"/>
+                </a:tc>
+                <a:tc>
+                  <a:txBody>
+                    <a:bodyPr/>
+                    <a:lstStyle/>
+                    <a:p>
+                      <a:pPr algn="ctr"/>
+                      <a:r>
+                        <a:rPr lang="en-US" sz="1400" dirty="0"/>
+                        <a:t>0.71</a:t>
+                      </a:r>
+                    </a:p>
+                  </a:txBody>
+                  <a:tcPr anchor="ctr"/>
+                </a:tc>
+                <a:tc>
+                  <a:txBody>
+                    <a:bodyPr/>
+                    <a:lstStyle/>
+                    <a:p>
+                      <a:pPr algn="ctr"/>
+                      <a:r>
+                        <a:rPr lang="en-US" sz="1400" dirty="0"/>
+                        <a:t>350</a:t>
+                      </a:r>
+                    </a:p>
+                  </a:txBody>
+                  <a:tcPr anchor="ctr"/>
+                </a:tc>
+                <a:extLst>
+                  <a:ext uri="{0D108BD9-81ED-4DB2-BD59-A6C34878D82A}">
+                    <a16:rowId xmlns:a16="http://schemas.microsoft.com/office/drawing/2014/main" val="886449001"/>
+                  </a:ext>
+                </a:extLst>
+              </a:tr>
+              <a:tr h="360104">
+                <a:tc>
+                  <a:txBody>
+                    <a:bodyPr/>
+                    <a:lstStyle/>
+                    <a:p>
+                      <a:r>
+                        <a:rPr lang="en-US" sz="1400" dirty="0"/>
+                        <a:t>Macro Avg</a:t>
+                      </a:r>
+                    </a:p>
+                  </a:txBody>
+                  <a:tcPr anchor="ctr"/>
+                </a:tc>
+                <a:tc>
+                  <a:txBody>
+                    <a:bodyPr/>
+                    <a:lstStyle/>
+                    <a:p>
+                      <a:pPr algn="ctr"/>
+                      <a:r>
+                        <a:rPr lang="en-US" sz="1400" dirty="0"/>
+                        <a:t>0.72</a:t>
+                      </a:r>
+                    </a:p>
+                  </a:txBody>
+                  <a:tcPr anchor="ctr"/>
+                </a:tc>
+                <a:tc>
+                  <a:txBody>
+                    <a:bodyPr/>
+                    <a:lstStyle/>
+                    <a:p>
+                      <a:pPr algn="ctr"/>
+                      <a:r>
+                        <a:rPr lang="en-US" sz="1400" dirty="0"/>
+                        <a:t>0.72</a:t>
+                      </a:r>
+                    </a:p>
+                  </a:txBody>
+                  <a:tcPr anchor="ctr"/>
+                </a:tc>
+                <a:tc>
+                  <a:txBody>
+                    <a:bodyPr/>
+                    <a:lstStyle/>
+                    <a:p>
+                      <a:pPr algn="ctr"/>
+                      <a:r>
+                        <a:rPr lang="en-US" sz="1400" dirty="0"/>
+                        <a:t>0.72</a:t>
+                      </a:r>
+                    </a:p>
+                  </a:txBody>
+                  <a:tcPr anchor="ctr"/>
+                </a:tc>
+                <a:tc>
+                  <a:txBody>
+                    <a:bodyPr/>
+                    <a:lstStyle/>
+                    <a:p>
+                      <a:pPr algn="ctr"/>
+                      <a:r>
+                        <a:rPr lang="en-US" sz="1400" dirty="0"/>
+                        <a:t>350</a:t>
+                      </a:r>
+                    </a:p>
+                  </a:txBody>
+                  <a:tcPr anchor="ctr"/>
+                </a:tc>
+                <a:extLst>
+                  <a:ext uri="{0D108BD9-81ED-4DB2-BD59-A6C34878D82A}">
+                    <a16:rowId xmlns:a16="http://schemas.microsoft.com/office/drawing/2014/main" val="2977773619"/>
+                  </a:ext>
+                </a:extLst>
+              </a:tr>
+              <a:tr h="621549">
+                <a:tc>
+                  <a:txBody>
+                    <a:bodyPr/>
+                    <a:lstStyle/>
+                    <a:p>
+                      <a:r>
+                        <a:rPr lang="en-US" sz="1400" dirty="0"/>
+                        <a:t>Weighted Avg</a:t>
+                      </a:r>
+                    </a:p>
+                  </a:txBody>
+                  <a:tcPr anchor="ctr"/>
+                </a:tc>
+                <a:tc>
+                  <a:txBody>
+                    <a:bodyPr/>
+                    <a:lstStyle/>
+                    <a:p>
+                      <a:pPr algn="ctr"/>
+                      <a:r>
+                        <a:rPr lang="en-US" sz="1400" dirty="0"/>
+                        <a:t>0.72</a:t>
+                      </a:r>
+                    </a:p>
+                  </a:txBody>
+                  <a:tcPr anchor="ctr"/>
+                </a:tc>
+                <a:tc>
+                  <a:txBody>
+                    <a:bodyPr/>
+                    <a:lstStyle/>
+                    <a:p>
+                      <a:pPr algn="ctr"/>
+                      <a:r>
+                        <a:rPr lang="en-US" sz="1400" dirty="0"/>
+                        <a:t>0.72</a:t>
+                      </a:r>
+                    </a:p>
+                  </a:txBody>
+                  <a:tcPr anchor="ctr"/>
+                </a:tc>
+                <a:tc>
+                  <a:txBody>
+                    <a:bodyPr/>
+                    <a:lstStyle/>
+                    <a:p>
+                      <a:pPr algn="ctr"/>
+                      <a:r>
+                        <a:rPr lang="en-US" sz="1400" dirty="0"/>
+                        <a:t>0.72</a:t>
+                      </a:r>
+                    </a:p>
+                  </a:txBody>
+                  <a:tcPr anchor="ctr"/>
+                </a:tc>
+                <a:tc>
+                  <a:txBody>
+                    <a:bodyPr/>
+                    <a:lstStyle/>
+                    <a:p>
+                      <a:pPr algn="ctr"/>
+                      <a:r>
+                        <a:rPr lang="en-US" sz="1400" dirty="0"/>
+                        <a:t>350</a:t>
+                      </a:r>
+                    </a:p>
+                  </a:txBody>
+                  <a:tcPr anchor="ctr"/>
+                </a:tc>
+                <a:extLst>
+                  <a:ext uri="{0D108BD9-81ED-4DB2-BD59-A6C34878D82A}">
+                    <a16:rowId xmlns:a16="http://schemas.microsoft.com/office/drawing/2014/main" val="1671609784"/>
+                  </a:ext>
+                </a:extLst>
+              </a:tr>
+            </a:tbl>
+          </a:graphicData>
+        </a:graphic>
+      </p:graphicFrame>
+      <p:graphicFrame>
+        <p:nvGraphicFramePr>
+          <p:cNvPr id="15" name="Table 7">
+            <a:extLst>
+              <a:ext uri="{FF2B5EF4-FFF2-40B4-BE49-F238E27FC236}">
+                <a16:creationId xmlns:a16="http://schemas.microsoft.com/office/drawing/2014/main" id="{B2D15B22-A0D6-493A-8E50-2D96D8872ADE}"/>
+              </a:ext>
+            </a:extLst>
+          </p:cNvPr>
+          <p:cNvGraphicFramePr>
+            <a:graphicFrameLocks noGrp="1"/>
+          </p:cNvGraphicFramePr>
+          <p:nvPr>
+            <p:extLst>
+              <p:ext uri="{D42A27DB-BD31-4B8C-83A1-F6EECF244321}">
+                <p14:modId xmlns:p14="http://schemas.microsoft.com/office/powerpoint/2010/main" val="2560976"/>
+              </p:ext>
+            </p:extLst>
+          </p:nvPr>
+        </p:nvGraphicFramePr>
+        <p:xfrm>
+          <a:off x="6502874" y="3046641"/>
+          <a:ext cx="5394960" cy="2422069"/>
+        </p:xfrm>
+        <a:graphic>
+          <a:graphicData uri="http://schemas.openxmlformats.org/drawingml/2006/table">
+            <a:tbl>
+              <a:tblPr firstRow="1" bandRow="1">
+                <a:tableStyleId>{74C1A8A3-306A-4EB7-A6B1-4F7E0EB9C5D6}</a:tableStyleId>
+              </a:tblPr>
+              <a:tblGrid>
+                <a:gridCol w="1371600">
+                  <a:extLst>
+                    <a:ext uri="{9D8B030D-6E8A-4147-A177-3AD203B41FA5}">
+                      <a16:colId xmlns:a16="http://schemas.microsoft.com/office/drawing/2014/main" val="3561920289"/>
+                    </a:ext>
+                  </a:extLst>
+                </a:gridCol>
+                <a:gridCol w="1005840">
+                  <a:extLst>
+                    <a:ext uri="{9D8B030D-6E8A-4147-A177-3AD203B41FA5}">
+                      <a16:colId xmlns:a16="http://schemas.microsoft.com/office/drawing/2014/main" val="3075658774"/>
+                    </a:ext>
+                  </a:extLst>
+                </a:gridCol>
+                <a:gridCol w="1005840">
+                  <a:extLst>
+                    <a:ext uri="{9D8B030D-6E8A-4147-A177-3AD203B41FA5}">
+                      <a16:colId xmlns:a16="http://schemas.microsoft.com/office/drawing/2014/main" val="402872021"/>
+                    </a:ext>
+                  </a:extLst>
+                </a:gridCol>
+                <a:gridCol w="1005840">
+                  <a:extLst>
+                    <a:ext uri="{9D8B030D-6E8A-4147-A177-3AD203B41FA5}">
+                      <a16:colId xmlns:a16="http://schemas.microsoft.com/office/drawing/2014/main" val="1336959234"/>
+                    </a:ext>
+                  </a:extLst>
+                </a:gridCol>
+                <a:gridCol w="1005840">
+                  <a:extLst>
+                    <a:ext uri="{9D8B030D-6E8A-4147-A177-3AD203B41FA5}">
+                      <a16:colId xmlns:a16="http://schemas.microsoft.com/office/drawing/2014/main" val="181199538"/>
+                    </a:ext>
+                  </a:extLst>
+                </a:gridCol>
+              </a:tblGrid>
+              <a:tr h="360104">
+                <a:tc>
+                  <a:txBody>
+                    <a:bodyPr/>
+                    <a:lstStyle/>
+                    <a:p>
+                      <a:endParaRPr lang="en-US" sz="1400" dirty="0"/>
+                    </a:p>
+                  </a:txBody>
+                  <a:tcPr>
+                    <a:solidFill>
+                      <a:schemeClr val="accent2">
+                        <a:lumMod val="20000"/>
+                        <a:lumOff val="80000"/>
+                      </a:schemeClr>
+                    </a:solidFill>
+                  </a:tcPr>
+                </a:tc>
+                <a:tc>
+                  <a:txBody>
+                    <a:bodyPr/>
+                    <a:lstStyle/>
+                    <a:p>
+                      <a:pPr algn="ctr"/>
+                      <a:r>
+                        <a:rPr lang="en-US" sz="1400" dirty="0">
+                          <a:solidFill>
+                            <a:schemeClr val="tx1"/>
+                          </a:solidFill>
+                        </a:rPr>
+                        <a:t>Precision</a:t>
+                      </a:r>
+                    </a:p>
+                  </a:txBody>
+                  <a:tcPr anchor="ctr">
+                    <a:solidFill>
+                      <a:schemeClr val="accent2">
+                        <a:lumMod val="20000"/>
+                        <a:lumOff val="80000"/>
+                      </a:schemeClr>
+                    </a:solidFill>
+                  </a:tcPr>
+                </a:tc>
+                <a:tc>
+                  <a:txBody>
+                    <a:bodyPr/>
+                    <a:lstStyle/>
+                    <a:p>
+                      <a:pPr algn="ctr"/>
+                      <a:r>
+                        <a:rPr lang="en-US" sz="1400" dirty="0">
+                          <a:solidFill>
+                            <a:schemeClr val="tx1"/>
+                          </a:solidFill>
+                        </a:rPr>
+                        <a:t>Recall</a:t>
+                      </a:r>
+                    </a:p>
+                  </a:txBody>
+                  <a:tcPr anchor="ctr">
+                    <a:solidFill>
+                      <a:schemeClr val="accent2">
+                        <a:lumMod val="20000"/>
+                        <a:lumOff val="80000"/>
+                      </a:schemeClr>
+                    </a:solidFill>
+                  </a:tcPr>
+                </a:tc>
+                <a:tc>
+                  <a:txBody>
+                    <a:bodyPr/>
+                    <a:lstStyle/>
+                    <a:p>
+                      <a:pPr algn="ctr"/>
+                      <a:r>
+                        <a:rPr lang="en-US" sz="1400" dirty="0">
+                          <a:solidFill>
+                            <a:schemeClr val="tx1"/>
+                          </a:solidFill>
+                        </a:rPr>
+                        <a:t>F1-score</a:t>
+                      </a:r>
+                    </a:p>
+                  </a:txBody>
+                  <a:tcPr anchor="ctr">
+                    <a:solidFill>
+                      <a:schemeClr val="accent2">
+                        <a:lumMod val="20000"/>
+                        <a:lumOff val="80000"/>
+                      </a:schemeClr>
+                    </a:solidFill>
+                  </a:tcPr>
+                </a:tc>
+                <a:tc>
+                  <a:txBody>
+                    <a:bodyPr/>
+                    <a:lstStyle/>
+                    <a:p>
+                      <a:pPr algn="ctr"/>
+                      <a:r>
+                        <a:rPr lang="en-US" sz="1400" dirty="0">
+                          <a:solidFill>
+                            <a:schemeClr val="tx1"/>
+                          </a:solidFill>
+                        </a:rPr>
+                        <a:t>Support</a:t>
+                      </a:r>
+                    </a:p>
+                  </a:txBody>
+                  <a:tcPr anchor="ctr">
+                    <a:solidFill>
+                      <a:schemeClr val="accent2">
+                        <a:lumMod val="20000"/>
+                        <a:lumOff val="80000"/>
+                      </a:schemeClr>
+                    </a:solidFill>
+                  </a:tcPr>
+                </a:tc>
+                <a:extLst>
+                  <a:ext uri="{0D108BD9-81ED-4DB2-BD59-A6C34878D82A}">
+                    <a16:rowId xmlns:a16="http://schemas.microsoft.com/office/drawing/2014/main" val="3980599088"/>
+                  </a:ext>
+                </a:extLst>
+              </a:tr>
+              <a:tr h="360104">
+                <a:tc>
+                  <a:txBody>
+                    <a:bodyPr/>
+                    <a:lstStyle/>
+                    <a:p>
+                      <a:r>
+                        <a:rPr lang="en-US" sz="1400" dirty="0"/>
+                        <a:t>Bad</a:t>
+                      </a:r>
+                    </a:p>
+                  </a:txBody>
+                  <a:tcPr anchor="ctr"/>
+                </a:tc>
+                <a:tc>
+                  <a:txBody>
+                    <a:bodyPr/>
+                    <a:lstStyle/>
+                    <a:p>
+                      <a:pPr algn="ctr"/>
+                      <a:r>
+                        <a:rPr lang="en-US" sz="1400" dirty="0"/>
+                        <a:t>0.72</a:t>
+                      </a:r>
+                    </a:p>
+                  </a:txBody>
+                  <a:tcPr anchor="ctr"/>
+                </a:tc>
+                <a:tc>
+                  <a:txBody>
+                    <a:bodyPr/>
+                    <a:lstStyle/>
+                    <a:p>
+                      <a:pPr algn="ctr"/>
+                      <a:r>
+                        <a:rPr lang="en-US" sz="1400" dirty="0"/>
+                        <a:t>0.75</a:t>
+                      </a:r>
+                    </a:p>
+                  </a:txBody>
+                  <a:tcPr anchor="ctr"/>
+                </a:tc>
+                <a:tc>
+                  <a:txBody>
+                    <a:bodyPr/>
+                    <a:lstStyle/>
+                    <a:p>
+                      <a:pPr algn="ctr"/>
+                      <a:r>
+                        <a:rPr lang="en-US" sz="1400" dirty="0"/>
+                        <a:t>0.73</a:t>
+                      </a:r>
+                    </a:p>
+                  </a:txBody>
+                  <a:tcPr anchor="ctr"/>
+                </a:tc>
+                <a:tc>
+                  <a:txBody>
+                    <a:bodyPr/>
+                    <a:lstStyle/>
+                    <a:p>
+                      <a:pPr algn="ctr"/>
+                      <a:r>
+                        <a:rPr lang="en-US" sz="1400" dirty="0"/>
+                        <a:t>173</a:t>
+                      </a:r>
+                    </a:p>
+                  </a:txBody>
+                  <a:tcPr anchor="ctr"/>
+                </a:tc>
+                <a:extLst>
+                  <a:ext uri="{0D108BD9-81ED-4DB2-BD59-A6C34878D82A}">
+                    <a16:rowId xmlns:a16="http://schemas.microsoft.com/office/drawing/2014/main" val="2320730729"/>
+                  </a:ext>
+                </a:extLst>
+              </a:tr>
+              <a:tr h="360104">
+                <a:tc>
+                  <a:txBody>
+                    <a:bodyPr/>
+                    <a:lstStyle/>
+                    <a:p>
+                      <a:r>
+                        <a:rPr lang="en-US" sz="1400" dirty="0"/>
+                        <a:t>Good</a:t>
+                      </a:r>
+                    </a:p>
+                  </a:txBody>
+                  <a:tcPr anchor="ctr"/>
+                </a:tc>
+                <a:tc>
+                  <a:txBody>
+                    <a:bodyPr/>
+                    <a:lstStyle/>
+                    <a:p>
+                      <a:pPr algn="ctr"/>
+                      <a:r>
+                        <a:rPr lang="en-US" sz="1400" dirty="0"/>
+                        <a:t>0.75</a:t>
+                      </a:r>
+                    </a:p>
+                  </a:txBody>
+                  <a:tcPr anchor="ctr"/>
+                </a:tc>
+                <a:tc>
+                  <a:txBody>
+                    <a:bodyPr/>
+                    <a:lstStyle/>
+                    <a:p>
+                      <a:pPr algn="ctr"/>
+                      <a:r>
+                        <a:rPr lang="en-US" sz="1400" dirty="0"/>
+                        <a:t>0.71</a:t>
+                      </a:r>
+                    </a:p>
+                  </a:txBody>
+                  <a:tcPr anchor="ctr"/>
+                </a:tc>
+                <a:tc>
+                  <a:txBody>
+                    <a:bodyPr/>
+                    <a:lstStyle/>
+                    <a:p>
+                      <a:pPr algn="ctr"/>
+                      <a:r>
+                        <a:rPr lang="en-US" sz="1400" dirty="0"/>
+                        <a:t>0.73</a:t>
+                      </a:r>
+                    </a:p>
+                  </a:txBody>
+                  <a:tcPr anchor="ctr"/>
+                </a:tc>
+                <a:tc>
+                  <a:txBody>
+                    <a:bodyPr/>
+                    <a:lstStyle/>
+                    <a:p>
+                      <a:pPr algn="ctr"/>
+                      <a:r>
+                        <a:rPr lang="en-US" sz="1400" dirty="0"/>
+                        <a:t>177</a:t>
+                      </a:r>
+                    </a:p>
+                  </a:txBody>
+                  <a:tcPr anchor="ctr"/>
+                </a:tc>
+                <a:extLst>
+                  <a:ext uri="{0D108BD9-81ED-4DB2-BD59-A6C34878D82A}">
+                    <a16:rowId xmlns:a16="http://schemas.microsoft.com/office/drawing/2014/main" val="657445043"/>
+                  </a:ext>
+                </a:extLst>
+              </a:tr>
+              <a:tr h="360104">
+                <a:tc>
+                  <a:txBody>
+                    <a:bodyPr/>
+                    <a:lstStyle/>
+                    <a:p>
+                      <a:r>
+                        <a:rPr lang="en-US" sz="1400" dirty="0"/>
+                        <a:t>Accuracy</a:t>
+                      </a:r>
+                    </a:p>
+                  </a:txBody>
+                  <a:tcPr anchor="ctr"/>
+                </a:tc>
+                <a:tc>
+                  <a:txBody>
+                    <a:bodyPr/>
+                    <a:lstStyle/>
+                    <a:p>
+                      <a:pPr algn="ctr"/>
+                      <a:endParaRPr lang="en-US" sz="1400" dirty="0"/>
+                    </a:p>
+                  </a:txBody>
+                  <a:tcPr anchor="ctr"/>
+                </a:tc>
+                <a:tc>
+                  <a:txBody>
+                    <a:bodyPr/>
+                    <a:lstStyle/>
+                    <a:p>
+                      <a:pPr algn="ctr"/>
+                      <a:endParaRPr lang="en-US" sz="1400" dirty="0"/>
+                    </a:p>
+                  </a:txBody>
+                  <a:tcPr anchor="ctr"/>
+                </a:tc>
+                <a:tc>
+                  <a:txBody>
+                    <a:bodyPr/>
+                    <a:lstStyle/>
+                    <a:p>
+                      <a:pPr algn="ctr"/>
+                      <a:r>
+                        <a:rPr lang="en-US" sz="1400" dirty="0"/>
+                        <a:t>0.73</a:t>
+                      </a:r>
+                    </a:p>
+                  </a:txBody>
+                  <a:tcPr anchor="ctr"/>
+                </a:tc>
+                <a:tc>
+                  <a:txBody>
+                    <a:bodyPr/>
+                    <a:lstStyle/>
+                    <a:p>
+                      <a:pPr algn="ctr"/>
+                      <a:r>
+                        <a:rPr lang="en-US" sz="1400" dirty="0"/>
+                        <a:t>350</a:t>
+                      </a:r>
+                    </a:p>
+                  </a:txBody>
+                  <a:tcPr anchor="ctr"/>
+                </a:tc>
+                <a:extLst>
+                  <a:ext uri="{0D108BD9-81ED-4DB2-BD59-A6C34878D82A}">
+                    <a16:rowId xmlns:a16="http://schemas.microsoft.com/office/drawing/2014/main" val="886449001"/>
+                  </a:ext>
+                </a:extLst>
+              </a:tr>
+              <a:tr h="360104">
+                <a:tc>
+                  <a:txBody>
+                    <a:bodyPr/>
+                    <a:lstStyle/>
+                    <a:p>
+                      <a:r>
+                        <a:rPr lang="en-US" sz="1400" dirty="0"/>
+                        <a:t>Macro Avg</a:t>
+                      </a:r>
+                    </a:p>
+                  </a:txBody>
+                  <a:tcPr anchor="ctr"/>
+                </a:tc>
+                <a:tc>
+                  <a:txBody>
+                    <a:bodyPr/>
+                    <a:lstStyle/>
+                    <a:p>
+                      <a:pPr algn="ctr"/>
+                      <a:r>
+                        <a:rPr lang="en-US" sz="1400" dirty="0"/>
+                        <a:t>0.73</a:t>
+                      </a:r>
+                    </a:p>
+                  </a:txBody>
+                  <a:tcPr anchor="ctr"/>
+                </a:tc>
+                <a:tc>
+                  <a:txBody>
+                    <a:bodyPr/>
+                    <a:lstStyle/>
+                    <a:p>
+                      <a:pPr algn="ctr"/>
+                      <a:r>
+                        <a:rPr lang="en-US" sz="1400" dirty="0"/>
+                        <a:t>0.73</a:t>
+                      </a:r>
+                    </a:p>
+                  </a:txBody>
+                  <a:tcPr anchor="ctr"/>
+                </a:tc>
+                <a:tc>
+                  <a:txBody>
+                    <a:bodyPr/>
+                    <a:lstStyle/>
+                    <a:p>
+                      <a:pPr algn="ctr"/>
+                      <a:r>
+                        <a:rPr lang="en-US" sz="1400" dirty="0"/>
+                        <a:t>0.73</a:t>
+                      </a:r>
+                    </a:p>
+                  </a:txBody>
+                  <a:tcPr anchor="ctr"/>
+                </a:tc>
+                <a:tc>
+                  <a:txBody>
+                    <a:bodyPr/>
+                    <a:lstStyle/>
+                    <a:p>
+                      <a:pPr algn="ctr"/>
+                      <a:r>
+                        <a:rPr lang="en-US" sz="1400" dirty="0"/>
+                        <a:t>350</a:t>
+                      </a:r>
+                    </a:p>
+                  </a:txBody>
+                  <a:tcPr anchor="ctr"/>
+                </a:tc>
+                <a:extLst>
+                  <a:ext uri="{0D108BD9-81ED-4DB2-BD59-A6C34878D82A}">
+                    <a16:rowId xmlns:a16="http://schemas.microsoft.com/office/drawing/2014/main" val="2977773619"/>
+                  </a:ext>
+                </a:extLst>
+              </a:tr>
+              <a:tr h="621549">
+                <a:tc>
+                  <a:txBody>
+                    <a:bodyPr/>
+                    <a:lstStyle/>
+                    <a:p>
+                      <a:r>
+                        <a:rPr lang="en-US" sz="1400" dirty="0"/>
+                        <a:t>Weighted Avg</a:t>
+                      </a:r>
+                    </a:p>
+                  </a:txBody>
+                  <a:tcPr anchor="ctr"/>
+                </a:tc>
+                <a:tc>
+                  <a:txBody>
+                    <a:bodyPr/>
+                    <a:lstStyle/>
+                    <a:p>
+                      <a:pPr algn="ctr"/>
+                      <a:r>
+                        <a:rPr lang="en-US" sz="1400" dirty="0"/>
+                        <a:t>0.73</a:t>
+                      </a:r>
+                    </a:p>
+                  </a:txBody>
+                  <a:tcPr anchor="ctr"/>
+                </a:tc>
+                <a:tc>
+                  <a:txBody>
+                    <a:bodyPr/>
+                    <a:lstStyle/>
+                    <a:p>
+                      <a:pPr algn="ctr"/>
+                      <a:r>
+                        <a:rPr lang="en-US" sz="1400" dirty="0"/>
+                        <a:t>0.73</a:t>
+                      </a:r>
+                    </a:p>
+                  </a:txBody>
+                  <a:tcPr anchor="ctr"/>
+                </a:tc>
+                <a:tc>
+                  <a:txBody>
+                    <a:bodyPr/>
+                    <a:lstStyle/>
+                    <a:p>
+                      <a:pPr algn="ctr"/>
+                      <a:r>
+                        <a:rPr lang="en-US" sz="1400" dirty="0"/>
+                        <a:t>0.73</a:t>
+                      </a:r>
+                    </a:p>
+                  </a:txBody>
+                  <a:tcPr anchor="ctr"/>
+                </a:tc>
+                <a:tc>
+                  <a:txBody>
+                    <a:bodyPr/>
+                    <a:lstStyle/>
+                    <a:p>
+                      <a:pPr algn="ctr"/>
+                      <a:r>
+                        <a:rPr lang="en-US" sz="1400" dirty="0"/>
+                        <a:t>350</a:t>
+                      </a:r>
+                    </a:p>
+                  </a:txBody>
+                  <a:tcPr anchor="ctr"/>
+                </a:tc>
+                <a:extLst>
+                  <a:ext uri="{0D108BD9-81ED-4DB2-BD59-A6C34878D82A}">
+                    <a16:rowId xmlns:a16="http://schemas.microsoft.com/office/drawing/2014/main" val="1671609784"/>
+                  </a:ext>
+                </a:extLst>
+              </a:tr>
+            </a:tbl>
+          </a:graphicData>
+        </a:graphic>
+      </p:graphicFrame>
+    </p:spTree>
+    <p:extLst>
+      <p:ext uri="{BB962C8B-B14F-4D97-AF65-F5344CB8AC3E}">
+        <p14:creationId xmlns:p14="http://schemas.microsoft.com/office/powerpoint/2010/main" val="3626315948"/>
+      </p:ext>
+    </p:extLst>
+  </p:cSld>
+  <p:clrMapOvr>
+    <a:masterClrMapping/>
+  </p:clrMapOvr>
+</p:sld>
+</file>
+
 <file path=ppt/slides/slide8.xml><?xml version="1.0" encoding="utf-8"?>
 <p:sld xmlns:a="http://schemas.openxmlformats.org/drawingml/2006/main" xmlns:r="http://schemas.openxmlformats.org/officeDocument/2006/relationships" xmlns:p="http://schemas.openxmlformats.org/presentationml/2006/main">
   <p:cSld>
@@ -7950,61 +10692,1387 @@
       </p:grpSpPr>
       <p:sp>
         <p:nvSpPr>
-          <p:cNvPr id="2" name="Title 1">
-            <a:extLst>
-              <a:ext uri="{FF2B5EF4-FFF2-40B4-BE49-F238E27FC236}">
-                <a16:creationId xmlns:a16="http://schemas.microsoft.com/office/drawing/2014/main" id="{638843F3-4373-40D3-82C4-1E8C806ED313}"/>
-              </a:ext>
-            </a:extLst>
-          </p:cNvPr>
-          <p:cNvSpPr>
-            <a:spLocks noGrp="1"/>
-          </p:cNvSpPr>
-          <p:nvPr>
-            <p:ph type="title"/>
-          </p:nvPr>
+          <p:cNvPr id="19" name="TextBox 18">
+            <a:extLst>
+              <a:ext uri="{FF2B5EF4-FFF2-40B4-BE49-F238E27FC236}">
+                <a16:creationId xmlns:a16="http://schemas.microsoft.com/office/drawing/2014/main" id="{D7447A4C-3A3C-564C-80B4-EFA73ADAB4F4}"/>
+              </a:ext>
+            </a:extLst>
+          </p:cNvPr>
+          <p:cNvSpPr txBox="1"/>
+          <p:nvPr/>
         </p:nvSpPr>
-        <p:spPr/>
+        <p:spPr>
+          <a:xfrm>
+            <a:off x="1142243" y="436975"/>
+            <a:ext cx="9907512" cy="461665"/>
+          </a:xfrm>
+          <a:prstGeom prst="rect">
+            <a:avLst/>
+          </a:prstGeom>
+          <a:noFill/>
+        </p:spPr>
         <p:txBody>
-          <a:bodyPr/>
+          <a:bodyPr wrap="square" rtlCol="0">
+            <a:spAutoFit/>
+          </a:bodyPr>
           <a:lstStyle/>
           <a:p>
+            <a:pPr algn="ctr"/>
             <a:r>
-              <a:rPr lang="en-US" dirty="0"/>
-              <a:t>Logistic regression</a:t>
+              <a:rPr lang="en-US" sz="2400" dirty="0"/>
+              <a:t>CLASSIFICATION REPORTS WITH DUMMY ENCODED DATA</a:t>
             </a:r>
           </a:p>
         </p:txBody>
       </p:sp>
       <p:sp>
         <p:nvSpPr>
-          <p:cNvPr id="3" name="Content Placeholder 2">
-            <a:extLst>
-              <a:ext uri="{FF2B5EF4-FFF2-40B4-BE49-F238E27FC236}">
-                <a16:creationId xmlns:a16="http://schemas.microsoft.com/office/drawing/2014/main" id="{9CC0777F-DC49-40D3-8458-36C6C6124132}"/>
-              </a:ext>
-            </a:extLst>
-          </p:cNvPr>
-          <p:cNvSpPr>
-            <a:spLocks noGrp="1"/>
+          <p:cNvPr id="9" name="Title 1">
+            <a:extLst>
+              <a:ext uri="{FF2B5EF4-FFF2-40B4-BE49-F238E27FC236}">
+                <a16:creationId xmlns:a16="http://schemas.microsoft.com/office/drawing/2014/main" id="{AA79AD32-F0F9-43D4-A712-12EC72EFAE8E}"/>
+              </a:ext>
+            </a:extLst>
+          </p:cNvPr>
+          <p:cNvSpPr txBox="1">
+            <a:spLocks/>
           </p:cNvSpPr>
-          <p:nvPr>
-            <p:ph idx="1"/>
-          </p:nvPr>
+          <p:nvPr/>
         </p:nvSpPr>
-        <p:spPr/>
+        <p:spPr bwMode="black">
+          <a:xfrm>
+            <a:off x="1142245" y="1159930"/>
+            <a:ext cx="3698803" cy="1440394"/>
+          </a:xfrm>
+          <a:prstGeom prst="rect">
+            <a:avLst/>
+          </a:prstGeom>
+          <a:solidFill>
+            <a:schemeClr val="accent6">
+              <a:lumMod val="20000"/>
+              <a:lumOff val="80000"/>
+            </a:schemeClr>
+          </a:solidFill>
+          <a:ln w="31750" cap="sq">
+            <a:solidFill>
+              <a:schemeClr val="tx1"/>
+            </a:solidFill>
+            <a:miter lim="800000"/>
+          </a:ln>
+        </p:spPr>
         <p:txBody>
-          <a:bodyPr/>
-          <a:lstStyle/>
-          <a:p>
-            <a:endParaRPr lang="en-US"/>
+          <a:bodyPr vert="horz" lIns="182880" tIns="182880" rIns="182880" bIns="182880" rtlCol="0" anchor="ctr">
+            <a:normAutofit/>
+          </a:bodyPr>
+          <a:lstStyle>
+            <a:lvl1pPr algn="ctr" defTabSz="914400" rtl="0" eaLnBrk="1" latinLnBrk="0" hangingPunct="1">
+              <a:lnSpc>
+                <a:spcPct val="90000"/>
+              </a:lnSpc>
+              <a:spcBef>
+                <a:spcPct val="0"/>
+              </a:spcBef>
+              <a:buNone/>
+              <a:defRPr sz="2800" kern="1200" cap="all" spc="200" baseline="0">
+                <a:solidFill>
+                  <a:srgbClr val="262626"/>
+                </a:solidFill>
+                <a:latin typeface="+mj-lt"/>
+                <a:ea typeface="+mj-ea"/>
+                <a:cs typeface="+mj-cs"/>
+              </a:defRPr>
+            </a:lvl1pPr>
+          </a:lstStyle>
+          <a:p>
+            <a:r>
+              <a:rPr lang="en-US" sz="2400" dirty="0">
+                <a:solidFill>
+                  <a:schemeClr val="tx1"/>
+                </a:solidFill>
+              </a:rPr>
+              <a:t>Logistic regression</a:t>
+            </a:r>
           </a:p>
         </p:txBody>
       </p:sp>
+      <p:sp>
+        <p:nvSpPr>
+          <p:cNvPr id="12" name="Title 1">
+            <a:extLst>
+              <a:ext uri="{FF2B5EF4-FFF2-40B4-BE49-F238E27FC236}">
+                <a16:creationId xmlns:a16="http://schemas.microsoft.com/office/drawing/2014/main" id="{9411752A-298B-415A-978B-3677D13E67CF}"/>
+              </a:ext>
+            </a:extLst>
+          </p:cNvPr>
+          <p:cNvSpPr txBox="1">
+            <a:spLocks/>
+          </p:cNvSpPr>
+          <p:nvPr/>
+        </p:nvSpPr>
+        <p:spPr bwMode="black">
+          <a:xfrm>
+            <a:off x="7350954" y="1159930"/>
+            <a:ext cx="3698803" cy="1440394"/>
+          </a:xfrm>
+          <a:prstGeom prst="rect">
+            <a:avLst/>
+          </a:prstGeom>
+          <a:solidFill>
+            <a:schemeClr val="accent2">
+              <a:lumMod val="20000"/>
+              <a:lumOff val="80000"/>
+            </a:schemeClr>
+          </a:solidFill>
+          <a:ln w="31750" cap="sq">
+            <a:solidFill>
+              <a:schemeClr val="tx1"/>
+            </a:solidFill>
+            <a:miter lim="800000"/>
+          </a:ln>
+        </p:spPr>
+        <p:txBody>
+          <a:bodyPr vert="horz" lIns="182880" tIns="182880" rIns="182880" bIns="182880" rtlCol="0" anchor="ctr">
+            <a:normAutofit/>
+          </a:bodyPr>
+          <a:lstStyle>
+            <a:lvl1pPr algn="ctr" defTabSz="914400" rtl="0" eaLnBrk="1" latinLnBrk="0" hangingPunct="1">
+              <a:lnSpc>
+                <a:spcPct val="90000"/>
+              </a:lnSpc>
+              <a:spcBef>
+                <a:spcPct val="0"/>
+              </a:spcBef>
+              <a:buNone/>
+              <a:defRPr sz="2800" kern="1200" cap="all" spc="200" baseline="0">
+                <a:solidFill>
+                  <a:srgbClr val="262626"/>
+                </a:solidFill>
+                <a:latin typeface="+mj-lt"/>
+                <a:ea typeface="+mj-ea"/>
+                <a:cs typeface="+mj-cs"/>
+              </a:defRPr>
+            </a:lvl1pPr>
+          </a:lstStyle>
+          <a:p>
+            <a:r>
+              <a:rPr lang="en-US" sz="2400" dirty="0">
+                <a:solidFill>
+                  <a:schemeClr val="tx1"/>
+                </a:solidFill>
+              </a:rPr>
+              <a:t>Grid search</a:t>
+            </a:r>
+          </a:p>
+          <a:p>
+            <a:r>
+              <a:rPr lang="en-US" sz="2400" dirty="0">
+                <a:solidFill>
+                  <a:schemeClr val="tx1"/>
+                </a:solidFill>
+              </a:rPr>
+              <a:t>optimization</a:t>
+            </a:r>
+          </a:p>
+        </p:txBody>
+      </p:sp>
+      <p:sp>
+        <p:nvSpPr>
+          <p:cNvPr id="13" name="Title 1">
+            <a:extLst>
+              <a:ext uri="{FF2B5EF4-FFF2-40B4-BE49-F238E27FC236}">
+                <a16:creationId xmlns:a16="http://schemas.microsoft.com/office/drawing/2014/main" id="{24EFE506-8156-48A4-AD54-A5A3C8E03DC7}"/>
+              </a:ext>
+            </a:extLst>
+          </p:cNvPr>
+          <p:cNvSpPr txBox="1">
+            <a:spLocks/>
+          </p:cNvSpPr>
+          <p:nvPr/>
+        </p:nvSpPr>
+        <p:spPr bwMode="black">
+          <a:xfrm>
+            <a:off x="1142245" y="1159930"/>
+            <a:ext cx="3698803" cy="1440394"/>
+          </a:xfrm>
+          <a:prstGeom prst="rect">
+            <a:avLst/>
+          </a:prstGeom>
+          <a:solidFill>
+            <a:schemeClr val="accent6">
+              <a:lumMod val="20000"/>
+              <a:lumOff val="80000"/>
+            </a:schemeClr>
+          </a:solidFill>
+          <a:ln w="31750" cap="sq">
+            <a:solidFill>
+              <a:schemeClr val="tx1"/>
+            </a:solidFill>
+            <a:miter lim="800000"/>
+          </a:ln>
+        </p:spPr>
+        <p:txBody>
+          <a:bodyPr vert="horz" lIns="182880" tIns="182880" rIns="182880" bIns="182880" rtlCol="0" anchor="ctr">
+            <a:normAutofit/>
+          </a:bodyPr>
+          <a:lstStyle>
+            <a:lvl1pPr algn="ctr" defTabSz="914400" rtl="0" eaLnBrk="1" latinLnBrk="0" hangingPunct="1">
+              <a:lnSpc>
+                <a:spcPct val="90000"/>
+              </a:lnSpc>
+              <a:spcBef>
+                <a:spcPct val="0"/>
+              </a:spcBef>
+              <a:buNone/>
+              <a:defRPr sz="2800" kern="1200" cap="all" spc="200" baseline="0">
+                <a:solidFill>
+                  <a:srgbClr val="262626"/>
+                </a:solidFill>
+                <a:latin typeface="+mj-lt"/>
+                <a:ea typeface="+mj-ea"/>
+                <a:cs typeface="+mj-cs"/>
+              </a:defRPr>
+            </a:lvl1pPr>
+          </a:lstStyle>
+          <a:p>
+            <a:r>
+              <a:rPr lang="en-US" sz="2400" dirty="0">
+                <a:solidFill>
+                  <a:schemeClr val="tx1"/>
+                </a:solidFill>
+              </a:rPr>
+              <a:t>Logistic regression</a:t>
+            </a:r>
+          </a:p>
+        </p:txBody>
+      </p:sp>
+      <p:graphicFrame>
+        <p:nvGraphicFramePr>
+          <p:cNvPr id="15" name="Table 7">
+            <a:extLst>
+              <a:ext uri="{FF2B5EF4-FFF2-40B4-BE49-F238E27FC236}">
+                <a16:creationId xmlns:a16="http://schemas.microsoft.com/office/drawing/2014/main" id="{E1C3E68A-3708-4B6A-B159-9770368A041F}"/>
+              </a:ext>
+            </a:extLst>
+          </p:cNvPr>
+          <p:cNvGraphicFramePr>
+            <a:graphicFrameLocks noGrp="1"/>
+          </p:cNvGraphicFramePr>
+          <p:nvPr>
+            <p:extLst>
+              <p:ext uri="{D42A27DB-BD31-4B8C-83A1-F6EECF244321}">
+                <p14:modId xmlns:p14="http://schemas.microsoft.com/office/powerpoint/2010/main" val="3476378007"/>
+              </p:ext>
+            </p:extLst>
+          </p:nvPr>
+        </p:nvGraphicFramePr>
+        <p:xfrm>
+          <a:off x="294166" y="3046642"/>
+          <a:ext cx="5394960" cy="2422069"/>
+        </p:xfrm>
+        <a:graphic>
+          <a:graphicData uri="http://schemas.openxmlformats.org/drawingml/2006/table">
+            <a:tbl>
+              <a:tblPr firstRow="1" bandRow="1">
+                <a:tableStyleId>{74C1A8A3-306A-4EB7-A6B1-4F7E0EB9C5D6}</a:tableStyleId>
+              </a:tblPr>
+              <a:tblGrid>
+                <a:gridCol w="1371600">
+                  <a:extLst>
+                    <a:ext uri="{9D8B030D-6E8A-4147-A177-3AD203B41FA5}">
+                      <a16:colId xmlns:a16="http://schemas.microsoft.com/office/drawing/2014/main" val="3561920289"/>
+                    </a:ext>
+                  </a:extLst>
+                </a:gridCol>
+                <a:gridCol w="1005840">
+                  <a:extLst>
+                    <a:ext uri="{9D8B030D-6E8A-4147-A177-3AD203B41FA5}">
+                      <a16:colId xmlns:a16="http://schemas.microsoft.com/office/drawing/2014/main" val="3075658774"/>
+                    </a:ext>
+                  </a:extLst>
+                </a:gridCol>
+                <a:gridCol w="1005840">
+                  <a:extLst>
+                    <a:ext uri="{9D8B030D-6E8A-4147-A177-3AD203B41FA5}">
+                      <a16:colId xmlns:a16="http://schemas.microsoft.com/office/drawing/2014/main" val="402872021"/>
+                    </a:ext>
+                  </a:extLst>
+                </a:gridCol>
+                <a:gridCol w="1005840">
+                  <a:extLst>
+                    <a:ext uri="{9D8B030D-6E8A-4147-A177-3AD203B41FA5}">
+                      <a16:colId xmlns:a16="http://schemas.microsoft.com/office/drawing/2014/main" val="1336959234"/>
+                    </a:ext>
+                  </a:extLst>
+                </a:gridCol>
+                <a:gridCol w="1005840">
+                  <a:extLst>
+                    <a:ext uri="{9D8B030D-6E8A-4147-A177-3AD203B41FA5}">
+                      <a16:colId xmlns:a16="http://schemas.microsoft.com/office/drawing/2014/main" val="181199538"/>
+                    </a:ext>
+                  </a:extLst>
+                </a:gridCol>
+              </a:tblGrid>
+              <a:tr h="360104">
+                <a:tc>
+                  <a:txBody>
+                    <a:bodyPr/>
+                    <a:lstStyle/>
+                    <a:p>
+                      <a:endParaRPr lang="en-US" sz="1400" dirty="0"/>
+                    </a:p>
+                  </a:txBody>
+                  <a:tcPr>
+                    <a:solidFill>
+                      <a:srgbClr val="DCEBFB"/>
+                    </a:solidFill>
+                  </a:tcPr>
+                </a:tc>
+                <a:tc>
+                  <a:txBody>
+                    <a:bodyPr/>
+                    <a:lstStyle/>
+                    <a:p>
+                      <a:pPr algn="ctr"/>
+                      <a:r>
+                        <a:rPr lang="en-US" sz="1400" dirty="0">
+                          <a:solidFill>
+                            <a:schemeClr val="tx1"/>
+                          </a:solidFill>
+                        </a:rPr>
+                        <a:t>Precision</a:t>
+                      </a:r>
+                    </a:p>
+                  </a:txBody>
+                  <a:tcPr anchor="ctr">
+                    <a:solidFill>
+                      <a:srgbClr val="DCEBFB"/>
+                    </a:solidFill>
+                  </a:tcPr>
+                </a:tc>
+                <a:tc>
+                  <a:txBody>
+                    <a:bodyPr/>
+                    <a:lstStyle/>
+                    <a:p>
+                      <a:pPr algn="ctr"/>
+                      <a:r>
+                        <a:rPr lang="en-US" sz="1400" dirty="0">
+                          <a:solidFill>
+                            <a:schemeClr val="tx1"/>
+                          </a:solidFill>
+                        </a:rPr>
+                        <a:t>Recall</a:t>
+                      </a:r>
+                    </a:p>
+                  </a:txBody>
+                  <a:tcPr anchor="ctr">
+                    <a:solidFill>
+                      <a:srgbClr val="DCEBFB"/>
+                    </a:solidFill>
+                  </a:tcPr>
+                </a:tc>
+                <a:tc>
+                  <a:txBody>
+                    <a:bodyPr/>
+                    <a:lstStyle/>
+                    <a:p>
+                      <a:pPr algn="ctr"/>
+                      <a:r>
+                        <a:rPr lang="en-US" sz="1400" dirty="0">
+                          <a:solidFill>
+                            <a:schemeClr val="tx1"/>
+                          </a:solidFill>
+                        </a:rPr>
+                        <a:t>F1-score</a:t>
+                      </a:r>
+                    </a:p>
+                  </a:txBody>
+                  <a:tcPr anchor="ctr">
+                    <a:solidFill>
+                      <a:srgbClr val="DCEBFB"/>
+                    </a:solidFill>
+                  </a:tcPr>
+                </a:tc>
+                <a:tc>
+                  <a:txBody>
+                    <a:bodyPr/>
+                    <a:lstStyle/>
+                    <a:p>
+                      <a:pPr algn="ctr"/>
+                      <a:r>
+                        <a:rPr lang="en-US" sz="1400" dirty="0">
+                          <a:solidFill>
+                            <a:schemeClr val="tx1"/>
+                          </a:solidFill>
+                        </a:rPr>
+                        <a:t>Support</a:t>
+                      </a:r>
+                    </a:p>
+                  </a:txBody>
+                  <a:tcPr anchor="ctr">
+                    <a:solidFill>
+                      <a:srgbClr val="DCEBFB"/>
+                    </a:solidFill>
+                  </a:tcPr>
+                </a:tc>
+                <a:extLst>
+                  <a:ext uri="{0D108BD9-81ED-4DB2-BD59-A6C34878D82A}">
+                    <a16:rowId xmlns:a16="http://schemas.microsoft.com/office/drawing/2014/main" val="3980599088"/>
+                  </a:ext>
+                </a:extLst>
+              </a:tr>
+              <a:tr h="360104">
+                <a:tc>
+                  <a:txBody>
+                    <a:bodyPr/>
+                    <a:lstStyle/>
+                    <a:p>
+                      <a:r>
+                        <a:rPr lang="en-US" sz="1400" dirty="0"/>
+                        <a:t>Bad</a:t>
+                      </a:r>
+                    </a:p>
+                  </a:txBody>
+                  <a:tcPr anchor="ctr"/>
+                </a:tc>
+                <a:tc>
+                  <a:txBody>
+                    <a:bodyPr/>
+                    <a:lstStyle/>
+                    <a:p>
+                      <a:pPr algn="ctr"/>
+                      <a:r>
+                        <a:rPr lang="en-US" sz="1400" dirty="0"/>
+                        <a:t>0.72</a:t>
+                      </a:r>
+                    </a:p>
+                  </a:txBody>
+                  <a:tcPr anchor="ctr"/>
+                </a:tc>
+                <a:tc>
+                  <a:txBody>
+                    <a:bodyPr/>
+                    <a:lstStyle/>
+                    <a:p>
+                      <a:pPr algn="ctr"/>
+                      <a:r>
+                        <a:rPr lang="en-US" sz="1400" dirty="0"/>
+                        <a:t>0.76</a:t>
+                      </a:r>
+                    </a:p>
+                  </a:txBody>
+                  <a:tcPr anchor="ctr"/>
+                </a:tc>
+                <a:tc>
+                  <a:txBody>
+                    <a:bodyPr/>
+                    <a:lstStyle/>
+                    <a:p>
+                      <a:pPr algn="ctr"/>
+                      <a:r>
+                        <a:rPr lang="en-US" sz="1400" dirty="0"/>
+                        <a:t>0.74</a:t>
+                      </a:r>
+                    </a:p>
+                  </a:txBody>
+                  <a:tcPr anchor="ctr"/>
+                </a:tc>
+                <a:tc>
+                  <a:txBody>
+                    <a:bodyPr/>
+                    <a:lstStyle/>
+                    <a:p>
+                      <a:pPr algn="ctr"/>
+                      <a:r>
+                        <a:rPr lang="en-US" sz="1400" dirty="0"/>
+                        <a:t>173</a:t>
+                      </a:r>
+                    </a:p>
+                  </a:txBody>
+                  <a:tcPr anchor="ctr"/>
+                </a:tc>
+                <a:extLst>
+                  <a:ext uri="{0D108BD9-81ED-4DB2-BD59-A6C34878D82A}">
+                    <a16:rowId xmlns:a16="http://schemas.microsoft.com/office/drawing/2014/main" val="2320730729"/>
+                  </a:ext>
+                </a:extLst>
+              </a:tr>
+              <a:tr h="360104">
+                <a:tc>
+                  <a:txBody>
+                    <a:bodyPr/>
+                    <a:lstStyle/>
+                    <a:p>
+                      <a:r>
+                        <a:rPr lang="en-US" sz="1400" dirty="0"/>
+                        <a:t>Good</a:t>
+                      </a:r>
+                    </a:p>
+                  </a:txBody>
+                  <a:tcPr anchor="ctr"/>
+                </a:tc>
+                <a:tc>
+                  <a:txBody>
+                    <a:bodyPr/>
+                    <a:lstStyle/>
+                    <a:p>
+                      <a:pPr algn="ctr"/>
+                      <a:r>
+                        <a:rPr lang="en-US" sz="1400" dirty="0"/>
+                        <a:t>0.75</a:t>
+                      </a:r>
+                    </a:p>
+                  </a:txBody>
+                  <a:tcPr anchor="ctr"/>
+                </a:tc>
+                <a:tc>
+                  <a:txBody>
+                    <a:bodyPr/>
+                    <a:lstStyle/>
+                    <a:p>
+                      <a:pPr algn="ctr"/>
+                      <a:r>
+                        <a:rPr lang="en-US" sz="1400" dirty="0"/>
+                        <a:t>0.72</a:t>
+                      </a:r>
+                    </a:p>
+                  </a:txBody>
+                  <a:tcPr anchor="ctr"/>
+                </a:tc>
+                <a:tc>
+                  <a:txBody>
+                    <a:bodyPr/>
+                    <a:lstStyle/>
+                    <a:p>
+                      <a:pPr algn="ctr"/>
+                      <a:r>
+                        <a:rPr lang="en-US" sz="1400" dirty="0"/>
+                        <a:t>0.73</a:t>
+                      </a:r>
+                    </a:p>
+                  </a:txBody>
+                  <a:tcPr anchor="ctr"/>
+                </a:tc>
+                <a:tc>
+                  <a:txBody>
+                    <a:bodyPr/>
+                    <a:lstStyle/>
+                    <a:p>
+                      <a:pPr algn="ctr"/>
+                      <a:r>
+                        <a:rPr lang="en-US" sz="1400" dirty="0"/>
+                        <a:t>177</a:t>
+                      </a:r>
+                    </a:p>
+                  </a:txBody>
+                  <a:tcPr anchor="ctr"/>
+                </a:tc>
+                <a:extLst>
+                  <a:ext uri="{0D108BD9-81ED-4DB2-BD59-A6C34878D82A}">
+                    <a16:rowId xmlns:a16="http://schemas.microsoft.com/office/drawing/2014/main" val="657445043"/>
+                  </a:ext>
+                </a:extLst>
+              </a:tr>
+              <a:tr h="360104">
+                <a:tc>
+                  <a:txBody>
+                    <a:bodyPr/>
+                    <a:lstStyle/>
+                    <a:p>
+                      <a:r>
+                        <a:rPr lang="en-US" sz="1400" dirty="0"/>
+                        <a:t>Accuracy</a:t>
+                      </a:r>
+                    </a:p>
+                  </a:txBody>
+                  <a:tcPr anchor="ctr"/>
+                </a:tc>
+                <a:tc>
+                  <a:txBody>
+                    <a:bodyPr/>
+                    <a:lstStyle/>
+                    <a:p>
+                      <a:pPr algn="ctr"/>
+                      <a:endParaRPr lang="en-US" sz="1400" dirty="0"/>
+                    </a:p>
+                  </a:txBody>
+                  <a:tcPr anchor="ctr"/>
+                </a:tc>
+                <a:tc>
+                  <a:txBody>
+                    <a:bodyPr/>
+                    <a:lstStyle/>
+                    <a:p>
+                      <a:pPr algn="ctr"/>
+                      <a:endParaRPr lang="en-US" sz="1400" dirty="0"/>
+                    </a:p>
+                  </a:txBody>
+                  <a:tcPr anchor="ctr"/>
+                </a:tc>
+                <a:tc>
+                  <a:txBody>
+                    <a:bodyPr/>
+                    <a:lstStyle/>
+                    <a:p>
+                      <a:pPr algn="ctr"/>
+                      <a:r>
+                        <a:rPr lang="en-US" sz="1400" dirty="0"/>
+                        <a:t>0.74</a:t>
+                      </a:r>
+                    </a:p>
+                  </a:txBody>
+                  <a:tcPr anchor="ctr"/>
+                </a:tc>
+                <a:tc>
+                  <a:txBody>
+                    <a:bodyPr/>
+                    <a:lstStyle/>
+                    <a:p>
+                      <a:pPr algn="ctr"/>
+                      <a:r>
+                        <a:rPr lang="en-US" sz="1400" dirty="0"/>
+                        <a:t>350</a:t>
+                      </a:r>
+                    </a:p>
+                  </a:txBody>
+                  <a:tcPr anchor="ctr"/>
+                </a:tc>
+                <a:extLst>
+                  <a:ext uri="{0D108BD9-81ED-4DB2-BD59-A6C34878D82A}">
+                    <a16:rowId xmlns:a16="http://schemas.microsoft.com/office/drawing/2014/main" val="886449001"/>
+                  </a:ext>
+                </a:extLst>
+              </a:tr>
+              <a:tr h="360104">
+                <a:tc>
+                  <a:txBody>
+                    <a:bodyPr/>
+                    <a:lstStyle/>
+                    <a:p>
+                      <a:r>
+                        <a:rPr lang="en-US" sz="1400" dirty="0"/>
+                        <a:t>Macro Avg</a:t>
+                      </a:r>
+                    </a:p>
+                  </a:txBody>
+                  <a:tcPr anchor="ctr"/>
+                </a:tc>
+                <a:tc>
+                  <a:txBody>
+                    <a:bodyPr/>
+                    <a:lstStyle/>
+                    <a:p>
+                      <a:pPr algn="ctr"/>
+                      <a:r>
+                        <a:rPr lang="en-US" sz="1400" dirty="0"/>
+                        <a:t>0.74</a:t>
+                      </a:r>
+                    </a:p>
+                  </a:txBody>
+                  <a:tcPr anchor="ctr"/>
+                </a:tc>
+                <a:tc>
+                  <a:txBody>
+                    <a:bodyPr/>
+                    <a:lstStyle/>
+                    <a:p>
+                      <a:pPr algn="ctr"/>
+                      <a:r>
+                        <a:rPr lang="en-US" sz="1400" dirty="0"/>
+                        <a:t>0.74</a:t>
+                      </a:r>
+                    </a:p>
+                  </a:txBody>
+                  <a:tcPr anchor="ctr"/>
+                </a:tc>
+                <a:tc>
+                  <a:txBody>
+                    <a:bodyPr/>
+                    <a:lstStyle/>
+                    <a:p>
+                      <a:pPr algn="ctr"/>
+                      <a:r>
+                        <a:rPr lang="en-US" sz="1400" dirty="0"/>
+                        <a:t>0.74</a:t>
+                      </a:r>
+                    </a:p>
+                  </a:txBody>
+                  <a:tcPr anchor="ctr"/>
+                </a:tc>
+                <a:tc>
+                  <a:txBody>
+                    <a:bodyPr/>
+                    <a:lstStyle/>
+                    <a:p>
+                      <a:pPr algn="ctr"/>
+                      <a:r>
+                        <a:rPr lang="en-US" sz="1400" dirty="0"/>
+                        <a:t>350</a:t>
+                      </a:r>
+                    </a:p>
+                  </a:txBody>
+                  <a:tcPr anchor="ctr"/>
+                </a:tc>
+                <a:extLst>
+                  <a:ext uri="{0D108BD9-81ED-4DB2-BD59-A6C34878D82A}">
+                    <a16:rowId xmlns:a16="http://schemas.microsoft.com/office/drawing/2014/main" val="2977773619"/>
+                  </a:ext>
+                </a:extLst>
+              </a:tr>
+              <a:tr h="621549">
+                <a:tc>
+                  <a:txBody>
+                    <a:bodyPr/>
+                    <a:lstStyle/>
+                    <a:p>
+                      <a:r>
+                        <a:rPr lang="en-US" sz="1400" dirty="0"/>
+                        <a:t>Weighted Avg</a:t>
+                      </a:r>
+                    </a:p>
+                  </a:txBody>
+                  <a:tcPr anchor="ctr"/>
+                </a:tc>
+                <a:tc>
+                  <a:txBody>
+                    <a:bodyPr/>
+                    <a:lstStyle/>
+                    <a:p>
+                      <a:pPr algn="ctr"/>
+                      <a:r>
+                        <a:rPr lang="en-US" sz="1400" dirty="0"/>
+                        <a:t>0.74</a:t>
+                      </a:r>
+                    </a:p>
+                  </a:txBody>
+                  <a:tcPr anchor="ctr"/>
+                </a:tc>
+                <a:tc>
+                  <a:txBody>
+                    <a:bodyPr/>
+                    <a:lstStyle/>
+                    <a:p>
+                      <a:pPr algn="ctr"/>
+                      <a:r>
+                        <a:rPr lang="en-US" sz="1400" dirty="0"/>
+                        <a:t>0.74</a:t>
+                      </a:r>
+                    </a:p>
+                  </a:txBody>
+                  <a:tcPr anchor="ctr"/>
+                </a:tc>
+                <a:tc>
+                  <a:txBody>
+                    <a:bodyPr/>
+                    <a:lstStyle/>
+                    <a:p>
+                      <a:pPr algn="ctr"/>
+                      <a:r>
+                        <a:rPr lang="en-US" sz="1400" dirty="0"/>
+                        <a:t>0.74</a:t>
+                      </a:r>
+                    </a:p>
+                  </a:txBody>
+                  <a:tcPr anchor="ctr"/>
+                </a:tc>
+                <a:tc>
+                  <a:txBody>
+                    <a:bodyPr/>
+                    <a:lstStyle/>
+                    <a:p>
+                      <a:pPr algn="ctr"/>
+                      <a:r>
+                        <a:rPr lang="en-US" sz="1400" dirty="0"/>
+                        <a:t>350</a:t>
+                      </a:r>
+                    </a:p>
+                  </a:txBody>
+                  <a:tcPr anchor="ctr"/>
+                </a:tc>
+                <a:extLst>
+                  <a:ext uri="{0D108BD9-81ED-4DB2-BD59-A6C34878D82A}">
+                    <a16:rowId xmlns:a16="http://schemas.microsoft.com/office/drawing/2014/main" val="1671609784"/>
+                  </a:ext>
+                </a:extLst>
+              </a:tr>
+            </a:tbl>
+          </a:graphicData>
+        </a:graphic>
+      </p:graphicFrame>
+      <p:graphicFrame>
+        <p:nvGraphicFramePr>
+          <p:cNvPr id="17" name="Table 7">
+            <a:extLst>
+              <a:ext uri="{FF2B5EF4-FFF2-40B4-BE49-F238E27FC236}">
+                <a16:creationId xmlns:a16="http://schemas.microsoft.com/office/drawing/2014/main" id="{E34658DC-3B5D-4813-BFF8-59B8A0A592C8}"/>
+              </a:ext>
+            </a:extLst>
+          </p:cNvPr>
+          <p:cNvGraphicFramePr>
+            <a:graphicFrameLocks noGrp="1"/>
+          </p:cNvGraphicFramePr>
+          <p:nvPr>
+            <p:extLst>
+              <p:ext uri="{D42A27DB-BD31-4B8C-83A1-F6EECF244321}">
+                <p14:modId xmlns:p14="http://schemas.microsoft.com/office/powerpoint/2010/main" val="946560922"/>
+              </p:ext>
+            </p:extLst>
+          </p:nvPr>
+        </p:nvGraphicFramePr>
+        <p:xfrm>
+          <a:off x="6502874" y="3046642"/>
+          <a:ext cx="5394960" cy="2422069"/>
+        </p:xfrm>
+        <a:graphic>
+          <a:graphicData uri="http://schemas.openxmlformats.org/drawingml/2006/table">
+            <a:tbl>
+              <a:tblPr firstRow="1" bandRow="1">
+                <a:tableStyleId>{74C1A8A3-306A-4EB7-A6B1-4F7E0EB9C5D6}</a:tableStyleId>
+              </a:tblPr>
+              <a:tblGrid>
+                <a:gridCol w="1371600">
+                  <a:extLst>
+                    <a:ext uri="{9D8B030D-6E8A-4147-A177-3AD203B41FA5}">
+                      <a16:colId xmlns:a16="http://schemas.microsoft.com/office/drawing/2014/main" val="3561920289"/>
+                    </a:ext>
+                  </a:extLst>
+                </a:gridCol>
+                <a:gridCol w="1005840">
+                  <a:extLst>
+                    <a:ext uri="{9D8B030D-6E8A-4147-A177-3AD203B41FA5}">
+                      <a16:colId xmlns:a16="http://schemas.microsoft.com/office/drawing/2014/main" val="3075658774"/>
+                    </a:ext>
+                  </a:extLst>
+                </a:gridCol>
+                <a:gridCol w="1005840">
+                  <a:extLst>
+                    <a:ext uri="{9D8B030D-6E8A-4147-A177-3AD203B41FA5}">
+                      <a16:colId xmlns:a16="http://schemas.microsoft.com/office/drawing/2014/main" val="402872021"/>
+                    </a:ext>
+                  </a:extLst>
+                </a:gridCol>
+                <a:gridCol w="1005840">
+                  <a:extLst>
+                    <a:ext uri="{9D8B030D-6E8A-4147-A177-3AD203B41FA5}">
+                      <a16:colId xmlns:a16="http://schemas.microsoft.com/office/drawing/2014/main" val="1336959234"/>
+                    </a:ext>
+                  </a:extLst>
+                </a:gridCol>
+                <a:gridCol w="1005840">
+                  <a:extLst>
+                    <a:ext uri="{9D8B030D-6E8A-4147-A177-3AD203B41FA5}">
+                      <a16:colId xmlns:a16="http://schemas.microsoft.com/office/drawing/2014/main" val="181199538"/>
+                    </a:ext>
+                  </a:extLst>
+                </a:gridCol>
+              </a:tblGrid>
+              <a:tr h="360104">
+                <a:tc>
+                  <a:txBody>
+                    <a:bodyPr/>
+                    <a:lstStyle/>
+                    <a:p>
+                      <a:endParaRPr lang="en-US" sz="1400" dirty="0"/>
+                    </a:p>
+                  </a:txBody>
+                  <a:tcPr>
+                    <a:solidFill>
+                      <a:schemeClr val="accent2">
+                        <a:lumMod val="20000"/>
+                        <a:lumOff val="80000"/>
+                      </a:schemeClr>
+                    </a:solidFill>
+                  </a:tcPr>
+                </a:tc>
+                <a:tc>
+                  <a:txBody>
+                    <a:bodyPr/>
+                    <a:lstStyle/>
+                    <a:p>
+                      <a:pPr algn="ctr"/>
+                      <a:r>
+                        <a:rPr lang="en-US" sz="1400" dirty="0">
+                          <a:solidFill>
+                            <a:schemeClr val="tx1"/>
+                          </a:solidFill>
+                        </a:rPr>
+                        <a:t>Precision</a:t>
+                      </a:r>
+                    </a:p>
+                  </a:txBody>
+                  <a:tcPr anchor="ctr">
+                    <a:solidFill>
+                      <a:schemeClr val="accent2">
+                        <a:lumMod val="20000"/>
+                        <a:lumOff val="80000"/>
+                      </a:schemeClr>
+                    </a:solidFill>
+                  </a:tcPr>
+                </a:tc>
+                <a:tc>
+                  <a:txBody>
+                    <a:bodyPr/>
+                    <a:lstStyle/>
+                    <a:p>
+                      <a:pPr algn="ctr"/>
+                      <a:r>
+                        <a:rPr lang="en-US" sz="1400" dirty="0">
+                          <a:solidFill>
+                            <a:schemeClr val="tx1"/>
+                          </a:solidFill>
+                        </a:rPr>
+                        <a:t>Recall</a:t>
+                      </a:r>
+                    </a:p>
+                  </a:txBody>
+                  <a:tcPr anchor="ctr">
+                    <a:solidFill>
+                      <a:schemeClr val="accent2">
+                        <a:lumMod val="20000"/>
+                        <a:lumOff val="80000"/>
+                      </a:schemeClr>
+                    </a:solidFill>
+                  </a:tcPr>
+                </a:tc>
+                <a:tc>
+                  <a:txBody>
+                    <a:bodyPr/>
+                    <a:lstStyle/>
+                    <a:p>
+                      <a:pPr algn="ctr"/>
+                      <a:r>
+                        <a:rPr lang="en-US" sz="1400" dirty="0">
+                          <a:solidFill>
+                            <a:schemeClr val="tx1"/>
+                          </a:solidFill>
+                        </a:rPr>
+                        <a:t>F1-score</a:t>
+                      </a:r>
+                    </a:p>
+                  </a:txBody>
+                  <a:tcPr anchor="ctr">
+                    <a:solidFill>
+                      <a:schemeClr val="accent2">
+                        <a:lumMod val="20000"/>
+                        <a:lumOff val="80000"/>
+                      </a:schemeClr>
+                    </a:solidFill>
+                  </a:tcPr>
+                </a:tc>
+                <a:tc>
+                  <a:txBody>
+                    <a:bodyPr/>
+                    <a:lstStyle/>
+                    <a:p>
+                      <a:pPr algn="ctr"/>
+                      <a:r>
+                        <a:rPr lang="en-US" sz="1400" dirty="0">
+                          <a:solidFill>
+                            <a:schemeClr val="tx1"/>
+                          </a:solidFill>
+                        </a:rPr>
+                        <a:t>Support</a:t>
+                      </a:r>
+                    </a:p>
+                  </a:txBody>
+                  <a:tcPr anchor="ctr">
+                    <a:solidFill>
+                      <a:schemeClr val="accent2">
+                        <a:lumMod val="20000"/>
+                        <a:lumOff val="80000"/>
+                      </a:schemeClr>
+                    </a:solidFill>
+                  </a:tcPr>
+                </a:tc>
+                <a:extLst>
+                  <a:ext uri="{0D108BD9-81ED-4DB2-BD59-A6C34878D82A}">
+                    <a16:rowId xmlns:a16="http://schemas.microsoft.com/office/drawing/2014/main" val="3980599088"/>
+                  </a:ext>
+                </a:extLst>
+              </a:tr>
+              <a:tr h="360104">
+                <a:tc>
+                  <a:txBody>
+                    <a:bodyPr/>
+                    <a:lstStyle/>
+                    <a:p>
+                      <a:r>
+                        <a:rPr lang="en-US" sz="1400" dirty="0"/>
+                        <a:t>Bad</a:t>
+                      </a:r>
+                    </a:p>
+                  </a:txBody>
+                  <a:tcPr anchor="ctr"/>
+                </a:tc>
+                <a:tc>
+                  <a:txBody>
+                    <a:bodyPr/>
+                    <a:lstStyle/>
+                    <a:p>
+                      <a:pPr algn="ctr"/>
+                      <a:r>
+                        <a:rPr lang="en-US" sz="1400" dirty="0"/>
+                        <a:t>0.69</a:t>
+                      </a:r>
+                    </a:p>
+                  </a:txBody>
+                  <a:tcPr anchor="ctr"/>
+                </a:tc>
+                <a:tc>
+                  <a:txBody>
+                    <a:bodyPr/>
+                    <a:lstStyle/>
+                    <a:p>
+                      <a:pPr algn="ctr"/>
+                      <a:r>
+                        <a:rPr lang="en-US" sz="1400" dirty="0"/>
+                        <a:t>0.77</a:t>
+                      </a:r>
+                    </a:p>
+                  </a:txBody>
+                  <a:tcPr anchor="ctr"/>
+                </a:tc>
+                <a:tc>
+                  <a:txBody>
+                    <a:bodyPr/>
+                    <a:lstStyle/>
+                    <a:p>
+                      <a:pPr algn="ctr"/>
+                      <a:r>
+                        <a:rPr lang="en-US" sz="1400" dirty="0"/>
+                        <a:t>0.73</a:t>
+                      </a:r>
+                    </a:p>
+                  </a:txBody>
+                  <a:tcPr anchor="ctr"/>
+                </a:tc>
+                <a:tc>
+                  <a:txBody>
+                    <a:bodyPr/>
+                    <a:lstStyle/>
+                    <a:p>
+                      <a:pPr algn="ctr"/>
+                      <a:r>
+                        <a:rPr lang="en-US" sz="1400" dirty="0"/>
+                        <a:t>173</a:t>
+                      </a:r>
+                    </a:p>
+                  </a:txBody>
+                  <a:tcPr anchor="ctr"/>
+                </a:tc>
+                <a:extLst>
+                  <a:ext uri="{0D108BD9-81ED-4DB2-BD59-A6C34878D82A}">
+                    <a16:rowId xmlns:a16="http://schemas.microsoft.com/office/drawing/2014/main" val="2320730729"/>
+                  </a:ext>
+                </a:extLst>
+              </a:tr>
+              <a:tr h="360104">
+                <a:tc>
+                  <a:txBody>
+                    <a:bodyPr/>
+                    <a:lstStyle/>
+                    <a:p>
+                      <a:r>
+                        <a:rPr lang="en-US" sz="1400" dirty="0"/>
+                        <a:t>Good</a:t>
+                      </a:r>
+                    </a:p>
+                  </a:txBody>
+                  <a:tcPr anchor="ctr"/>
+                </a:tc>
+                <a:tc>
+                  <a:txBody>
+                    <a:bodyPr/>
+                    <a:lstStyle/>
+                    <a:p>
+                      <a:pPr algn="ctr"/>
+                      <a:r>
+                        <a:rPr lang="en-US" sz="1400" dirty="0"/>
+                        <a:t>0.75</a:t>
+                      </a:r>
+                    </a:p>
+                  </a:txBody>
+                  <a:tcPr anchor="ctr"/>
+                </a:tc>
+                <a:tc>
+                  <a:txBody>
+                    <a:bodyPr/>
+                    <a:lstStyle/>
+                    <a:p>
+                      <a:pPr algn="ctr"/>
+                      <a:r>
+                        <a:rPr lang="en-US" sz="1400" dirty="0"/>
+                        <a:t>0.66</a:t>
+                      </a:r>
+                    </a:p>
+                  </a:txBody>
+                  <a:tcPr anchor="ctr"/>
+                </a:tc>
+                <a:tc>
+                  <a:txBody>
+                    <a:bodyPr/>
+                    <a:lstStyle/>
+                    <a:p>
+                      <a:pPr algn="ctr"/>
+                      <a:r>
+                        <a:rPr lang="en-US" sz="1400" dirty="0"/>
+                        <a:t>0.70</a:t>
+                      </a:r>
+                    </a:p>
+                  </a:txBody>
+                  <a:tcPr anchor="ctr"/>
+                </a:tc>
+                <a:tc>
+                  <a:txBody>
+                    <a:bodyPr/>
+                    <a:lstStyle/>
+                    <a:p>
+                      <a:pPr algn="ctr"/>
+                      <a:r>
+                        <a:rPr lang="en-US" sz="1400" dirty="0"/>
+                        <a:t>177</a:t>
+                      </a:r>
+                    </a:p>
+                  </a:txBody>
+                  <a:tcPr anchor="ctr"/>
+                </a:tc>
+                <a:extLst>
+                  <a:ext uri="{0D108BD9-81ED-4DB2-BD59-A6C34878D82A}">
+                    <a16:rowId xmlns:a16="http://schemas.microsoft.com/office/drawing/2014/main" val="657445043"/>
+                  </a:ext>
+                </a:extLst>
+              </a:tr>
+              <a:tr h="360104">
+                <a:tc>
+                  <a:txBody>
+                    <a:bodyPr/>
+                    <a:lstStyle/>
+                    <a:p>
+                      <a:r>
+                        <a:rPr lang="en-US" sz="1400" dirty="0"/>
+                        <a:t>Accuracy</a:t>
+                      </a:r>
+                    </a:p>
+                  </a:txBody>
+                  <a:tcPr anchor="ctr"/>
+                </a:tc>
+                <a:tc>
+                  <a:txBody>
+                    <a:bodyPr/>
+                    <a:lstStyle/>
+                    <a:p>
+                      <a:pPr algn="ctr"/>
+                      <a:endParaRPr lang="en-US" sz="1400" dirty="0"/>
+                    </a:p>
+                  </a:txBody>
+                  <a:tcPr anchor="ctr"/>
+                </a:tc>
+                <a:tc>
+                  <a:txBody>
+                    <a:bodyPr/>
+                    <a:lstStyle/>
+                    <a:p>
+                      <a:pPr algn="ctr"/>
+                      <a:endParaRPr lang="en-US" sz="1400" dirty="0"/>
+                    </a:p>
+                  </a:txBody>
+                  <a:tcPr anchor="ctr"/>
+                </a:tc>
+                <a:tc>
+                  <a:txBody>
+                    <a:bodyPr/>
+                    <a:lstStyle/>
+                    <a:p>
+                      <a:pPr algn="ctr"/>
+                      <a:r>
+                        <a:rPr lang="en-US" sz="1400" dirty="0"/>
+                        <a:t>0.71</a:t>
+                      </a:r>
+                    </a:p>
+                  </a:txBody>
+                  <a:tcPr anchor="ctr"/>
+                </a:tc>
+                <a:tc>
+                  <a:txBody>
+                    <a:bodyPr/>
+                    <a:lstStyle/>
+                    <a:p>
+                      <a:pPr algn="ctr"/>
+                      <a:r>
+                        <a:rPr lang="en-US" sz="1400" dirty="0"/>
+                        <a:t>350</a:t>
+                      </a:r>
+                    </a:p>
+                  </a:txBody>
+                  <a:tcPr anchor="ctr"/>
+                </a:tc>
+                <a:extLst>
+                  <a:ext uri="{0D108BD9-81ED-4DB2-BD59-A6C34878D82A}">
+                    <a16:rowId xmlns:a16="http://schemas.microsoft.com/office/drawing/2014/main" val="886449001"/>
+                  </a:ext>
+                </a:extLst>
+              </a:tr>
+              <a:tr h="360104">
+                <a:tc>
+                  <a:txBody>
+                    <a:bodyPr/>
+                    <a:lstStyle/>
+                    <a:p>
+                      <a:r>
+                        <a:rPr lang="en-US" sz="1400" dirty="0"/>
+                        <a:t>Macro Avg</a:t>
+                      </a:r>
+                    </a:p>
+                  </a:txBody>
+                  <a:tcPr anchor="ctr"/>
+                </a:tc>
+                <a:tc>
+                  <a:txBody>
+                    <a:bodyPr/>
+                    <a:lstStyle/>
+                    <a:p>
+                      <a:pPr algn="ctr"/>
+                      <a:r>
+                        <a:rPr lang="en-US" sz="1400" dirty="0"/>
+                        <a:t>0.72</a:t>
+                      </a:r>
+                    </a:p>
+                  </a:txBody>
+                  <a:tcPr anchor="ctr"/>
+                </a:tc>
+                <a:tc>
+                  <a:txBody>
+                    <a:bodyPr/>
+                    <a:lstStyle/>
+                    <a:p>
+                      <a:pPr algn="ctr"/>
+                      <a:r>
+                        <a:rPr lang="en-US" sz="1400" dirty="0"/>
+                        <a:t>0.71</a:t>
+                      </a:r>
+                    </a:p>
+                  </a:txBody>
+                  <a:tcPr anchor="ctr"/>
+                </a:tc>
+                <a:tc>
+                  <a:txBody>
+                    <a:bodyPr/>
+                    <a:lstStyle/>
+                    <a:p>
+                      <a:pPr algn="ctr"/>
+                      <a:r>
+                        <a:rPr lang="en-US" sz="1400" dirty="0"/>
+                        <a:t>0.71</a:t>
+                      </a:r>
+                    </a:p>
+                  </a:txBody>
+                  <a:tcPr anchor="ctr"/>
+                </a:tc>
+                <a:tc>
+                  <a:txBody>
+                    <a:bodyPr/>
+                    <a:lstStyle/>
+                    <a:p>
+                      <a:pPr algn="ctr"/>
+                      <a:r>
+                        <a:rPr lang="en-US" sz="1400" dirty="0"/>
+                        <a:t>350</a:t>
+                      </a:r>
+                    </a:p>
+                  </a:txBody>
+                  <a:tcPr anchor="ctr"/>
+                </a:tc>
+                <a:extLst>
+                  <a:ext uri="{0D108BD9-81ED-4DB2-BD59-A6C34878D82A}">
+                    <a16:rowId xmlns:a16="http://schemas.microsoft.com/office/drawing/2014/main" val="2977773619"/>
+                  </a:ext>
+                </a:extLst>
+              </a:tr>
+              <a:tr h="621549">
+                <a:tc>
+                  <a:txBody>
+                    <a:bodyPr/>
+                    <a:lstStyle/>
+                    <a:p>
+                      <a:r>
+                        <a:rPr lang="en-US" sz="1400" dirty="0"/>
+                        <a:t>Weighted Avg</a:t>
+                      </a:r>
+                    </a:p>
+                  </a:txBody>
+                  <a:tcPr anchor="ctr"/>
+                </a:tc>
+                <a:tc>
+                  <a:txBody>
+                    <a:bodyPr/>
+                    <a:lstStyle/>
+                    <a:p>
+                      <a:pPr algn="ctr"/>
+                      <a:r>
+                        <a:rPr lang="en-US" sz="1400" dirty="0"/>
+                        <a:t>0.72</a:t>
+                      </a:r>
+                    </a:p>
+                  </a:txBody>
+                  <a:tcPr anchor="ctr"/>
+                </a:tc>
+                <a:tc>
+                  <a:txBody>
+                    <a:bodyPr/>
+                    <a:lstStyle/>
+                    <a:p>
+                      <a:pPr algn="ctr"/>
+                      <a:r>
+                        <a:rPr lang="en-US" sz="1400" dirty="0"/>
+                        <a:t>0.71</a:t>
+                      </a:r>
+                    </a:p>
+                  </a:txBody>
+                  <a:tcPr anchor="ctr"/>
+                </a:tc>
+                <a:tc>
+                  <a:txBody>
+                    <a:bodyPr/>
+                    <a:lstStyle/>
+                    <a:p>
+                      <a:pPr algn="ctr"/>
+                      <a:r>
+                        <a:rPr lang="en-US" sz="1400" dirty="0"/>
+                        <a:t>0.71</a:t>
+                      </a:r>
+                    </a:p>
+                  </a:txBody>
+                  <a:tcPr anchor="ctr"/>
+                </a:tc>
+                <a:tc>
+                  <a:txBody>
+                    <a:bodyPr/>
+                    <a:lstStyle/>
+                    <a:p>
+                      <a:pPr algn="ctr"/>
+                      <a:r>
+                        <a:rPr lang="en-US" sz="1400" dirty="0"/>
+                        <a:t>350</a:t>
+                      </a:r>
+                    </a:p>
+                  </a:txBody>
+                  <a:tcPr anchor="ctr"/>
+                </a:tc>
+                <a:extLst>
+                  <a:ext uri="{0D108BD9-81ED-4DB2-BD59-A6C34878D82A}">
+                    <a16:rowId xmlns:a16="http://schemas.microsoft.com/office/drawing/2014/main" val="1671609784"/>
+                  </a:ext>
+                </a:extLst>
+              </a:tr>
+            </a:tbl>
+          </a:graphicData>
+        </a:graphic>
+      </p:graphicFrame>
     </p:spTree>
     <p:extLst>
       <p:ext uri="{BB962C8B-B14F-4D97-AF65-F5344CB8AC3E}">
-        <p14:creationId xmlns:p14="http://schemas.microsoft.com/office/powerpoint/2010/main" val="1703374287"/>
+        <p14:creationId xmlns:p14="http://schemas.microsoft.com/office/powerpoint/2010/main" val="4086036587"/>
       </p:ext>
     </p:extLst>
   </p:cSld>
@@ -8017,6 +12085,14 @@
 <file path=ppt/slides/slide9.xml><?xml version="1.0" encoding="utf-8"?>
 <p:sld xmlns:a="http://schemas.openxmlformats.org/drawingml/2006/main" xmlns:r="http://schemas.openxmlformats.org/officeDocument/2006/relationships" xmlns:p="http://schemas.openxmlformats.org/presentationml/2006/main">
   <p:cSld>
+    <p:bg>
+      <p:bgPr>
+        <a:solidFill>
+          <a:schemeClr val="bg1"/>
+        </a:solidFill>
+        <a:effectLst/>
+      </p:bgPr>
+    </p:bg>
     <p:spTree>
       <p:nvGrpSpPr>
         <p:cNvPr id="1" name=""/>
@@ -8033,10 +12109,633 @@
       </p:grpSpPr>
       <p:sp>
         <p:nvSpPr>
-          <p:cNvPr id="2" name="Title 1">
-            <a:extLst>
-              <a:ext uri="{FF2B5EF4-FFF2-40B4-BE49-F238E27FC236}">
-                <a16:creationId xmlns:a16="http://schemas.microsoft.com/office/drawing/2014/main" id="{CD009E83-6A5B-4C24-AE1C-D65004124E83}"/>
+          <p:cNvPr id="22" name="Rectangle 21">
+            <a:extLst>
+              <a:ext uri="{FF2B5EF4-FFF2-40B4-BE49-F238E27FC236}">
+                <a16:creationId xmlns:a16="http://schemas.microsoft.com/office/drawing/2014/main" id="{BD4C0BBB-0042-4603-A226-6117F3FD5B3C}"/>
+              </a:ext>
+              <a:ext uri="{C183D7F6-B498-43B3-948B-1728B52AA6E4}">
+                <adec:decorative xmlns:adec="http://schemas.microsoft.com/office/drawing/2017/decorative" val="1"/>
+              </a:ext>
+            </a:extLst>
+          </p:cNvPr>
+          <p:cNvSpPr>
+            <a:spLocks noGrp="1" noRot="1" noChangeAspect="1" noMove="1" noResize="1" noEditPoints="1" noAdjustHandles="1" noChangeArrowheads="1" noChangeShapeType="1" noTextEdit="1"/>
+          </p:cNvSpPr>
+          <p:nvPr>
+            <p:extLst>
+              <p:ext uri="{386F3935-93C4-4BCD-93E2-E3B085C9AB24}">
+                <p16:designElem xmlns:p16="http://schemas.microsoft.com/office/powerpoint/2015/main" val="1"/>
+              </p:ext>
+            </p:extLst>
+          </p:nvPr>
+        </p:nvSpPr>
+        <p:spPr>
+          <a:xfrm rot="10800000" flipH="1">
+            <a:off x="0" y="6400799"/>
+            <a:ext cx="12192000" cy="456773"/>
+          </a:xfrm>
+          <a:prstGeom prst="rect">
+            <a:avLst/>
+          </a:prstGeom>
+          <a:gradFill>
+            <a:gsLst>
+              <a:gs pos="14000">
+                <a:schemeClr val="accent4">
+                  <a:alpha val="28000"/>
+                </a:schemeClr>
+              </a:gs>
+              <a:gs pos="100000">
+                <a:schemeClr val="accent5">
+                  <a:alpha val="85000"/>
+                </a:schemeClr>
+              </a:gs>
+            </a:gsLst>
+            <a:lin ang="6000000" scaled="0"/>
+          </a:gradFill>
+          <a:ln>
+            <a:noFill/>
+          </a:ln>
+        </p:spPr>
+        <p:style>
+          <a:lnRef idx="2">
+            <a:schemeClr val="accent1">
+              <a:shade val="50000"/>
+            </a:schemeClr>
+          </a:lnRef>
+          <a:fillRef idx="1">
+            <a:schemeClr val="accent1"/>
+          </a:fillRef>
+          <a:effectRef idx="0">
+            <a:schemeClr val="accent1"/>
+          </a:effectRef>
+          <a:fontRef idx="minor">
+            <a:schemeClr val="lt1"/>
+          </a:fontRef>
+        </p:style>
+        <p:txBody>
+          <a:bodyPr rtlCol="0" anchor="ctr"/>
+          <a:lstStyle/>
+          <a:p>
+            <a:pPr algn="ctr"/>
+            <a:endParaRPr lang="en-US"/>
+          </a:p>
+        </p:txBody>
+      </p:sp>
+      <p:sp>
+        <p:nvSpPr>
+          <p:cNvPr id="24" name="Rectangle 23">
+            <a:extLst>
+              <a:ext uri="{FF2B5EF4-FFF2-40B4-BE49-F238E27FC236}">
+                <a16:creationId xmlns:a16="http://schemas.microsoft.com/office/drawing/2014/main" id="{EC44F520-2598-460E-9F91-B02F60830CA2}"/>
+              </a:ext>
+              <a:ext uri="{C183D7F6-B498-43B3-948B-1728B52AA6E4}">
+                <adec:decorative xmlns:adec="http://schemas.microsoft.com/office/drawing/2017/decorative" val="1"/>
+              </a:ext>
+            </a:extLst>
+          </p:cNvPr>
+          <p:cNvSpPr>
+            <a:spLocks noGrp="1" noRot="1" noChangeAspect="1" noMove="1" noResize="1" noEditPoints="1" noAdjustHandles="1" noChangeArrowheads="1" noChangeShapeType="1" noTextEdit="1"/>
+          </p:cNvSpPr>
+          <p:nvPr>
+            <p:extLst>
+              <p:ext uri="{386F3935-93C4-4BCD-93E2-E3B085C9AB24}">
+                <p16:designElem xmlns:p16="http://schemas.microsoft.com/office/powerpoint/2015/main" val="1"/>
+              </p:ext>
+            </p:extLst>
+          </p:nvPr>
+        </p:nvSpPr>
+        <p:spPr>
+          <a:xfrm flipH="1">
+            <a:off x="4038600" y="6400799"/>
+            <a:ext cx="8153398" cy="456772"/>
+          </a:xfrm>
+          <a:prstGeom prst="rect">
+            <a:avLst/>
+          </a:prstGeom>
+          <a:gradFill>
+            <a:gsLst>
+              <a:gs pos="9000">
+                <a:schemeClr val="accent2">
+                  <a:lumMod val="60000"/>
+                  <a:lumOff val="40000"/>
+                  <a:alpha val="55000"/>
+                </a:schemeClr>
+              </a:gs>
+              <a:gs pos="99000">
+                <a:schemeClr val="accent2"/>
+              </a:gs>
+            </a:gsLst>
+            <a:lin ang="14400000" scaled="0"/>
+          </a:gradFill>
+          <a:ln>
+            <a:noFill/>
+          </a:ln>
+        </p:spPr>
+        <p:style>
+          <a:lnRef idx="2">
+            <a:schemeClr val="accent1">
+              <a:shade val="50000"/>
+            </a:schemeClr>
+          </a:lnRef>
+          <a:fillRef idx="1">
+            <a:schemeClr val="accent1"/>
+          </a:fillRef>
+          <a:effectRef idx="0">
+            <a:schemeClr val="accent1"/>
+          </a:effectRef>
+          <a:fontRef idx="minor">
+            <a:schemeClr val="lt1"/>
+          </a:fontRef>
+        </p:style>
+        <p:txBody>
+          <a:bodyPr rtlCol="0" anchor="ctr"/>
+          <a:lstStyle/>
+          <a:p>
+            <a:pPr algn="ctr"/>
+            <a:endParaRPr lang="en-US"/>
+          </a:p>
+        </p:txBody>
+      </p:sp>
+      <p:sp useBgFill="1">
+        <p:nvSpPr>
+          <p:cNvPr id="26" name="Rectangle 25">
+            <a:extLst>
+              <a:ext uri="{FF2B5EF4-FFF2-40B4-BE49-F238E27FC236}">
+                <a16:creationId xmlns:a16="http://schemas.microsoft.com/office/drawing/2014/main" id="{1DBC8414-BE7E-4B6C-A114-B2C3795C883F}"/>
+              </a:ext>
+              <a:ext uri="{C183D7F6-B498-43B3-948B-1728B52AA6E4}">
+                <adec:decorative xmlns:adec="http://schemas.microsoft.com/office/drawing/2017/decorative" val="1"/>
+              </a:ext>
+            </a:extLst>
+          </p:cNvPr>
+          <p:cNvSpPr>
+            <a:spLocks noGrp="1" noRot="1" noChangeAspect="1" noMove="1" noResize="1" noEditPoints="1" noAdjustHandles="1" noChangeArrowheads="1" noChangeShapeType="1" noTextEdit="1"/>
+          </p:cNvSpPr>
+          <p:nvPr>
+            <p:extLst>
+              <p:ext uri="{386F3935-93C4-4BCD-93E2-E3B085C9AB24}">
+                <p16:designElem xmlns:p16="http://schemas.microsoft.com/office/powerpoint/2015/main" val="1"/>
+              </p:ext>
+            </p:extLst>
+          </p:nvPr>
+        </p:nvSpPr>
+        <p:spPr>
+          <a:xfrm>
+            <a:off x="0" y="0"/>
+            <a:ext cx="12192000" cy="6858000"/>
+          </a:xfrm>
+          <a:prstGeom prst="rect">
+            <a:avLst/>
+          </a:prstGeom>
+          <a:ln w="12700" cap="flat" cmpd="sng" algn="ctr">
+            <a:noFill/>
+            <a:prstDash val="solid"/>
+            <a:miter lim="800000"/>
+          </a:ln>
+          <a:effectLst/>
+          <a:extLst>
+            <a:ext uri="{91240B29-F687-4F45-9708-019B960494DF}">
+              <a14:hiddenLine xmlns:a14="http://schemas.microsoft.com/office/drawing/2010/main" w="12700" cap="flat" cmpd="sng" algn="ctr">
+                <a:solidFill>
+                  <a:schemeClr val="accent1">
+                    <a:shade val="50000"/>
+                  </a:schemeClr>
+                </a:solidFill>
+                <a:prstDash val="solid"/>
+                <a:miter lim="800000"/>
+              </a14:hiddenLine>
+            </a:ext>
+          </a:extLst>
+        </p:spPr>
+        <p:style>
+          <a:lnRef idx="2">
+            <a:schemeClr val="accent1">
+              <a:shade val="50000"/>
+            </a:schemeClr>
+          </a:lnRef>
+          <a:fillRef idx="1">
+            <a:schemeClr val="accent1"/>
+          </a:fillRef>
+          <a:effectRef idx="0">
+            <a:schemeClr val="accent1"/>
+          </a:effectRef>
+          <a:fontRef idx="minor">
+            <a:schemeClr val="lt1"/>
+          </a:fontRef>
+        </p:style>
+        <p:txBody>
+          <a:bodyPr rtlCol="0" anchor="ctr"/>
+          <a:lstStyle/>
+          <a:p>
+            <a:pPr algn="ctr"/>
+            <a:endParaRPr lang="en-US"/>
+          </a:p>
+        </p:txBody>
+      </p:sp>
+      <p:sp>
+        <p:nvSpPr>
+          <p:cNvPr id="28" name="Rectangle 27">
+            <a:extLst>
+              <a:ext uri="{FF2B5EF4-FFF2-40B4-BE49-F238E27FC236}">
+                <a16:creationId xmlns:a16="http://schemas.microsoft.com/office/drawing/2014/main" id="{0EC398C5-5C2E-4038-9DB3-DE2B5A9BEFFB}"/>
+              </a:ext>
+              <a:ext uri="{C183D7F6-B498-43B3-948B-1728B52AA6E4}">
+                <adec:decorative xmlns:adec="http://schemas.microsoft.com/office/drawing/2017/decorative" val="1"/>
+              </a:ext>
+            </a:extLst>
+          </p:cNvPr>
+          <p:cNvSpPr>
+            <a:spLocks noGrp="1" noRot="1" noChangeAspect="1" noMove="1" noResize="1" noEditPoints="1" noAdjustHandles="1" noChangeArrowheads="1" noChangeShapeType="1" noTextEdit="1"/>
+          </p:cNvSpPr>
+          <p:nvPr>
+            <p:extLst>
+              <p:ext uri="{386F3935-93C4-4BCD-93E2-E3B085C9AB24}">
+                <p16:designElem xmlns:p16="http://schemas.microsoft.com/office/powerpoint/2015/main" val="1"/>
+              </p:ext>
+            </p:extLst>
+          </p:nvPr>
+        </p:nvSpPr>
+        <p:spPr>
+          <a:xfrm rot="5400000" flipH="1">
+            <a:off x="-1409318" y="1410082"/>
+            <a:ext cx="6858000" cy="4037835"/>
+          </a:xfrm>
+          <a:prstGeom prst="rect">
+            <a:avLst/>
+          </a:prstGeom>
+          <a:gradFill>
+            <a:gsLst>
+              <a:gs pos="8000">
+                <a:schemeClr val="accent6"/>
+              </a:gs>
+              <a:gs pos="100000">
+                <a:schemeClr val="accent5">
+                  <a:alpha val="89000"/>
+                </a:schemeClr>
+              </a:gs>
+            </a:gsLst>
+            <a:lin ang="3000000" scaled="0"/>
+          </a:gradFill>
+          <a:ln>
+            <a:noFill/>
+          </a:ln>
+        </p:spPr>
+        <p:style>
+          <a:lnRef idx="2">
+            <a:schemeClr val="accent1">
+              <a:shade val="50000"/>
+            </a:schemeClr>
+          </a:lnRef>
+          <a:fillRef idx="1">
+            <a:schemeClr val="accent1"/>
+          </a:fillRef>
+          <a:effectRef idx="0">
+            <a:schemeClr val="accent1"/>
+          </a:effectRef>
+          <a:fontRef idx="minor">
+            <a:schemeClr val="lt1"/>
+          </a:fontRef>
+        </p:style>
+        <p:txBody>
+          <a:bodyPr rtlCol="0" anchor="ctr"/>
+          <a:lstStyle/>
+          <a:p>
+            <a:pPr algn="ctr"/>
+            <a:endParaRPr lang="en-US"/>
+          </a:p>
+        </p:txBody>
+      </p:sp>
+      <p:sp>
+        <p:nvSpPr>
+          <p:cNvPr id="30" name="Rectangle 29">
+            <a:extLst>
+              <a:ext uri="{FF2B5EF4-FFF2-40B4-BE49-F238E27FC236}">
+                <a16:creationId xmlns:a16="http://schemas.microsoft.com/office/drawing/2014/main" id="{A2F10B26-073B-4B10-8AAA-161242DD82B0}"/>
+              </a:ext>
+              <a:ext uri="{C183D7F6-B498-43B3-948B-1728B52AA6E4}">
+                <adec:decorative xmlns:adec="http://schemas.microsoft.com/office/drawing/2017/decorative" val="1"/>
+              </a:ext>
+            </a:extLst>
+          </p:cNvPr>
+          <p:cNvSpPr>
+            <a:spLocks noGrp="1" noRot="1" noChangeAspect="1" noMove="1" noResize="1" noEditPoints="1" noAdjustHandles="1" noChangeArrowheads="1" noChangeShapeType="1" noTextEdit="1"/>
+          </p:cNvSpPr>
+          <p:nvPr>
+            <p:extLst>
+              <p:ext uri="{386F3935-93C4-4BCD-93E2-E3B085C9AB24}">
+                <p16:designElem xmlns:p16="http://schemas.microsoft.com/office/powerpoint/2015/main" val="1"/>
+              </p:ext>
+            </p:extLst>
+          </p:nvPr>
+        </p:nvSpPr>
+        <p:spPr>
+          <a:xfrm rot="5400000" flipH="1">
+            <a:off x="-1153806" y="1153804"/>
+            <a:ext cx="6346209" cy="4038601"/>
+          </a:xfrm>
+          <a:prstGeom prst="rect">
+            <a:avLst/>
+          </a:prstGeom>
+          <a:gradFill>
+            <a:gsLst>
+              <a:gs pos="0">
+                <a:schemeClr val="accent5">
+                  <a:lumMod val="60000"/>
+                  <a:lumOff val="40000"/>
+                  <a:alpha val="0"/>
+                </a:schemeClr>
+              </a:gs>
+              <a:gs pos="99000">
+                <a:schemeClr val="accent2">
+                  <a:alpha val="92000"/>
+                </a:schemeClr>
+              </a:gs>
+            </a:gsLst>
+            <a:lin ang="1800000" scaled="0"/>
+          </a:gradFill>
+          <a:ln>
+            <a:noFill/>
+          </a:ln>
+        </p:spPr>
+        <p:style>
+          <a:lnRef idx="2">
+            <a:schemeClr val="accent1">
+              <a:shade val="50000"/>
+            </a:schemeClr>
+          </a:lnRef>
+          <a:fillRef idx="1">
+            <a:schemeClr val="accent1"/>
+          </a:fillRef>
+          <a:effectRef idx="0">
+            <a:schemeClr val="accent1"/>
+          </a:effectRef>
+          <a:fontRef idx="minor">
+            <a:schemeClr val="lt1"/>
+          </a:fontRef>
+        </p:style>
+        <p:txBody>
+          <a:bodyPr rtlCol="0" anchor="ctr"/>
+          <a:lstStyle/>
+          <a:p>
+            <a:pPr algn="ctr"/>
+            <a:endParaRPr lang="en-US"/>
+          </a:p>
+        </p:txBody>
+      </p:sp>
+      <p:sp>
+        <p:nvSpPr>
+          <p:cNvPr id="32" name="Rectangle 31">
+            <a:extLst>
+              <a:ext uri="{FF2B5EF4-FFF2-40B4-BE49-F238E27FC236}">
+                <a16:creationId xmlns:a16="http://schemas.microsoft.com/office/drawing/2014/main" id="{610DBBC7-698F-4A54-B1CB-A99F9CC356DF}"/>
+              </a:ext>
+              <a:ext uri="{C183D7F6-B498-43B3-948B-1728B52AA6E4}">
+                <adec:decorative xmlns:adec="http://schemas.microsoft.com/office/drawing/2017/decorative" val="1"/>
+              </a:ext>
+            </a:extLst>
+          </p:cNvPr>
+          <p:cNvSpPr>
+            <a:spLocks noGrp="1" noRot="1" noChangeAspect="1" noMove="1" noResize="1" noEditPoints="1" noAdjustHandles="1" noChangeArrowheads="1" noChangeShapeType="1" noTextEdit="1"/>
+          </p:cNvSpPr>
+          <p:nvPr>
+            <p:extLst>
+              <p:ext uri="{386F3935-93C4-4BCD-93E2-E3B085C9AB24}">
+                <p16:designElem xmlns:p16="http://schemas.microsoft.com/office/powerpoint/2015/main" val="1"/>
+              </p:ext>
+            </p:extLst>
+          </p:nvPr>
+        </p:nvSpPr>
+        <p:spPr>
+          <a:xfrm rot="5400000" flipH="1">
+            <a:off x="759574" y="3578975"/>
+            <a:ext cx="2502407" cy="4055644"/>
+          </a:xfrm>
+          <a:prstGeom prst="rect">
+            <a:avLst/>
+          </a:prstGeom>
+          <a:gradFill>
+            <a:gsLst>
+              <a:gs pos="2000">
+                <a:schemeClr val="accent5">
+                  <a:alpha val="28000"/>
+                </a:schemeClr>
+              </a:gs>
+              <a:gs pos="100000">
+                <a:schemeClr val="accent4">
+                  <a:alpha val="0"/>
+                </a:schemeClr>
+              </a:gs>
+            </a:gsLst>
+            <a:lin ang="7800000" scaled="0"/>
+          </a:gradFill>
+          <a:ln>
+            <a:noFill/>
+          </a:ln>
+        </p:spPr>
+        <p:style>
+          <a:lnRef idx="2">
+            <a:schemeClr val="accent1">
+              <a:shade val="50000"/>
+            </a:schemeClr>
+          </a:lnRef>
+          <a:fillRef idx="1">
+            <a:schemeClr val="accent1"/>
+          </a:fillRef>
+          <a:effectRef idx="0">
+            <a:schemeClr val="accent1"/>
+          </a:effectRef>
+          <a:fontRef idx="minor">
+            <a:schemeClr val="lt1"/>
+          </a:fontRef>
+        </p:style>
+        <p:txBody>
+          <a:bodyPr rtlCol="0" anchor="ctr"/>
+          <a:lstStyle/>
+          <a:p>
+            <a:pPr algn="ctr"/>
+            <a:endParaRPr lang="en-US"/>
+          </a:p>
+        </p:txBody>
+      </p:sp>
+      <p:sp>
+        <p:nvSpPr>
+          <p:cNvPr id="34" name="Freeform: Shape 33">
+            <a:extLst>
+              <a:ext uri="{FF2B5EF4-FFF2-40B4-BE49-F238E27FC236}">
+                <a16:creationId xmlns:a16="http://schemas.microsoft.com/office/drawing/2014/main" id="{DE6E822A-8BCF-432C-83E6-BBE821476CD4}"/>
+              </a:ext>
+              <a:ext uri="{C183D7F6-B498-43B3-948B-1728B52AA6E4}">
+                <adec:decorative xmlns:adec="http://schemas.microsoft.com/office/drawing/2017/decorative" val="1"/>
+              </a:ext>
+            </a:extLst>
+          </p:cNvPr>
+          <p:cNvSpPr>
+            <a:spLocks noGrp="1" noRot="1" noChangeAspect="1" noMove="1" noResize="1" noEditPoints="1" noAdjustHandles="1" noChangeArrowheads="1" noChangeShapeType="1" noTextEdit="1"/>
+          </p:cNvSpPr>
+          <p:nvPr>
+            <p:extLst>
+              <p:ext uri="{386F3935-93C4-4BCD-93E2-E3B085C9AB24}">
+                <p16:designElem xmlns:p16="http://schemas.microsoft.com/office/powerpoint/2015/main" val="1"/>
+              </p:ext>
+            </p:extLst>
+          </p:nvPr>
+        </p:nvSpPr>
+        <p:spPr>
+          <a:xfrm rot="6097846">
+            <a:off x="-747355" y="1201312"/>
+            <a:ext cx="4808302" cy="4088666"/>
+          </a:xfrm>
+          <a:custGeom>
+            <a:avLst/>
+            <a:gdLst>
+              <a:gd name="connsiteX0" fmla="*/ 48844 w 4808302"/>
+              <a:gd name="connsiteY0" fmla="*/ 2888671 h 4088666"/>
+              <a:gd name="connsiteX1" fmla="*/ 0 w 4808302"/>
+              <a:gd name="connsiteY1" fmla="*/ 2404151 h 4088666"/>
+              <a:gd name="connsiteX2" fmla="*/ 2404151 w 4808302"/>
+              <a:gd name="connsiteY2" fmla="*/ 0 h 4088666"/>
+              <a:gd name="connsiteX3" fmla="*/ 4808302 w 4808302"/>
+              <a:gd name="connsiteY3" fmla="*/ 2404151 h 4088666"/>
+              <a:gd name="connsiteX4" fmla="*/ 4700216 w 4808302"/>
+              <a:gd name="connsiteY4" fmla="*/ 3119072 h 4088666"/>
+              <a:gd name="connsiteX5" fmla="*/ 4643143 w 4808302"/>
+              <a:gd name="connsiteY5" fmla="*/ 3275009 h 4088666"/>
+              <a:gd name="connsiteX6" fmla="*/ 690093 w 4808302"/>
+              <a:gd name="connsiteY6" fmla="*/ 4088666 h 4088666"/>
+              <a:gd name="connsiteX7" fmla="*/ 548991 w 4808302"/>
+              <a:gd name="connsiteY7" fmla="*/ 3933414 h 4088666"/>
+              <a:gd name="connsiteX8" fmla="*/ 48844 w 4808302"/>
+              <a:gd name="connsiteY8" fmla="*/ 2888671 h 4088666"/>
+            </a:gdLst>
+            <a:ahLst/>
+            <a:cxnLst>
+              <a:cxn ang="0">
+                <a:pos x="connsiteX0" y="connsiteY0"/>
+              </a:cxn>
+              <a:cxn ang="0">
+                <a:pos x="connsiteX1" y="connsiteY1"/>
+              </a:cxn>
+              <a:cxn ang="0">
+                <a:pos x="connsiteX2" y="connsiteY2"/>
+              </a:cxn>
+              <a:cxn ang="0">
+                <a:pos x="connsiteX3" y="connsiteY3"/>
+              </a:cxn>
+              <a:cxn ang="0">
+                <a:pos x="connsiteX4" y="connsiteY4"/>
+              </a:cxn>
+              <a:cxn ang="0">
+                <a:pos x="connsiteX5" y="connsiteY5"/>
+              </a:cxn>
+              <a:cxn ang="0">
+                <a:pos x="connsiteX6" y="connsiteY6"/>
+              </a:cxn>
+              <a:cxn ang="0">
+                <a:pos x="connsiteX7" y="connsiteY7"/>
+              </a:cxn>
+              <a:cxn ang="0">
+                <a:pos x="connsiteX8" y="connsiteY8"/>
+              </a:cxn>
+            </a:cxnLst>
+            <a:rect l="l" t="t" r="r" b="b"/>
+            <a:pathLst>
+              <a:path w="4808302" h="4088666">
+                <a:moveTo>
+                  <a:pt x="48844" y="2888671"/>
+                </a:moveTo>
+                <a:cubicBezTo>
+                  <a:pt x="16818" y="2732167"/>
+                  <a:pt x="0" y="2570123"/>
+                  <a:pt x="0" y="2404151"/>
+                </a:cubicBezTo>
+                <a:cubicBezTo>
+                  <a:pt x="0" y="1076375"/>
+                  <a:pt x="1076375" y="0"/>
+                  <a:pt x="2404151" y="0"/>
+                </a:cubicBezTo>
+                <a:cubicBezTo>
+                  <a:pt x="3731927" y="0"/>
+                  <a:pt x="4808302" y="1076375"/>
+                  <a:pt x="4808302" y="2404151"/>
+                </a:cubicBezTo>
+                <a:cubicBezTo>
+                  <a:pt x="4808302" y="2653109"/>
+                  <a:pt x="4770461" y="2893229"/>
+                  <a:pt x="4700216" y="3119072"/>
+                </a:cubicBezTo>
+                <a:lnTo>
+                  <a:pt x="4643143" y="3275009"/>
+                </a:lnTo>
+                <a:lnTo>
+                  <a:pt x="690093" y="4088666"/>
+                </a:lnTo>
+                <a:lnTo>
+                  <a:pt x="548991" y="3933414"/>
+                </a:lnTo>
+                <a:cubicBezTo>
+                  <a:pt x="304015" y="3636572"/>
+                  <a:pt x="128908" y="3279932"/>
+                  <a:pt x="48844" y="2888671"/>
+                </a:cubicBezTo>
+                <a:close/>
+              </a:path>
+            </a:pathLst>
+          </a:custGeom>
+          <a:gradFill>
+            <a:gsLst>
+              <a:gs pos="13000">
+                <a:schemeClr val="accent4">
+                  <a:lumMod val="20000"/>
+                  <a:lumOff val="80000"/>
+                  <a:alpha val="2000"/>
+                </a:schemeClr>
+              </a:gs>
+              <a:gs pos="100000">
+                <a:schemeClr val="accent6">
+                  <a:alpha val="29000"/>
+                </a:schemeClr>
+              </a:gs>
+            </a:gsLst>
+            <a:lin ang="16800000" scaled="0"/>
+          </a:gradFill>
+          <a:ln>
+            <a:noFill/>
+          </a:ln>
+        </p:spPr>
+        <p:style>
+          <a:lnRef idx="2">
+            <a:schemeClr val="accent1">
+              <a:shade val="50000"/>
+            </a:schemeClr>
+          </a:lnRef>
+          <a:fillRef idx="1">
+            <a:schemeClr val="accent1"/>
+          </a:fillRef>
+          <a:effectRef idx="0">
+            <a:schemeClr val="accent1"/>
+          </a:effectRef>
+          <a:fontRef idx="minor">
+            <a:schemeClr val="lt1"/>
+          </a:fontRef>
+        </p:style>
+        <p:txBody>
+          <a:bodyPr wrap="square" rtlCol="0" anchor="ctr">
+            <a:noAutofit/>
+          </a:bodyPr>
+          <a:lstStyle/>
+          <a:p>
+            <a:pPr algn="ctr"/>
+            <a:endParaRPr lang="en-US" dirty="0"/>
+          </a:p>
+        </p:txBody>
+      </p:sp>
+      <p:sp>
+        <p:nvSpPr>
+          <p:cNvPr id="16" name="Title 1">
+            <a:extLst>
+              <a:ext uri="{FF2B5EF4-FFF2-40B4-BE49-F238E27FC236}">
+                <a16:creationId xmlns:a16="http://schemas.microsoft.com/office/drawing/2014/main" id="{2F700027-5BEE-4340-A8F0-A56D14556C28}"/>
               </a:ext>
             </a:extLst>
           </p:cNvPr>
@@ -8047,47 +12746,154 @@
             <p:ph type="title"/>
           </p:nvPr>
         </p:nvSpPr>
-        <p:spPr/>
+        <p:spPr>
+          <a:xfrm>
+            <a:off x="474243" y="2751903"/>
+            <a:ext cx="3236613" cy="3406187"/>
+          </a:xfrm>
+        </p:spPr>
         <p:txBody>
-          <a:bodyPr/>
+          <a:bodyPr vert="horz" lIns="0" tIns="0" rIns="0" bIns="0" rtlCol="0" anchor="b">
+            <a:noAutofit/>
+          </a:bodyPr>
           <a:lstStyle/>
           <a:p>
+            <a:pPr algn="r">
+              <a:lnSpc>
+                <a:spcPct val="90000"/>
+              </a:lnSpc>
+            </a:pPr>
+            <a:br>
+              <a:rPr lang="en-US" sz="1800" spc="750" dirty="0">
+                <a:solidFill>
+                  <a:schemeClr val="bg1"/>
+                </a:solidFill>
+              </a:rPr>
+            </a:br>
+            <a:br>
+              <a:rPr lang="en-US" sz="1800" spc="750" dirty="0">
+                <a:solidFill>
+                  <a:schemeClr val="bg1"/>
+                </a:solidFill>
+              </a:rPr>
+            </a:br>
             <a:r>
-              <a:rPr lang="en-US" dirty="0"/>
-              <a:t>Random forests</a:t>
+              <a:rPr lang="en-US" sz="1800" spc="750" dirty="0">
+                <a:solidFill>
+                  <a:schemeClr val="bg1"/>
+                </a:solidFill>
+              </a:rPr>
+              <a:t>Confusion matrix</a:t>
             </a:r>
+            <a:br>
+              <a:rPr lang="en-US" sz="1800" spc="750" dirty="0">
+                <a:solidFill>
+                  <a:schemeClr val="bg1"/>
+                </a:solidFill>
+              </a:rPr>
+            </a:br>
+            <a:br>
+              <a:rPr lang="en-US" sz="1800" spc="750" dirty="0">
+                <a:solidFill>
+                  <a:schemeClr val="bg1"/>
+                </a:solidFill>
+              </a:rPr>
+            </a:br>
+            <a:br>
+              <a:rPr lang="en-US" sz="1800" spc="750" dirty="0">
+                <a:solidFill>
+                  <a:schemeClr val="bg1"/>
+                </a:solidFill>
+              </a:rPr>
+            </a:br>
+            <a:br>
+              <a:rPr lang="en-US" sz="1800" spc="750" dirty="0">
+                <a:solidFill>
+                  <a:schemeClr val="bg1"/>
+                </a:solidFill>
+              </a:rPr>
+            </a:br>
+            <a:r>
+              <a:rPr lang="en-US" sz="1800" spc="750" dirty="0">
+                <a:solidFill>
+                  <a:schemeClr val="bg1"/>
+                </a:solidFill>
+              </a:rPr>
+              <a:t>according to the cost matrix associated with this dataset It is worse to class a customer as good when they are bad, </a:t>
+            </a:r>
+            <a:br>
+              <a:rPr lang="en-US" sz="1800" spc="750" dirty="0">
+                <a:solidFill>
+                  <a:schemeClr val="bg1"/>
+                </a:solidFill>
+              </a:rPr>
+            </a:br>
+            <a:r>
+              <a:rPr lang="en-US" sz="1800" spc="750" dirty="0">
+                <a:solidFill>
+                  <a:schemeClr val="bg1"/>
+                </a:solidFill>
+              </a:rPr>
+              <a:t>than it is to class a customer as bad when they are good .</a:t>
+            </a:r>
+            <a:br>
+              <a:rPr lang="en-US" sz="1800" spc="750" dirty="0">
+                <a:solidFill>
+                  <a:schemeClr val="bg1"/>
+                </a:solidFill>
+              </a:rPr>
+            </a:br>
+            <a:br>
+              <a:rPr lang="en-US" sz="1800" spc="750" dirty="0">
+                <a:solidFill>
+                  <a:schemeClr val="bg1"/>
+                </a:solidFill>
+              </a:rPr>
+            </a:br>
+            <a:endParaRPr lang="en-US" sz="1800" spc="750" dirty="0">
+              <a:solidFill>
+                <a:schemeClr val="bg1"/>
+              </a:solidFill>
+            </a:endParaRPr>
           </a:p>
         </p:txBody>
       </p:sp>
-      <p:sp>
-        <p:nvSpPr>
-          <p:cNvPr id="3" name="Content Placeholder 2">
-            <a:extLst>
-              <a:ext uri="{FF2B5EF4-FFF2-40B4-BE49-F238E27FC236}">
-                <a16:creationId xmlns:a16="http://schemas.microsoft.com/office/drawing/2014/main" id="{047836B4-1AE7-4030-906C-79C02BA5EFCF}"/>
-              </a:ext>
-            </a:extLst>
-          </p:cNvPr>
-          <p:cNvSpPr>
-            <a:spLocks noGrp="1"/>
-          </p:cNvSpPr>
+      <p:pic>
+        <p:nvPicPr>
+          <p:cNvPr id="15" name="Content Placeholder 14" descr="A screenshot of a cell phone&#10;&#10;Description automatically generated">
+            <a:extLst>
+              <a:ext uri="{FF2B5EF4-FFF2-40B4-BE49-F238E27FC236}">
+                <a16:creationId xmlns:a16="http://schemas.microsoft.com/office/drawing/2014/main" id="{743EA0CB-1139-244B-AEE3-E564A73E32A5}"/>
+              </a:ext>
+            </a:extLst>
+          </p:cNvPr>
+          <p:cNvPicPr>
+            <a:picLocks noGrp="1" noChangeAspect="1"/>
+          </p:cNvPicPr>
           <p:nvPr>
             <p:ph idx="1"/>
           </p:nvPr>
-        </p:nvSpPr>
-        <p:spPr/>
-        <p:txBody>
-          <a:bodyPr/>
-          <a:lstStyle/>
-          <a:p>
-            <a:endParaRPr lang="en-US"/>
-          </a:p>
-        </p:txBody>
-      </p:sp>
+        </p:nvPicPr>
+        <p:blipFill>
+          <a:blip r:embed="rId2"/>
+          <a:stretch>
+            <a:fillRect/>
+          </a:stretch>
+        </p:blipFill>
+        <p:spPr>
+          <a:xfrm>
+            <a:off x="4503619" y="610226"/>
+            <a:ext cx="7214138" cy="5645061"/>
+          </a:xfrm>
+          <a:prstGeom prst="rect">
+            <a:avLst/>
+          </a:prstGeom>
+        </p:spPr>
+      </p:pic>
     </p:spTree>
     <p:extLst>
       <p:ext uri="{BB962C8B-B14F-4D97-AF65-F5344CB8AC3E}">
-        <p14:creationId xmlns:p14="http://schemas.microsoft.com/office/powerpoint/2010/main" val="178338394"/>
+        <p14:creationId xmlns:p14="http://schemas.microsoft.com/office/powerpoint/2010/main" val="2226237066"/>
       </p:ext>
     </p:extLst>
   </p:cSld>

--- a/Final_Presentation.pptx
+++ b/Final_Presentation.pptx
@@ -14,9 +14,9 @@
     <p:sldId id="267" r:id="rId8"/>
     <p:sldId id="271" r:id="rId9"/>
     <p:sldId id="269" r:id="rId10"/>
-    <p:sldId id="270" r:id="rId11"/>
-    <p:sldId id="265" r:id="rId12"/>
-    <p:sldId id="266" r:id="rId13"/>
+    <p:sldId id="265" r:id="rId11"/>
+    <p:sldId id="266" r:id="rId12"/>
+    <p:sldId id="270" r:id="rId13"/>
   </p:sldIdLst>
   <p:sldSz cx="12192000" cy="6858000"/>
   <p:notesSz cx="6858000" cy="9144000"/>
@@ -4056,6 +4056,378 @@
 <file path=ppt/slides/slide10.xml><?xml version="1.0" encoding="utf-8"?>
 <p:sld xmlns:a="http://schemas.openxmlformats.org/drawingml/2006/main" xmlns:r="http://schemas.openxmlformats.org/officeDocument/2006/relationships" xmlns:p="http://schemas.openxmlformats.org/presentationml/2006/main">
   <p:cSld>
+    <p:spTree>
+      <p:nvGrpSpPr>
+        <p:cNvPr id="1" name=""/>
+        <p:cNvGrpSpPr/>
+        <p:nvPr/>
+      </p:nvGrpSpPr>
+      <p:grpSpPr>
+        <a:xfrm>
+          <a:off x="0" y="0"/>
+          <a:ext cx="0" cy="0"/>
+          <a:chOff x="0" y="0"/>
+          <a:chExt cx="0" cy="0"/>
+        </a:xfrm>
+      </p:grpSpPr>
+      <p:sp>
+        <p:nvSpPr>
+          <p:cNvPr id="2" name="Title 1">
+            <a:extLst>
+              <a:ext uri="{FF2B5EF4-FFF2-40B4-BE49-F238E27FC236}">
+                <a16:creationId xmlns:a16="http://schemas.microsoft.com/office/drawing/2014/main" id="{7626E4FF-7C33-4BA7-AF0A-7B82B1A7B82D}"/>
+              </a:ext>
+            </a:extLst>
+          </p:cNvPr>
+          <p:cNvSpPr>
+            <a:spLocks noGrp="1"/>
+          </p:cNvSpPr>
+          <p:nvPr>
+            <p:ph type="title"/>
+          </p:nvPr>
+        </p:nvSpPr>
+        <p:spPr>
+          <a:xfrm>
+            <a:off x="419483" y="-328719"/>
+            <a:ext cx="11023834" cy="1556725"/>
+          </a:xfrm>
+        </p:spPr>
+        <p:txBody>
+          <a:bodyPr vert="horz" lIns="0" tIns="0" rIns="0" bIns="0" rtlCol="0" anchor="b">
+            <a:normAutofit/>
+          </a:bodyPr>
+          <a:lstStyle/>
+          <a:p>
+            <a:r>
+              <a:rPr lang="en-US" sz="3600" dirty="0"/>
+              <a:t>Random Forest classification</a:t>
+            </a:r>
+          </a:p>
+        </p:txBody>
+      </p:sp>
+      <p:sp>
+        <p:nvSpPr>
+          <p:cNvPr id="4" name="TextBox 3">
+            <a:extLst>
+              <a:ext uri="{FF2B5EF4-FFF2-40B4-BE49-F238E27FC236}">
+                <a16:creationId xmlns:a16="http://schemas.microsoft.com/office/drawing/2014/main" id="{711E739A-AAF6-4112-BEEE-2C3B3C5B63F8}"/>
+              </a:ext>
+            </a:extLst>
+          </p:cNvPr>
+          <p:cNvSpPr txBox="1"/>
+          <p:nvPr/>
+        </p:nvSpPr>
+        <p:spPr>
+          <a:xfrm>
+            <a:off x="731318" y="1629387"/>
+            <a:ext cx="4906002" cy="3599226"/>
+          </a:xfrm>
+          <a:prstGeom prst="rect">
+            <a:avLst/>
+          </a:prstGeom>
+        </p:spPr>
+        <p:txBody>
+          <a:bodyPr vert="horz" lIns="0" tIns="0" rIns="0" bIns="0" rtlCol="0">
+            <a:normAutofit/>
+          </a:bodyPr>
+          <a:lstStyle/>
+          <a:p>
+            <a:pPr indent="-228600">
+              <a:lnSpc>
+                <a:spcPct val="120000"/>
+              </a:lnSpc>
+              <a:spcAft>
+                <a:spcPts val="600"/>
+              </a:spcAft>
+              <a:buFont typeface="Arial" panose="020B0604020202020204" pitchFamily="34" charset="0"/>
+              <a:buChar char="•"/>
+            </a:pPr>
+            <a:r>
+              <a:rPr lang="en-US" dirty="0"/>
+              <a:t>The first model was trained using 1,000 decision trees on scaled, but imbalanced data. It reached an accuracy score of 76%.</a:t>
+            </a:r>
+          </a:p>
+        </p:txBody>
+      </p:sp>
+      <p:pic>
+        <p:nvPicPr>
+          <p:cNvPr id="8" name="Picture 7" descr="A screenshot of a cell phone&#10;&#10;Description automatically generated">
+            <a:extLst>
+              <a:ext uri="{FF2B5EF4-FFF2-40B4-BE49-F238E27FC236}">
+                <a16:creationId xmlns:a16="http://schemas.microsoft.com/office/drawing/2014/main" id="{99CB41B2-54BF-4A4B-9E14-C38AD6505D5F}"/>
+              </a:ext>
+            </a:extLst>
+          </p:cNvPr>
+          <p:cNvPicPr>
+            <a:picLocks noChangeAspect="1"/>
+          </p:cNvPicPr>
+          <p:nvPr/>
+        </p:nvPicPr>
+        <p:blipFill>
+          <a:blip r:embed="rId2"/>
+          <a:stretch>
+            <a:fillRect/>
+          </a:stretch>
+        </p:blipFill>
+        <p:spPr>
+          <a:xfrm>
+            <a:off x="6096000" y="2990855"/>
+            <a:ext cx="5390458" cy="2872287"/>
+          </a:xfrm>
+          <a:prstGeom prst="rect">
+            <a:avLst/>
+          </a:prstGeom>
+        </p:spPr>
+      </p:pic>
+      <p:pic>
+        <p:nvPicPr>
+          <p:cNvPr id="20" name="Picture 19">
+            <a:extLst>
+              <a:ext uri="{FF2B5EF4-FFF2-40B4-BE49-F238E27FC236}">
+                <a16:creationId xmlns:a16="http://schemas.microsoft.com/office/drawing/2014/main" id="{7C72B2CD-7228-47EA-9E5A-2CE9CE8F0128}"/>
+              </a:ext>
+            </a:extLst>
+          </p:cNvPr>
+          <p:cNvPicPr>
+            <a:picLocks noChangeAspect="1"/>
+          </p:cNvPicPr>
+          <p:nvPr/>
+        </p:nvPicPr>
+        <p:blipFill>
+          <a:blip r:embed="rId3"/>
+          <a:stretch>
+            <a:fillRect/>
+          </a:stretch>
+        </p:blipFill>
+        <p:spPr>
+          <a:xfrm>
+            <a:off x="665098" y="3550330"/>
+            <a:ext cx="4708851" cy="1487006"/>
+          </a:xfrm>
+          <a:prstGeom prst="rect">
+            <a:avLst/>
+          </a:prstGeom>
+        </p:spPr>
+      </p:pic>
+      <p:sp>
+        <p:nvSpPr>
+          <p:cNvPr id="3" name="Rectangle 2">
+            <a:extLst>
+              <a:ext uri="{FF2B5EF4-FFF2-40B4-BE49-F238E27FC236}">
+                <a16:creationId xmlns:a16="http://schemas.microsoft.com/office/drawing/2014/main" id="{4C39F812-8EA8-4187-BCC4-F270381FE69E}"/>
+              </a:ext>
+            </a:extLst>
+          </p:cNvPr>
+          <p:cNvSpPr/>
+          <p:nvPr/>
+        </p:nvSpPr>
+        <p:spPr>
+          <a:xfrm>
+            <a:off x="6260602" y="1629387"/>
+            <a:ext cx="5225856" cy="1063561"/>
+          </a:xfrm>
+          <a:prstGeom prst="rect">
+            <a:avLst/>
+          </a:prstGeom>
+        </p:spPr>
+        <p:txBody>
+          <a:bodyPr wrap="square">
+            <a:spAutoFit/>
+          </a:bodyPr>
+          <a:lstStyle/>
+          <a:p>
+            <a:pPr indent="-228600">
+              <a:lnSpc>
+                <a:spcPct val="120000"/>
+              </a:lnSpc>
+              <a:spcAft>
+                <a:spcPts val="600"/>
+              </a:spcAft>
+              <a:buFont typeface="Arial" panose="020B0604020202020204" pitchFamily="34" charset="0"/>
+              <a:buChar char="•"/>
+            </a:pPr>
+            <a:r>
+              <a:rPr lang="en-US" dirty="0"/>
+              <a:t>To improve the model, we compared the importance of the features to find out which ones could be dropped.</a:t>
+            </a:r>
+          </a:p>
+        </p:txBody>
+      </p:sp>
+    </p:spTree>
+    <p:extLst>
+      <p:ext uri="{BB962C8B-B14F-4D97-AF65-F5344CB8AC3E}">
+        <p14:creationId xmlns:p14="http://schemas.microsoft.com/office/powerpoint/2010/main" val="2205324478"/>
+      </p:ext>
+    </p:extLst>
+  </p:cSld>
+  <p:clrMapOvr>
+    <a:masterClrMapping/>
+  </p:clrMapOvr>
+</p:sld>
+</file>
+
+<file path=ppt/slides/slide11.xml><?xml version="1.0" encoding="utf-8"?>
+<p:sld xmlns:a="http://schemas.openxmlformats.org/drawingml/2006/main" xmlns:r="http://schemas.openxmlformats.org/officeDocument/2006/relationships" xmlns:p="http://schemas.openxmlformats.org/presentationml/2006/main">
+  <p:cSld>
+    <p:spTree>
+      <p:nvGrpSpPr>
+        <p:cNvPr id="1" name=""/>
+        <p:cNvGrpSpPr/>
+        <p:nvPr/>
+      </p:nvGrpSpPr>
+      <p:grpSpPr>
+        <a:xfrm>
+          <a:off x="0" y="0"/>
+          <a:ext cx="0" cy="0"/>
+          <a:chOff x="0" y="0"/>
+          <a:chExt cx="0" cy="0"/>
+        </a:xfrm>
+      </p:grpSpPr>
+      <p:sp>
+        <p:nvSpPr>
+          <p:cNvPr id="2" name="TextBox 1">
+            <a:extLst>
+              <a:ext uri="{FF2B5EF4-FFF2-40B4-BE49-F238E27FC236}">
+                <a16:creationId xmlns:a16="http://schemas.microsoft.com/office/drawing/2014/main" id="{B72CC41D-AC39-4F58-B8F1-CCFA8CF00050}"/>
+              </a:ext>
+            </a:extLst>
+          </p:cNvPr>
+          <p:cNvSpPr txBox="1"/>
+          <p:nvPr/>
+        </p:nvSpPr>
+        <p:spPr>
+          <a:xfrm>
+            <a:off x="990600" y="904876"/>
+            <a:ext cx="4680235" cy="2470100"/>
+          </a:xfrm>
+          <a:prstGeom prst="rect">
+            <a:avLst/>
+          </a:prstGeom>
+          <a:noFill/>
+        </p:spPr>
+        <p:txBody>
+          <a:bodyPr wrap="square" rtlCol="0">
+            <a:spAutoFit/>
+          </a:bodyPr>
+          <a:lstStyle/>
+          <a:p>
+            <a:pPr indent="-228600">
+              <a:lnSpc>
+                <a:spcPct val="120000"/>
+              </a:lnSpc>
+              <a:spcAft>
+                <a:spcPts val="600"/>
+              </a:spcAft>
+              <a:buFont typeface="Arial" panose="020B0604020202020204" pitchFamily="34" charset="0"/>
+              <a:buChar char="•"/>
+            </a:pPr>
+            <a:r>
+              <a:rPr lang="en-US" dirty="0"/>
+              <a:t>The least significant columns were dropped and by using the </a:t>
+            </a:r>
+            <a:r>
+              <a:rPr lang="en-US" dirty="0" err="1"/>
+              <a:t>RandomOverSampler</a:t>
+            </a:r>
+            <a:r>
+              <a:rPr lang="en-US" dirty="0"/>
+              <a:t> method, the data was balanced.</a:t>
+            </a:r>
+          </a:p>
+          <a:p>
+            <a:pPr indent="-228600">
+              <a:lnSpc>
+                <a:spcPct val="120000"/>
+              </a:lnSpc>
+              <a:spcAft>
+                <a:spcPts val="600"/>
+              </a:spcAft>
+              <a:buFont typeface="Arial" panose="020B0604020202020204" pitchFamily="34" charset="0"/>
+              <a:buChar char="•"/>
+            </a:pPr>
+            <a:r>
+              <a:rPr lang="en-US" dirty="0"/>
+              <a:t>The second model trained with 3,000 decision trees, balanced data, and less features reached an accuracy score of 87%.</a:t>
+            </a:r>
+          </a:p>
+        </p:txBody>
+      </p:sp>
+      <p:pic>
+        <p:nvPicPr>
+          <p:cNvPr id="4" name="Picture 3">
+            <a:extLst>
+              <a:ext uri="{FF2B5EF4-FFF2-40B4-BE49-F238E27FC236}">
+                <a16:creationId xmlns:a16="http://schemas.microsoft.com/office/drawing/2014/main" id="{5A142BCC-5867-47AE-AD49-B6C3B97D3B65}"/>
+              </a:ext>
+            </a:extLst>
+          </p:cNvPr>
+          <p:cNvPicPr>
+            <a:picLocks noChangeAspect="1"/>
+          </p:cNvPicPr>
+          <p:nvPr/>
+        </p:nvPicPr>
+        <p:blipFill>
+          <a:blip r:embed="rId2"/>
+          <a:stretch>
+            <a:fillRect/>
+          </a:stretch>
+        </p:blipFill>
+        <p:spPr>
+          <a:xfrm>
+            <a:off x="6096000" y="767179"/>
+            <a:ext cx="4680235" cy="1487749"/>
+          </a:xfrm>
+          <a:prstGeom prst="rect">
+            <a:avLst/>
+          </a:prstGeom>
+        </p:spPr>
+      </p:pic>
+      <p:pic>
+        <p:nvPicPr>
+          <p:cNvPr id="6" name="Picture 5">
+            <a:extLst>
+              <a:ext uri="{FF2B5EF4-FFF2-40B4-BE49-F238E27FC236}">
+                <a16:creationId xmlns:a16="http://schemas.microsoft.com/office/drawing/2014/main" id="{D4110231-D85A-4199-B30E-7522AEB75B9B}"/>
+              </a:ext>
+            </a:extLst>
+          </p:cNvPr>
+          <p:cNvPicPr>
+            <a:picLocks noChangeAspect="1"/>
+          </p:cNvPicPr>
+          <p:nvPr/>
+        </p:nvPicPr>
+        <p:blipFill>
+          <a:blip r:embed="rId3"/>
+          <a:stretch>
+            <a:fillRect/>
+          </a:stretch>
+        </p:blipFill>
+        <p:spPr>
+          <a:xfrm>
+            <a:off x="6500594" y="2707127"/>
+            <a:ext cx="4399029" cy="3201313"/>
+          </a:xfrm>
+          <a:prstGeom prst="rect">
+            <a:avLst/>
+          </a:prstGeom>
+        </p:spPr>
+      </p:pic>
+    </p:spTree>
+    <p:extLst>
+      <p:ext uri="{BB962C8B-B14F-4D97-AF65-F5344CB8AC3E}">
+        <p14:creationId xmlns:p14="http://schemas.microsoft.com/office/powerpoint/2010/main" val="2047011490"/>
+      </p:ext>
+    </p:extLst>
+  </p:cSld>
+  <p:clrMapOvr>
+    <a:masterClrMapping/>
+  </p:clrMapOvr>
+</p:sld>
+</file>
+
+<file path=ppt/slides/slide12.xml><?xml version="1.0" encoding="utf-8"?>
+<p:sld xmlns:a="http://schemas.openxmlformats.org/drawingml/2006/main" xmlns:r="http://schemas.openxmlformats.org/officeDocument/2006/relationships" xmlns:p="http://schemas.openxmlformats.org/presentationml/2006/main">
+  <p:cSld>
     <p:bg>
       <p:bgPr>
         <a:solidFill>
@@ -4412,378 +4784,6 @@
     <p:extLst>
       <p:ext uri="{BB962C8B-B14F-4D97-AF65-F5344CB8AC3E}">
         <p14:creationId xmlns:p14="http://schemas.microsoft.com/office/powerpoint/2010/main" val="2992775924"/>
-      </p:ext>
-    </p:extLst>
-  </p:cSld>
-  <p:clrMapOvr>
-    <a:masterClrMapping/>
-  </p:clrMapOvr>
-</p:sld>
-</file>
-
-<file path=ppt/slides/slide11.xml><?xml version="1.0" encoding="utf-8"?>
-<p:sld xmlns:a="http://schemas.openxmlformats.org/drawingml/2006/main" xmlns:r="http://schemas.openxmlformats.org/officeDocument/2006/relationships" xmlns:p="http://schemas.openxmlformats.org/presentationml/2006/main">
-  <p:cSld>
-    <p:spTree>
-      <p:nvGrpSpPr>
-        <p:cNvPr id="1" name=""/>
-        <p:cNvGrpSpPr/>
-        <p:nvPr/>
-      </p:nvGrpSpPr>
-      <p:grpSpPr>
-        <a:xfrm>
-          <a:off x="0" y="0"/>
-          <a:ext cx="0" cy="0"/>
-          <a:chOff x="0" y="0"/>
-          <a:chExt cx="0" cy="0"/>
-        </a:xfrm>
-      </p:grpSpPr>
-      <p:sp>
-        <p:nvSpPr>
-          <p:cNvPr id="2" name="Title 1">
-            <a:extLst>
-              <a:ext uri="{FF2B5EF4-FFF2-40B4-BE49-F238E27FC236}">
-                <a16:creationId xmlns:a16="http://schemas.microsoft.com/office/drawing/2014/main" id="{7626E4FF-7C33-4BA7-AF0A-7B82B1A7B82D}"/>
-              </a:ext>
-            </a:extLst>
-          </p:cNvPr>
-          <p:cNvSpPr>
-            <a:spLocks noGrp="1"/>
-          </p:cNvSpPr>
-          <p:nvPr>
-            <p:ph type="title"/>
-          </p:nvPr>
-        </p:nvSpPr>
-        <p:spPr>
-          <a:xfrm>
-            <a:off x="419483" y="-328719"/>
-            <a:ext cx="11023834" cy="1556725"/>
-          </a:xfrm>
-        </p:spPr>
-        <p:txBody>
-          <a:bodyPr vert="horz" lIns="0" tIns="0" rIns="0" bIns="0" rtlCol="0" anchor="b">
-            <a:normAutofit/>
-          </a:bodyPr>
-          <a:lstStyle/>
-          <a:p>
-            <a:r>
-              <a:rPr lang="en-US" sz="3600" dirty="0"/>
-              <a:t>Random Forest classification</a:t>
-            </a:r>
-          </a:p>
-        </p:txBody>
-      </p:sp>
-      <p:sp>
-        <p:nvSpPr>
-          <p:cNvPr id="4" name="TextBox 3">
-            <a:extLst>
-              <a:ext uri="{FF2B5EF4-FFF2-40B4-BE49-F238E27FC236}">
-                <a16:creationId xmlns:a16="http://schemas.microsoft.com/office/drawing/2014/main" id="{711E739A-AAF6-4112-BEEE-2C3B3C5B63F8}"/>
-              </a:ext>
-            </a:extLst>
-          </p:cNvPr>
-          <p:cNvSpPr txBox="1"/>
-          <p:nvPr/>
-        </p:nvSpPr>
-        <p:spPr>
-          <a:xfrm>
-            <a:off x="731318" y="1629387"/>
-            <a:ext cx="4906002" cy="3599226"/>
-          </a:xfrm>
-          <a:prstGeom prst="rect">
-            <a:avLst/>
-          </a:prstGeom>
-        </p:spPr>
-        <p:txBody>
-          <a:bodyPr vert="horz" lIns="0" tIns="0" rIns="0" bIns="0" rtlCol="0">
-            <a:normAutofit/>
-          </a:bodyPr>
-          <a:lstStyle/>
-          <a:p>
-            <a:pPr indent="-228600">
-              <a:lnSpc>
-                <a:spcPct val="120000"/>
-              </a:lnSpc>
-              <a:spcAft>
-                <a:spcPts val="600"/>
-              </a:spcAft>
-              <a:buFont typeface="Arial" panose="020B0604020202020204" pitchFamily="34" charset="0"/>
-              <a:buChar char="•"/>
-            </a:pPr>
-            <a:r>
-              <a:rPr lang="en-US" dirty="0"/>
-              <a:t>The first model was trained using 1,000 decision trees on scaled, but imbalanced data. It reached an accuracy score of 76%.</a:t>
-            </a:r>
-          </a:p>
-        </p:txBody>
-      </p:sp>
-      <p:pic>
-        <p:nvPicPr>
-          <p:cNvPr id="8" name="Picture 7" descr="A screenshot of a cell phone&#10;&#10;Description automatically generated">
-            <a:extLst>
-              <a:ext uri="{FF2B5EF4-FFF2-40B4-BE49-F238E27FC236}">
-                <a16:creationId xmlns:a16="http://schemas.microsoft.com/office/drawing/2014/main" id="{99CB41B2-54BF-4A4B-9E14-C38AD6505D5F}"/>
-              </a:ext>
-            </a:extLst>
-          </p:cNvPr>
-          <p:cNvPicPr>
-            <a:picLocks noChangeAspect="1"/>
-          </p:cNvPicPr>
-          <p:nvPr/>
-        </p:nvPicPr>
-        <p:blipFill>
-          <a:blip r:embed="rId2"/>
-          <a:stretch>
-            <a:fillRect/>
-          </a:stretch>
-        </p:blipFill>
-        <p:spPr>
-          <a:xfrm>
-            <a:off x="6096000" y="2990855"/>
-            <a:ext cx="5390458" cy="2872287"/>
-          </a:xfrm>
-          <a:prstGeom prst="rect">
-            <a:avLst/>
-          </a:prstGeom>
-        </p:spPr>
-      </p:pic>
-      <p:pic>
-        <p:nvPicPr>
-          <p:cNvPr id="20" name="Picture 19">
-            <a:extLst>
-              <a:ext uri="{FF2B5EF4-FFF2-40B4-BE49-F238E27FC236}">
-                <a16:creationId xmlns:a16="http://schemas.microsoft.com/office/drawing/2014/main" id="{7C72B2CD-7228-47EA-9E5A-2CE9CE8F0128}"/>
-              </a:ext>
-            </a:extLst>
-          </p:cNvPr>
-          <p:cNvPicPr>
-            <a:picLocks noChangeAspect="1"/>
-          </p:cNvPicPr>
-          <p:nvPr/>
-        </p:nvPicPr>
-        <p:blipFill>
-          <a:blip r:embed="rId3"/>
-          <a:stretch>
-            <a:fillRect/>
-          </a:stretch>
-        </p:blipFill>
-        <p:spPr>
-          <a:xfrm>
-            <a:off x="665098" y="3550330"/>
-            <a:ext cx="4708851" cy="1487006"/>
-          </a:xfrm>
-          <a:prstGeom prst="rect">
-            <a:avLst/>
-          </a:prstGeom>
-        </p:spPr>
-      </p:pic>
-      <p:sp>
-        <p:nvSpPr>
-          <p:cNvPr id="3" name="Rectangle 2">
-            <a:extLst>
-              <a:ext uri="{FF2B5EF4-FFF2-40B4-BE49-F238E27FC236}">
-                <a16:creationId xmlns:a16="http://schemas.microsoft.com/office/drawing/2014/main" id="{4C39F812-8EA8-4187-BCC4-F270381FE69E}"/>
-              </a:ext>
-            </a:extLst>
-          </p:cNvPr>
-          <p:cNvSpPr/>
-          <p:nvPr/>
-        </p:nvSpPr>
-        <p:spPr>
-          <a:xfrm>
-            <a:off x="6260602" y="1629387"/>
-            <a:ext cx="5225856" cy="1063561"/>
-          </a:xfrm>
-          <a:prstGeom prst="rect">
-            <a:avLst/>
-          </a:prstGeom>
-        </p:spPr>
-        <p:txBody>
-          <a:bodyPr wrap="square">
-            <a:spAutoFit/>
-          </a:bodyPr>
-          <a:lstStyle/>
-          <a:p>
-            <a:pPr indent="-228600">
-              <a:lnSpc>
-                <a:spcPct val="120000"/>
-              </a:lnSpc>
-              <a:spcAft>
-                <a:spcPts val="600"/>
-              </a:spcAft>
-              <a:buFont typeface="Arial" panose="020B0604020202020204" pitchFamily="34" charset="0"/>
-              <a:buChar char="•"/>
-            </a:pPr>
-            <a:r>
-              <a:rPr lang="en-US" dirty="0"/>
-              <a:t>To improve the model, we compared the importance of the features to find out which ones could be dropped.</a:t>
-            </a:r>
-          </a:p>
-        </p:txBody>
-      </p:sp>
-    </p:spTree>
-    <p:extLst>
-      <p:ext uri="{BB962C8B-B14F-4D97-AF65-F5344CB8AC3E}">
-        <p14:creationId xmlns:p14="http://schemas.microsoft.com/office/powerpoint/2010/main" val="2205324478"/>
-      </p:ext>
-    </p:extLst>
-  </p:cSld>
-  <p:clrMapOvr>
-    <a:masterClrMapping/>
-  </p:clrMapOvr>
-</p:sld>
-</file>
-
-<file path=ppt/slides/slide12.xml><?xml version="1.0" encoding="utf-8"?>
-<p:sld xmlns:a="http://schemas.openxmlformats.org/drawingml/2006/main" xmlns:r="http://schemas.openxmlformats.org/officeDocument/2006/relationships" xmlns:p="http://schemas.openxmlformats.org/presentationml/2006/main">
-  <p:cSld>
-    <p:spTree>
-      <p:nvGrpSpPr>
-        <p:cNvPr id="1" name=""/>
-        <p:cNvGrpSpPr/>
-        <p:nvPr/>
-      </p:nvGrpSpPr>
-      <p:grpSpPr>
-        <a:xfrm>
-          <a:off x="0" y="0"/>
-          <a:ext cx="0" cy="0"/>
-          <a:chOff x="0" y="0"/>
-          <a:chExt cx="0" cy="0"/>
-        </a:xfrm>
-      </p:grpSpPr>
-      <p:sp>
-        <p:nvSpPr>
-          <p:cNvPr id="2" name="TextBox 1">
-            <a:extLst>
-              <a:ext uri="{FF2B5EF4-FFF2-40B4-BE49-F238E27FC236}">
-                <a16:creationId xmlns:a16="http://schemas.microsoft.com/office/drawing/2014/main" id="{B72CC41D-AC39-4F58-B8F1-CCFA8CF00050}"/>
-              </a:ext>
-            </a:extLst>
-          </p:cNvPr>
-          <p:cNvSpPr txBox="1"/>
-          <p:nvPr/>
-        </p:nvSpPr>
-        <p:spPr>
-          <a:xfrm>
-            <a:off x="990600" y="904876"/>
-            <a:ext cx="4680235" cy="2470100"/>
-          </a:xfrm>
-          <a:prstGeom prst="rect">
-            <a:avLst/>
-          </a:prstGeom>
-          <a:noFill/>
-        </p:spPr>
-        <p:txBody>
-          <a:bodyPr wrap="square" rtlCol="0">
-            <a:spAutoFit/>
-          </a:bodyPr>
-          <a:lstStyle/>
-          <a:p>
-            <a:pPr indent="-228600">
-              <a:lnSpc>
-                <a:spcPct val="120000"/>
-              </a:lnSpc>
-              <a:spcAft>
-                <a:spcPts val="600"/>
-              </a:spcAft>
-              <a:buFont typeface="Arial" panose="020B0604020202020204" pitchFamily="34" charset="0"/>
-              <a:buChar char="•"/>
-            </a:pPr>
-            <a:r>
-              <a:rPr lang="en-US" dirty="0"/>
-              <a:t>The least significant columns were dropped and by using the </a:t>
-            </a:r>
-            <a:r>
-              <a:rPr lang="en-US" dirty="0" err="1"/>
-              <a:t>RandomOverSampler</a:t>
-            </a:r>
-            <a:r>
-              <a:rPr lang="en-US" dirty="0"/>
-              <a:t> method, the data was balanced.</a:t>
-            </a:r>
-          </a:p>
-          <a:p>
-            <a:pPr indent="-228600">
-              <a:lnSpc>
-                <a:spcPct val="120000"/>
-              </a:lnSpc>
-              <a:spcAft>
-                <a:spcPts val="600"/>
-              </a:spcAft>
-              <a:buFont typeface="Arial" panose="020B0604020202020204" pitchFamily="34" charset="0"/>
-              <a:buChar char="•"/>
-            </a:pPr>
-            <a:r>
-              <a:rPr lang="en-US" dirty="0"/>
-              <a:t>The second model trained with 3,000 decision trees, balanced data, and less features reached an accuracy score of 87%.</a:t>
-            </a:r>
-          </a:p>
-        </p:txBody>
-      </p:sp>
-      <p:pic>
-        <p:nvPicPr>
-          <p:cNvPr id="4" name="Picture 3">
-            <a:extLst>
-              <a:ext uri="{FF2B5EF4-FFF2-40B4-BE49-F238E27FC236}">
-                <a16:creationId xmlns:a16="http://schemas.microsoft.com/office/drawing/2014/main" id="{5A142BCC-5867-47AE-AD49-B6C3B97D3B65}"/>
-              </a:ext>
-            </a:extLst>
-          </p:cNvPr>
-          <p:cNvPicPr>
-            <a:picLocks noChangeAspect="1"/>
-          </p:cNvPicPr>
-          <p:nvPr/>
-        </p:nvPicPr>
-        <p:blipFill>
-          <a:blip r:embed="rId2"/>
-          <a:stretch>
-            <a:fillRect/>
-          </a:stretch>
-        </p:blipFill>
-        <p:spPr>
-          <a:xfrm>
-            <a:off x="6096000" y="767179"/>
-            <a:ext cx="4680235" cy="1487749"/>
-          </a:xfrm>
-          <a:prstGeom prst="rect">
-            <a:avLst/>
-          </a:prstGeom>
-        </p:spPr>
-      </p:pic>
-      <p:pic>
-        <p:nvPicPr>
-          <p:cNvPr id="6" name="Picture 5">
-            <a:extLst>
-              <a:ext uri="{FF2B5EF4-FFF2-40B4-BE49-F238E27FC236}">
-                <a16:creationId xmlns:a16="http://schemas.microsoft.com/office/drawing/2014/main" id="{D4110231-D85A-4199-B30E-7522AEB75B9B}"/>
-              </a:ext>
-            </a:extLst>
-          </p:cNvPr>
-          <p:cNvPicPr>
-            <a:picLocks noChangeAspect="1"/>
-          </p:cNvPicPr>
-          <p:nvPr/>
-        </p:nvPicPr>
-        <p:blipFill>
-          <a:blip r:embed="rId3"/>
-          <a:stretch>
-            <a:fillRect/>
-          </a:stretch>
-        </p:blipFill>
-        <p:spPr>
-          <a:xfrm>
-            <a:off x="6500594" y="2707127"/>
-            <a:ext cx="4399029" cy="3201313"/>
-          </a:xfrm>
-          <a:prstGeom prst="rect">
-            <a:avLst/>
-          </a:prstGeom>
-        </p:spPr>
-      </p:pic>
-    </p:spTree>
-    <p:extLst>
-      <p:ext uri="{BB962C8B-B14F-4D97-AF65-F5344CB8AC3E}">
-        <p14:creationId xmlns:p14="http://schemas.microsoft.com/office/powerpoint/2010/main" val="2047011490"/>
       </p:ext>
     </p:extLst>
   </p:cSld>

--- a/Final_Presentation.pptx
+++ b/Final_Presentation.pptx
@@ -121,6 +121,43 @@
     </p:ext>
   </p:extLst>
 </p:presentation>
+</file>
+
+<file path=ppt/changesInfos/changesInfo1.xml><?xml version="1.0" encoding="utf-8"?>
+<pc:chgInfo xmlns:a="http://schemas.openxmlformats.org/drawingml/2006/main" xmlns:r="http://schemas.openxmlformats.org/officeDocument/2006/relationships" xmlns:ac="http://schemas.microsoft.com/office/drawing/2013/main/command" xmlns:pc="http://schemas.microsoft.com/office/powerpoint/2013/main/command">
+  <pc:docChgLst>
+    <pc:chgData name="Mia Curtopelle" userId="e2d88d6bb85d9655" providerId="LiveId" clId="{BB93B966-C5B8-425C-B388-543223467872}"/>
+    <pc:docChg chg="custSel modSld">
+      <pc:chgData name="Mia Curtopelle" userId="e2d88d6bb85d9655" providerId="LiveId" clId="{BB93B966-C5B8-425C-B388-543223467872}" dt="2020-07-25T19:24:12.660" v="6" actId="14100"/>
+      <pc:docMkLst>
+        <pc:docMk/>
+      </pc:docMkLst>
+      <pc:sldChg chg="addSp delSp modSp mod">
+        <pc:chgData name="Mia Curtopelle" userId="e2d88d6bb85d9655" providerId="LiveId" clId="{BB93B966-C5B8-425C-B388-543223467872}" dt="2020-07-25T19:24:12.660" v="6" actId="14100"/>
+        <pc:sldMkLst>
+          <pc:docMk/>
+          <pc:sldMk cId="2047011490" sldId="266"/>
+        </pc:sldMkLst>
+        <pc:picChg chg="add mod">
+          <ac:chgData name="Mia Curtopelle" userId="e2d88d6bb85d9655" providerId="LiveId" clId="{BB93B966-C5B8-425C-B388-543223467872}" dt="2020-07-25T19:24:12.660" v="6" actId="14100"/>
+          <ac:picMkLst>
+            <pc:docMk/>
+            <pc:sldMk cId="2047011490" sldId="266"/>
+            <ac:picMk id="5" creationId="{78003776-B776-4AA4-A6AE-7E200A1DE17F}"/>
+          </ac:picMkLst>
+        </pc:picChg>
+        <pc:picChg chg="del">
+          <ac:chgData name="Mia Curtopelle" userId="e2d88d6bb85d9655" providerId="LiveId" clId="{BB93B966-C5B8-425C-B388-543223467872}" dt="2020-07-25T19:23:43.309" v="0" actId="478"/>
+          <ac:picMkLst>
+            <pc:docMk/>
+            <pc:sldMk cId="2047011490" sldId="266"/>
+            <ac:picMk id="6" creationId="{D4110231-D85A-4199-B30E-7522AEB75B9B}"/>
+          </ac:picMkLst>
+        </pc:picChg>
+      </pc:sldChg>
+    </pc:docChg>
+  </pc:docChgLst>
+</pc:chgInfo>
 </file>
 
 <file path=ppt/slideLayouts/slideLayout1.xml><?xml version="1.0" encoding="utf-8"?>
@@ -4384,10 +4421,10 @@
       </p:pic>
       <p:pic>
         <p:nvPicPr>
-          <p:cNvPr id="6" name="Picture 5">
-            <a:extLst>
-              <a:ext uri="{FF2B5EF4-FFF2-40B4-BE49-F238E27FC236}">
-                <a16:creationId xmlns:a16="http://schemas.microsoft.com/office/drawing/2014/main" id="{D4110231-D85A-4199-B30E-7522AEB75B9B}"/>
+          <p:cNvPr id="5" name="Picture 4">
+            <a:extLst>
+              <a:ext uri="{FF2B5EF4-FFF2-40B4-BE49-F238E27FC236}">
+                <a16:creationId xmlns:a16="http://schemas.microsoft.com/office/drawing/2014/main" id="{78003776-B776-4AA4-A6AE-7E200A1DE17F}"/>
               </a:ext>
             </a:extLst>
           </p:cNvPr>
@@ -4404,8 +4441,8 @@
         </p:blipFill>
         <p:spPr>
           <a:xfrm>
-            <a:off x="6500594" y="2707127"/>
-            <a:ext cx="4399029" cy="3201313"/>
+            <a:off x="6618914" y="2716845"/>
+            <a:ext cx="4228051" cy="3239338"/>
           </a:xfrm>
           <a:prstGeom prst="rect">
             <a:avLst/>
